--- a/Presentation.pptx
+++ b/Presentation.pptx
@@ -450,7 +450,7 @@
           <a:p>
             <a:fld id="{60DA4470-4896-4A6B-8EFE-217EF3951C8F}" type="datetimeFigureOut">
               <a:rPr lang="en-US" smtClean="0"/>
-              <a:t>7/18/2020</a:t>
+              <a:t>7/19/2020</a:t>
             </a:fld>
             <a:endParaRPr lang="en-US"/>
           </a:p>
@@ -774,7 +774,7 @@
           <a:p>
             <a:fld id="{60DA4470-4896-4A6B-8EFE-217EF3951C8F}" type="datetimeFigureOut">
               <a:rPr lang="en-US" smtClean="0"/>
-              <a:t>7/18/2020</a:t>
+              <a:t>7/19/2020</a:t>
             </a:fld>
             <a:endParaRPr lang="en-US"/>
           </a:p>
@@ -1022,7 +1022,7 @@
           <a:p>
             <a:fld id="{60DA4470-4896-4A6B-8EFE-217EF3951C8F}" type="datetimeFigureOut">
               <a:rPr lang="en-US" smtClean="0"/>
-              <a:t>7/18/2020</a:t>
+              <a:t>7/19/2020</a:t>
             </a:fld>
             <a:endParaRPr lang="en-US"/>
           </a:p>
@@ -1361,7 +1361,7 @@
           <a:p>
             <a:fld id="{60DA4470-4896-4A6B-8EFE-217EF3951C8F}" type="datetimeFigureOut">
               <a:rPr lang="en-US" smtClean="0"/>
-              <a:t>7/18/2020</a:t>
+              <a:t>7/19/2020</a:t>
             </a:fld>
             <a:endParaRPr lang="en-US"/>
           </a:p>
@@ -1708,7 +1708,7 @@
           <a:p>
             <a:fld id="{60DA4470-4896-4A6B-8EFE-217EF3951C8F}" type="datetimeFigureOut">
               <a:rPr lang="en-US" smtClean="0"/>
-              <a:t>7/18/2020</a:t>
+              <a:t>7/19/2020</a:t>
             </a:fld>
             <a:endParaRPr lang="en-US"/>
           </a:p>
@@ -2082,7 +2082,7 @@
           <a:p>
             <a:fld id="{60DA4470-4896-4A6B-8EFE-217EF3951C8F}" type="datetimeFigureOut">
               <a:rPr lang="en-US" smtClean="0"/>
-              <a:t>7/18/2020</a:t>
+              <a:t>7/19/2020</a:t>
             </a:fld>
             <a:endParaRPr lang="en-US"/>
           </a:p>
@@ -2552,7 +2552,7 @@
           <a:p>
             <a:fld id="{60DA4470-4896-4A6B-8EFE-217EF3951C8F}" type="datetimeFigureOut">
               <a:rPr lang="en-US" smtClean="0"/>
-              <a:t>7/18/2020</a:t>
+              <a:t>7/19/2020</a:t>
             </a:fld>
             <a:endParaRPr lang="en-US"/>
           </a:p>
@@ -2757,7 +2757,7 @@
           <a:p>
             <a:fld id="{60DA4470-4896-4A6B-8EFE-217EF3951C8F}" type="datetimeFigureOut">
               <a:rPr lang="en-US" smtClean="0"/>
-              <a:t>7/18/2020</a:t>
+              <a:t>7/19/2020</a:t>
             </a:fld>
             <a:endParaRPr lang="en-US"/>
           </a:p>
@@ -2968,7 +2968,7 @@
           <a:p>
             <a:fld id="{60DA4470-4896-4A6B-8EFE-217EF3951C8F}" type="datetimeFigureOut">
               <a:rPr lang="en-US" smtClean="0"/>
-              <a:t>7/18/2020</a:t>
+              <a:t>7/19/2020</a:t>
             </a:fld>
             <a:endParaRPr lang="en-US"/>
           </a:p>
@@ -3200,7 +3200,7 @@
           <a:p>
             <a:fld id="{60DA4470-4896-4A6B-8EFE-217EF3951C8F}" type="datetimeFigureOut">
               <a:rPr lang="en-US" smtClean="0"/>
-              <a:t>7/18/2020</a:t>
+              <a:t>7/19/2020</a:t>
             </a:fld>
             <a:endParaRPr lang="en-US"/>
           </a:p>
@@ -3448,7 +3448,7 @@
           <a:p>
             <a:fld id="{60DA4470-4896-4A6B-8EFE-217EF3951C8F}" type="datetimeFigureOut">
               <a:rPr lang="en-US" smtClean="0"/>
-              <a:t>7/18/2020</a:t>
+              <a:t>7/19/2020</a:t>
             </a:fld>
             <a:endParaRPr lang="en-US"/>
           </a:p>
@@ -3746,7 +3746,7 @@
           <a:p>
             <a:fld id="{60DA4470-4896-4A6B-8EFE-217EF3951C8F}" type="datetimeFigureOut">
               <a:rPr lang="en-US" smtClean="0"/>
-              <a:t>7/18/2020</a:t>
+              <a:t>7/19/2020</a:t>
             </a:fld>
             <a:endParaRPr lang="en-US"/>
           </a:p>
@@ -4140,7 +4140,7 @@
           <a:p>
             <a:fld id="{60DA4470-4896-4A6B-8EFE-217EF3951C8F}" type="datetimeFigureOut">
               <a:rPr lang="en-US" smtClean="0"/>
-              <a:t>7/18/2020</a:t>
+              <a:t>7/19/2020</a:t>
             </a:fld>
             <a:endParaRPr lang="en-US"/>
           </a:p>
@@ -4289,7 +4289,7 @@
           <a:p>
             <a:fld id="{60DA4470-4896-4A6B-8EFE-217EF3951C8F}" type="datetimeFigureOut">
               <a:rPr lang="en-US" smtClean="0"/>
-              <a:t>7/18/2020</a:t>
+              <a:t>7/19/2020</a:t>
             </a:fld>
             <a:endParaRPr lang="en-US"/>
           </a:p>
@@ -4415,7 +4415,7 @@
           <a:p>
             <a:fld id="{60DA4470-4896-4A6B-8EFE-217EF3951C8F}" type="datetimeFigureOut">
               <a:rPr lang="en-US" smtClean="0"/>
-              <a:t>7/18/2020</a:t>
+              <a:t>7/19/2020</a:t>
             </a:fld>
             <a:endParaRPr lang="en-US"/>
           </a:p>
@@ -4670,7 +4670,7 @@
           <a:p>
             <a:fld id="{60DA4470-4896-4A6B-8EFE-217EF3951C8F}" type="datetimeFigureOut">
               <a:rPr lang="en-US" smtClean="0"/>
-              <a:t>7/18/2020</a:t>
+              <a:t>7/19/2020</a:t>
             </a:fld>
             <a:endParaRPr lang="en-US"/>
           </a:p>
@@ -4985,7 +4985,7 @@
           <a:p>
             <a:fld id="{60DA4470-4896-4A6B-8EFE-217EF3951C8F}" type="datetimeFigureOut">
               <a:rPr lang="en-US" smtClean="0"/>
-              <a:t>7/18/2020</a:t>
+              <a:t>7/19/2020</a:t>
             </a:fld>
             <a:endParaRPr lang="en-US"/>
           </a:p>
@@ -5336,7 +5336,7 @@
           <a:p>
             <a:fld id="{60DA4470-4896-4A6B-8EFE-217EF3951C8F}" type="datetimeFigureOut">
               <a:rPr lang="en-US" smtClean="0"/>
-              <a:t>7/18/2020</a:t>
+              <a:t>7/19/2020</a:t>
             </a:fld>
             <a:endParaRPr lang="en-US"/>
           </a:p>
@@ -6233,14 +6233,14 @@
             <p:ph idx="1"/>
             <p:extLst>
               <p:ext uri="{D42A27DB-BD31-4B8C-83A1-F6EECF244321}">
-                <p14:modId xmlns:p14="http://schemas.microsoft.com/office/powerpoint/2010/main" val="2244687294"/>
+                <p14:modId xmlns:p14="http://schemas.microsoft.com/office/powerpoint/2010/main" val="782648348"/>
               </p:ext>
             </p:extLst>
           </p:nvPr>
         </p:nvGraphicFramePr>
         <p:xfrm>
           <a:off x="745587" y="1125415"/>
-          <a:ext cx="11043139" cy="5282115"/>
+          <a:ext cx="11043139" cy="5556435"/>
         </p:xfrm>
         <a:graphic>
           <a:graphicData uri="http://schemas.openxmlformats.org/drawingml/2006/table">
@@ -6310,7 +6310,10 @@
                     <a:bodyPr/>
                     <a:lstStyle/>
                     <a:p>
-                      <a:endParaRPr lang="en-US" dirty="0"/>
+                      <a:r>
+                        <a:rPr lang="en-US" dirty="0"/>
+                        <a:t>Winter vs Summer Olympics</a:t>
+                      </a:r>
                     </a:p>
                   </a:txBody>
                   <a:tcPr/>
@@ -6421,7 +6424,10 @@
                     <a:bodyPr/>
                     <a:lstStyle/>
                     <a:p>
-                      <a:endParaRPr lang="en-US" dirty="0"/>
+                      <a:r>
+                        <a:rPr lang="en-US" dirty="0"/>
+                        <a:t>Medal Distribution</a:t>
+                      </a:r>
                     </a:p>
                   </a:txBody>
                   <a:tcPr/>
@@ -6532,7 +6538,16 @@
                     <a:bodyPr/>
                     <a:lstStyle/>
                     <a:p>
-                      <a:endParaRPr lang="en-US"/>
+                      <a:r>
+                        <a:rPr lang="en-US" dirty="0"/>
+                        <a:t>Sports &amp; Athletes </a:t>
+                      </a:r>
+                    </a:p>
+                    <a:p>
+                      <a:r>
+                        <a:rPr lang="en-US" dirty="0"/>
+                        <a:t>Participation and Performance</a:t>
+                      </a:r>
                     </a:p>
                   </a:txBody>
                   <a:tcPr/>

--- a/Presentation.pptx
+++ b/Presentation.pptx
@@ -8,11 +8,28 @@
     <p:sldId id="256" r:id="rId2"/>
     <p:sldId id="257" r:id="rId3"/>
     <p:sldId id="259" r:id="rId4"/>
-    <p:sldId id="260" r:id="rId5"/>
-    <p:sldId id="263" r:id="rId6"/>
-    <p:sldId id="262" r:id="rId7"/>
-    <p:sldId id="264" r:id="rId8"/>
-    <p:sldId id="265" r:id="rId9"/>
+    <p:sldId id="272" r:id="rId5"/>
+    <p:sldId id="280" r:id="rId6"/>
+    <p:sldId id="271" r:id="rId7"/>
+    <p:sldId id="270" r:id="rId8"/>
+    <p:sldId id="269" r:id="rId9"/>
+    <p:sldId id="273" r:id="rId10"/>
+    <p:sldId id="275" r:id="rId11"/>
+    <p:sldId id="274" r:id="rId12"/>
+    <p:sldId id="276" r:id="rId13"/>
+    <p:sldId id="277" r:id="rId14"/>
+    <p:sldId id="278" r:id="rId15"/>
+    <p:sldId id="279" r:id="rId16"/>
+    <p:sldId id="281" r:id="rId17"/>
+    <p:sldId id="282" r:id="rId18"/>
+    <p:sldId id="283" r:id="rId19"/>
+    <p:sldId id="260" r:id="rId20"/>
+    <p:sldId id="266" r:id="rId21"/>
+    <p:sldId id="267" r:id="rId22"/>
+    <p:sldId id="285" r:id="rId23"/>
+    <p:sldId id="284" r:id="rId24"/>
+    <p:sldId id="264" r:id="rId25"/>
+    <p:sldId id="265" r:id="rId26"/>
   </p:sldIdLst>
   <p:sldSz cx="12192000" cy="6858000"/>
   <p:notesSz cx="6858000" cy="9144000"/>
@@ -450,7 +467,7 @@
           <a:p>
             <a:fld id="{60DA4470-4896-4A6B-8EFE-217EF3951C8F}" type="datetimeFigureOut">
               <a:rPr lang="en-US" smtClean="0"/>
-              <a:t>7/19/2020</a:t>
+              <a:t>7/21/2020</a:t>
             </a:fld>
             <a:endParaRPr lang="en-US"/>
           </a:p>
@@ -774,7 +791,7 @@
           <a:p>
             <a:fld id="{60DA4470-4896-4A6B-8EFE-217EF3951C8F}" type="datetimeFigureOut">
               <a:rPr lang="en-US" smtClean="0"/>
-              <a:t>7/19/2020</a:t>
+              <a:t>7/21/2020</a:t>
             </a:fld>
             <a:endParaRPr lang="en-US"/>
           </a:p>
@@ -1022,7 +1039,7 @@
           <a:p>
             <a:fld id="{60DA4470-4896-4A6B-8EFE-217EF3951C8F}" type="datetimeFigureOut">
               <a:rPr lang="en-US" smtClean="0"/>
-              <a:t>7/19/2020</a:t>
+              <a:t>7/21/2020</a:t>
             </a:fld>
             <a:endParaRPr lang="en-US"/>
           </a:p>
@@ -1361,7 +1378,7 @@
           <a:p>
             <a:fld id="{60DA4470-4896-4A6B-8EFE-217EF3951C8F}" type="datetimeFigureOut">
               <a:rPr lang="en-US" smtClean="0"/>
-              <a:t>7/19/2020</a:t>
+              <a:t>7/21/2020</a:t>
             </a:fld>
             <a:endParaRPr lang="en-US"/>
           </a:p>
@@ -1708,7 +1725,7 @@
           <a:p>
             <a:fld id="{60DA4470-4896-4A6B-8EFE-217EF3951C8F}" type="datetimeFigureOut">
               <a:rPr lang="en-US" smtClean="0"/>
-              <a:t>7/19/2020</a:t>
+              <a:t>7/21/2020</a:t>
             </a:fld>
             <a:endParaRPr lang="en-US"/>
           </a:p>
@@ -2082,7 +2099,7 @@
           <a:p>
             <a:fld id="{60DA4470-4896-4A6B-8EFE-217EF3951C8F}" type="datetimeFigureOut">
               <a:rPr lang="en-US" smtClean="0"/>
-              <a:t>7/19/2020</a:t>
+              <a:t>7/21/2020</a:t>
             </a:fld>
             <a:endParaRPr lang="en-US"/>
           </a:p>
@@ -2552,7 +2569,7 @@
           <a:p>
             <a:fld id="{60DA4470-4896-4A6B-8EFE-217EF3951C8F}" type="datetimeFigureOut">
               <a:rPr lang="en-US" smtClean="0"/>
-              <a:t>7/19/2020</a:t>
+              <a:t>7/21/2020</a:t>
             </a:fld>
             <a:endParaRPr lang="en-US"/>
           </a:p>
@@ -2757,7 +2774,7 @@
           <a:p>
             <a:fld id="{60DA4470-4896-4A6B-8EFE-217EF3951C8F}" type="datetimeFigureOut">
               <a:rPr lang="en-US" smtClean="0"/>
-              <a:t>7/19/2020</a:t>
+              <a:t>7/21/2020</a:t>
             </a:fld>
             <a:endParaRPr lang="en-US"/>
           </a:p>
@@ -2968,7 +2985,7 @@
           <a:p>
             <a:fld id="{60DA4470-4896-4A6B-8EFE-217EF3951C8F}" type="datetimeFigureOut">
               <a:rPr lang="en-US" smtClean="0"/>
-              <a:t>7/19/2020</a:t>
+              <a:t>7/21/2020</a:t>
             </a:fld>
             <a:endParaRPr lang="en-US"/>
           </a:p>
@@ -3200,7 +3217,7 @@
           <a:p>
             <a:fld id="{60DA4470-4896-4A6B-8EFE-217EF3951C8F}" type="datetimeFigureOut">
               <a:rPr lang="en-US" smtClean="0"/>
-              <a:t>7/19/2020</a:t>
+              <a:t>7/21/2020</a:t>
             </a:fld>
             <a:endParaRPr lang="en-US"/>
           </a:p>
@@ -3448,7 +3465,7 @@
           <a:p>
             <a:fld id="{60DA4470-4896-4A6B-8EFE-217EF3951C8F}" type="datetimeFigureOut">
               <a:rPr lang="en-US" smtClean="0"/>
-              <a:t>7/19/2020</a:t>
+              <a:t>7/21/2020</a:t>
             </a:fld>
             <a:endParaRPr lang="en-US"/>
           </a:p>
@@ -3746,7 +3763,7 @@
           <a:p>
             <a:fld id="{60DA4470-4896-4A6B-8EFE-217EF3951C8F}" type="datetimeFigureOut">
               <a:rPr lang="en-US" smtClean="0"/>
-              <a:t>7/19/2020</a:t>
+              <a:t>7/21/2020</a:t>
             </a:fld>
             <a:endParaRPr lang="en-US"/>
           </a:p>
@@ -4140,7 +4157,7 @@
           <a:p>
             <a:fld id="{60DA4470-4896-4A6B-8EFE-217EF3951C8F}" type="datetimeFigureOut">
               <a:rPr lang="en-US" smtClean="0"/>
-              <a:t>7/19/2020</a:t>
+              <a:t>7/21/2020</a:t>
             </a:fld>
             <a:endParaRPr lang="en-US"/>
           </a:p>
@@ -4289,7 +4306,7 @@
           <a:p>
             <a:fld id="{60DA4470-4896-4A6B-8EFE-217EF3951C8F}" type="datetimeFigureOut">
               <a:rPr lang="en-US" smtClean="0"/>
-              <a:t>7/19/2020</a:t>
+              <a:t>7/21/2020</a:t>
             </a:fld>
             <a:endParaRPr lang="en-US"/>
           </a:p>
@@ -4415,7 +4432,7 @@
           <a:p>
             <a:fld id="{60DA4470-4896-4A6B-8EFE-217EF3951C8F}" type="datetimeFigureOut">
               <a:rPr lang="en-US" smtClean="0"/>
-              <a:t>7/19/2020</a:t>
+              <a:t>7/21/2020</a:t>
             </a:fld>
             <a:endParaRPr lang="en-US"/>
           </a:p>
@@ -4670,7 +4687,7 @@
           <a:p>
             <a:fld id="{60DA4470-4896-4A6B-8EFE-217EF3951C8F}" type="datetimeFigureOut">
               <a:rPr lang="en-US" smtClean="0"/>
-              <a:t>7/19/2020</a:t>
+              <a:t>7/21/2020</a:t>
             </a:fld>
             <a:endParaRPr lang="en-US"/>
           </a:p>
@@ -4985,7 +5002,7 @@
           <a:p>
             <a:fld id="{60DA4470-4896-4A6B-8EFE-217EF3951C8F}" type="datetimeFigureOut">
               <a:rPr lang="en-US" smtClean="0"/>
-              <a:t>7/19/2020</a:t>
+              <a:t>7/21/2020</a:t>
             </a:fld>
             <a:endParaRPr lang="en-US"/>
           </a:p>
@@ -5336,7 +5353,7 @@
           <a:p>
             <a:fld id="{60DA4470-4896-4A6B-8EFE-217EF3951C8F}" type="datetimeFigureOut">
               <a:rPr lang="en-US" smtClean="0"/>
-              <a:t>7/19/2020</a:t>
+              <a:t>7/21/2020</a:t>
             </a:fld>
             <a:endParaRPr lang="en-US"/>
           </a:p>
@@ -5948,6 +5965,798 @@
 </p:sld>
 </file>
 
+<file path=ppt/slides/slide10.xml><?xml version="1.0" encoding="utf-8"?>
+<p:sld xmlns:a="http://schemas.openxmlformats.org/drawingml/2006/main" xmlns:r="http://schemas.openxmlformats.org/officeDocument/2006/relationships" xmlns:p="http://schemas.openxmlformats.org/presentationml/2006/main">
+  <p:cSld>
+    <p:spTree>
+      <p:nvGrpSpPr>
+        <p:cNvPr id="1" name=""/>
+        <p:cNvGrpSpPr/>
+        <p:nvPr/>
+      </p:nvGrpSpPr>
+      <p:grpSpPr>
+        <a:xfrm>
+          <a:off x="0" y="0"/>
+          <a:ext cx="0" cy="0"/>
+          <a:chOff x="0" y="0"/>
+          <a:chExt cx="0" cy="0"/>
+        </a:xfrm>
+      </p:grpSpPr>
+      <p:sp>
+        <p:nvSpPr>
+          <p:cNvPr id="2" name="Title 1">
+            <a:extLst>
+              <a:ext uri="{FF2B5EF4-FFF2-40B4-BE49-F238E27FC236}">
+                <a16:creationId xmlns:a16="http://schemas.microsoft.com/office/drawing/2014/main" id="{832E8380-66D6-4FA5-9FD5-DDCD47025711}"/>
+              </a:ext>
+            </a:extLst>
+          </p:cNvPr>
+          <p:cNvSpPr>
+            <a:spLocks noGrp="1"/>
+          </p:cNvSpPr>
+          <p:nvPr>
+            <p:ph type="title"/>
+          </p:nvPr>
+        </p:nvSpPr>
+        <p:spPr/>
+        <p:txBody>
+          <a:bodyPr/>
+          <a:lstStyle/>
+          <a:p>
+            <a:endParaRPr lang="en-US"/>
+          </a:p>
+        </p:txBody>
+      </p:sp>
+      <p:sp>
+        <p:nvSpPr>
+          <p:cNvPr id="3" name="Content Placeholder 2">
+            <a:extLst>
+              <a:ext uri="{FF2B5EF4-FFF2-40B4-BE49-F238E27FC236}">
+                <a16:creationId xmlns:a16="http://schemas.microsoft.com/office/drawing/2014/main" id="{336FE6F0-484C-4D6A-B0AF-63594BF4D0F2}"/>
+              </a:ext>
+            </a:extLst>
+          </p:cNvPr>
+          <p:cNvSpPr>
+            <a:spLocks noGrp="1"/>
+          </p:cNvSpPr>
+          <p:nvPr>
+            <p:ph idx="1"/>
+          </p:nvPr>
+        </p:nvSpPr>
+        <p:spPr/>
+        <p:txBody>
+          <a:bodyPr/>
+          <a:lstStyle/>
+          <a:p>
+            <a:endParaRPr lang="en-US"/>
+          </a:p>
+        </p:txBody>
+      </p:sp>
+    </p:spTree>
+    <p:extLst>
+      <p:ext uri="{BB962C8B-B14F-4D97-AF65-F5344CB8AC3E}">
+        <p14:creationId xmlns:p14="http://schemas.microsoft.com/office/powerpoint/2010/main" val="3279990093"/>
+      </p:ext>
+    </p:extLst>
+  </p:cSld>
+  <p:clrMapOvr>
+    <a:masterClrMapping/>
+  </p:clrMapOvr>
+</p:sld>
+</file>
+
+<file path=ppt/slides/slide11.xml><?xml version="1.0" encoding="utf-8"?>
+<p:sld xmlns:a="http://schemas.openxmlformats.org/drawingml/2006/main" xmlns:r="http://schemas.openxmlformats.org/officeDocument/2006/relationships" xmlns:p="http://schemas.openxmlformats.org/presentationml/2006/main">
+  <p:cSld>
+    <p:spTree>
+      <p:nvGrpSpPr>
+        <p:cNvPr id="1" name=""/>
+        <p:cNvGrpSpPr/>
+        <p:nvPr/>
+      </p:nvGrpSpPr>
+      <p:grpSpPr>
+        <a:xfrm>
+          <a:off x="0" y="0"/>
+          <a:ext cx="0" cy="0"/>
+          <a:chOff x="0" y="0"/>
+          <a:chExt cx="0" cy="0"/>
+        </a:xfrm>
+      </p:grpSpPr>
+      <p:sp>
+        <p:nvSpPr>
+          <p:cNvPr id="2" name="Title 1">
+            <a:extLst>
+              <a:ext uri="{FF2B5EF4-FFF2-40B4-BE49-F238E27FC236}">
+                <a16:creationId xmlns:a16="http://schemas.microsoft.com/office/drawing/2014/main" id="{0145E425-A580-41D3-A569-43028D393F9C}"/>
+              </a:ext>
+            </a:extLst>
+          </p:cNvPr>
+          <p:cNvSpPr>
+            <a:spLocks noGrp="1"/>
+          </p:cNvSpPr>
+          <p:nvPr>
+            <p:ph type="title"/>
+          </p:nvPr>
+        </p:nvSpPr>
+        <p:spPr/>
+        <p:txBody>
+          <a:bodyPr/>
+          <a:lstStyle/>
+          <a:p>
+            <a:endParaRPr lang="en-US"/>
+          </a:p>
+        </p:txBody>
+      </p:sp>
+      <p:sp>
+        <p:nvSpPr>
+          <p:cNvPr id="3" name="Content Placeholder 2">
+            <a:extLst>
+              <a:ext uri="{FF2B5EF4-FFF2-40B4-BE49-F238E27FC236}">
+                <a16:creationId xmlns:a16="http://schemas.microsoft.com/office/drawing/2014/main" id="{789471A0-9D19-40AC-99FC-63194B3A1C74}"/>
+              </a:ext>
+            </a:extLst>
+          </p:cNvPr>
+          <p:cNvSpPr>
+            <a:spLocks noGrp="1"/>
+          </p:cNvSpPr>
+          <p:nvPr>
+            <p:ph idx="1"/>
+          </p:nvPr>
+        </p:nvSpPr>
+        <p:spPr/>
+        <p:txBody>
+          <a:bodyPr/>
+          <a:lstStyle/>
+          <a:p>
+            <a:endParaRPr lang="en-US"/>
+          </a:p>
+        </p:txBody>
+      </p:sp>
+    </p:spTree>
+    <p:extLst>
+      <p:ext uri="{BB962C8B-B14F-4D97-AF65-F5344CB8AC3E}">
+        <p14:creationId xmlns:p14="http://schemas.microsoft.com/office/powerpoint/2010/main" val="4231792120"/>
+      </p:ext>
+    </p:extLst>
+  </p:cSld>
+  <p:clrMapOvr>
+    <a:masterClrMapping/>
+  </p:clrMapOvr>
+</p:sld>
+</file>
+
+<file path=ppt/slides/slide12.xml><?xml version="1.0" encoding="utf-8"?>
+<p:sld xmlns:a="http://schemas.openxmlformats.org/drawingml/2006/main" xmlns:r="http://schemas.openxmlformats.org/officeDocument/2006/relationships" xmlns:p="http://schemas.openxmlformats.org/presentationml/2006/main">
+  <p:cSld>
+    <p:spTree>
+      <p:nvGrpSpPr>
+        <p:cNvPr id="1" name=""/>
+        <p:cNvGrpSpPr/>
+        <p:nvPr/>
+      </p:nvGrpSpPr>
+      <p:grpSpPr>
+        <a:xfrm>
+          <a:off x="0" y="0"/>
+          <a:ext cx="0" cy="0"/>
+          <a:chOff x="0" y="0"/>
+          <a:chExt cx="0" cy="0"/>
+        </a:xfrm>
+      </p:grpSpPr>
+      <p:sp>
+        <p:nvSpPr>
+          <p:cNvPr id="2" name="Title 1">
+            <a:extLst>
+              <a:ext uri="{FF2B5EF4-FFF2-40B4-BE49-F238E27FC236}">
+                <a16:creationId xmlns:a16="http://schemas.microsoft.com/office/drawing/2014/main" id="{3BC2BCE3-1BA5-470F-8846-D496327F7CC6}"/>
+              </a:ext>
+            </a:extLst>
+          </p:cNvPr>
+          <p:cNvSpPr>
+            <a:spLocks noGrp="1"/>
+          </p:cNvSpPr>
+          <p:nvPr>
+            <p:ph type="title"/>
+          </p:nvPr>
+        </p:nvSpPr>
+        <p:spPr/>
+        <p:txBody>
+          <a:bodyPr/>
+          <a:lstStyle/>
+          <a:p>
+            <a:endParaRPr lang="en-US"/>
+          </a:p>
+        </p:txBody>
+      </p:sp>
+      <p:sp>
+        <p:nvSpPr>
+          <p:cNvPr id="3" name="Content Placeholder 2">
+            <a:extLst>
+              <a:ext uri="{FF2B5EF4-FFF2-40B4-BE49-F238E27FC236}">
+                <a16:creationId xmlns:a16="http://schemas.microsoft.com/office/drawing/2014/main" id="{FB4F8283-9BB6-43AB-80AC-AA514E36A6C6}"/>
+              </a:ext>
+            </a:extLst>
+          </p:cNvPr>
+          <p:cNvSpPr>
+            <a:spLocks noGrp="1"/>
+          </p:cNvSpPr>
+          <p:nvPr>
+            <p:ph idx="1"/>
+          </p:nvPr>
+        </p:nvSpPr>
+        <p:spPr/>
+        <p:txBody>
+          <a:bodyPr/>
+          <a:lstStyle/>
+          <a:p>
+            <a:endParaRPr lang="en-US"/>
+          </a:p>
+        </p:txBody>
+      </p:sp>
+    </p:spTree>
+    <p:extLst>
+      <p:ext uri="{BB962C8B-B14F-4D97-AF65-F5344CB8AC3E}">
+        <p14:creationId xmlns:p14="http://schemas.microsoft.com/office/powerpoint/2010/main" val="3326555264"/>
+      </p:ext>
+    </p:extLst>
+  </p:cSld>
+  <p:clrMapOvr>
+    <a:masterClrMapping/>
+  </p:clrMapOvr>
+</p:sld>
+</file>
+
+<file path=ppt/slides/slide13.xml><?xml version="1.0" encoding="utf-8"?>
+<p:sld xmlns:a="http://schemas.openxmlformats.org/drawingml/2006/main" xmlns:r="http://schemas.openxmlformats.org/officeDocument/2006/relationships" xmlns:p="http://schemas.openxmlformats.org/presentationml/2006/main">
+  <p:cSld>
+    <p:spTree>
+      <p:nvGrpSpPr>
+        <p:cNvPr id="1" name=""/>
+        <p:cNvGrpSpPr/>
+        <p:nvPr/>
+      </p:nvGrpSpPr>
+      <p:grpSpPr>
+        <a:xfrm>
+          <a:off x="0" y="0"/>
+          <a:ext cx="0" cy="0"/>
+          <a:chOff x="0" y="0"/>
+          <a:chExt cx="0" cy="0"/>
+        </a:xfrm>
+      </p:grpSpPr>
+      <p:sp>
+        <p:nvSpPr>
+          <p:cNvPr id="2" name="Title 1">
+            <a:extLst>
+              <a:ext uri="{FF2B5EF4-FFF2-40B4-BE49-F238E27FC236}">
+                <a16:creationId xmlns:a16="http://schemas.microsoft.com/office/drawing/2014/main" id="{AF239CDD-F40A-4FB1-9E29-0D0D7F18BEE9}"/>
+              </a:ext>
+            </a:extLst>
+          </p:cNvPr>
+          <p:cNvSpPr>
+            <a:spLocks noGrp="1"/>
+          </p:cNvSpPr>
+          <p:nvPr>
+            <p:ph type="title"/>
+          </p:nvPr>
+        </p:nvSpPr>
+        <p:spPr/>
+        <p:txBody>
+          <a:bodyPr/>
+          <a:lstStyle/>
+          <a:p>
+            <a:endParaRPr lang="en-US"/>
+          </a:p>
+        </p:txBody>
+      </p:sp>
+      <p:sp>
+        <p:nvSpPr>
+          <p:cNvPr id="3" name="Content Placeholder 2">
+            <a:extLst>
+              <a:ext uri="{FF2B5EF4-FFF2-40B4-BE49-F238E27FC236}">
+                <a16:creationId xmlns:a16="http://schemas.microsoft.com/office/drawing/2014/main" id="{A6C8A80D-C246-4CE6-9ECC-73A741D7DC8A}"/>
+              </a:ext>
+            </a:extLst>
+          </p:cNvPr>
+          <p:cNvSpPr>
+            <a:spLocks noGrp="1"/>
+          </p:cNvSpPr>
+          <p:nvPr>
+            <p:ph idx="1"/>
+          </p:nvPr>
+        </p:nvSpPr>
+        <p:spPr/>
+        <p:txBody>
+          <a:bodyPr/>
+          <a:lstStyle/>
+          <a:p>
+            <a:endParaRPr lang="en-US"/>
+          </a:p>
+        </p:txBody>
+      </p:sp>
+    </p:spTree>
+    <p:extLst>
+      <p:ext uri="{BB962C8B-B14F-4D97-AF65-F5344CB8AC3E}">
+        <p14:creationId xmlns:p14="http://schemas.microsoft.com/office/powerpoint/2010/main" val="2917944030"/>
+      </p:ext>
+    </p:extLst>
+  </p:cSld>
+  <p:clrMapOvr>
+    <a:masterClrMapping/>
+  </p:clrMapOvr>
+</p:sld>
+</file>
+
+<file path=ppt/slides/slide14.xml><?xml version="1.0" encoding="utf-8"?>
+<p:sld xmlns:a="http://schemas.openxmlformats.org/drawingml/2006/main" xmlns:r="http://schemas.openxmlformats.org/officeDocument/2006/relationships" xmlns:p="http://schemas.openxmlformats.org/presentationml/2006/main">
+  <p:cSld>
+    <p:spTree>
+      <p:nvGrpSpPr>
+        <p:cNvPr id="1" name=""/>
+        <p:cNvGrpSpPr/>
+        <p:nvPr/>
+      </p:nvGrpSpPr>
+      <p:grpSpPr>
+        <a:xfrm>
+          <a:off x="0" y="0"/>
+          <a:ext cx="0" cy="0"/>
+          <a:chOff x="0" y="0"/>
+          <a:chExt cx="0" cy="0"/>
+        </a:xfrm>
+      </p:grpSpPr>
+      <p:sp>
+        <p:nvSpPr>
+          <p:cNvPr id="2" name="Title 1">
+            <a:extLst>
+              <a:ext uri="{FF2B5EF4-FFF2-40B4-BE49-F238E27FC236}">
+                <a16:creationId xmlns:a16="http://schemas.microsoft.com/office/drawing/2014/main" id="{C4196EDE-3C35-4023-846D-C8D016C7065D}"/>
+              </a:ext>
+            </a:extLst>
+          </p:cNvPr>
+          <p:cNvSpPr>
+            <a:spLocks noGrp="1"/>
+          </p:cNvSpPr>
+          <p:nvPr>
+            <p:ph type="title"/>
+          </p:nvPr>
+        </p:nvSpPr>
+        <p:spPr/>
+        <p:txBody>
+          <a:bodyPr/>
+          <a:lstStyle/>
+          <a:p>
+            <a:endParaRPr lang="en-US"/>
+          </a:p>
+        </p:txBody>
+      </p:sp>
+      <p:sp>
+        <p:nvSpPr>
+          <p:cNvPr id="3" name="Content Placeholder 2">
+            <a:extLst>
+              <a:ext uri="{FF2B5EF4-FFF2-40B4-BE49-F238E27FC236}">
+                <a16:creationId xmlns:a16="http://schemas.microsoft.com/office/drawing/2014/main" id="{9F605323-2BA1-4B55-9474-83DC8B2752D9}"/>
+              </a:ext>
+            </a:extLst>
+          </p:cNvPr>
+          <p:cNvSpPr>
+            <a:spLocks noGrp="1"/>
+          </p:cNvSpPr>
+          <p:nvPr>
+            <p:ph idx="1"/>
+          </p:nvPr>
+        </p:nvSpPr>
+        <p:spPr/>
+        <p:txBody>
+          <a:bodyPr/>
+          <a:lstStyle/>
+          <a:p>
+            <a:endParaRPr lang="en-US"/>
+          </a:p>
+        </p:txBody>
+      </p:sp>
+    </p:spTree>
+    <p:extLst>
+      <p:ext uri="{BB962C8B-B14F-4D97-AF65-F5344CB8AC3E}">
+        <p14:creationId xmlns:p14="http://schemas.microsoft.com/office/powerpoint/2010/main" val="3559274504"/>
+      </p:ext>
+    </p:extLst>
+  </p:cSld>
+  <p:clrMapOvr>
+    <a:masterClrMapping/>
+  </p:clrMapOvr>
+</p:sld>
+</file>
+
+<file path=ppt/slides/slide15.xml><?xml version="1.0" encoding="utf-8"?>
+<p:sld xmlns:a="http://schemas.openxmlformats.org/drawingml/2006/main" xmlns:r="http://schemas.openxmlformats.org/officeDocument/2006/relationships" xmlns:p="http://schemas.openxmlformats.org/presentationml/2006/main">
+  <p:cSld>
+    <p:spTree>
+      <p:nvGrpSpPr>
+        <p:cNvPr id="1" name=""/>
+        <p:cNvGrpSpPr/>
+        <p:nvPr/>
+      </p:nvGrpSpPr>
+      <p:grpSpPr>
+        <a:xfrm>
+          <a:off x="0" y="0"/>
+          <a:ext cx="0" cy="0"/>
+          <a:chOff x="0" y="0"/>
+          <a:chExt cx="0" cy="0"/>
+        </a:xfrm>
+      </p:grpSpPr>
+      <p:sp>
+        <p:nvSpPr>
+          <p:cNvPr id="2" name="Title 1">
+            <a:extLst>
+              <a:ext uri="{FF2B5EF4-FFF2-40B4-BE49-F238E27FC236}">
+                <a16:creationId xmlns:a16="http://schemas.microsoft.com/office/drawing/2014/main" id="{EA76A6E5-EBFA-4A39-82F0-3CD035BB1D9E}"/>
+              </a:ext>
+            </a:extLst>
+          </p:cNvPr>
+          <p:cNvSpPr>
+            <a:spLocks noGrp="1"/>
+          </p:cNvSpPr>
+          <p:nvPr>
+            <p:ph type="title"/>
+          </p:nvPr>
+        </p:nvSpPr>
+        <p:spPr/>
+        <p:txBody>
+          <a:bodyPr/>
+          <a:lstStyle/>
+          <a:p>
+            <a:endParaRPr lang="en-US"/>
+          </a:p>
+        </p:txBody>
+      </p:sp>
+      <p:sp>
+        <p:nvSpPr>
+          <p:cNvPr id="3" name="Content Placeholder 2">
+            <a:extLst>
+              <a:ext uri="{FF2B5EF4-FFF2-40B4-BE49-F238E27FC236}">
+                <a16:creationId xmlns:a16="http://schemas.microsoft.com/office/drawing/2014/main" id="{D289DE29-736B-4C8E-92BE-D46204BA22E9}"/>
+              </a:ext>
+            </a:extLst>
+          </p:cNvPr>
+          <p:cNvSpPr>
+            <a:spLocks noGrp="1"/>
+          </p:cNvSpPr>
+          <p:nvPr>
+            <p:ph idx="1"/>
+          </p:nvPr>
+        </p:nvSpPr>
+        <p:spPr/>
+        <p:txBody>
+          <a:bodyPr/>
+          <a:lstStyle/>
+          <a:p>
+            <a:endParaRPr lang="en-US"/>
+          </a:p>
+        </p:txBody>
+      </p:sp>
+    </p:spTree>
+    <p:extLst>
+      <p:ext uri="{BB962C8B-B14F-4D97-AF65-F5344CB8AC3E}">
+        <p14:creationId xmlns:p14="http://schemas.microsoft.com/office/powerpoint/2010/main" val="916573358"/>
+      </p:ext>
+    </p:extLst>
+  </p:cSld>
+  <p:clrMapOvr>
+    <a:masterClrMapping/>
+  </p:clrMapOvr>
+</p:sld>
+</file>
+
+<file path=ppt/slides/slide16.xml><?xml version="1.0" encoding="utf-8"?>
+<p:sld xmlns:a="http://schemas.openxmlformats.org/drawingml/2006/main" xmlns:r="http://schemas.openxmlformats.org/officeDocument/2006/relationships" xmlns:p="http://schemas.openxmlformats.org/presentationml/2006/main">
+  <p:cSld>
+    <p:spTree>
+      <p:nvGrpSpPr>
+        <p:cNvPr id="1" name=""/>
+        <p:cNvGrpSpPr/>
+        <p:nvPr/>
+      </p:nvGrpSpPr>
+      <p:grpSpPr>
+        <a:xfrm>
+          <a:off x="0" y="0"/>
+          <a:ext cx="0" cy="0"/>
+          <a:chOff x="0" y="0"/>
+          <a:chExt cx="0" cy="0"/>
+        </a:xfrm>
+      </p:grpSpPr>
+      <p:sp>
+        <p:nvSpPr>
+          <p:cNvPr id="2" name="Title 1">
+            <a:extLst>
+              <a:ext uri="{FF2B5EF4-FFF2-40B4-BE49-F238E27FC236}">
+                <a16:creationId xmlns:a16="http://schemas.microsoft.com/office/drawing/2014/main" id="{AE8E95A5-C547-4D27-9705-258A50683F1A}"/>
+              </a:ext>
+            </a:extLst>
+          </p:cNvPr>
+          <p:cNvSpPr>
+            <a:spLocks noGrp="1"/>
+          </p:cNvSpPr>
+          <p:nvPr>
+            <p:ph type="title"/>
+          </p:nvPr>
+        </p:nvSpPr>
+        <p:spPr/>
+        <p:txBody>
+          <a:bodyPr/>
+          <a:lstStyle/>
+          <a:p>
+            <a:endParaRPr lang="en-US"/>
+          </a:p>
+        </p:txBody>
+      </p:sp>
+      <p:sp>
+        <p:nvSpPr>
+          <p:cNvPr id="3" name="Content Placeholder 2">
+            <a:extLst>
+              <a:ext uri="{FF2B5EF4-FFF2-40B4-BE49-F238E27FC236}">
+                <a16:creationId xmlns:a16="http://schemas.microsoft.com/office/drawing/2014/main" id="{B89975CD-0B18-4A54-ADAB-1DDD85F5B757}"/>
+              </a:ext>
+            </a:extLst>
+          </p:cNvPr>
+          <p:cNvSpPr>
+            <a:spLocks noGrp="1"/>
+          </p:cNvSpPr>
+          <p:nvPr>
+            <p:ph idx="1"/>
+          </p:nvPr>
+        </p:nvSpPr>
+        <p:spPr/>
+        <p:txBody>
+          <a:bodyPr/>
+          <a:lstStyle/>
+          <a:p>
+            <a:endParaRPr lang="en-US"/>
+          </a:p>
+        </p:txBody>
+      </p:sp>
+    </p:spTree>
+    <p:extLst>
+      <p:ext uri="{BB962C8B-B14F-4D97-AF65-F5344CB8AC3E}">
+        <p14:creationId xmlns:p14="http://schemas.microsoft.com/office/powerpoint/2010/main" val="3686698957"/>
+      </p:ext>
+    </p:extLst>
+  </p:cSld>
+  <p:clrMapOvr>
+    <a:masterClrMapping/>
+  </p:clrMapOvr>
+</p:sld>
+</file>
+
+<file path=ppt/slides/slide17.xml><?xml version="1.0" encoding="utf-8"?>
+<p:sld xmlns:a="http://schemas.openxmlformats.org/drawingml/2006/main" xmlns:r="http://schemas.openxmlformats.org/officeDocument/2006/relationships" xmlns:p="http://schemas.openxmlformats.org/presentationml/2006/main">
+  <p:cSld>
+    <p:spTree>
+      <p:nvGrpSpPr>
+        <p:cNvPr id="1" name=""/>
+        <p:cNvGrpSpPr/>
+        <p:nvPr/>
+      </p:nvGrpSpPr>
+      <p:grpSpPr>
+        <a:xfrm>
+          <a:off x="0" y="0"/>
+          <a:ext cx="0" cy="0"/>
+          <a:chOff x="0" y="0"/>
+          <a:chExt cx="0" cy="0"/>
+        </a:xfrm>
+      </p:grpSpPr>
+      <p:sp>
+        <p:nvSpPr>
+          <p:cNvPr id="2" name="Title 1">
+            <a:extLst>
+              <a:ext uri="{FF2B5EF4-FFF2-40B4-BE49-F238E27FC236}">
+                <a16:creationId xmlns:a16="http://schemas.microsoft.com/office/drawing/2014/main" id="{DDC05C7B-DEBD-4A52-AA07-0D7021FCFFDF}"/>
+              </a:ext>
+            </a:extLst>
+          </p:cNvPr>
+          <p:cNvSpPr>
+            <a:spLocks noGrp="1"/>
+          </p:cNvSpPr>
+          <p:nvPr>
+            <p:ph type="title"/>
+          </p:nvPr>
+        </p:nvSpPr>
+        <p:spPr/>
+        <p:txBody>
+          <a:bodyPr/>
+          <a:lstStyle/>
+          <a:p>
+            <a:endParaRPr lang="en-US"/>
+          </a:p>
+        </p:txBody>
+      </p:sp>
+      <p:sp>
+        <p:nvSpPr>
+          <p:cNvPr id="3" name="Content Placeholder 2">
+            <a:extLst>
+              <a:ext uri="{FF2B5EF4-FFF2-40B4-BE49-F238E27FC236}">
+                <a16:creationId xmlns:a16="http://schemas.microsoft.com/office/drawing/2014/main" id="{D94CE2FC-2012-4FCB-9F80-0246A8035EBA}"/>
+              </a:ext>
+            </a:extLst>
+          </p:cNvPr>
+          <p:cNvSpPr>
+            <a:spLocks noGrp="1"/>
+          </p:cNvSpPr>
+          <p:nvPr>
+            <p:ph idx="1"/>
+          </p:nvPr>
+        </p:nvSpPr>
+        <p:spPr/>
+        <p:txBody>
+          <a:bodyPr/>
+          <a:lstStyle/>
+          <a:p>
+            <a:endParaRPr lang="en-US"/>
+          </a:p>
+        </p:txBody>
+      </p:sp>
+    </p:spTree>
+    <p:extLst>
+      <p:ext uri="{BB962C8B-B14F-4D97-AF65-F5344CB8AC3E}">
+        <p14:creationId xmlns:p14="http://schemas.microsoft.com/office/powerpoint/2010/main" val="1529671764"/>
+      </p:ext>
+    </p:extLst>
+  </p:cSld>
+  <p:clrMapOvr>
+    <a:masterClrMapping/>
+  </p:clrMapOvr>
+</p:sld>
+</file>
+
+<file path=ppt/slides/slide18.xml><?xml version="1.0" encoding="utf-8"?>
+<p:sld xmlns:a="http://schemas.openxmlformats.org/drawingml/2006/main" xmlns:r="http://schemas.openxmlformats.org/officeDocument/2006/relationships" xmlns:p="http://schemas.openxmlformats.org/presentationml/2006/main">
+  <p:cSld>
+    <p:spTree>
+      <p:nvGrpSpPr>
+        <p:cNvPr id="1" name=""/>
+        <p:cNvGrpSpPr/>
+        <p:nvPr/>
+      </p:nvGrpSpPr>
+      <p:grpSpPr>
+        <a:xfrm>
+          <a:off x="0" y="0"/>
+          <a:ext cx="0" cy="0"/>
+          <a:chOff x="0" y="0"/>
+          <a:chExt cx="0" cy="0"/>
+        </a:xfrm>
+      </p:grpSpPr>
+      <p:sp>
+        <p:nvSpPr>
+          <p:cNvPr id="2" name="Title 1">
+            <a:extLst>
+              <a:ext uri="{FF2B5EF4-FFF2-40B4-BE49-F238E27FC236}">
+                <a16:creationId xmlns:a16="http://schemas.microsoft.com/office/drawing/2014/main" id="{132168B6-333C-461D-87AD-AC9CD02BE9E6}"/>
+              </a:ext>
+            </a:extLst>
+          </p:cNvPr>
+          <p:cNvSpPr>
+            <a:spLocks noGrp="1"/>
+          </p:cNvSpPr>
+          <p:nvPr>
+            <p:ph type="title"/>
+          </p:nvPr>
+        </p:nvSpPr>
+        <p:spPr/>
+        <p:txBody>
+          <a:bodyPr/>
+          <a:lstStyle/>
+          <a:p>
+            <a:endParaRPr lang="en-US"/>
+          </a:p>
+        </p:txBody>
+      </p:sp>
+      <p:sp>
+        <p:nvSpPr>
+          <p:cNvPr id="3" name="Content Placeholder 2">
+            <a:extLst>
+              <a:ext uri="{FF2B5EF4-FFF2-40B4-BE49-F238E27FC236}">
+                <a16:creationId xmlns:a16="http://schemas.microsoft.com/office/drawing/2014/main" id="{C67BB1E4-8338-41A9-81A4-0A37450FF047}"/>
+              </a:ext>
+            </a:extLst>
+          </p:cNvPr>
+          <p:cNvSpPr>
+            <a:spLocks noGrp="1"/>
+          </p:cNvSpPr>
+          <p:nvPr>
+            <p:ph idx="1"/>
+          </p:nvPr>
+        </p:nvSpPr>
+        <p:spPr/>
+        <p:txBody>
+          <a:bodyPr/>
+          <a:lstStyle/>
+          <a:p>
+            <a:endParaRPr lang="en-US"/>
+          </a:p>
+        </p:txBody>
+      </p:sp>
+    </p:spTree>
+    <p:extLst>
+      <p:ext uri="{BB962C8B-B14F-4D97-AF65-F5344CB8AC3E}">
+        <p14:creationId xmlns:p14="http://schemas.microsoft.com/office/powerpoint/2010/main" val="3267087711"/>
+      </p:ext>
+    </p:extLst>
+  </p:cSld>
+  <p:clrMapOvr>
+    <a:masterClrMapping/>
+  </p:clrMapOvr>
+</p:sld>
+</file>
+
+<file path=ppt/slides/slide19.xml><?xml version="1.0" encoding="utf-8"?>
+<p:sld xmlns:a="http://schemas.openxmlformats.org/drawingml/2006/main" xmlns:r="http://schemas.openxmlformats.org/officeDocument/2006/relationships" xmlns:p="http://schemas.openxmlformats.org/presentationml/2006/main">
+  <p:cSld>
+    <p:spTree>
+      <p:nvGrpSpPr>
+        <p:cNvPr id="1" name=""/>
+        <p:cNvGrpSpPr/>
+        <p:nvPr/>
+      </p:nvGrpSpPr>
+      <p:grpSpPr>
+        <a:xfrm>
+          <a:off x="0" y="0"/>
+          <a:ext cx="0" cy="0"/>
+          <a:chOff x="0" y="0"/>
+          <a:chExt cx="0" cy="0"/>
+        </a:xfrm>
+      </p:grpSpPr>
+      <p:sp>
+        <p:nvSpPr>
+          <p:cNvPr id="2" name="Title 1">
+            <a:extLst>
+              <a:ext uri="{FF2B5EF4-FFF2-40B4-BE49-F238E27FC236}">
+                <a16:creationId xmlns:a16="http://schemas.microsoft.com/office/drawing/2014/main" id="{32CFB3FC-CD14-42F2-849B-032094A4951E}"/>
+              </a:ext>
+            </a:extLst>
+          </p:cNvPr>
+          <p:cNvSpPr>
+            <a:spLocks noGrp="1"/>
+          </p:cNvSpPr>
+          <p:nvPr>
+            <p:ph type="title"/>
+          </p:nvPr>
+        </p:nvSpPr>
+        <p:spPr>
+          <a:xfrm>
+            <a:off x="1295402" y="982132"/>
+            <a:ext cx="9601196" cy="485721"/>
+          </a:xfrm>
+        </p:spPr>
+        <p:txBody>
+          <a:bodyPr>
+            <a:normAutofit fontScale="90000"/>
+          </a:bodyPr>
+          <a:lstStyle/>
+          <a:p>
+            <a:r>
+              <a:rPr lang="en-US" dirty="0"/>
+              <a:t>Dashboard 01</a:t>
+            </a:r>
+            <a:br>
+              <a:rPr lang="en-US" dirty="0"/>
+            </a:br>
+            <a:r>
+              <a:rPr lang="en-US" dirty="0"/>
+              <a:t>Medal Distributions</a:t>
+            </a:r>
+          </a:p>
+        </p:txBody>
+      </p:sp>
+    </p:spTree>
+    <p:extLst>
+      <p:ext uri="{BB962C8B-B14F-4D97-AF65-F5344CB8AC3E}">
+        <p14:creationId xmlns:p14="http://schemas.microsoft.com/office/powerpoint/2010/main" val="2502952932"/>
+      </p:ext>
+    </p:extLst>
+  </p:cSld>
+  <p:clrMapOvr>
+    <a:masterClrMapping/>
+  </p:clrMapOvr>
+</p:sld>
+</file>
+
 <file path=ppt/slides/slide2.xml><?xml version="1.0" encoding="utf-8"?>
 <p:sld xmlns:a="http://schemas.openxmlformats.org/drawingml/2006/main" xmlns:r="http://schemas.openxmlformats.org/officeDocument/2006/relationships" xmlns:p="http://schemas.openxmlformats.org/presentationml/2006/main">
   <p:cSld>
@@ -6165,6 +6974,527 @@
 </p:sld>
 </file>
 
+<file path=ppt/slides/slide20.xml><?xml version="1.0" encoding="utf-8"?>
+<p:sld xmlns:a="http://schemas.openxmlformats.org/drawingml/2006/main" xmlns:r="http://schemas.openxmlformats.org/officeDocument/2006/relationships" xmlns:p="http://schemas.openxmlformats.org/presentationml/2006/main">
+  <p:cSld>
+    <p:spTree>
+      <p:nvGrpSpPr>
+        <p:cNvPr id="1" name=""/>
+        <p:cNvGrpSpPr/>
+        <p:nvPr/>
+      </p:nvGrpSpPr>
+      <p:grpSpPr>
+        <a:xfrm>
+          <a:off x="0" y="0"/>
+          <a:ext cx="0" cy="0"/>
+          <a:chOff x="0" y="0"/>
+          <a:chExt cx="0" cy="0"/>
+        </a:xfrm>
+      </p:grpSpPr>
+      <p:sp>
+        <p:nvSpPr>
+          <p:cNvPr id="2" name="Title 1">
+            <a:extLst>
+              <a:ext uri="{FF2B5EF4-FFF2-40B4-BE49-F238E27FC236}">
+                <a16:creationId xmlns:a16="http://schemas.microsoft.com/office/drawing/2014/main" id="{32CFB3FC-CD14-42F2-849B-032094A4951E}"/>
+              </a:ext>
+            </a:extLst>
+          </p:cNvPr>
+          <p:cNvSpPr>
+            <a:spLocks noGrp="1"/>
+          </p:cNvSpPr>
+          <p:nvPr>
+            <p:ph type="title"/>
+          </p:nvPr>
+        </p:nvSpPr>
+        <p:spPr>
+          <a:xfrm>
+            <a:off x="1295402" y="982132"/>
+            <a:ext cx="9601196" cy="485721"/>
+          </a:xfrm>
+        </p:spPr>
+        <p:txBody>
+          <a:bodyPr>
+            <a:normAutofit fontScale="90000"/>
+          </a:bodyPr>
+          <a:lstStyle/>
+          <a:p>
+            <a:r>
+              <a:rPr lang="en-US" dirty="0"/>
+              <a:t>Dashboard 02</a:t>
+            </a:r>
+            <a:br>
+              <a:rPr lang="en-US" dirty="0"/>
+            </a:br>
+            <a:r>
+              <a:rPr lang="en-US" dirty="0"/>
+              <a:t>Medal Distributions</a:t>
+            </a:r>
+          </a:p>
+        </p:txBody>
+      </p:sp>
+    </p:spTree>
+    <p:extLst>
+      <p:ext uri="{BB962C8B-B14F-4D97-AF65-F5344CB8AC3E}">
+        <p14:creationId xmlns:p14="http://schemas.microsoft.com/office/powerpoint/2010/main" val="3347405588"/>
+      </p:ext>
+    </p:extLst>
+  </p:cSld>
+  <p:clrMapOvr>
+    <a:masterClrMapping/>
+  </p:clrMapOvr>
+</p:sld>
+</file>
+
+<file path=ppt/slides/slide21.xml><?xml version="1.0" encoding="utf-8"?>
+<p:sld xmlns:a="http://schemas.openxmlformats.org/drawingml/2006/main" xmlns:r="http://schemas.openxmlformats.org/officeDocument/2006/relationships" xmlns:p="http://schemas.openxmlformats.org/presentationml/2006/main">
+  <p:cSld>
+    <p:spTree>
+      <p:nvGrpSpPr>
+        <p:cNvPr id="1" name=""/>
+        <p:cNvGrpSpPr/>
+        <p:nvPr/>
+      </p:nvGrpSpPr>
+      <p:grpSpPr>
+        <a:xfrm>
+          <a:off x="0" y="0"/>
+          <a:ext cx="0" cy="0"/>
+          <a:chOff x="0" y="0"/>
+          <a:chExt cx="0" cy="0"/>
+        </a:xfrm>
+      </p:grpSpPr>
+      <p:sp>
+        <p:nvSpPr>
+          <p:cNvPr id="2" name="Title 1">
+            <a:extLst>
+              <a:ext uri="{FF2B5EF4-FFF2-40B4-BE49-F238E27FC236}">
+                <a16:creationId xmlns:a16="http://schemas.microsoft.com/office/drawing/2014/main" id="{32CFB3FC-CD14-42F2-849B-032094A4951E}"/>
+              </a:ext>
+            </a:extLst>
+          </p:cNvPr>
+          <p:cNvSpPr>
+            <a:spLocks noGrp="1"/>
+          </p:cNvSpPr>
+          <p:nvPr>
+            <p:ph type="title"/>
+          </p:nvPr>
+        </p:nvSpPr>
+        <p:spPr>
+          <a:xfrm>
+            <a:off x="1295402" y="982132"/>
+            <a:ext cx="9601196" cy="485721"/>
+          </a:xfrm>
+        </p:spPr>
+        <p:txBody>
+          <a:bodyPr>
+            <a:normAutofit fontScale="90000"/>
+          </a:bodyPr>
+          <a:lstStyle/>
+          <a:p>
+            <a:r>
+              <a:rPr lang="en-US" dirty="0"/>
+              <a:t>Dashboard 03</a:t>
+            </a:r>
+            <a:br>
+              <a:rPr lang="en-US" dirty="0"/>
+            </a:br>
+            <a:r>
+              <a:rPr lang="en-US" dirty="0"/>
+              <a:t>Medal Distributions</a:t>
+            </a:r>
+          </a:p>
+        </p:txBody>
+      </p:sp>
+    </p:spTree>
+    <p:extLst>
+      <p:ext uri="{BB962C8B-B14F-4D97-AF65-F5344CB8AC3E}">
+        <p14:creationId xmlns:p14="http://schemas.microsoft.com/office/powerpoint/2010/main" val="4257746014"/>
+      </p:ext>
+    </p:extLst>
+  </p:cSld>
+  <p:clrMapOvr>
+    <a:masterClrMapping/>
+  </p:clrMapOvr>
+</p:sld>
+</file>
+
+<file path=ppt/slides/slide22.xml><?xml version="1.0" encoding="utf-8"?>
+<p:sld xmlns:a="http://schemas.openxmlformats.org/drawingml/2006/main" xmlns:r="http://schemas.openxmlformats.org/officeDocument/2006/relationships" xmlns:p="http://schemas.openxmlformats.org/presentationml/2006/main">
+  <p:cSld>
+    <p:spTree>
+      <p:nvGrpSpPr>
+        <p:cNvPr id="1" name=""/>
+        <p:cNvGrpSpPr/>
+        <p:nvPr/>
+      </p:nvGrpSpPr>
+      <p:grpSpPr>
+        <a:xfrm>
+          <a:off x="0" y="0"/>
+          <a:ext cx="0" cy="0"/>
+          <a:chOff x="0" y="0"/>
+          <a:chExt cx="0" cy="0"/>
+        </a:xfrm>
+      </p:grpSpPr>
+      <p:sp>
+        <p:nvSpPr>
+          <p:cNvPr id="2" name="Title 1">
+            <a:extLst>
+              <a:ext uri="{FF2B5EF4-FFF2-40B4-BE49-F238E27FC236}">
+                <a16:creationId xmlns:a16="http://schemas.microsoft.com/office/drawing/2014/main" id="{32CFB3FC-CD14-42F2-849B-032094A4951E}"/>
+              </a:ext>
+            </a:extLst>
+          </p:cNvPr>
+          <p:cNvSpPr>
+            <a:spLocks noGrp="1"/>
+          </p:cNvSpPr>
+          <p:nvPr>
+            <p:ph type="title"/>
+          </p:nvPr>
+        </p:nvSpPr>
+        <p:spPr>
+          <a:xfrm>
+            <a:off x="1295402" y="982132"/>
+            <a:ext cx="9601196" cy="485721"/>
+          </a:xfrm>
+        </p:spPr>
+        <p:txBody>
+          <a:bodyPr>
+            <a:normAutofit fontScale="90000"/>
+          </a:bodyPr>
+          <a:lstStyle/>
+          <a:p>
+            <a:r>
+              <a:rPr lang="en-US" dirty="0"/>
+              <a:t>Dashboard 04</a:t>
+            </a:r>
+            <a:br>
+              <a:rPr lang="en-US" dirty="0"/>
+            </a:br>
+            <a:r>
+              <a:rPr lang="en-US" dirty="0"/>
+              <a:t>Medal Distributions</a:t>
+            </a:r>
+          </a:p>
+        </p:txBody>
+      </p:sp>
+    </p:spTree>
+    <p:extLst>
+      <p:ext uri="{BB962C8B-B14F-4D97-AF65-F5344CB8AC3E}">
+        <p14:creationId xmlns:p14="http://schemas.microsoft.com/office/powerpoint/2010/main" val="590827551"/>
+      </p:ext>
+    </p:extLst>
+  </p:cSld>
+  <p:clrMapOvr>
+    <a:masterClrMapping/>
+  </p:clrMapOvr>
+</p:sld>
+</file>
+
+<file path=ppt/slides/slide23.xml><?xml version="1.0" encoding="utf-8"?>
+<p:sld xmlns:a="http://schemas.openxmlformats.org/drawingml/2006/main" xmlns:r="http://schemas.openxmlformats.org/officeDocument/2006/relationships" xmlns:p="http://schemas.openxmlformats.org/presentationml/2006/main">
+  <p:cSld>
+    <p:spTree>
+      <p:nvGrpSpPr>
+        <p:cNvPr id="1" name=""/>
+        <p:cNvGrpSpPr/>
+        <p:nvPr/>
+      </p:nvGrpSpPr>
+      <p:grpSpPr>
+        <a:xfrm>
+          <a:off x="0" y="0"/>
+          <a:ext cx="0" cy="0"/>
+          <a:chOff x="0" y="0"/>
+          <a:chExt cx="0" cy="0"/>
+        </a:xfrm>
+      </p:grpSpPr>
+      <p:sp>
+        <p:nvSpPr>
+          <p:cNvPr id="2" name="Title 1">
+            <a:extLst>
+              <a:ext uri="{FF2B5EF4-FFF2-40B4-BE49-F238E27FC236}">
+                <a16:creationId xmlns:a16="http://schemas.microsoft.com/office/drawing/2014/main" id="{32CFB3FC-CD14-42F2-849B-032094A4951E}"/>
+              </a:ext>
+            </a:extLst>
+          </p:cNvPr>
+          <p:cNvSpPr>
+            <a:spLocks noGrp="1"/>
+          </p:cNvSpPr>
+          <p:nvPr>
+            <p:ph type="title"/>
+          </p:nvPr>
+        </p:nvSpPr>
+        <p:spPr>
+          <a:xfrm>
+            <a:off x="1295402" y="982132"/>
+            <a:ext cx="9601196" cy="485721"/>
+          </a:xfrm>
+        </p:spPr>
+        <p:txBody>
+          <a:bodyPr>
+            <a:normAutofit fontScale="90000"/>
+          </a:bodyPr>
+          <a:lstStyle/>
+          <a:p>
+            <a:r>
+              <a:rPr lang="en-US" dirty="0"/>
+              <a:t>Dashboard 05</a:t>
+            </a:r>
+            <a:br>
+              <a:rPr lang="en-US" dirty="0"/>
+            </a:br>
+            <a:r>
+              <a:rPr lang="en-US" dirty="0"/>
+              <a:t>Medal Distributions</a:t>
+            </a:r>
+          </a:p>
+        </p:txBody>
+      </p:sp>
+    </p:spTree>
+    <p:extLst>
+      <p:ext uri="{BB962C8B-B14F-4D97-AF65-F5344CB8AC3E}">
+        <p14:creationId xmlns:p14="http://schemas.microsoft.com/office/powerpoint/2010/main" val="3992178350"/>
+      </p:ext>
+    </p:extLst>
+  </p:cSld>
+  <p:clrMapOvr>
+    <a:masterClrMapping/>
+  </p:clrMapOvr>
+</p:sld>
+</file>
+
+<file path=ppt/slides/slide24.xml><?xml version="1.0" encoding="utf-8"?>
+<p:sld xmlns:a="http://schemas.openxmlformats.org/drawingml/2006/main" xmlns:r="http://schemas.openxmlformats.org/officeDocument/2006/relationships" xmlns:p="http://schemas.openxmlformats.org/presentationml/2006/main">
+  <p:cSld>
+    <p:spTree>
+      <p:nvGrpSpPr>
+        <p:cNvPr id="1" name=""/>
+        <p:cNvGrpSpPr/>
+        <p:nvPr/>
+      </p:nvGrpSpPr>
+      <p:grpSpPr>
+        <a:xfrm>
+          <a:off x="0" y="0"/>
+          <a:ext cx="0" cy="0"/>
+          <a:chOff x="0" y="0"/>
+          <a:chExt cx="0" cy="0"/>
+        </a:xfrm>
+      </p:grpSpPr>
+      <p:sp>
+        <p:nvSpPr>
+          <p:cNvPr id="2" name="Title 1">
+            <a:extLst>
+              <a:ext uri="{FF2B5EF4-FFF2-40B4-BE49-F238E27FC236}">
+                <a16:creationId xmlns:a16="http://schemas.microsoft.com/office/drawing/2014/main" id="{C6292352-90C3-49D0-87BB-4123A39556CD}"/>
+              </a:ext>
+            </a:extLst>
+          </p:cNvPr>
+          <p:cNvSpPr>
+            <a:spLocks noGrp="1"/>
+          </p:cNvSpPr>
+          <p:nvPr>
+            <p:ph type="title"/>
+          </p:nvPr>
+        </p:nvSpPr>
+        <p:spPr>
+          <a:xfrm>
+            <a:off x="1295402" y="982133"/>
+            <a:ext cx="9601196" cy="1448246"/>
+          </a:xfrm>
+        </p:spPr>
+        <p:txBody>
+          <a:bodyPr>
+            <a:normAutofit/>
+          </a:bodyPr>
+          <a:lstStyle/>
+          <a:p>
+            <a:r>
+              <a:rPr lang="en-US" dirty="0"/>
+              <a:t>Conclusions</a:t>
+            </a:r>
+          </a:p>
+        </p:txBody>
+      </p:sp>
+      <p:sp>
+        <p:nvSpPr>
+          <p:cNvPr id="3" name="Content Placeholder 2">
+            <a:extLst>
+              <a:ext uri="{FF2B5EF4-FFF2-40B4-BE49-F238E27FC236}">
+                <a16:creationId xmlns:a16="http://schemas.microsoft.com/office/drawing/2014/main" id="{69D4DEF6-8BF2-4F0E-B763-B71AC098869D}"/>
+              </a:ext>
+            </a:extLst>
+          </p:cNvPr>
+          <p:cNvSpPr>
+            <a:spLocks noGrp="1"/>
+          </p:cNvSpPr>
+          <p:nvPr>
+            <p:ph idx="1"/>
+          </p:nvPr>
+        </p:nvSpPr>
+        <p:spPr>
+          <a:xfrm>
+            <a:off x="1295401" y="2430379"/>
+            <a:ext cx="9601196" cy="3445489"/>
+          </a:xfrm>
+        </p:spPr>
+        <p:txBody>
+          <a:bodyPr>
+            <a:normAutofit/>
+          </a:bodyPr>
+          <a:lstStyle/>
+          <a:p>
+            <a:endParaRPr lang="en-US" dirty="0"/>
+          </a:p>
+          <a:p>
+            <a:endParaRPr lang="en-US" dirty="0"/>
+          </a:p>
+        </p:txBody>
+      </p:sp>
+    </p:spTree>
+    <p:extLst>
+      <p:ext uri="{BB962C8B-B14F-4D97-AF65-F5344CB8AC3E}">
+        <p14:creationId xmlns:p14="http://schemas.microsoft.com/office/powerpoint/2010/main" val="1560093254"/>
+      </p:ext>
+    </p:extLst>
+  </p:cSld>
+  <p:clrMapOvr>
+    <a:masterClrMapping/>
+  </p:clrMapOvr>
+</p:sld>
+</file>
+
+<file path=ppt/slides/slide25.xml><?xml version="1.0" encoding="utf-8"?>
+<p:sld xmlns:a="http://schemas.openxmlformats.org/drawingml/2006/main" xmlns:r="http://schemas.openxmlformats.org/officeDocument/2006/relationships" xmlns:p="http://schemas.openxmlformats.org/presentationml/2006/main">
+  <p:cSld>
+    <p:spTree>
+      <p:nvGrpSpPr>
+        <p:cNvPr id="1" name=""/>
+        <p:cNvGrpSpPr/>
+        <p:nvPr/>
+      </p:nvGrpSpPr>
+      <p:grpSpPr>
+        <a:xfrm>
+          <a:off x="0" y="0"/>
+          <a:ext cx="0" cy="0"/>
+          <a:chOff x="0" y="0"/>
+          <a:chExt cx="0" cy="0"/>
+        </a:xfrm>
+      </p:grpSpPr>
+      <p:sp>
+        <p:nvSpPr>
+          <p:cNvPr id="2" name="Title 1">
+            <a:extLst>
+              <a:ext uri="{FF2B5EF4-FFF2-40B4-BE49-F238E27FC236}">
+                <a16:creationId xmlns:a16="http://schemas.microsoft.com/office/drawing/2014/main" id="{7263E1E7-6307-40CF-A6A1-5BE8B9682063}"/>
+              </a:ext>
+            </a:extLst>
+          </p:cNvPr>
+          <p:cNvSpPr>
+            <a:spLocks noGrp="1"/>
+          </p:cNvSpPr>
+          <p:nvPr>
+            <p:ph type="title"/>
+          </p:nvPr>
+        </p:nvSpPr>
+        <p:spPr/>
+        <p:txBody>
+          <a:bodyPr>
+            <a:normAutofit fontScale="90000"/>
+          </a:bodyPr>
+          <a:lstStyle/>
+          <a:p>
+            <a:r>
+              <a:rPr lang="en-US" sz="3500" dirty="0">
+                <a:solidFill>
+                  <a:schemeClr val="tx1"/>
+                </a:solidFill>
+              </a:rPr>
+              <a:t>Thank you!</a:t>
+            </a:r>
+          </a:p>
+        </p:txBody>
+      </p:sp>
+      <p:sp>
+        <p:nvSpPr>
+          <p:cNvPr id="10" name="Text Placeholder 9">
+            <a:extLst>
+              <a:ext uri="{FF2B5EF4-FFF2-40B4-BE49-F238E27FC236}">
+                <a16:creationId xmlns:a16="http://schemas.microsoft.com/office/drawing/2014/main" id="{161A4A23-57E4-41CD-96DE-CD0095BFAF8F}"/>
+              </a:ext>
+            </a:extLst>
+          </p:cNvPr>
+          <p:cNvSpPr>
+            <a:spLocks noGrp="1"/>
+          </p:cNvSpPr>
+          <p:nvPr>
+            <p:ph type="body" sz="half" idx="2"/>
+          </p:nvPr>
+        </p:nvSpPr>
+        <p:spPr>
+          <a:xfrm>
+            <a:off x="1295401" y="5382152"/>
+            <a:ext cx="9609666" cy="849835"/>
+          </a:xfrm>
+        </p:spPr>
+        <p:txBody>
+          <a:bodyPr>
+            <a:noAutofit/>
+          </a:bodyPr>
+          <a:lstStyle/>
+          <a:p>
+            <a:r>
+              <a:rPr lang="en-US" sz="4000" b="1" dirty="0"/>
+              <a:t>THANK YOU!</a:t>
+            </a:r>
+          </a:p>
+        </p:txBody>
+      </p:sp>
+      <p:pic>
+        <p:nvPicPr>
+          <p:cNvPr id="18" name="Picture Placeholder 17">
+            <a:extLst>
+              <a:ext uri="{FF2B5EF4-FFF2-40B4-BE49-F238E27FC236}">
+                <a16:creationId xmlns:a16="http://schemas.microsoft.com/office/drawing/2014/main" id="{62707B2F-43CF-4832-B9A4-34695EBC4A3C}"/>
+              </a:ext>
+            </a:extLst>
+          </p:cNvPr>
+          <p:cNvPicPr>
+            <a:picLocks noGrp="1" noChangeAspect="1"/>
+          </p:cNvPicPr>
+          <p:nvPr>
+            <p:ph type="pic" idx="1"/>
+          </p:nvPr>
+        </p:nvPicPr>
+        <p:blipFill rotWithShape="1">
+          <a:blip r:embed="rId2">
+            <a:extLst>
+              <a:ext uri="{28A0092B-C50C-407E-A947-70E740481C1C}">
+                <a14:useLocalDpi xmlns:a14="http://schemas.microsoft.com/office/drawing/2010/main" val="0"/>
+              </a:ext>
+            </a:extLst>
+          </a:blip>
+          <a:srcRect t="23596" b="7690"/>
+          <a:stretch/>
+        </p:blipFill>
+        <p:spPr>
+          <a:xfrm>
+            <a:off x="1041427" y="1041399"/>
+            <a:ext cx="10105972" cy="4340754"/>
+          </a:xfrm>
+        </p:spPr>
+      </p:pic>
+    </p:spTree>
+    <p:extLst>
+      <p:ext uri="{BB962C8B-B14F-4D97-AF65-F5344CB8AC3E}">
+        <p14:creationId xmlns:p14="http://schemas.microsoft.com/office/powerpoint/2010/main" val="523705573"/>
+      </p:ext>
+    </p:extLst>
+  </p:cSld>
+  <p:clrMapOvr>
+    <a:masterClrMapping/>
+  </p:clrMapOvr>
+</p:sld>
+</file>
+
 <file path=ppt/slides/slide3.xml><?xml version="1.0" encoding="utf-8"?>
 <p:sld xmlns:a="http://schemas.openxmlformats.org/drawingml/2006/main" xmlns:r="http://schemas.openxmlformats.org/officeDocument/2006/relationships" xmlns:p="http://schemas.openxmlformats.org/presentationml/2006/main">
   <p:cSld>
@@ -6233,14 +7563,14 @@
             <p:ph idx="1"/>
             <p:extLst>
               <p:ext uri="{D42A27DB-BD31-4B8C-83A1-F6EECF244321}">
-                <p14:modId xmlns:p14="http://schemas.microsoft.com/office/powerpoint/2010/main" val="782648348"/>
+                <p14:modId xmlns:p14="http://schemas.microsoft.com/office/powerpoint/2010/main" val="840456158"/>
               </p:ext>
             </p:extLst>
           </p:nvPr>
         </p:nvGraphicFramePr>
         <p:xfrm>
-          <a:off x="745587" y="1125415"/>
-          <a:ext cx="11043139" cy="5556435"/>
+          <a:off x="745587" y="1061156"/>
+          <a:ext cx="10852855" cy="5916432"/>
         </p:xfrm>
         <a:graphic>
           <a:graphicData uri="http://schemas.openxmlformats.org/drawingml/2006/table">
@@ -6249,14 +7579,14 @@
                 <a:tableStyleId>{5C22544A-7EE6-4342-B048-85BDC9FD1C3A}</a:tableStyleId>
               </a:tblPr>
               <a:tblGrid>
-                <a:gridCol w="1842868">
+                <a:gridCol w="1811113">
                   <a:extLst>
                     <a:ext uri="{9D8B030D-6E8A-4147-A177-3AD203B41FA5}">
                       <a16:colId xmlns:a16="http://schemas.microsoft.com/office/drawing/2014/main" val="3694478617"/>
                     </a:ext>
                   </a:extLst>
                 </a:gridCol>
-                <a:gridCol w="9200271">
+                <a:gridCol w="9041742">
                   <a:extLst>
                     <a:ext uri="{9D8B030D-6E8A-4147-A177-3AD203B41FA5}">
                       <a16:colId xmlns:a16="http://schemas.microsoft.com/office/drawing/2014/main" val="1421670609"/>
@@ -6264,7 +7594,7 @@
                   </a:extLst>
                 </a:gridCol>
               </a:tblGrid>
-              <a:tr h="348523">
+              <a:tr h="369777">
                 <a:tc>
                   <a:txBody>
                     <a:bodyPr/>
@@ -6291,12 +7621,29 @@
                   </a:ext>
                 </a:extLst>
               </a:tr>
-              <a:tr h="348523">
+              <a:tr h="369777">
                 <a:tc>
                   <a:txBody>
                     <a:bodyPr/>
                     <a:lstStyle/>
                     <a:p>
+                      <a:pPr marL="0" marR="0" lvl="0" indent="0" algn="l" defTabSz="457200" rtl="0" eaLnBrk="1" fontAlgn="auto" latinLnBrk="0" hangingPunct="1">
+                        <a:lnSpc>
+                          <a:spcPct val="100000"/>
+                        </a:lnSpc>
+                        <a:spcBef>
+                          <a:spcPts val="0"/>
+                        </a:spcBef>
+                        <a:spcAft>
+                          <a:spcPts val="0"/>
+                        </a:spcAft>
+                        <a:buClrTx/>
+                        <a:buSzTx/>
+                        <a:buFontTx/>
+                        <a:buNone/>
+                        <a:tabLst/>
+                        <a:defRPr/>
+                      </a:pPr>
                       <a:r>
                         <a:rPr lang="en-US" dirty="0"/>
                         <a:t>Dashboard 1</a:t>
@@ -6310,9 +7657,76 @@
                     <a:bodyPr/>
                     <a:lstStyle/>
                     <a:p>
+                      <a:pPr marL="0" marR="0" lvl="0" indent="0" algn="l" defTabSz="457200" rtl="0" eaLnBrk="1" fontAlgn="auto" latinLnBrk="0" hangingPunct="1">
+                        <a:lnSpc>
+                          <a:spcPct val="100000"/>
+                        </a:lnSpc>
+                        <a:spcBef>
+                          <a:spcPts val="0"/>
+                        </a:spcBef>
+                        <a:spcAft>
+                          <a:spcPts val="0"/>
+                        </a:spcAft>
+                        <a:buClrTx/>
+                        <a:buSzTx/>
+                        <a:buFontTx/>
+                        <a:buNone/>
+                        <a:tabLst/>
+                        <a:defRPr/>
+                      </a:pPr>
                       <a:r>
                         <a:rPr lang="en-US" dirty="0"/>
-                        <a:t>Winter vs Summer Olympics</a:t>
+                        <a:t>TREE MAP</a:t>
+                      </a:r>
+                    </a:p>
+                  </a:txBody>
+                  <a:tcPr/>
+                </a:tc>
+                <a:extLst>
+                  <a:ext uri="{0D108BD9-81ED-4DB2-BD59-A6C34878D82A}">
+                    <a16:rowId xmlns:a16="http://schemas.microsoft.com/office/drawing/2014/main" val="3395548941"/>
+                  </a:ext>
+                </a:extLst>
+              </a:tr>
+              <a:tr h="369777">
+                <a:tc>
+                  <a:txBody>
+                    <a:bodyPr/>
+                    <a:lstStyle/>
+                    <a:p>
+                      <a:r>
+                        <a:rPr lang="en-US" dirty="0"/>
+                        <a:t>Dashboard 2</a:t>
+                      </a:r>
+                    </a:p>
+                  </a:txBody>
+                  <a:tcPr/>
+                </a:tc>
+                <a:tc>
+                  <a:txBody>
+                    <a:bodyPr/>
+                    <a:lstStyle/>
+                    <a:p>
+                      <a:pPr marL="0" marR="0" lvl="0" indent="0" algn="l" defTabSz="457200" rtl="0" eaLnBrk="1" fontAlgn="auto" latinLnBrk="0" hangingPunct="1">
+                        <a:lnSpc>
+                          <a:spcPct val="100000"/>
+                        </a:lnSpc>
+                        <a:spcBef>
+                          <a:spcPts val="0"/>
+                        </a:spcBef>
+                        <a:spcAft>
+                          <a:spcPts val="0"/>
+                        </a:spcAft>
+                        <a:buClrTx/>
+                        <a:buSzTx/>
+                        <a:buFontTx/>
+                        <a:buNone/>
+                        <a:tabLst/>
+                        <a:defRPr/>
+                      </a:pPr>
+                      <a:r>
+                        <a:rPr lang="en-US" dirty="0"/>
+                        <a:t>Total Count of Medals across Cities</a:t>
                       </a:r>
                     </a:p>
                   </a:txBody>
@@ -6324,7 +7738,424 @@
                   </a:ext>
                 </a:extLst>
               </a:tr>
-              <a:tr h="348523">
+              <a:tr h="369777">
+                <a:tc>
+                  <a:txBody>
+                    <a:bodyPr/>
+                    <a:lstStyle/>
+                    <a:p>
+                      <a:endParaRPr lang="en-US" dirty="0"/>
+                    </a:p>
+                  </a:txBody>
+                  <a:tcPr/>
+                </a:tc>
+                <a:tc>
+                  <a:txBody>
+                    <a:bodyPr/>
+                    <a:lstStyle/>
+                    <a:p>
+                      <a:pPr marL="0" marR="0" lvl="0" indent="0" algn="l" defTabSz="457200" rtl="0" eaLnBrk="1" fontAlgn="auto" latinLnBrk="0" hangingPunct="1">
+                        <a:lnSpc>
+                          <a:spcPct val="100000"/>
+                        </a:lnSpc>
+                        <a:spcBef>
+                          <a:spcPts val="0"/>
+                        </a:spcBef>
+                        <a:spcAft>
+                          <a:spcPts val="0"/>
+                        </a:spcAft>
+                        <a:buClrTx/>
+                        <a:buSzTx/>
+                        <a:buFontTx/>
+                        <a:buNone/>
+                        <a:tabLst/>
+                        <a:defRPr/>
+                      </a:pPr>
+                      <a:r>
+                        <a:rPr lang="en-US" dirty="0"/>
+                        <a:t>Medal Distribution by Sports</a:t>
+                      </a:r>
+                    </a:p>
+                  </a:txBody>
+                  <a:tcPr/>
+                </a:tc>
+                <a:extLst>
+                  <a:ext uri="{0D108BD9-81ED-4DB2-BD59-A6C34878D82A}">
+                    <a16:rowId xmlns:a16="http://schemas.microsoft.com/office/drawing/2014/main" val="1938208482"/>
+                  </a:ext>
+                </a:extLst>
+              </a:tr>
+              <a:tr h="369777">
+                <a:tc>
+                  <a:txBody>
+                    <a:bodyPr/>
+                    <a:lstStyle/>
+                    <a:p>
+                      <a:endParaRPr lang="en-US"/>
+                    </a:p>
+                  </a:txBody>
+                  <a:tcPr/>
+                </a:tc>
+                <a:tc>
+                  <a:txBody>
+                    <a:bodyPr/>
+                    <a:lstStyle/>
+                    <a:p>
+                      <a:pPr marL="0" marR="0" lvl="0" indent="0" algn="l" defTabSz="457200" rtl="0" eaLnBrk="1" fontAlgn="auto" latinLnBrk="0" hangingPunct="1">
+                        <a:lnSpc>
+                          <a:spcPct val="100000"/>
+                        </a:lnSpc>
+                        <a:spcBef>
+                          <a:spcPts val="0"/>
+                        </a:spcBef>
+                        <a:spcAft>
+                          <a:spcPts val="0"/>
+                        </a:spcAft>
+                        <a:buClrTx/>
+                        <a:buSzTx/>
+                        <a:buFontTx/>
+                        <a:buNone/>
+                        <a:tabLst/>
+                        <a:defRPr/>
+                      </a:pPr>
+                      <a:r>
+                        <a:rPr lang="en-US" dirty="0"/>
+                        <a:t>Total Count of Medals across Team</a:t>
+                      </a:r>
+                    </a:p>
+                  </a:txBody>
+                  <a:tcPr/>
+                </a:tc>
+                <a:extLst>
+                  <a:ext uri="{0D108BD9-81ED-4DB2-BD59-A6C34878D82A}">
+                    <a16:rowId xmlns:a16="http://schemas.microsoft.com/office/drawing/2014/main" val="306443013"/>
+                  </a:ext>
+                </a:extLst>
+              </a:tr>
+              <a:tr h="369777">
+                <a:tc>
+                  <a:txBody>
+                    <a:bodyPr/>
+                    <a:lstStyle/>
+                    <a:p>
+                      <a:endParaRPr lang="en-US"/>
+                    </a:p>
+                  </a:txBody>
+                  <a:tcPr/>
+                </a:tc>
+                <a:tc>
+                  <a:txBody>
+                    <a:bodyPr/>
+                    <a:lstStyle/>
+                    <a:p>
+                      <a:pPr marL="0" marR="0" lvl="0" indent="0" algn="l" defTabSz="457200" rtl="0" eaLnBrk="1" fontAlgn="auto" latinLnBrk="0" hangingPunct="1">
+                        <a:lnSpc>
+                          <a:spcPct val="100000"/>
+                        </a:lnSpc>
+                        <a:spcBef>
+                          <a:spcPts val="0"/>
+                        </a:spcBef>
+                        <a:spcAft>
+                          <a:spcPts val="0"/>
+                        </a:spcAft>
+                        <a:buClrTx/>
+                        <a:buSzTx/>
+                        <a:buFontTx/>
+                        <a:buNone/>
+                        <a:tabLst/>
+                        <a:defRPr/>
+                      </a:pPr>
+                      <a:r>
+                        <a:rPr lang="en-US" dirty="0"/>
+                        <a:t>Top 5 Total Medal Countries in 5 years</a:t>
+                      </a:r>
+                    </a:p>
+                  </a:txBody>
+                  <a:tcPr/>
+                </a:tc>
+                <a:extLst>
+                  <a:ext uri="{0D108BD9-81ED-4DB2-BD59-A6C34878D82A}">
+                    <a16:rowId xmlns:a16="http://schemas.microsoft.com/office/drawing/2014/main" val="3657122489"/>
+                  </a:ext>
+                </a:extLst>
+              </a:tr>
+              <a:tr h="369777">
+                <a:tc>
+                  <a:txBody>
+                    <a:bodyPr/>
+                    <a:lstStyle/>
+                    <a:p>
+                      <a:r>
+                        <a:rPr lang="en-US" dirty="0"/>
+                        <a:t>Dashboard 3</a:t>
+                      </a:r>
+                    </a:p>
+                  </a:txBody>
+                  <a:tcPr/>
+                </a:tc>
+                <a:tc>
+                  <a:txBody>
+                    <a:bodyPr/>
+                    <a:lstStyle/>
+                    <a:p>
+                      <a:r>
+                        <a:rPr lang="en-US" dirty="0"/>
+                        <a:t>Medal Distribution across Team </a:t>
+                      </a:r>
+                    </a:p>
+                  </a:txBody>
+                  <a:tcPr/>
+                </a:tc>
+                <a:extLst>
+                  <a:ext uri="{0D108BD9-81ED-4DB2-BD59-A6C34878D82A}">
+                    <a16:rowId xmlns:a16="http://schemas.microsoft.com/office/drawing/2014/main" val="304758539"/>
+                  </a:ext>
+                </a:extLst>
+              </a:tr>
+              <a:tr h="369777">
+                <a:tc>
+                  <a:txBody>
+                    <a:bodyPr/>
+                    <a:lstStyle/>
+                    <a:p>
+                      <a:endParaRPr lang="en-US"/>
+                    </a:p>
+                  </a:txBody>
+                  <a:tcPr/>
+                </a:tc>
+                <a:tc>
+                  <a:txBody>
+                    <a:bodyPr/>
+                    <a:lstStyle/>
+                    <a:p>
+                      <a:r>
+                        <a:rPr lang="en-US" dirty="0"/>
+                        <a:t>Top 10 by Medal Count </a:t>
+                      </a:r>
+                    </a:p>
+                  </a:txBody>
+                  <a:tcPr/>
+                </a:tc>
+                <a:extLst>
+                  <a:ext uri="{0D108BD9-81ED-4DB2-BD59-A6C34878D82A}">
+                    <a16:rowId xmlns:a16="http://schemas.microsoft.com/office/drawing/2014/main" val="457817235"/>
+                  </a:ext>
+                </a:extLst>
+              </a:tr>
+              <a:tr h="369777">
+                <a:tc>
+                  <a:txBody>
+                    <a:bodyPr/>
+                    <a:lstStyle/>
+                    <a:p>
+                      <a:endParaRPr lang="en-US"/>
+                    </a:p>
+                  </a:txBody>
+                  <a:tcPr/>
+                </a:tc>
+                <a:tc>
+                  <a:txBody>
+                    <a:bodyPr/>
+                    <a:lstStyle/>
+                    <a:p>
+                      <a:r>
+                        <a:rPr lang="en-US" dirty="0"/>
+                        <a:t>Sports played in Cities </a:t>
+                      </a:r>
+                    </a:p>
+                  </a:txBody>
+                  <a:tcPr/>
+                </a:tc>
+                <a:extLst>
+                  <a:ext uri="{0D108BD9-81ED-4DB2-BD59-A6C34878D82A}">
+                    <a16:rowId xmlns:a16="http://schemas.microsoft.com/office/drawing/2014/main" val="1560392773"/>
+                  </a:ext>
+                </a:extLst>
+              </a:tr>
+              <a:tr h="369777">
+                <a:tc>
+                  <a:txBody>
+                    <a:bodyPr/>
+                    <a:lstStyle/>
+                    <a:p>
+                      <a:endParaRPr lang="en-US"/>
+                    </a:p>
+                  </a:txBody>
+                  <a:tcPr/>
+                </a:tc>
+                <a:tc>
+                  <a:txBody>
+                    <a:bodyPr/>
+                    <a:lstStyle/>
+                    <a:p>
+                      <a:r>
+                        <a:rPr lang="en-US" dirty="0"/>
+                        <a:t>Medal Distribution across Age Groups </a:t>
+                      </a:r>
+                    </a:p>
+                  </a:txBody>
+                  <a:tcPr/>
+                </a:tc>
+                <a:extLst>
+                  <a:ext uri="{0D108BD9-81ED-4DB2-BD59-A6C34878D82A}">
+                    <a16:rowId xmlns:a16="http://schemas.microsoft.com/office/drawing/2014/main" val="58964446"/>
+                  </a:ext>
+                </a:extLst>
+              </a:tr>
+              <a:tr h="369777">
+                <a:tc>
+                  <a:txBody>
+                    <a:bodyPr/>
+                    <a:lstStyle/>
+                    <a:p>
+                      <a:r>
+                        <a:rPr lang="en-US" dirty="0"/>
+                        <a:t>Dashboard 4</a:t>
+                      </a:r>
+                    </a:p>
+                  </a:txBody>
+                  <a:tcPr/>
+                </a:tc>
+                <a:tc>
+                  <a:txBody>
+                    <a:bodyPr/>
+                    <a:lstStyle/>
+                    <a:p>
+                      <a:r>
+                        <a:rPr lang="en-US" dirty="0"/>
+                        <a:t>Summer Male and Female count by age</a:t>
+                      </a:r>
+                    </a:p>
+                  </a:txBody>
+                  <a:tcPr/>
+                </a:tc>
+                <a:extLst>
+                  <a:ext uri="{0D108BD9-81ED-4DB2-BD59-A6C34878D82A}">
+                    <a16:rowId xmlns:a16="http://schemas.microsoft.com/office/drawing/2014/main" val="1226346764"/>
+                  </a:ext>
+                </a:extLst>
+              </a:tr>
+              <a:tr h="369777">
+                <a:tc>
+                  <a:txBody>
+                    <a:bodyPr/>
+                    <a:lstStyle/>
+                    <a:p>
+                      <a:endParaRPr lang="en-US"/>
+                    </a:p>
+                  </a:txBody>
+                  <a:tcPr/>
+                </a:tc>
+                <a:tc>
+                  <a:txBody>
+                    <a:bodyPr/>
+                    <a:lstStyle/>
+                    <a:p>
+                      <a:r>
+                        <a:rPr lang="en-US" dirty="0"/>
+                        <a:t>Winter Male and Female count by age</a:t>
+                      </a:r>
+                    </a:p>
+                  </a:txBody>
+                  <a:tcPr/>
+                </a:tc>
+                <a:extLst>
+                  <a:ext uri="{0D108BD9-81ED-4DB2-BD59-A6C34878D82A}">
+                    <a16:rowId xmlns:a16="http://schemas.microsoft.com/office/drawing/2014/main" val="1661512922"/>
+                  </a:ext>
+                </a:extLst>
+              </a:tr>
+              <a:tr h="369777">
+                <a:tc>
+                  <a:txBody>
+                    <a:bodyPr/>
+                    <a:lstStyle/>
+                    <a:p>
+                      <a:endParaRPr lang="en-US" dirty="0"/>
+                    </a:p>
+                  </a:txBody>
+                  <a:tcPr/>
+                </a:tc>
+                <a:tc>
+                  <a:txBody>
+                    <a:bodyPr/>
+                    <a:lstStyle/>
+                    <a:p>
+                      <a:r>
+                        <a:rPr lang="en-US" dirty="0"/>
+                        <a:t>Summer Medals by age</a:t>
+                      </a:r>
+                    </a:p>
+                  </a:txBody>
+                  <a:tcPr/>
+                </a:tc>
+                <a:extLst>
+                  <a:ext uri="{0D108BD9-81ED-4DB2-BD59-A6C34878D82A}">
+                    <a16:rowId xmlns:a16="http://schemas.microsoft.com/office/drawing/2014/main" val="66201171"/>
+                  </a:ext>
+                </a:extLst>
+              </a:tr>
+              <a:tr h="369777">
+                <a:tc>
+                  <a:txBody>
+                    <a:bodyPr/>
+                    <a:lstStyle/>
+                    <a:p>
+                      <a:endParaRPr lang="en-US" dirty="0"/>
+                    </a:p>
+                  </a:txBody>
+                  <a:tcPr/>
+                </a:tc>
+                <a:tc>
+                  <a:txBody>
+                    <a:bodyPr/>
+                    <a:lstStyle/>
+                    <a:p>
+                      <a:r>
+                        <a:rPr lang="en-US" dirty="0"/>
+                        <a:t>Winter Medals by age </a:t>
+                      </a:r>
+                    </a:p>
+                  </a:txBody>
+                  <a:tcPr/>
+                </a:tc>
+                <a:extLst>
+                  <a:ext uri="{0D108BD9-81ED-4DB2-BD59-A6C34878D82A}">
+                    <a16:rowId xmlns:a16="http://schemas.microsoft.com/office/drawing/2014/main" val="3549613599"/>
+                  </a:ext>
+                </a:extLst>
+              </a:tr>
+              <a:tr h="369777">
+                <a:tc>
+                  <a:txBody>
+                    <a:bodyPr/>
+                    <a:lstStyle/>
+                    <a:p>
+                      <a:r>
+                        <a:rPr lang="en-US" dirty="0"/>
+                        <a:t>Dashboard 5</a:t>
+                      </a:r>
+                    </a:p>
+                  </a:txBody>
+                  <a:tcPr/>
+                </a:tc>
+                <a:tc>
+                  <a:txBody>
+                    <a:bodyPr/>
+                    <a:lstStyle/>
+                    <a:p>
+                      <a:endParaRPr lang="en-US" dirty="0"/>
+                    </a:p>
+                  </a:txBody>
+                  <a:tcPr/>
+                </a:tc>
+                <a:extLst>
+                  <a:ext uri="{0D108BD9-81ED-4DB2-BD59-A6C34878D82A}">
+                    <a16:rowId xmlns:a16="http://schemas.microsoft.com/office/drawing/2014/main" val="9637298"/>
+                  </a:ext>
+                </a:extLst>
+              </a:tr>
+              <a:tr h="369777">
                 <a:tc>
                   <a:txBody>
                     <a:bodyPr/>
@@ -6347,268 +8178,7 @@
                 </a:tc>
                 <a:extLst>
                   <a:ext uri="{0D108BD9-81ED-4DB2-BD59-A6C34878D82A}">
-                    <a16:rowId xmlns:a16="http://schemas.microsoft.com/office/drawing/2014/main" val="1938208482"/>
-                  </a:ext>
-                </a:extLst>
-              </a:tr>
-              <a:tr h="348523">
-                <a:tc>
-                  <a:txBody>
-                    <a:bodyPr/>
-                    <a:lstStyle/>
-                    <a:p>
-                      <a:endParaRPr lang="en-US"/>
-                    </a:p>
-                  </a:txBody>
-                  <a:tcPr/>
-                </a:tc>
-                <a:tc>
-                  <a:txBody>
-                    <a:bodyPr/>
-                    <a:lstStyle/>
-                    <a:p>
-                      <a:endParaRPr lang="en-US" dirty="0"/>
-                    </a:p>
-                  </a:txBody>
-                  <a:tcPr/>
-                </a:tc>
-                <a:extLst>
-                  <a:ext uri="{0D108BD9-81ED-4DB2-BD59-A6C34878D82A}">
-                    <a16:rowId xmlns:a16="http://schemas.microsoft.com/office/drawing/2014/main" val="306443013"/>
-                  </a:ext>
-                </a:extLst>
-              </a:tr>
-              <a:tr h="348523">
-                <a:tc>
-                  <a:txBody>
-                    <a:bodyPr/>
-                    <a:lstStyle/>
-                    <a:p>
-                      <a:endParaRPr lang="en-US"/>
-                    </a:p>
-                  </a:txBody>
-                  <a:tcPr/>
-                </a:tc>
-                <a:tc>
-                  <a:txBody>
-                    <a:bodyPr/>
-                    <a:lstStyle/>
-                    <a:p>
-                      <a:endParaRPr lang="en-US" dirty="0"/>
-                    </a:p>
-                  </a:txBody>
-                  <a:tcPr/>
-                </a:tc>
-                <a:extLst>
-                  <a:ext uri="{0D108BD9-81ED-4DB2-BD59-A6C34878D82A}">
-                    <a16:rowId xmlns:a16="http://schemas.microsoft.com/office/drawing/2014/main" val="3657122489"/>
-                  </a:ext>
-                </a:extLst>
-              </a:tr>
-              <a:tr h="348523">
-                <a:tc>
-                  <a:txBody>
-                    <a:bodyPr/>
-                    <a:lstStyle/>
-                    <a:p>
-                      <a:r>
-                        <a:rPr lang="en-US" dirty="0"/>
-                        <a:t>Dashboard 2</a:t>
-                      </a:r>
-                    </a:p>
-                  </a:txBody>
-                  <a:tcPr/>
-                </a:tc>
-                <a:tc>
-                  <a:txBody>
-                    <a:bodyPr/>
-                    <a:lstStyle/>
-                    <a:p>
-                      <a:r>
-                        <a:rPr lang="en-US" dirty="0"/>
-                        <a:t>Medal Distribution</a:t>
-                      </a:r>
-                    </a:p>
-                  </a:txBody>
-                  <a:tcPr/>
-                </a:tc>
-                <a:extLst>
-                  <a:ext uri="{0D108BD9-81ED-4DB2-BD59-A6C34878D82A}">
-                    <a16:rowId xmlns:a16="http://schemas.microsoft.com/office/drawing/2014/main" val="304758539"/>
-                  </a:ext>
-                </a:extLst>
-              </a:tr>
-              <a:tr h="348523">
-                <a:tc>
-                  <a:txBody>
-                    <a:bodyPr/>
-                    <a:lstStyle/>
-                    <a:p>
-                      <a:endParaRPr lang="en-US"/>
-                    </a:p>
-                  </a:txBody>
-                  <a:tcPr/>
-                </a:tc>
-                <a:tc>
-                  <a:txBody>
-                    <a:bodyPr/>
-                    <a:lstStyle/>
-                    <a:p>
-                      <a:endParaRPr lang="en-US" dirty="0"/>
-                    </a:p>
-                  </a:txBody>
-                  <a:tcPr/>
-                </a:tc>
-                <a:extLst>
-                  <a:ext uri="{0D108BD9-81ED-4DB2-BD59-A6C34878D82A}">
-                    <a16:rowId xmlns:a16="http://schemas.microsoft.com/office/drawing/2014/main" val="457817235"/>
-                  </a:ext>
-                </a:extLst>
-              </a:tr>
-              <a:tr h="348523">
-                <a:tc>
-                  <a:txBody>
-                    <a:bodyPr/>
-                    <a:lstStyle/>
-                    <a:p>
-                      <a:endParaRPr lang="en-US"/>
-                    </a:p>
-                  </a:txBody>
-                  <a:tcPr/>
-                </a:tc>
-                <a:tc>
-                  <a:txBody>
-                    <a:bodyPr/>
-                    <a:lstStyle/>
-                    <a:p>
-                      <a:endParaRPr lang="en-US" dirty="0"/>
-                    </a:p>
-                  </a:txBody>
-                  <a:tcPr/>
-                </a:tc>
-                <a:extLst>
-                  <a:ext uri="{0D108BD9-81ED-4DB2-BD59-A6C34878D82A}">
-                    <a16:rowId xmlns:a16="http://schemas.microsoft.com/office/drawing/2014/main" val="1560392773"/>
-                  </a:ext>
-                </a:extLst>
-              </a:tr>
-              <a:tr h="348523">
-                <a:tc>
-                  <a:txBody>
-                    <a:bodyPr/>
-                    <a:lstStyle/>
-                    <a:p>
-                      <a:endParaRPr lang="en-US"/>
-                    </a:p>
-                  </a:txBody>
-                  <a:tcPr/>
-                </a:tc>
-                <a:tc>
-                  <a:txBody>
-                    <a:bodyPr/>
-                    <a:lstStyle/>
-                    <a:p>
-                      <a:endParaRPr lang="en-US" dirty="0"/>
-                    </a:p>
-                  </a:txBody>
-                  <a:tcPr/>
-                </a:tc>
-                <a:extLst>
-                  <a:ext uri="{0D108BD9-81ED-4DB2-BD59-A6C34878D82A}">
-                    <a16:rowId xmlns:a16="http://schemas.microsoft.com/office/drawing/2014/main" val="58964446"/>
-                  </a:ext>
-                </a:extLst>
-              </a:tr>
-              <a:tr h="348523">
-                <a:tc>
-                  <a:txBody>
-                    <a:bodyPr/>
-                    <a:lstStyle/>
-                    <a:p>
-                      <a:r>
-                        <a:rPr lang="en-US" dirty="0"/>
-                        <a:t>Dashboard 3</a:t>
-                      </a:r>
-                    </a:p>
-                  </a:txBody>
-                  <a:tcPr/>
-                </a:tc>
-                <a:tc>
-                  <a:txBody>
-                    <a:bodyPr/>
-                    <a:lstStyle/>
-                    <a:p>
-                      <a:r>
-                        <a:rPr lang="en-US" dirty="0"/>
-                        <a:t>Sports &amp; Athletes </a:t>
-                      </a:r>
-                    </a:p>
-                    <a:p>
-                      <a:r>
-                        <a:rPr lang="en-US" dirty="0"/>
-                        <a:t>Participation and Performance</a:t>
-                      </a:r>
-                    </a:p>
-                  </a:txBody>
-                  <a:tcPr/>
-                </a:tc>
-                <a:extLst>
-                  <a:ext uri="{0D108BD9-81ED-4DB2-BD59-A6C34878D82A}">
-                    <a16:rowId xmlns:a16="http://schemas.microsoft.com/office/drawing/2014/main" val="1226346764"/>
-                  </a:ext>
-                </a:extLst>
-              </a:tr>
-              <a:tr h="348523">
-                <a:tc>
-                  <a:txBody>
-                    <a:bodyPr/>
-                    <a:lstStyle/>
-                    <a:p>
-                      <a:endParaRPr lang="en-US"/>
-                    </a:p>
-                  </a:txBody>
-                  <a:tcPr/>
-                </a:tc>
-                <a:tc>
-                  <a:txBody>
-                    <a:bodyPr/>
-                    <a:lstStyle/>
-                    <a:p>
-                      <a:endParaRPr lang="en-US" dirty="0"/>
-                    </a:p>
-                  </a:txBody>
-                  <a:tcPr/>
-                </a:tc>
-                <a:extLst>
-                  <a:ext uri="{0D108BD9-81ED-4DB2-BD59-A6C34878D82A}">
-                    <a16:rowId xmlns:a16="http://schemas.microsoft.com/office/drawing/2014/main" val="1661512922"/>
-                  </a:ext>
-                </a:extLst>
-              </a:tr>
-              <a:tr h="1258755">
-                <a:tc gridSpan="2">
-                  <a:txBody>
-                    <a:bodyPr/>
-                    <a:lstStyle/>
-                    <a:p>
-                      <a:endParaRPr lang="en-US" dirty="0"/>
-                    </a:p>
-                  </a:txBody>
-                  <a:tcPr/>
-                </a:tc>
-                <a:tc hMerge="1">
-                  <a:txBody>
-                    <a:bodyPr/>
-                    <a:lstStyle/>
-                    <a:p>
-                      <a:endParaRPr lang="en-US" dirty="0"/>
-                    </a:p>
-                  </a:txBody>
-                  <a:tcPr/>
-                </a:tc>
-                <a:extLst>
-                  <a:ext uri="{0D108BD9-81ED-4DB2-BD59-A6C34878D82A}">
-                    <a16:rowId xmlns:a16="http://schemas.microsoft.com/office/drawing/2014/main" val="66201171"/>
+                    <a16:rowId xmlns:a16="http://schemas.microsoft.com/office/drawing/2014/main" val="2907586545"/>
                   </a:ext>
                 </a:extLst>
               </a:tr>
@@ -6651,7 +8221,7 @@
           <p:cNvPr id="2" name="Title 1">
             <a:extLst>
               <a:ext uri="{FF2B5EF4-FFF2-40B4-BE49-F238E27FC236}">
-                <a16:creationId xmlns:a16="http://schemas.microsoft.com/office/drawing/2014/main" id="{32CFB3FC-CD14-42F2-849B-032094A4951E}"/>
+                <a16:creationId xmlns:a16="http://schemas.microsoft.com/office/drawing/2014/main" id="{56651CCA-32E2-415D-84E8-4AAF38A7650F}"/>
               </a:ext>
             </a:extLst>
           </p:cNvPr>
@@ -6664,22 +8234,10 @@
         </p:nvSpPr>
         <p:spPr/>
         <p:txBody>
-          <a:bodyPr>
-            <a:normAutofit fontScale="90000"/>
-          </a:bodyPr>
-          <a:lstStyle/>
-          <a:p>
-            <a:r>
-              <a:rPr lang="en-US" dirty="0"/>
-              <a:t>Dashboard 01</a:t>
-            </a:r>
-            <a:br>
-              <a:rPr lang="en-US" dirty="0"/>
-            </a:br>
-            <a:r>
-              <a:rPr lang="en-US" dirty="0"/>
-              <a:t>Medal Distributions</a:t>
-            </a:r>
+          <a:bodyPr/>
+          <a:lstStyle/>
+          <a:p>
+            <a:endParaRPr lang="en-US"/>
           </a:p>
         </p:txBody>
       </p:sp>
@@ -6688,7 +8246,7 @@
           <p:cNvPr id="3" name="Content Placeholder 2">
             <a:extLst>
               <a:ext uri="{FF2B5EF4-FFF2-40B4-BE49-F238E27FC236}">
-                <a16:creationId xmlns:a16="http://schemas.microsoft.com/office/drawing/2014/main" id="{2E7378FA-D06A-4DD3-837F-B7DC40C39280}"/>
+                <a16:creationId xmlns:a16="http://schemas.microsoft.com/office/drawing/2014/main" id="{161350C3-5630-43D1-8518-97AA41CF19D3}"/>
               </a:ext>
             </a:extLst>
           </p:cNvPr>
@@ -6696,84 +8254,22 @@
             <a:spLocks noGrp="1"/>
           </p:cNvSpPr>
           <p:nvPr>
-            <p:ph sz="half" idx="1"/>
-          </p:nvPr>
-        </p:nvSpPr>
-        <p:spPr/>
-        <p:txBody>
-          <a:bodyPr>
-            <a:normAutofit fontScale="47500" lnSpcReduction="20000"/>
-          </a:bodyPr>
-          <a:lstStyle/>
-          <a:p>
-            <a:r>
-              <a:rPr lang="en-US" sz="4200" dirty="0"/>
-              <a:t>Which team has the maximum number of participants in Olympics from 2000 to 2016?</a:t>
-            </a:r>
-          </a:p>
-          <a:p>
-            <a:r>
-              <a:rPr lang="en-US" sz="4200" dirty="0"/>
-              <a:t>What’s the Female participation overtime?</a:t>
-            </a:r>
-          </a:p>
-          <a:p>
-            <a:r>
-              <a:rPr lang="en-US" sz="4200" dirty="0"/>
-              <a:t>Which TEAM got maximum number of gold medals? </a:t>
-            </a:r>
-          </a:p>
-          <a:p>
-            <a:r>
-              <a:rPr lang="en-US" sz="4200" dirty="0"/>
-              <a:t>Which TEAM won the most gold medals? Top 10 Team Performance!</a:t>
-            </a:r>
-          </a:p>
-          <a:p>
-            <a:endParaRPr lang="en-US" sz="4200" dirty="0"/>
-          </a:p>
-          <a:p>
-            <a:pPr marL="0" indent="0">
-              <a:buNone/>
-            </a:pPr>
-            <a:br>
-              <a:rPr lang="en-US" dirty="0"/>
-            </a:br>
-            <a:endParaRPr lang="en-US" dirty="0"/>
-          </a:p>
-        </p:txBody>
-      </p:sp>
-      <p:sp>
-        <p:nvSpPr>
-          <p:cNvPr id="4" name="Content Placeholder 3">
-            <a:extLst>
-              <a:ext uri="{FF2B5EF4-FFF2-40B4-BE49-F238E27FC236}">
-                <a16:creationId xmlns:a16="http://schemas.microsoft.com/office/drawing/2014/main" id="{9FFE1CEE-D79A-4747-B539-1FC225CD68BF}"/>
-              </a:ext>
-            </a:extLst>
-          </p:cNvPr>
-          <p:cNvSpPr>
-            <a:spLocks noGrp="1"/>
-          </p:cNvSpPr>
-          <p:nvPr>
-            <p:ph sz="half" idx="2"/>
-          </p:nvPr>
-        </p:nvSpPr>
-        <p:spPr/>
-        <p:txBody>
-          <a:bodyPr>
-            <a:normAutofit fontScale="47500" lnSpcReduction="20000"/>
-          </a:bodyPr>
-          <a:lstStyle/>
-          <a:p>
-            <a:endParaRPr lang="en-US" dirty="0"/>
+            <p:ph idx="1"/>
+          </p:nvPr>
+        </p:nvSpPr>
+        <p:spPr/>
+        <p:txBody>
+          <a:bodyPr/>
+          <a:lstStyle/>
+          <a:p>
+            <a:endParaRPr lang="en-US"/>
           </a:p>
         </p:txBody>
       </p:sp>
     </p:spTree>
     <p:extLst>
       <p:ext uri="{BB962C8B-B14F-4D97-AF65-F5344CB8AC3E}">
-        <p14:creationId xmlns:p14="http://schemas.microsoft.com/office/powerpoint/2010/main" val="2502952932"/>
+        <p14:creationId xmlns:p14="http://schemas.microsoft.com/office/powerpoint/2010/main" val="3001300249"/>
       </p:ext>
     </p:extLst>
   </p:cSld>
@@ -6805,7 +8301,7 @@
           <p:cNvPr id="2" name="Title 1">
             <a:extLst>
               <a:ext uri="{FF2B5EF4-FFF2-40B4-BE49-F238E27FC236}">
-                <a16:creationId xmlns:a16="http://schemas.microsoft.com/office/drawing/2014/main" id="{32CFB3FC-CD14-42F2-849B-032094A4951E}"/>
+                <a16:creationId xmlns:a16="http://schemas.microsoft.com/office/drawing/2014/main" id="{7AF1DAA8-42A6-43AD-AFB9-F49C8B0D59B2}"/>
               </a:ext>
             </a:extLst>
           </p:cNvPr>
@@ -6818,22 +8314,10 @@
         </p:nvSpPr>
         <p:spPr/>
         <p:txBody>
-          <a:bodyPr>
-            <a:normAutofit fontScale="90000"/>
-          </a:bodyPr>
-          <a:lstStyle/>
-          <a:p>
-            <a:r>
-              <a:rPr lang="en-US" dirty="0"/>
-              <a:t>Dashboard 02</a:t>
-            </a:r>
-            <a:br>
-              <a:rPr lang="en-US" dirty="0"/>
-            </a:br>
-            <a:r>
-              <a:rPr lang="en-US" dirty="0"/>
-              <a:t>Athletes Performance across Age Groups</a:t>
-            </a:r>
+          <a:bodyPr/>
+          <a:lstStyle/>
+          <a:p>
+            <a:endParaRPr lang="en-US"/>
           </a:p>
         </p:txBody>
       </p:sp>
@@ -6842,7 +8326,7 @@
           <p:cNvPr id="3" name="Content Placeholder 2">
             <a:extLst>
               <a:ext uri="{FF2B5EF4-FFF2-40B4-BE49-F238E27FC236}">
-                <a16:creationId xmlns:a16="http://schemas.microsoft.com/office/drawing/2014/main" id="{2E7378FA-D06A-4DD3-837F-B7DC40C39280}"/>
+                <a16:creationId xmlns:a16="http://schemas.microsoft.com/office/drawing/2014/main" id="{35745692-CFA4-467A-AF96-85E6B732CBC2}"/>
               </a:ext>
             </a:extLst>
           </p:cNvPr>
@@ -6850,80 +8334,12 @@
             <a:spLocks noGrp="1"/>
           </p:cNvSpPr>
           <p:nvPr>
-            <p:ph sz="half" idx="1"/>
-          </p:nvPr>
-        </p:nvSpPr>
-        <p:spPr/>
-        <p:txBody>
-          <a:bodyPr>
-            <a:normAutofit fontScale="55000" lnSpcReduction="20000"/>
-          </a:bodyPr>
-          <a:lstStyle/>
-          <a:p>
-            <a:r>
-              <a:rPr lang="en-US" sz="3600" dirty="0"/>
-              <a:t>What’s the medal distribution among various athletes?</a:t>
-            </a:r>
-          </a:p>
-          <a:p>
-            <a:r>
-              <a:rPr lang="en-US" sz="3600" dirty="0"/>
-              <a:t>What’s the medal distribution across different age groups?</a:t>
-            </a:r>
-          </a:p>
-          <a:p>
-            <a:r>
-              <a:rPr lang="en-US" sz="3600" dirty="0"/>
-              <a:t>What’s the % of athletes below age 30</a:t>
-            </a:r>
-          </a:p>
-          <a:p>
-            <a:r>
-              <a:rPr lang="en-US" sz="3600" dirty="0"/>
-              <a:t>What’s the % of athletes below age 40</a:t>
-            </a:r>
-          </a:p>
-          <a:p>
-            <a:r>
-              <a:rPr lang="en-US" sz="3600" dirty="0"/>
-              <a:t>What’s the average age of participants across various sports?</a:t>
-            </a:r>
-          </a:p>
-          <a:p>
-            <a:endParaRPr lang="en-US" dirty="0"/>
-          </a:p>
-          <a:p>
-            <a:pPr marL="0" indent="0">
-              <a:buNone/>
-            </a:pPr>
-            <a:br>
-              <a:rPr lang="en-US" dirty="0"/>
-            </a:br>
-            <a:endParaRPr lang="en-US" dirty="0"/>
-          </a:p>
-        </p:txBody>
-      </p:sp>
-      <p:sp>
-        <p:nvSpPr>
-          <p:cNvPr id="4" name="Content Placeholder 3">
-            <a:extLst>
-              <a:ext uri="{FF2B5EF4-FFF2-40B4-BE49-F238E27FC236}">
-                <a16:creationId xmlns:a16="http://schemas.microsoft.com/office/drawing/2014/main" id="{9FFE1CEE-D79A-4747-B539-1FC225CD68BF}"/>
-              </a:ext>
-            </a:extLst>
-          </p:cNvPr>
-          <p:cNvSpPr>
-            <a:spLocks noGrp="1"/>
-          </p:cNvSpPr>
-          <p:nvPr>
-            <p:ph sz="half" idx="2"/>
-          </p:nvPr>
-        </p:nvSpPr>
-        <p:spPr/>
-        <p:txBody>
-          <a:bodyPr>
-            <a:normAutofit fontScale="55000" lnSpcReduction="20000"/>
-          </a:bodyPr>
+            <p:ph idx="1"/>
+          </p:nvPr>
+        </p:nvSpPr>
+        <p:spPr/>
+        <p:txBody>
+          <a:bodyPr/>
           <a:lstStyle/>
           <a:p>
             <a:endParaRPr lang="en-US"/>
@@ -6933,7 +8349,7 @@
     </p:spTree>
     <p:extLst>
       <p:ext uri="{BB962C8B-B14F-4D97-AF65-F5344CB8AC3E}">
-        <p14:creationId xmlns:p14="http://schemas.microsoft.com/office/powerpoint/2010/main" val="1847522613"/>
+        <p14:creationId xmlns:p14="http://schemas.microsoft.com/office/powerpoint/2010/main" val="343973254"/>
       </p:ext>
     </p:extLst>
   </p:cSld>
@@ -6965,7 +8381,7 @@
           <p:cNvPr id="2" name="Title 1">
             <a:extLst>
               <a:ext uri="{FF2B5EF4-FFF2-40B4-BE49-F238E27FC236}">
-                <a16:creationId xmlns:a16="http://schemas.microsoft.com/office/drawing/2014/main" id="{32CFB3FC-CD14-42F2-849B-032094A4951E}"/>
+                <a16:creationId xmlns:a16="http://schemas.microsoft.com/office/drawing/2014/main" id="{35CED7F6-47EB-46DB-ABB7-9F9FC00A235A}"/>
               </a:ext>
             </a:extLst>
           </p:cNvPr>
@@ -6978,22 +8394,10 @@
         </p:nvSpPr>
         <p:spPr/>
         <p:txBody>
-          <a:bodyPr>
-            <a:normAutofit fontScale="90000"/>
-          </a:bodyPr>
-          <a:lstStyle/>
-          <a:p>
-            <a:r>
-              <a:rPr lang="en-US" dirty="0"/>
-              <a:t>Dashboard 03</a:t>
-            </a:r>
-            <a:br>
-              <a:rPr lang="en-US" dirty="0"/>
-            </a:br>
-            <a:r>
-              <a:rPr lang="en-US" dirty="0"/>
-              <a:t>US Winter Vs Summer Olympics</a:t>
-            </a:r>
+          <a:bodyPr/>
+          <a:lstStyle/>
+          <a:p>
+            <a:endParaRPr lang="en-US"/>
           </a:p>
         </p:txBody>
       </p:sp>
@@ -7002,7 +8406,7 @@
           <p:cNvPr id="3" name="Content Placeholder 2">
             <a:extLst>
               <a:ext uri="{FF2B5EF4-FFF2-40B4-BE49-F238E27FC236}">
-                <a16:creationId xmlns:a16="http://schemas.microsoft.com/office/drawing/2014/main" id="{2E7378FA-D06A-4DD3-837F-B7DC40C39280}"/>
+                <a16:creationId xmlns:a16="http://schemas.microsoft.com/office/drawing/2014/main" id="{BA7E6EE6-FD36-4D42-B242-1286F1601FF1}"/>
               </a:ext>
             </a:extLst>
           </p:cNvPr>
@@ -7010,45 +8414,7 @@
             <a:spLocks noGrp="1"/>
           </p:cNvSpPr>
           <p:nvPr>
-            <p:ph sz="half" idx="1"/>
-          </p:nvPr>
-        </p:nvSpPr>
-        <p:spPr/>
-        <p:txBody>
-          <a:bodyPr/>
-          <a:lstStyle/>
-          <a:p>
-            <a:r>
-              <a:rPr lang="en-US" dirty="0"/>
-              <a:t>What’s the best year for USA in terms of total number of medals for summer? </a:t>
-            </a:r>
-          </a:p>
-          <a:p>
-            <a:r>
-              <a:rPr lang="en-US" dirty="0"/>
-              <a:t>What’s the best year for USA in terms of total number of medals for winter?</a:t>
-            </a:r>
-            <a:br>
-              <a:rPr lang="en-US" dirty="0"/>
-            </a:br>
-            <a:endParaRPr lang="en-US" dirty="0"/>
-          </a:p>
-        </p:txBody>
-      </p:sp>
-      <p:sp>
-        <p:nvSpPr>
-          <p:cNvPr id="4" name="Content Placeholder 3">
-            <a:extLst>
-              <a:ext uri="{FF2B5EF4-FFF2-40B4-BE49-F238E27FC236}">
-                <a16:creationId xmlns:a16="http://schemas.microsoft.com/office/drawing/2014/main" id="{9FFE1CEE-D79A-4747-B539-1FC225CD68BF}"/>
-              </a:ext>
-            </a:extLst>
-          </p:cNvPr>
-          <p:cNvSpPr>
-            <a:spLocks noGrp="1"/>
-          </p:cNvSpPr>
-          <p:nvPr>
-            <p:ph sz="half" idx="2"/>
+            <p:ph idx="1"/>
           </p:nvPr>
         </p:nvSpPr>
         <p:spPr/>
@@ -7063,7 +8429,7 @@
     </p:spTree>
     <p:extLst>
       <p:ext uri="{BB962C8B-B14F-4D97-AF65-F5344CB8AC3E}">
-        <p14:creationId xmlns:p14="http://schemas.microsoft.com/office/powerpoint/2010/main" val="311403055"/>
+        <p14:creationId xmlns:p14="http://schemas.microsoft.com/office/powerpoint/2010/main" val="3931131457"/>
       </p:ext>
     </p:extLst>
   </p:cSld>
@@ -7095,7 +8461,7 @@
           <p:cNvPr id="2" name="Title 1">
             <a:extLst>
               <a:ext uri="{FF2B5EF4-FFF2-40B4-BE49-F238E27FC236}">
-                <a16:creationId xmlns:a16="http://schemas.microsoft.com/office/drawing/2014/main" id="{C6292352-90C3-49D0-87BB-4123A39556CD}"/>
+                <a16:creationId xmlns:a16="http://schemas.microsoft.com/office/drawing/2014/main" id="{D8D6CA37-2F9E-47D6-B7B8-D610BCB33703}"/>
               </a:ext>
             </a:extLst>
           </p:cNvPr>
@@ -7111,10 +8477,7 @@
           <a:bodyPr/>
           <a:lstStyle/>
           <a:p>
-            <a:r>
-              <a:rPr lang="en-US" dirty="0"/>
-              <a:t>Summary</a:t>
-            </a:r>
+            <a:endParaRPr lang="en-US"/>
           </a:p>
         </p:txBody>
       </p:sp>
@@ -7123,7 +8486,7 @@
           <p:cNvPr id="3" name="Content Placeholder 2">
             <a:extLst>
               <a:ext uri="{FF2B5EF4-FFF2-40B4-BE49-F238E27FC236}">
-                <a16:creationId xmlns:a16="http://schemas.microsoft.com/office/drawing/2014/main" id="{69D4DEF6-8BF2-4F0E-B763-B71AC098869D}"/>
+                <a16:creationId xmlns:a16="http://schemas.microsoft.com/office/drawing/2014/main" id="{ED688740-D8A0-4B49-81DE-BF5D4FE180E8}"/>
               </a:ext>
             </a:extLst>
           </p:cNvPr>
@@ -7139,14 +8502,14 @@
           <a:bodyPr/>
           <a:lstStyle/>
           <a:p>
-            <a:endParaRPr lang="en-US" dirty="0"/>
+            <a:endParaRPr lang="en-US"/>
           </a:p>
         </p:txBody>
       </p:sp>
     </p:spTree>
     <p:extLst>
       <p:ext uri="{BB962C8B-B14F-4D97-AF65-F5344CB8AC3E}">
-        <p14:creationId xmlns:p14="http://schemas.microsoft.com/office/powerpoint/2010/main" val="1560093254"/>
+        <p14:creationId xmlns:p14="http://schemas.microsoft.com/office/powerpoint/2010/main" val="1781643139"/>
       </p:ext>
     </p:extLst>
   </p:cSld>
@@ -7178,7 +8541,7 @@
           <p:cNvPr id="2" name="Title 1">
             <a:extLst>
               <a:ext uri="{FF2B5EF4-FFF2-40B4-BE49-F238E27FC236}">
-                <a16:creationId xmlns:a16="http://schemas.microsoft.com/office/drawing/2014/main" id="{7263E1E7-6307-40CF-A6A1-5BE8B9682063}"/>
+                <a16:creationId xmlns:a16="http://schemas.microsoft.com/office/drawing/2014/main" id="{4B18F8E9-57A9-4835-A8BD-8A6F98D0F110}"/>
               </a:ext>
             </a:extLst>
           </p:cNvPr>
@@ -7191,28 +8554,19 @@
         </p:nvSpPr>
         <p:spPr/>
         <p:txBody>
-          <a:bodyPr>
-            <a:normAutofit fontScale="90000"/>
-          </a:bodyPr>
-          <a:lstStyle/>
-          <a:p>
-            <a:r>
-              <a:rPr lang="en-US" sz="3500" dirty="0">
-                <a:solidFill>
-                  <a:schemeClr val="tx1"/>
-                </a:solidFill>
-              </a:rPr>
-              <a:t>Thank you!</a:t>
-            </a:r>
-          </a:p>
-        </p:txBody>
-      </p:sp>
-      <p:sp>
-        <p:nvSpPr>
-          <p:cNvPr id="10" name="Text Placeholder 9">
+          <a:bodyPr/>
+          <a:lstStyle/>
+          <a:p>
+            <a:endParaRPr lang="en-US"/>
+          </a:p>
+        </p:txBody>
+      </p:sp>
+      <p:sp>
+        <p:nvSpPr>
+          <p:cNvPr id="3" name="Content Placeholder 2">
             <a:extLst>
               <a:ext uri="{FF2B5EF4-FFF2-40B4-BE49-F238E27FC236}">
-                <a16:creationId xmlns:a16="http://schemas.microsoft.com/office/drawing/2014/main" id="{161A4A23-57E4-41CD-96DE-CD0095BFAF8F}"/>
+                <a16:creationId xmlns:a16="http://schemas.microsoft.com/office/drawing/2014/main" id="{94C424D3-288D-4AFE-A7F9-4992A9B15617}"/>
               </a:ext>
             </a:extLst>
           </p:cNvPr>
@@ -7220,66 +8574,102 @@
             <a:spLocks noGrp="1"/>
           </p:cNvSpPr>
           <p:nvPr>
-            <p:ph type="body" sz="half" idx="2"/>
-          </p:nvPr>
-        </p:nvSpPr>
-        <p:spPr>
-          <a:xfrm>
-            <a:off x="1295401" y="5382152"/>
-            <a:ext cx="9609666" cy="849835"/>
-          </a:xfrm>
-        </p:spPr>
-        <p:txBody>
-          <a:bodyPr>
-            <a:noAutofit/>
-          </a:bodyPr>
-          <a:lstStyle/>
-          <a:p>
-            <a:r>
-              <a:rPr lang="en-US" sz="4000" b="1" dirty="0"/>
-              <a:t>THANK YOU!</a:t>
-            </a:r>
-          </a:p>
-        </p:txBody>
-      </p:sp>
-      <p:pic>
-        <p:nvPicPr>
-          <p:cNvPr id="18" name="Picture Placeholder 17">
+            <p:ph idx="1"/>
+          </p:nvPr>
+        </p:nvSpPr>
+        <p:spPr/>
+        <p:txBody>
+          <a:bodyPr/>
+          <a:lstStyle/>
+          <a:p>
+            <a:endParaRPr lang="en-US"/>
+          </a:p>
+        </p:txBody>
+      </p:sp>
+    </p:spTree>
+    <p:extLst>
+      <p:ext uri="{BB962C8B-B14F-4D97-AF65-F5344CB8AC3E}">
+        <p14:creationId xmlns:p14="http://schemas.microsoft.com/office/powerpoint/2010/main" val="2930763159"/>
+      </p:ext>
+    </p:extLst>
+  </p:cSld>
+  <p:clrMapOvr>
+    <a:masterClrMapping/>
+  </p:clrMapOvr>
+</p:sld>
+</file>
+
+<file path=ppt/slides/slide9.xml><?xml version="1.0" encoding="utf-8"?>
+<p:sld xmlns:a="http://schemas.openxmlformats.org/drawingml/2006/main" xmlns:r="http://schemas.openxmlformats.org/officeDocument/2006/relationships" xmlns:p="http://schemas.openxmlformats.org/presentationml/2006/main">
+  <p:cSld>
+    <p:spTree>
+      <p:nvGrpSpPr>
+        <p:cNvPr id="1" name=""/>
+        <p:cNvGrpSpPr/>
+        <p:nvPr/>
+      </p:nvGrpSpPr>
+      <p:grpSpPr>
+        <a:xfrm>
+          <a:off x="0" y="0"/>
+          <a:ext cx="0" cy="0"/>
+          <a:chOff x="0" y="0"/>
+          <a:chExt cx="0" cy="0"/>
+        </a:xfrm>
+      </p:grpSpPr>
+      <p:sp>
+        <p:nvSpPr>
+          <p:cNvPr id="2" name="Title 1">
             <a:extLst>
               <a:ext uri="{FF2B5EF4-FFF2-40B4-BE49-F238E27FC236}">
-                <a16:creationId xmlns:a16="http://schemas.microsoft.com/office/drawing/2014/main" id="{62707B2F-43CF-4832-B9A4-34695EBC4A3C}"/>
+                <a16:creationId xmlns:a16="http://schemas.microsoft.com/office/drawing/2014/main" id="{9E9294CA-29D0-47EE-9A4C-E949B5194D99}"/>
               </a:ext>
             </a:extLst>
           </p:cNvPr>
-          <p:cNvPicPr>
-            <a:picLocks noGrp="1" noChangeAspect="1"/>
-          </p:cNvPicPr>
-          <p:nvPr>
-            <p:ph type="pic" idx="1"/>
-          </p:nvPr>
-        </p:nvPicPr>
-        <p:blipFill rotWithShape="1">
-          <a:blip r:embed="rId2">
+          <p:cNvSpPr>
+            <a:spLocks noGrp="1"/>
+          </p:cNvSpPr>
+          <p:nvPr>
+            <p:ph type="title"/>
+          </p:nvPr>
+        </p:nvSpPr>
+        <p:spPr/>
+        <p:txBody>
+          <a:bodyPr/>
+          <a:lstStyle/>
+          <a:p>
+            <a:endParaRPr lang="en-US"/>
+          </a:p>
+        </p:txBody>
+      </p:sp>
+      <p:sp>
+        <p:nvSpPr>
+          <p:cNvPr id="3" name="Content Placeholder 2">
             <a:extLst>
-              <a:ext uri="{28A0092B-C50C-407E-A947-70E740481C1C}">
-                <a14:useLocalDpi xmlns:a14="http://schemas.microsoft.com/office/drawing/2010/main" val="0"/>
+              <a:ext uri="{FF2B5EF4-FFF2-40B4-BE49-F238E27FC236}">
+                <a16:creationId xmlns:a16="http://schemas.microsoft.com/office/drawing/2014/main" id="{84692BF2-76D6-4A4E-8E29-F06C17CB2F4A}"/>
               </a:ext>
             </a:extLst>
-          </a:blip>
-          <a:srcRect t="23596" b="7690"/>
-          <a:stretch/>
-        </p:blipFill>
-        <p:spPr>
-          <a:xfrm>
-            <a:off x="1041427" y="1041399"/>
-            <a:ext cx="10105972" cy="4340754"/>
-          </a:xfrm>
-        </p:spPr>
-      </p:pic>
+          </p:cNvPr>
+          <p:cNvSpPr>
+            <a:spLocks noGrp="1"/>
+          </p:cNvSpPr>
+          <p:nvPr>
+            <p:ph idx="1"/>
+          </p:nvPr>
+        </p:nvSpPr>
+        <p:spPr/>
+        <p:txBody>
+          <a:bodyPr/>
+          <a:lstStyle/>
+          <a:p>
+            <a:endParaRPr lang="en-US"/>
+          </a:p>
+        </p:txBody>
+      </p:sp>
     </p:spTree>
     <p:extLst>
       <p:ext uri="{BB962C8B-B14F-4D97-AF65-F5344CB8AC3E}">
-        <p14:creationId xmlns:p14="http://schemas.microsoft.com/office/powerpoint/2010/main" val="523705573"/>
+        <p14:creationId xmlns:p14="http://schemas.microsoft.com/office/powerpoint/2010/main" val="4208586446"/>
       </p:ext>
     </p:extLst>
   </p:cSld>

--- a/Presentation.pptx
+++ b/Presentation.pptx
@@ -2,34 +2,28 @@
 <file path=ppt/presentation.xml><?xml version="1.0" encoding="utf-8"?>
 <p:presentation xmlns:a="http://schemas.openxmlformats.org/drawingml/2006/main" xmlns:r="http://schemas.openxmlformats.org/officeDocument/2006/relationships" xmlns:p="http://schemas.openxmlformats.org/presentationml/2006/main" saveSubsetFonts="1">
   <p:sldMasterIdLst>
-    <p:sldMasterId id="2147483660" r:id="rId1"/>
+    <p:sldMasterId id="2147483714" r:id="rId1"/>
   </p:sldMasterIdLst>
   <p:sldIdLst>
     <p:sldId id="256" r:id="rId2"/>
-    <p:sldId id="257" r:id="rId3"/>
-    <p:sldId id="259" r:id="rId4"/>
-    <p:sldId id="272" r:id="rId5"/>
-    <p:sldId id="280" r:id="rId6"/>
-    <p:sldId id="271" r:id="rId7"/>
-    <p:sldId id="270" r:id="rId8"/>
-    <p:sldId id="269" r:id="rId9"/>
-    <p:sldId id="273" r:id="rId10"/>
-    <p:sldId id="275" r:id="rId11"/>
-    <p:sldId id="274" r:id="rId12"/>
-    <p:sldId id="276" r:id="rId13"/>
-    <p:sldId id="277" r:id="rId14"/>
-    <p:sldId id="278" r:id="rId15"/>
-    <p:sldId id="279" r:id="rId16"/>
-    <p:sldId id="281" r:id="rId17"/>
-    <p:sldId id="282" r:id="rId18"/>
-    <p:sldId id="283" r:id="rId19"/>
-    <p:sldId id="260" r:id="rId20"/>
-    <p:sldId id="266" r:id="rId21"/>
-    <p:sldId id="267" r:id="rId22"/>
-    <p:sldId id="285" r:id="rId23"/>
-    <p:sldId id="284" r:id="rId24"/>
-    <p:sldId id="264" r:id="rId25"/>
-    <p:sldId id="265" r:id="rId26"/>
+    <p:sldId id="286" r:id="rId3"/>
+    <p:sldId id="316" r:id="rId4"/>
+    <p:sldId id="313" r:id="rId5"/>
+    <p:sldId id="307" r:id="rId6"/>
+    <p:sldId id="308" r:id="rId7"/>
+    <p:sldId id="309" r:id="rId8"/>
+    <p:sldId id="310" r:id="rId9"/>
+    <p:sldId id="317" r:id="rId10"/>
+    <p:sldId id="312" r:id="rId11"/>
+    <p:sldId id="289" r:id="rId12"/>
+    <p:sldId id="257" r:id="rId13"/>
+    <p:sldId id="258" r:id="rId14"/>
+    <p:sldId id="259" r:id="rId15"/>
+    <p:sldId id="260" r:id="rId16"/>
+    <p:sldId id="261" r:id="rId17"/>
+    <p:sldId id="262" r:id="rId18"/>
+    <p:sldId id="318" r:id="rId19"/>
+    <p:sldId id="314" r:id="rId20"/>
   </p:sldIdLst>
   <p:sldSz cx="12192000" cy="6858000"/>
   <p:notesSz cx="6858000" cy="9144000"/>
@@ -155,21 +149,21 @@
       </p:grpSpPr>
       <p:grpSp>
         <p:nvGrpSpPr>
-          <p:cNvPr id="7" name="Group 6"/>
+          <p:cNvPr id="10" name="Group 9"/>
           <p:cNvGrpSpPr/>
           <p:nvPr/>
         </p:nvGrpSpPr>
         <p:grpSpPr>
           <a:xfrm>
-            <a:off x="-16934" y="0"/>
-            <a:ext cx="12231160" cy="6856214"/>
-            <a:chOff x="-16934" y="0"/>
-            <a:chExt cx="12231160" cy="6856214"/>
+            <a:off x="0" y="0"/>
+            <a:ext cx="12188825" cy="6872226"/>
+            <a:chOff x="0" y="0"/>
+            <a:chExt cx="12188825" cy="6872226"/>
           </a:xfrm>
         </p:grpSpPr>
         <p:pic>
           <p:nvPicPr>
-            <p:cNvPr id="16" name="Picture 15" descr="HD-PanelTitleR1.png"/>
+            <p:cNvPr id="9" name="Picture 8" descr="HD-PanelTitle-V.png"/>
             <p:cNvPicPr>
               <a:picLocks noChangeAspect="1"/>
             </p:cNvPicPr>
@@ -247,13 +241,13 @@
                 </a:ext>
               </a:extLst>
             </a:blip>
-            <a:srcRect/>
+            <a:srcRect l="2" r="47673"/>
             <a:stretch/>
           </p:blipFill>
           <p:spPr>
-            <a:xfrm>
-              <a:off x="-16934" y="3147609"/>
-              <a:ext cx="2478024" cy="612648"/>
+            <a:xfrm rot="5400000">
+              <a:off x="5245268" y="530352"/>
+              <a:ext cx="1673352" cy="612648"/>
             </a:xfrm>
             <a:prstGeom prst="rect">
               <a:avLst/>
@@ -262,7 +256,7 @@
         </p:pic>
         <p:pic>
           <p:nvPicPr>
-            <p:cNvPr id="20" name="Picture 19" descr="HDRibbonTitle-UniformTrim.png"/>
+            <p:cNvPr id="18" name="Picture 17" descr="HDRibbonTitle-UniformTrim.png"/>
             <p:cNvPicPr>
               <a:picLocks noChangeAspect="1"/>
             </p:cNvPicPr>
@@ -276,13 +270,13 @@
                 </a:ext>
               </a:extLst>
             </a:blip>
-            <a:srcRect/>
+            <a:srcRect r="48819"/>
             <a:stretch/>
           </p:blipFill>
           <p:spPr>
-            <a:xfrm>
-              <a:off x="9736202" y="3147609"/>
-              <a:ext cx="2478024" cy="612648"/>
+            <a:xfrm rot="5400000">
+              <a:off x="5263556" y="5747514"/>
+              <a:ext cx="1636776" cy="612648"/>
             </a:xfrm>
             <a:prstGeom prst="rect">
               <a:avLst/>
@@ -465,9 +459,9 @@
           <a:bodyPr/>
           <a:lstStyle/>
           <a:p>
-            <a:fld id="{60DA4470-4896-4A6B-8EFE-217EF3951C8F}" type="datetimeFigureOut">
+            <a:fld id="{EED1C14C-A143-42F5-B247-D0E800131009}" type="datetimeFigureOut">
               <a:rPr lang="en-US" smtClean="0"/>
-              <a:t>7/21/2020</a:t>
+              <a:t>7/23/2020</a:t>
             </a:fld>
             <a:endParaRPr lang="en-US"/>
           </a:p>
@@ -517,7 +511,7 @@
           <a:bodyPr/>
           <a:lstStyle/>
           <a:p>
-            <a:fld id="{35FE0006-E223-4E89-8517-0C6C073EB732}" type="slidenum">
+            <a:fld id="{5B03D32D-F1BC-4E9C-97E1-36CFF5B22341}" type="slidenum">
               <a:rPr lang="en-US" smtClean="0"/>
               <a:t>‹#›</a:t>
             </a:fld>
@@ -558,7 +552,7 @@
     </p:spTree>
     <p:extLst>
       <p:ext uri="{BB962C8B-B14F-4D97-AF65-F5344CB8AC3E}">
-        <p14:creationId xmlns:p14="http://schemas.microsoft.com/office/powerpoint/2010/main" val="1223137300"/>
+        <p14:creationId xmlns:p14="http://schemas.microsoft.com/office/powerpoint/2010/main" val="3132127860"/>
       </p:ext>
     </p:extLst>
   </p:cSld>
@@ -789,9 +783,9 @@
           <a:bodyPr/>
           <a:lstStyle/>
           <a:p>
-            <a:fld id="{60DA4470-4896-4A6B-8EFE-217EF3951C8F}" type="datetimeFigureOut">
+            <a:fld id="{EED1C14C-A143-42F5-B247-D0E800131009}" type="datetimeFigureOut">
               <a:rPr lang="en-US" smtClean="0"/>
-              <a:t>7/21/2020</a:t>
+              <a:t>7/23/2020</a:t>
             </a:fld>
             <a:endParaRPr lang="en-US"/>
           </a:p>
@@ -831,7 +825,7 @@
           <a:bodyPr/>
           <a:lstStyle/>
           <a:p>
-            <a:fld id="{35FE0006-E223-4E89-8517-0C6C073EB732}" type="slidenum">
+            <a:fld id="{5B03D32D-F1BC-4E9C-97E1-36CFF5B22341}" type="slidenum">
               <a:rPr lang="en-US" smtClean="0"/>
               <a:t>‹#›</a:t>
             </a:fld>
@@ -842,7 +836,7 @@
     </p:spTree>
     <p:extLst>
       <p:ext uri="{BB962C8B-B14F-4D97-AF65-F5344CB8AC3E}">
-        <p14:creationId xmlns:p14="http://schemas.microsoft.com/office/powerpoint/2010/main" val="3714044809"/>
+        <p14:creationId xmlns:p14="http://schemas.microsoft.com/office/powerpoint/2010/main" val="3216019259"/>
       </p:ext>
     </p:extLst>
   </p:cSld>
@@ -1037,9 +1031,9 @@
           <a:bodyPr/>
           <a:lstStyle/>
           <a:p>
-            <a:fld id="{60DA4470-4896-4A6B-8EFE-217EF3951C8F}" type="datetimeFigureOut">
+            <a:fld id="{EED1C14C-A143-42F5-B247-D0E800131009}" type="datetimeFigureOut">
               <a:rPr lang="en-US" smtClean="0"/>
-              <a:t>7/21/2020</a:t>
+              <a:t>7/23/2020</a:t>
             </a:fld>
             <a:endParaRPr lang="en-US"/>
           </a:p>
@@ -1079,7 +1073,7 @@
           <a:bodyPr/>
           <a:lstStyle/>
           <a:p>
-            <a:fld id="{35FE0006-E223-4E89-8517-0C6C073EB732}" type="slidenum">
+            <a:fld id="{5B03D32D-F1BC-4E9C-97E1-36CFF5B22341}" type="slidenum">
               <a:rPr lang="en-US" smtClean="0"/>
               <a:t>‹#›</a:t>
             </a:fld>
@@ -1121,7 +1115,7 @@
     </p:spTree>
     <p:extLst>
       <p:ext uri="{BB962C8B-B14F-4D97-AF65-F5344CB8AC3E}">
-        <p14:creationId xmlns:p14="http://schemas.microsoft.com/office/powerpoint/2010/main" val="2157284543"/>
+        <p14:creationId xmlns:p14="http://schemas.microsoft.com/office/powerpoint/2010/main" val="4279649463"/>
       </p:ext>
     </p:extLst>
   </p:cSld>
@@ -1376,9 +1370,9 @@
           <a:bodyPr/>
           <a:lstStyle/>
           <a:p>
-            <a:fld id="{60DA4470-4896-4A6B-8EFE-217EF3951C8F}" type="datetimeFigureOut">
+            <a:fld id="{EED1C14C-A143-42F5-B247-D0E800131009}" type="datetimeFigureOut">
               <a:rPr lang="en-US" smtClean="0"/>
-              <a:t>7/21/2020</a:t>
+              <a:t>7/23/2020</a:t>
             </a:fld>
             <a:endParaRPr lang="en-US"/>
           </a:p>
@@ -1418,7 +1412,7 @@
           <a:bodyPr/>
           <a:lstStyle/>
           <a:p>
-            <a:fld id="{35FE0006-E223-4E89-8517-0C6C073EB732}" type="slidenum">
+            <a:fld id="{5B03D32D-F1BC-4E9C-97E1-36CFF5B22341}" type="slidenum">
               <a:rPr lang="en-US" smtClean="0"/>
               <a:t>‹#›</a:t>
             </a:fld>
@@ -1528,7 +1522,7 @@
     </p:spTree>
     <p:extLst>
       <p:ext uri="{BB962C8B-B14F-4D97-AF65-F5344CB8AC3E}">
-        <p14:creationId xmlns:p14="http://schemas.microsoft.com/office/powerpoint/2010/main" val="3005490131"/>
+        <p14:creationId xmlns:p14="http://schemas.microsoft.com/office/powerpoint/2010/main" val="84499955"/>
       </p:ext>
     </p:extLst>
   </p:cSld>
@@ -1723,9 +1717,9 @@
           <a:bodyPr/>
           <a:lstStyle/>
           <a:p>
-            <a:fld id="{60DA4470-4896-4A6B-8EFE-217EF3951C8F}" type="datetimeFigureOut">
+            <a:fld id="{EED1C14C-A143-42F5-B247-D0E800131009}" type="datetimeFigureOut">
               <a:rPr lang="en-US" smtClean="0"/>
-              <a:t>7/21/2020</a:t>
+              <a:t>7/23/2020</a:t>
             </a:fld>
             <a:endParaRPr lang="en-US"/>
           </a:p>
@@ -1765,7 +1759,7 @@
           <a:bodyPr/>
           <a:lstStyle/>
           <a:p>
-            <a:fld id="{35FE0006-E223-4E89-8517-0C6C073EB732}" type="slidenum">
+            <a:fld id="{5B03D32D-F1BC-4E9C-97E1-36CFF5B22341}" type="slidenum">
               <a:rPr lang="en-US" smtClean="0"/>
               <a:t>‹#›</a:t>
             </a:fld>
@@ -1776,7 +1770,7 @@
     </p:spTree>
     <p:extLst>
       <p:ext uri="{BB962C8B-B14F-4D97-AF65-F5344CB8AC3E}">
-        <p14:creationId xmlns:p14="http://schemas.microsoft.com/office/powerpoint/2010/main" val="806228667"/>
+        <p14:creationId xmlns:p14="http://schemas.microsoft.com/office/powerpoint/2010/main" val="1948683130"/>
       </p:ext>
     </p:extLst>
   </p:cSld>
@@ -1843,7 +1837,7 @@
       </p:sp>
       <p:sp>
         <p:nvSpPr>
-          <p:cNvPr id="23" name="Text Placeholder 2"/>
+          <p:cNvPr id="16" name="Text Placeholder 2"/>
           <p:cNvSpPr>
             <a:spLocks noGrp="1"/>
           </p:cNvSpPr>
@@ -2097,9 +2091,9 @@
           <a:bodyPr/>
           <a:lstStyle/>
           <a:p>
-            <a:fld id="{60DA4470-4896-4A6B-8EFE-217EF3951C8F}" type="datetimeFigureOut">
+            <a:fld id="{EED1C14C-A143-42F5-B247-D0E800131009}" type="datetimeFigureOut">
               <a:rPr lang="en-US" smtClean="0"/>
-              <a:t>7/21/2020</a:t>
+              <a:t>7/23/2020</a:t>
             </a:fld>
             <a:endParaRPr lang="en-US"/>
           </a:p>
@@ -2139,7 +2133,7 @@
           <a:bodyPr/>
           <a:lstStyle/>
           <a:p>
-            <a:fld id="{35FE0006-E223-4E89-8517-0C6C073EB732}" type="slidenum">
+            <a:fld id="{5B03D32D-F1BC-4E9C-97E1-36CFF5B22341}" type="slidenum">
               <a:rPr lang="en-US" smtClean="0"/>
               <a:t>‹#›</a:t>
             </a:fld>
@@ -2249,7 +2243,7 @@
     </p:spTree>
     <p:extLst>
       <p:ext uri="{BB962C8B-B14F-4D97-AF65-F5344CB8AC3E}">
-        <p14:creationId xmlns:p14="http://schemas.microsoft.com/office/powerpoint/2010/main" val="1964978800"/>
+        <p14:creationId xmlns:p14="http://schemas.microsoft.com/office/powerpoint/2010/main" val="2402563575"/>
       </p:ext>
     </p:extLst>
   </p:cSld>
@@ -2313,7 +2307,7 @@
       </p:sp>
       <p:sp>
         <p:nvSpPr>
-          <p:cNvPr id="20" name="Text Placeholder 2"/>
+          <p:cNvPr id="14" name="Text Placeholder 2"/>
           <p:cNvSpPr>
             <a:spLocks noGrp="1"/>
           </p:cNvSpPr>
@@ -2567,9 +2561,9 @@
           <a:bodyPr/>
           <a:lstStyle/>
           <a:p>
-            <a:fld id="{60DA4470-4896-4A6B-8EFE-217EF3951C8F}" type="datetimeFigureOut">
+            <a:fld id="{EED1C14C-A143-42F5-B247-D0E800131009}" type="datetimeFigureOut">
               <a:rPr lang="en-US" smtClean="0"/>
-              <a:t>7/21/2020</a:t>
+              <a:t>7/23/2020</a:t>
             </a:fld>
             <a:endParaRPr lang="en-US"/>
           </a:p>
@@ -2609,7 +2603,7 @@
           <a:bodyPr/>
           <a:lstStyle/>
           <a:p>
-            <a:fld id="{35FE0006-E223-4E89-8517-0C6C073EB732}" type="slidenum">
+            <a:fld id="{5B03D32D-F1BC-4E9C-97E1-36CFF5B22341}" type="slidenum">
               <a:rPr lang="en-US" smtClean="0"/>
               <a:t>‹#›</a:t>
             </a:fld>
@@ -2651,7 +2645,7 @@
     </p:spTree>
     <p:extLst>
       <p:ext uri="{BB962C8B-B14F-4D97-AF65-F5344CB8AC3E}">
-        <p14:creationId xmlns:p14="http://schemas.microsoft.com/office/powerpoint/2010/main" val="925020746"/>
+        <p14:creationId xmlns:p14="http://schemas.microsoft.com/office/powerpoint/2010/main" val="1677412931"/>
       </p:ext>
     </p:extLst>
   </p:cSld>
@@ -2772,9 +2766,9 @@
           <a:bodyPr/>
           <a:lstStyle/>
           <a:p>
-            <a:fld id="{60DA4470-4896-4A6B-8EFE-217EF3951C8F}" type="datetimeFigureOut">
+            <a:fld id="{EED1C14C-A143-42F5-B247-D0E800131009}" type="datetimeFigureOut">
               <a:rPr lang="en-US" smtClean="0"/>
-              <a:t>7/21/2020</a:t>
+              <a:t>7/23/2020</a:t>
             </a:fld>
             <a:endParaRPr lang="en-US"/>
           </a:p>
@@ -2814,7 +2808,7 @@
           <a:bodyPr/>
           <a:lstStyle/>
           <a:p>
-            <a:fld id="{35FE0006-E223-4E89-8517-0C6C073EB732}" type="slidenum">
+            <a:fld id="{5B03D32D-F1BC-4E9C-97E1-36CFF5B22341}" type="slidenum">
               <a:rPr lang="en-US" smtClean="0"/>
               <a:t>‹#›</a:t>
             </a:fld>
@@ -2856,7 +2850,7 @@
     </p:spTree>
     <p:extLst>
       <p:ext uri="{BB962C8B-B14F-4D97-AF65-F5344CB8AC3E}">
-        <p14:creationId xmlns:p14="http://schemas.microsoft.com/office/powerpoint/2010/main" val="1467069743"/>
+        <p14:creationId xmlns:p14="http://schemas.microsoft.com/office/powerpoint/2010/main" val="189689867"/>
       </p:ext>
     </p:extLst>
   </p:cSld>
@@ -2983,9 +2977,9 @@
           <a:bodyPr/>
           <a:lstStyle/>
           <a:p>
-            <a:fld id="{60DA4470-4896-4A6B-8EFE-217EF3951C8F}" type="datetimeFigureOut">
+            <a:fld id="{EED1C14C-A143-42F5-B247-D0E800131009}" type="datetimeFigureOut">
               <a:rPr lang="en-US" smtClean="0"/>
-              <a:t>7/21/2020</a:t>
+              <a:t>7/23/2020</a:t>
             </a:fld>
             <a:endParaRPr lang="en-US"/>
           </a:p>
@@ -3025,7 +3019,7 @@
           <a:bodyPr/>
           <a:lstStyle/>
           <a:p>
-            <a:fld id="{35FE0006-E223-4E89-8517-0C6C073EB732}" type="slidenum">
+            <a:fld id="{5B03D32D-F1BC-4E9C-97E1-36CFF5B22341}" type="slidenum">
               <a:rPr lang="en-US" smtClean="0"/>
               <a:t>‹#›</a:t>
             </a:fld>
@@ -3067,7 +3061,7 @@
     </p:spTree>
     <p:extLst>
       <p:ext uri="{BB962C8B-B14F-4D97-AF65-F5344CB8AC3E}">
-        <p14:creationId xmlns:p14="http://schemas.microsoft.com/office/powerpoint/2010/main" val="2820692755"/>
+        <p14:creationId xmlns:p14="http://schemas.microsoft.com/office/powerpoint/2010/main" val="786104071"/>
       </p:ext>
     </p:extLst>
   </p:cSld>
@@ -3215,9 +3209,9 @@
           <a:bodyPr/>
           <a:lstStyle/>
           <a:p>
-            <a:fld id="{60DA4470-4896-4A6B-8EFE-217EF3951C8F}" type="datetimeFigureOut">
+            <a:fld id="{EED1C14C-A143-42F5-B247-D0E800131009}" type="datetimeFigureOut">
               <a:rPr lang="en-US" smtClean="0"/>
-              <a:t>7/21/2020</a:t>
+              <a:t>7/23/2020</a:t>
             </a:fld>
             <a:endParaRPr lang="en-US"/>
           </a:p>
@@ -3257,7 +3251,7 @@
           <a:bodyPr/>
           <a:lstStyle/>
           <a:p>
-            <a:fld id="{35FE0006-E223-4E89-8517-0C6C073EB732}" type="slidenum">
+            <a:fld id="{5B03D32D-F1BC-4E9C-97E1-36CFF5B22341}" type="slidenum">
               <a:rPr lang="en-US" smtClean="0"/>
               <a:t>‹#›</a:t>
             </a:fld>
@@ -3268,7 +3262,7 @@
     </p:spTree>
     <p:extLst>
       <p:ext uri="{BB962C8B-B14F-4D97-AF65-F5344CB8AC3E}">
-        <p14:creationId xmlns:p14="http://schemas.microsoft.com/office/powerpoint/2010/main" val="333931384"/>
+        <p14:creationId xmlns:p14="http://schemas.microsoft.com/office/powerpoint/2010/main" val="3420170229"/>
       </p:ext>
     </p:extLst>
   </p:cSld>
@@ -3463,9 +3457,9 @@
           <a:bodyPr/>
           <a:lstStyle/>
           <a:p>
-            <a:fld id="{60DA4470-4896-4A6B-8EFE-217EF3951C8F}" type="datetimeFigureOut">
+            <a:fld id="{EED1C14C-A143-42F5-B247-D0E800131009}" type="datetimeFigureOut">
               <a:rPr lang="en-US" smtClean="0"/>
-              <a:t>7/21/2020</a:t>
+              <a:t>7/23/2020</a:t>
             </a:fld>
             <a:endParaRPr lang="en-US"/>
           </a:p>
@@ -3505,7 +3499,7 @@
           <a:bodyPr/>
           <a:lstStyle/>
           <a:p>
-            <a:fld id="{35FE0006-E223-4E89-8517-0C6C073EB732}" type="slidenum">
+            <a:fld id="{5B03D32D-F1BC-4E9C-97E1-36CFF5B22341}" type="slidenum">
               <a:rPr lang="en-US" smtClean="0"/>
               <a:t>‹#›</a:t>
             </a:fld>
@@ -3547,7 +3541,7 @@
     </p:spTree>
     <p:extLst>
       <p:ext uri="{BB962C8B-B14F-4D97-AF65-F5344CB8AC3E}">
-        <p14:creationId xmlns:p14="http://schemas.microsoft.com/office/powerpoint/2010/main" val="410528811"/>
+        <p14:creationId xmlns:p14="http://schemas.microsoft.com/office/powerpoint/2010/main" val="1266120836"/>
       </p:ext>
     </p:extLst>
   </p:cSld>
@@ -3574,6 +3568,212 @@
           <a:chExt cx="0" cy="0"/>
         </a:xfrm>
       </p:grpSpPr>
+      <p:sp>
+        <p:nvSpPr>
+          <p:cNvPr id="2" name="Title 1"/>
+          <p:cNvSpPr>
+            <a:spLocks noGrp="1"/>
+          </p:cNvSpPr>
+          <p:nvPr>
+            <p:ph type="title"/>
+          </p:nvPr>
+        </p:nvSpPr>
+        <p:spPr/>
+        <p:txBody>
+          <a:bodyPr/>
+          <a:lstStyle/>
+          <a:p>
+            <a:r>
+              <a:rPr lang="en-US"/>
+              <a:t>Click to edit Master title style</a:t>
+            </a:r>
+            <a:endParaRPr lang="en-US" dirty="0"/>
+          </a:p>
+        </p:txBody>
+      </p:sp>
+      <p:sp>
+        <p:nvSpPr>
+          <p:cNvPr id="3" name="Content Placeholder 2"/>
+          <p:cNvSpPr>
+            <a:spLocks noGrp="1"/>
+          </p:cNvSpPr>
+          <p:nvPr>
+            <p:ph sz="half" idx="1"/>
+          </p:nvPr>
+        </p:nvSpPr>
+        <p:spPr>
+          <a:xfrm>
+            <a:off x="1298448" y="2560320"/>
+            <a:ext cx="4718304" cy="3310128"/>
+          </a:xfrm>
+        </p:spPr>
+        <p:txBody>
+          <a:bodyPr>
+            <a:normAutofit/>
+          </a:bodyPr>
+          <a:lstStyle/>
+          <a:p>
+            <a:pPr lvl="0"/>
+            <a:r>
+              <a:rPr lang="en-US"/>
+              <a:t>Click to edit Master text styles</a:t>
+            </a:r>
+          </a:p>
+          <a:p>
+            <a:pPr lvl="1"/>
+            <a:r>
+              <a:rPr lang="en-US"/>
+              <a:t>Second level</a:t>
+            </a:r>
+          </a:p>
+          <a:p>
+            <a:pPr lvl="2"/>
+            <a:r>
+              <a:rPr lang="en-US"/>
+              <a:t>Third level</a:t>
+            </a:r>
+          </a:p>
+          <a:p>
+            <a:pPr lvl="3"/>
+            <a:r>
+              <a:rPr lang="en-US"/>
+              <a:t>Fourth level</a:t>
+            </a:r>
+          </a:p>
+          <a:p>
+            <a:pPr lvl="4"/>
+            <a:r>
+              <a:rPr lang="en-US"/>
+              <a:t>Fifth level</a:t>
+            </a:r>
+            <a:endParaRPr lang="en-US" dirty="0"/>
+          </a:p>
+        </p:txBody>
+      </p:sp>
+      <p:sp>
+        <p:nvSpPr>
+          <p:cNvPr id="4" name="Content Placeholder 3"/>
+          <p:cNvSpPr>
+            <a:spLocks noGrp="1"/>
+          </p:cNvSpPr>
+          <p:nvPr>
+            <p:ph sz="half" idx="2"/>
+          </p:nvPr>
+        </p:nvSpPr>
+        <p:spPr>
+          <a:xfrm>
+            <a:off x="6181344" y="2560320"/>
+            <a:ext cx="4718304" cy="3310128"/>
+          </a:xfrm>
+        </p:spPr>
+        <p:txBody>
+          <a:bodyPr>
+            <a:normAutofit/>
+          </a:bodyPr>
+          <a:lstStyle/>
+          <a:p>
+            <a:pPr lvl="0"/>
+            <a:r>
+              <a:rPr lang="en-US"/>
+              <a:t>Click to edit Master text styles</a:t>
+            </a:r>
+          </a:p>
+          <a:p>
+            <a:pPr lvl="1"/>
+            <a:r>
+              <a:rPr lang="en-US"/>
+              <a:t>Second level</a:t>
+            </a:r>
+          </a:p>
+          <a:p>
+            <a:pPr lvl="2"/>
+            <a:r>
+              <a:rPr lang="en-US"/>
+              <a:t>Third level</a:t>
+            </a:r>
+          </a:p>
+          <a:p>
+            <a:pPr lvl="3"/>
+            <a:r>
+              <a:rPr lang="en-US"/>
+              <a:t>Fourth level</a:t>
+            </a:r>
+          </a:p>
+          <a:p>
+            <a:pPr lvl="4"/>
+            <a:r>
+              <a:rPr lang="en-US"/>
+              <a:t>Fifth level</a:t>
+            </a:r>
+            <a:endParaRPr lang="en-US" dirty="0"/>
+          </a:p>
+        </p:txBody>
+      </p:sp>
+      <p:sp>
+        <p:nvSpPr>
+          <p:cNvPr id="5" name="Date Placeholder 4"/>
+          <p:cNvSpPr>
+            <a:spLocks noGrp="1"/>
+          </p:cNvSpPr>
+          <p:nvPr>
+            <p:ph type="dt" sz="half" idx="10"/>
+          </p:nvPr>
+        </p:nvSpPr>
+        <p:spPr/>
+        <p:txBody>
+          <a:bodyPr/>
+          <a:lstStyle/>
+          <a:p>
+            <a:fld id="{EED1C14C-A143-42F5-B247-D0E800131009}" type="datetimeFigureOut">
+              <a:rPr lang="en-US" smtClean="0"/>
+              <a:t>7/23/2020</a:t>
+            </a:fld>
+            <a:endParaRPr lang="en-US"/>
+          </a:p>
+        </p:txBody>
+      </p:sp>
+      <p:sp>
+        <p:nvSpPr>
+          <p:cNvPr id="6" name="Footer Placeholder 5"/>
+          <p:cNvSpPr>
+            <a:spLocks noGrp="1"/>
+          </p:cNvSpPr>
+          <p:nvPr>
+            <p:ph type="ftr" sz="quarter" idx="11"/>
+          </p:nvPr>
+        </p:nvSpPr>
+        <p:spPr/>
+        <p:txBody>
+          <a:bodyPr/>
+          <a:lstStyle/>
+          <a:p>
+            <a:endParaRPr lang="en-US"/>
+          </a:p>
+        </p:txBody>
+      </p:sp>
+      <p:sp>
+        <p:nvSpPr>
+          <p:cNvPr id="7" name="Slide Number Placeholder 6"/>
+          <p:cNvSpPr>
+            <a:spLocks noGrp="1"/>
+          </p:cNvSpPr>
+          <p:nvPr>
+            <p:ph type="sldNum" sz="quarter" idx="12"/>
+          </p:nvPr>
+        </p:nvSpPr>
+        <p:spPr/>
+        <p:txBody>
+          <a:bodyPr/>
+          <a:lstStyle/>
+          <a:p>
+            <a:fld id="{5B03D32D-F1BC-4E9C-97E1-36CFF5B22341}" type="slidenum">
+              <a:rPr lang="en-US" smtClean="0"/>
+              <a:t>‹#›</a:t>
+            </a:fld>
+            <a:endParaRPr lang="en-US"/>
+          </a:p>
+        </p:txBody>
+      </p:sp>
       <p:cxnSp>
         <p:nvCxnSpPr>
           <p:cNvPr id="8" name="Straight Connector 7"/>
@@ -3605,216 +3805,10 @@
           </a:fontRef>
         </p:style>
       </p:cxnSp>
-      <p:sp>
-        <p:nvSpPr>
-          <p:cNvPr id="2" name="Title 1"/>
-          <p:cNvSpPr>
-            <a:spLocks noGrp="1"/>
-          </p:cNvSpPr>
-          <p:nvPr>
-            <p:ph type="title"/>
-          </p:nvPr>
-        </p:nvSpPr>
-        <p:spPr/>
-        <p:txBody>
-          <a:bodyPr/>
-          <a:lstStyle/>
-          <a:p>
-            <a:r>
-              <a:rPr lang="en-US"/>
-              <a:t>Click to edit Master title style</a:t>
-            </a:r>
-            <a:endParaRPr lang="en-US" dirty="0"/>
-          </a:p>
-        </p:txBody>
-      </p:sp>
-      <p:sp>
-        <p:nvSpPr>
-          <p:cNvPr id="3" name="Content Placeholder 2"/>
-          <p:cNvSpPr>
-            <a:spLocks noGrp="1"/>
-          </p:cNvSpPr>
-          <p:nvPr>
-            <p:ph sz="half" idx="1"/>
-          </p:nvPr>
-        </p:nvSpPr>
-        <p:spPr>
-          <a:xfrm>
-            <a:off x="1298448" y="2560320"/>
-            <a:ext cx="4718304" cy="3310128"/>
-          </a:xfrm>
-        </p:spPr>
-        <p:txBody>
-          <a:bodyPr>
-            <a:normAutofit/>
-          </a:bodyPr>
-          <a:lstStyle/>
-          <a:p>
-            <a:pPr lvl="0"/>
-            <a:r>
-              <a:rPr lang="en-US"/>
-              <a:t>Click to edit Master text styles</a:t>
-            </a:r>
-          </a:p>
-          <a:p>
-            <a:pPr lvl="1"/>
-            <a:r>
-              <a:rPr lang="en-US"/>
-              <a:t>Second level</a:t>
-            </a:r>
-          </a:p>
-          <a:p>
-            <a:pPr lvl="2"/>
-            <a:r>
-              <a:rPr lang="en-US"/>
-              <a:t>Third level</a:t>
-            </a:r>
-          </a:p>
-          <a:p>
-            <a:pPr lvl="3"/>
-            <a:r>
-              <a:rPr lang="en-US"/>
-              <a:t>Fourth level</a:t>
-            </a:r>
-          </a:p>
-          <a:p>
-            <a:pPr lvl="4"/>
-            <a:r>
-              <a:rPr lang="en-US"/>
-              <a:t>Fifth level</a:t>
-            </a:r>
-            <a:endParaRPr lang="en-US" dirty="0"/>
-          </a:p>
-        </p:txBody>
-      </p:sp>
-      <p:sp>
-        <p:nvSpPr>
-          <p:cNvPr id="4" name="Content Placeholder 3"/>
-          <p:cNvSpPr>
-            <a:spLocks noGrp="1"/>
-          </p:cNvSpPr>
-          <p:nvPr>
-            <p:ph sz="half" idx="2"/>
-          </p:nvPr>
-        </p:nvSpPr>
-        <p:spPr>
-          <a:xfrm>
-            <a:off x="6181344" y="2560320"/>
-            <a:ext cx="4718304" cy="3310128"/>
-          </a:xfrm>
-        </p:spPr>
-        <p:txBody>
-          <a:bodyPr>
-            <a:normAutofit/>
-          </a:bodyPr>
-          <a:lstStyle/>
-          <a:p>
-            <a:pPr lvl="0"/>
-            <a:r>
-              <a:rPr lang="en-US"/>
-              <a:t>Click to edit Master text styles</a:t>
-            </a:r>
-          </a:p>
-          <a:p>
-            <a:pPr lvl="1"/>
-            <a:r>
-              <a:rPr lang="en-US"/>
-              <a:t>Second level</a:t>
-            </a:r>
-          </a:p>
-          <a:p>
-            <a:pPr lvl="2"/>
-            <a:r>
-              <a:rPr lang="en-US"/>
-              <a:t>Third level</a:t>
-            </a:r>
-          </a:p>
-          <a:p>
-            <a:pPr lvl="3"/>
-            <a:r>
-              <a:rPr lang="en-US"/>
-              <a:t>Fourth level</a:t>
-            </a:r>
-          </a:p>
-          <a:p>
-            <a:pPr lvl="4"/>
-            <a:r>
-              <a:rPr lang="en-US"/>
-              <a:t>Fifth level</a:t>
-            </a:r>
-            <a:endParaRPr lang="en-US" dirty="0"/>
-          </a:p>
-        </p:txBody>
-      </p:sp>
-      <p:sp>
-        <p:nvSpPr>
-          <p:cNvPr id="5" name="Date Placeholder 4"/>
-          <p:cNvSpPr>
-            <a:spLocks noGrp="1"/>
-          </p:cNvSpPr>
-          <p:nvPr>
-            <p:ph type="dt" sz="half" idx="10"/>
-          </p:nvPr>
-        </p:nvSpPr>
-        <p:spPr/>
-        <p:txBody>
-          <a:bodyPr/>
-          <a:lstStyle/>
-          <a:p>
-            <a:fld id="{60DA4470-4896-4A6B-8EFE-217EF3951C8F}" type="datetimeFigureOut">
-              <a:rPr lang="en-US" smtClean="0"/>
-              <a:t>7/21/2020</a:t>
-            </a:fld>
-            <a:endParaRPr lang="en-US"/>
-          </a:p>
-        </p:txBody>
-      </p:sp>
-      <p:sp>
-        <p:nvSpPr>
-          <p:cNvPr id="6" name="Footer Placeholder 5"/>
-          <p:cNvSpPr>
-            <a:spLocks noGrp="1"/>
-          </p:cNvSpPr>
-          <p:nvPr>
-            <p:ph type="ftr" sz="quarter" idx="11"/>
-          </p:nvPr>
-        </p:nvSpPr>
-        <p:spPr/>
-        <p:txBody>
-          <a:bodyPr/>
-          <a:lstStyle/>
-          <a:p>
-            <a:endParaRPr lang="en-US"/>
-          </a:p>
-        </p:txBody>
-      </p:sp>
-      <p:sp>
-        <p:nvSpPr>
-          <p:cNvPr id="7" name="Slide Number Placeholder 6"/>
-          <p:cNvSpPr>
-            <a:spLocks noGrp="1"/>
-          </p:cNvSpPr>
-          <p:nvPr>
-            <p:ph type="sldNum" sz="quarter" idx="12"/>
-          </p:nvPr>
-        </p:nvSpPr>
-        <p:spPr/>
-        <p:txBody>
-          <a:bodyPr/>
-          <a:lstStyle/>
-          <a:p>
-            <a:fld id="{35FE0006-E223-4E89-8517-0C6C073EB732}" type="slidenum">
-              <a:rPr lang="en-US" smtClean="0"/>
-              <a:t>‹#›</a:t>
-            </a:fld>
-            <a:endParaRPr lang="en-US"/>
-          </a:p>
-        </p:txBody>
-      </p:sp>
     </p:spTree>
     <p:extLst>
       <p:ext uri="{BB962C8B-B14F-4D97-AF65-F5344CB8AC3E}">
-        <p14:creationId xmlns:p14="http://schemas.microsoft.com/office/powerpoint/2010/main" val="982695911"/>
+        <p14:creationId xmlns:p14="http://schemas.microsoft.com/office/powerpoint/2010/main" val="2203086472"/>
       </p:ext>
     </p:extLst>
   </p:cSld>
@@ -3890,12 +3884,6 @@
           </a:bodyPr>
           <a:lstStyle>
             <a:lvl1pPr marL="0" indent="0">
-              <a:spcBef>
-                <a:spcPts val="672"/>
-              </a:spcBef>
-              <a:spcAft>
-                <a:spcPts val="600"/>
-              </a:spcAft>
               <a:buNone/>
               <a:defRPr sz="2800" b="0">
                 <a:solidFill>
@@ -4016,7 +4004,7 @@
         </p:nvSpPr>
         <p:spPr>
           <a:xfrm>
-            <a:off x="6180670" y="2658533"/>
+            <a:off x="6180671" y="2658533"/>
             <a:ext cx="4718304" cy="576262"/>
           </a:xfrm>
         </p:spPr>
@@ -4026,12 +4014,6 @@
           </a:bodyPr>
           <a:lstStyle>
             <a:lvl1pPr marL="0" indent="0">
-              <a:spcBef>
-                <a:spcPts val="672"/>
-              </a:spcBef>
-              <a:spcAft>
-                <a:spcPts val="600"/>
-              </a:spcAft>
               <a:buNone/>
               <a:defRPr sz="2800" b="0">
                 <a:solidFill>
@@ -4093,7 +4075,7 @@
         </p:nvSpPr>
         <p:spPr>
           <a:xfrm>
-            <a:off x="6180670" y="3243262"/>
+            <a:off x="6180671" y="3243262"/>
             <a:ext cx="4718304" cy="2632605"/>
           </a:xfrm>
         </p:spPr>
@@ -4155,9 +4137,9 @@
           <a:bodyPr/>
           <a:lstStyle/>
           <a:p>
-            <a:fld id="{60DA4470-4896-4A6B-8EFE-217EF3951C8F}" type="datetimeFigureOut">
+            <a:fld id="{EED1C14C-A143-42F5-B247-D0E800131009}" type="datetimeFigureOut">
               <a:rPr lang="en-US" smtClean="0"/>
-              <a:t>7/21/2020</a:t>
+              <a:t>7/23/2020</a:t>
             </a:fld>
             <a:endParaRPr lang="en-US"/>
           </a:p>
@@ -4197,7 +4179,7 @@
           <a:bodyPr/>
           <a:lstStyle/>
           <a:p>
-            <a:fld id="{35FE0006-E223-4E89-8517-0C6C073EB732}" type="slidenum">
+            <a:fld id="{5B03D32D-F1BC-4E9C-97E1-36CFF5B22341}" type="slidenum">
               <a:rPr lang="en-US" smtClean="0"/>
               <a:t>‹#›</a:t>
             </a:fld>
@@ -4239,7 +4221,7 @@
     </p:spTree>
     <p:extLst>
       <p:ext uri="{BB962C8B-B14F-4D97-AF65-F5344CB8AC3E}">
-        <p14:creationId xmlns:p14="http://schemas.microsoft.com/office/powerpoint/2010/main" val="4142576548"/>
+        <p14:creationId xmlns:p14="http://schemas.microsoft.com/office/powerpoint/2010/main" val="3135034586"/>
       </p:ext>
     </p:extLst>
   </p:cSld>
@@ -4304,9 +4286,9 @@
           <a:bodyPr/>
           <a:lstStyle/>
           <a:p>
-            <a:fld id="{60DA4470-4896-4A6B-8EFE-217EF3951C8F}" type="datetimeFigureOut">
+            <a:fld id="{EED1C14C-A143-42F5-B247-D0E800131009}" type="datetimeFigureOut">
               <a:rPr lang="en-US" smtClean="0"/>
-              <a:t>7/21/2020</a:t>
+              <a:t>7/23/2020</a:t>
             </a:fld>
             <a:endParaRPr lang="en-US"/>
           </a:p>
@@ -4346,7 +4328,7 @@
           <a:bodyPr/>
           <a:lstStyle/>
           <a:p>
-            <a:fld id="{35FE0006-E223-4E89-8517-0C6C073EB732}" type="slidenum">
+            <a:fld id="{5B03D32D-F1BC-4E9C-97E1-36CFF5B22341}" type="slidenum">
               <a:rPr lang="en-US" smtClean="0"/>
               <a:t>‹#›</a:t>
             </a:fld>
@@ -4388,7 +4370,7 @@
     </p:spTree>
     <p:extLst>
       <p:ext uri="{BB962C8B-B14F-4D97-AF65-F5344CB8AC3E}">
-        <p14:creationId xmlns:p14="http://schemas.microsoft.com/office/powerpoint/2010/main" val="26364517"/>
+        <p14:creationId xmlns:p14="http://schemas.microsoft.com/office/powerpoint/2010/main" val="1531372850"/>
       </p:ext>
     </p:extLst>
   </p:cSld>
@@ -4430,9 +4412,9 @@
           <a:bodyPr/>
           <a:lstStyle/>
           <a:p>
-            <a:fld id="{60DA4470-4896-4A6B-8EFE-217EF3951C8F}" type="datetimeFigureOut">
+            <a:fld id="{EED1C14C-A143-42F5-B247-D0E800131009}" type="datetimeFigureOut">
               <a:rPr lang="en-US" smtClean="0"/>
-              <a:t>7/21/2020</a:t>
+              <a:t>7/23/2020</a:t>
             </a:fld>
             <a:endParaRPr lang="en-US"/>
           </a:p>
@@ -4472,7 +4454,7 @@
           <a:bodyPr/>
           <a:lstStyle/>
           <a:p>
-            <a:fld id="{35FE0006-E223-4E89-8517-0C6C073EB732}" type="slidenum">
+            <a:fld id="{5B03D32D-F1BC-4E9C-97E1-36CFF5B22341}" type="slidenum">
               <a:rPr lang="en-US" smtClean="0"/>
               <a:t>‹#›</a:t>
             </a:fld>
@@ -4483,7 +4465,7 @@
     </p:spTree>
     <p:extLst>
       <p:ext uri="{BB962C8B-B14F-4D97-AF65-F5344CB8AC3E}">
-        <p14:creationId xmlns:p14="http://schemas.microsoft.com/office/powerpoint/2010/main" val="256858433"/>
+        <p14:creationId xmlns:p14="http://schemas.microsoft.com/office/powerpoint/2010/main" val="833985937"/>
       </p:ext>
     </p:extLst>
   </p:cSld>
@@ -4685,9 +4667,9 @@
           <a:bodyPr/>
           <a:lstStyle/>
           <a:p>
-            <a:fld id="{60DA4470-4896-4A6B-8EFE-217EF3951C8F}" type="datetimeFigureOut">
+            <a:fld id="{EED1C14C-A143-42F5-B247-D0E800131009}" type="datetimeFigureOut">
               <a:rPr lang="en-US" smtClean="0"/>
-              <a:t>7/21/2020</a:t>
+              <a:t>7/23/2020</a:t>
             </a:fld>
             <a:endParaRPr lang="en-US"/>
           </a:p>
@@ -4727,7 +4709,7 @@
           <a:bodyPr/>
           <a:lstStyle/>
           <a:p>
-            <a:fld id="{35FE0006-E223-4E89-8517-0C6C073EB732}" type="slidenum">
+            <a:fld id="{5B03D32D-F1BC-4E9C-97E1-36CFF5B22341}" type="slidenum">
               <a:rPr lang="en-US" smtClean="0"/>
               <a:t>‹#›</a:t>
             </a:fld>
@@ -4769,7 +4751,7 @@
     </p:spTree>
     <p:extLst>
       <p:ext uri="{BB962C8B-B14F-4D97-AF65-F5344CB8AC3E}">
-        <p14:creationId xmlns:p14="http://schemas.microsoft.com/office/powerpoint/2010/main" val="3317033275"/>
+        <p14:creationId xmlns:p14="http://schemas.microsoft.com/office/powerpoint/2010/main" val="2990587620"/>
       </p:ext>
     </p:extLst>
   </p:cSld>
@@ -5000,9 +4982,9 @@
           <a:bodyPr/>
           <a:lstStyle/>
           <a:p>
-            <a:fld id="{60DA4470-4896-4A6B-8EFE-217EF3951C8F}" type="datetimeFigureOut">
+            <a:fld id="{EED1C14C-A143-42F5-B247-D0E800131009}" type="datetimeFigureOut">
               <a:rPr lang="en-US" smtClean="0"/>
-              <a:t>7/21/2020</a:t>
+              <a:t>7/23/2020</a:t>
             </a:fld>
             <a:endParaRPr lang="en-US"/>
           </a:p>
@@ -5042,7 +5024,7 @@
           <a:bodyPr/>
           <a:lstStyle/>
           <a:p>
-            <a:fld id="{35FE0006-E223-4E89-8517-0C6C073EB732}" type="slidenum">
+            <a:fld id="{5B03D32D-F1BC-4E9C-97E1-36CFF5B22341}" type="slidenum">
               <a:rPr lang="en-US" smtClean="0"/>
               <a:t>‹#›</a:t>
             </a:fld>
@@ -5053,7 +5035,7 @@
     </p:spTree>
     <p:extLst>
       <p:ext uri="{BB962C8B-B14F-4D97-AF65-F5344CB8AC3E}">
-        <p14:creationId xmlns:p14="http://schemas.microsoft.com/office/powerpoint/2010/main" val="2070900783"/>
+        <p14:creationId xmlns:p14="http://schemas.microsoft.com/office/powerpoint/2010/main" val="235414042"/>
       </p:ext>
     </p:extLst>
   </p:cSld>
@@ -5093,15 +5075,15 @@
         </p:nvGrpSpPr>
         <p:grpSpPr>
           <a:xfrm>
-            <a:off x="-15736" y="0"/>
-            <a:ext cx="12229962" cy="6856214"/>
-            <a:chOff x="-15736" y="0"/>
-            <a:chExt cx="12229962" cy="6856214"/>
+            <a:off x="0" y="0"/>
+            <a:ext cx="12188825" cy="6856215"/>
+            <a:chOff x="0" y="0"/>
+            <a:chExt cx="12188825" cy="6856215"/>
           </a:xfrm>
         </p:grpSpPr>
         <p:pic>
           <p:nvPicPr>
-            <p:cNvPr id="8" name="Picture 7" descr="HD-PanelContent.png"/>
+            <p:cNvPr id="8" name="Picture 7" descr="HD-PanelContent-V.png"/>
             <p:cNvPicPr>
               <a:picLocks noChangeAspect="1"/>
             </p:cNvPicPr>
@@ -5179,13 +5161,13 @@
                 </a:ext>
               </a:extLst>
             </a:blip>
-            <a:srcRect/>
+            <a:srcRect r="5093"/>
             <a:stretch/>
           </p:blipFill>
           <p:spPr>
-            <a:xfrm>
-              <a:off x="-15736" y="3153832"/>
-              <a:ext cx="777240" cy="606425"/>
+            <a:xfrm rot="5400000">
+              <a:off x="5706471" y="76265"/>
+              <a:ext cx="758952" cy="606425"/>
             </a:xfrm>
             <a:prstGeom prst="rect">
               <a:avLst/>
@@ -5208,13 +5190,13 @@
                 </a:ext>
               </a:extLst>
             </a:blip>
-            <a:srcRect/>
+            <a:srcRect r="5093"/>
             <a:stretch/>
           </p:blipFill>
           <p:spPr>
-            <a:xfrm>
-              <a:off x="11436986" y="3153832"/>
-              <a:ext cx="777240" cy="606425"/>
+            <a:xfrm rot="5400000">
+              <a:off x="5706470" y="6173526"/>
+              <a:ext cx="758952" cy="606425"/>
             </a:xfrm>
             <a:prstGeom prst="rect">
               <a:avLst/>
@@ -5351,9 +5333,9 @@
             </a:lvl1pPr>
           </a:lstStyle>
           <a:p>
-            <a:fld id="{60DA4470-4896-4A6B-8EFE-217EF3951C8F}" type="datetimeFigureOut">
+            <a:fld id="{EED1C14C-A143-42F5-B247-D0E800131009}" type="datetimeFigureOut">
               <a:rPr lang="en-US" smtClean="0"/>
-              <a:t>7/21/2020</a:t>
+              <a:t>7/23/2020</a:t>
             </a:fld>
             <a:endParaRPr lang="en-US"/>
           </a:p>
@@ -5429,7 +5411,7 @@
             </a:lvl1pPr>
           </a:lstStyle>
           <a:p>
-            <a:fld id="{35FE0006-E223-4E89-8517-0C6C073EB732}" type="slidenum">
+            <a:fld id="{5B03D32D-F1BC-4E9C-97E1-36CFF5B22341}" type="slidenum">
               <a:rPr lang="en-US" smtClean="0"/>
               <a:t>‹#›</a:t>
             </a:fld>
@@ -5440,29 +5422,29 @@
     </p:spTree>
     <p:extLst>
       <p:ext uri="{BB962C8B-B14F-4D97-AF65-F5344CB8AC3E}">
-        <p14:creationId xmlns:p14="http://schemas.microsoft.com/office/powerpoint/2010/main" val="3063236301"/>
+        <p14:creationId xmlns:p14="http://schemas.microsoft.com/office/powerpoint/2010/main" val="2298467109"/>
       </p:ext>
     </p:extLst>
   </p:cSld>
   <p:clrMap bg1="lt1" tx1="dk1" bg2="lt2" tx2="dk2" accent1="accent1" accent2="accent2" accent3="accent3" accent4="accent4" accent5="accent5" accent6="accent6" hlink="hlink" folHlink="folHlink"/>
   <p:sldLayoutIdLst>
-    <p:sldLayoutId id="2147483661" r:id="rId1"/>
-    <p:sldLayoutId id="2147483662" r:id="rId2"/>
-    <p:sldLayoutId id="2147483663" r:id="rId3"/>
-    <p:sldLayoutId id="2147483664" r:id="rId4"/>
-    <p:sldLayoutId id="2147483665" r:id="rId5"/>
-    <p:sldLayoutId id="2147483666" r:id="rId6"/>
-    <p:sldLayoutId id="2147483667" r:id="rId7"/>
-    <p:sldLayoutId id="2147483668" r:id="rId8"/>
-    <p:sldLayoutId id="2147483669" r:id="rId9"/>
-    <p:sldLayoutId id="2147483670" r:id="rId10"/>
-    <p:sldLayoutId id="2147483671" r:id="rId11"/>
-    <p:sldLayoutId id="2147483672" r:id="rId12"/>
-    <p:sldLayoutId id="2147483673" r:id="rId13"/>
-    <p:sldLayoutId id="2147483674" r:id="rId14"/>
-    <p:sldLayoutId id="2147483675" r:id="rId15"/>
-    <p:sldLayoutId id="2147483676" r:id="rId16"/>
-    <p:sldLayoutId id="2147483677" r:id="rId17"/>
+    <p:sldLayoutId id="2147483715" r:id="rId1"/>
+    <p:sldLayoutId id="2147483716" r:id="rId2"/>
+    <p:sldLayoutId id="2147483717" r:id="rId3"/>
+    <p:sldLayoutId id="2147483718" r:id="rId4"/>
+    <p:sldLayoutId id="2147483719" r:id="rId5"/>
+    <p:sldLayoutId id="2147483720" r:id="rId6"/>
+    <p:sldLayoutId id="2147483721" r:id="rId7"/>
+    <p:sldLayoutId id="2147483722" r:id="rId8"/>
+    <p:sldLayoutId id="2147483723" r:id="rId9"/>
+    <p:sldLayoutId id="2147483724" r:id="rId10"/>
+    <p:sldLayoutId id="2147483725" r:id="rId11"/>
+    <p:sldLayoutId id="2147483726" r:id="rId12"/>
+    <p:sldLayoutId id="2147483727" r:id="rId13"/>
+    <p:sldLayoutId id="2147483728" r:id="rId14"/>
+    <p:sldLayoutId id="2147483729" r:id="rId15"/>
+    <p:sldLayoutId id="2147483730" r:id="rId16"/>
+    <p:sldLayoutId id="2147483731" r:id="rId17"/>
   </p:sldLayoutIdLst>
   <p:txStyles>
     <p:titleStyle>
@@ -5898,10 +5880,10 @@
       </p:grpSpPr>
       <p:sp>
         <p:nvSpPr>
-          <p:cNvPr id="2" name="Title 1">
+          <p:cNvPr id="2" name="slide1">
             <a:extLst>
               <a:ext uri="{FF2B5EF4-FFF2-40B4-BE49-F238E27FC236}">
-                <a16:creationId xmlns:a16="http://schemas.microsoft.com/office/drawing/2014/main" id="{DC850FB2-2A24-4A67-8427-83F44BC9518A}"/>
+                <a16:creationId xmlns:a16="http://schemas.microsoft.com/office/drawing/2014/main" id="{01CC3F45-93FC-4EE2-8642-3F0BF67619CE}"/>
               </a:ext>
             </a:extLst>
           </p:cNvPr>
@@ -5917,19 +5899,23 @@
           <a:bodyPr/>
           <a:lstStyle/>
           <a:p>
+            <a:br>
+              <a:rPr lang="en-US" dirty="0"/>
+            </a:br>
             <a:r>
               <a:rPr lang="en-US" dirty="0"/>
               <a:t>Olympics[2000-2016]</a:t>
             </a:r>
-          </a:p>
-        </p:txBody>
-      </p:sp>
-      <p:sp>
-        <p:nvSpPr>
-          <p:cNvPr id="3" name="Subtitle 2">
+            <a:endParaRPr dirty="0"/>
+          </a:p>
+        </p:txBody>
+      </p:sp>
+      <p:sp>
+        <p:nvSpPr>
+          <p:cNvPr id="3" name="slide1">
             <a:extLst>
               <a:ext uri="{FF2B5EF4-FFF2-40B4-BE49-F238E27FC236}">
-                <a16:creationId xmlns:a16="http://schemas.microsoft.com/office/drawing/2014/main" id="{306208B6-EFDB-492F-BE53-5394BF719BF0}"/>
+                <a16:creationId xmlns:a16="http://schemas.microsoft.com/office/drawing/2014/main" id="{7CE5DC85-5EE3-4C6E-A264-7B3D74C6AA7E}"/>
               </a:ext>
             </a:extLst>
           </p:cNvPr>
@@ -5955,7 +5941,7 @@
     </p:spTree>
     <p:extLst>
       <p:ext uri="{BB962C8B-B14F-4D97-AF65-F5344CB8AC3E}">
-        <p14:creationId xmlns:p14="http://schemas.microsoft.com/office/powerpoint/2010/main" val="2277724066"/>
+        <p14:creationId xmlns:p14="http://schemas.microsoft.com/office/powerpoint/2010/main" val="95992585"/>
       </p:ext>
     </p:extLst>
   </p:cSld>
@@ -5982,60 +5968,46 @@
           <a:chExt cx="0" cy="0"/>
         </a:xfrm>
       </p:grpSpPr>
-      <p:sp>
-        <p:nvSpPr>
-          <p:cNvPr id="2" name="Title 1">
+      <p:pic>
+        <p:nvPicPr>
+          <p:cNvPr id="13" name="slide13" descr="Olympic Data by age">
             <a:extLst>
               <a:ext uri="{FF2B5EF4-FFF2-40B4-BE49-F238E27FC236}">
-                <a16:creationId xmlns:a16="http://schemas.microsoft.com/office/drawing/2014/main" id="{832E8380-66D6-4FA5-9FD5-DDCD47025711}"/>
+                <a16:creationId xmlns:a16="http://schemas.microsoft.com/office/drawing/2014/main" id="{ABB774E3-6BF4-4D95-B96C-3CB9BB29C780}"/>
               </a:ext>
             </a:extLst>
           </p:cNvPr>
-          <p:cNvSpPr>
-            <a:spLocks noGrp="1"/>
-          </p:cNvSpPr>
-          <p:nvPr>
-            <p:ph type="title"/>
-          </p:nvPr>
-        </p:nvSpPr>
-        <p:spPr/>
-        <p:txBody>
-          <a:bodyPr/>
-          <a:lstStyle/>
-          <a:p>
-            <a:endParaRPr lang="en-US"/>
-          </a:p>
-        </p:txBody>
-      </p:sp>
-      <p:sp>
-        <p:nvSpPr>
-          <p:cNvPr id="3" name="Content Placeholder 2">
+          <p:cNvPicPr>
+            <a:picLocks noChangeAspect="1"/>
+          </p:cNvPicPr>
+          <p:nvPr/>
+        </p:nvPicPr>
+        <p:blipFill>
+          <a:blip r:embed="rId2">
             <a:extLst>
-              <a:ext uri="{FF2B5EF4-FFF2-40B4-BE49-F238E27FC236}">
-                <a16:creationId xmlns:a16="http://schemas.microsoft.com/office/drawing/2014/main" id="{336FE6F0-484C-4D6A-B0AF-63594BF4D0F2}"/>
+              <a:ext uri="{28A0092B-C50C-407E-A947-70E740481C1C}">
+                <a14:useLocalDpi xmlns:a14="http://schemas.microsoft.com/office/drawing/2010/main" val="0"/>
               </a:ext>
             </a:extLst>
-          </p:cNvPr>
-          <p:cNvSpPr>
-            <a:spLocks noGrp="1"/>
-          </p:cNvSpPr>
-          <p:nvPr>
-            <p:ph idx="1"/>
-          </p:nvPr>
-        </p:nvSpPr>
-        <p:spPr/>
-        <p:txBody>
-          <a:bodyPr/>
-          <a:lstStyle/>
-          <a:p>
-            <a:endParaRPr lang="en-US"/>
-          </a:p>
-        </p:txBody>
-      </p:sp>
+          </a:blip>
+          <a:stretch>
+            <a:fillRect/>
+          </a:stretch>
+        </p:blipFill>
+        <p:spPr>
+          <a:xfrm>
+            <a:off x="1809750" y="0"/>
+            <a:ext cx="8572500" cy="6858000"/>
+          </a:xfrm>
+          <a:prstGeom prst="rect">
+            <a:avLst/>
+          </a:prstGeom>
+        </p:spPr>
+      </p:pic>
     </p:spTree>
     <p:extLst>
       <p:ext uri="{BB962C8B-B14F-4D97-AF65-F5344CB8AC3E}">
-        <p14:creationId xmlns:p14="http://schemas.microsoft.com/office/powerpoint/2010/main" val="3279990093"/>
+        <p14:creationId xmlns:p14="http://schemas.microsoft.com/office/powerpoint/2010/main" val="3296761116"/>
       </p:ext>
     </p:extLst>
   </p:cSld>
@@ -6067,7 +6039,7 @@
           <p:cNvPr id="2" name="Title 1">
             <a:extLst>
               <a:ext uri="{FF2B5EF4-FFF2-40B4-BE49-F238E27FC236}">
-                <a16:creationId xmlns:a16="http://schemas.microsoft.com/office/drawing/2014/main" id="{0145E425-A580-41D3-A569-43028D393F9C}"/>
+                <a16:creationId xmlns:a16="http://schemas.microsoft.com/office/drawing/2014/main" id="{F1A7D2D4-81EE-4EC8-9948-82FA75B4B089}"/>
               </a:ext>
             </a:extLst>
           </p:cNvPr>
@@ -6075,7 +6047,7 @@
             <a:spLocks noGrp="1"/>
           </p:cNvSpPr>
           <p:nvPr>
-            <p:ph type="title"/>
+            <p:ph type="ctrTitle"/>
           </p:nvPr>
         </p:nvSpPr>
         <p:spPr/>
@@ -6083,16 +6055,19 @@
           <a:bodyPr/>
           <a:lstStyle/>
           <a:p>
-            <a:endParaRPr lang="en-US"/>
-          </a:p>
-        </p:txBody>
-      </p:sp>
-      <p:sp>
-        <p:nvSpPr>
-          <p:cNvPr id="3" name="Content Placeholder 2">
+            <a:r>
+              <a:rPr lang="en-US" dirty="0"/>
+              <a:t>Tableau Visualizations</a:t>
+            </a:r>
+          </a:p>
+        </p:txBody>
+      </p:sp>
+      <p:sp>
+        <p:nvSpPr>
+          <p:cNvPr id="3" name="Subtitle 2">
             <a:extLst>
               <a:ext uri="{FF2B5EF4-FFF2-40B4-BE49-F238E27FC236}">
-                <a16:creationId xmlns:a16="http://schemas.microsoft.com/office/drawing/2014/main" id="{789471A0-9D19-40AC-99FC-63194B3A1C74}"/>
+                <a16:creationId xmlns:a16="http://schemas.microsoft.com/office/drawing/2014/main" id="{9F0A95C0-8147-4E51-8334-5358E2AB04F6}"/>
               </a:ext>
             </a:extLst>
           </p:cNvPr>
@@ -6100,7 +6075,7 @@
             <a:spLocks noGrp="1"/>
           </p:cNvSpPr>
           <p:nvPr>
-            <p:ph idx="1"/>
+            <p:ph type="subTitle" idx="1"/>
           </p:nvPr>
         </p:nvSpPr>
         <p:spPr/>
@@ -6108,14 +6083,17 @@
           <a:bodyPr/>
           <a:lstStyle/>
           <a:p>
-            <a:endParaRPr lang="en-US"/>
+            <a:r>
+              <a:rPr lang="en-US" dirty="0"/>
+              <a:t>Story</a:t>
+            </a:r>
           </a:p>
         </p:txBody>
       </p:sp>
     </p:spTree>
     <p:extLst>
       <p:ext uri="{BB962C8B-B14F-4D97-AF65-F5344CB8AC3E}">
-        <p14:creationId xmlns:p14="http://schemas.microsoft.com/office/powerpoint/2010/main" val="4231792120"/>
+        <p14:creationId xmlns:p14="http://schemas.microsoft.com/office/powerpoint/2010/main" val="578803352"/>
       </p:ext>
     </p:extLst>
   </p:cSld>
@@ -6142,60 +6120,46 @@
           <a:chExt cx="0" cy="0"/>
         </a:xfrm>
       </p:grpSpPr>
-      <p:sp>
-        <p:nvSpPr>
-          <p:cNvPr id="2" name="Title 1">
+      <p:pic>
+        <p:nvPicPr>
+          <p:cNvPr id="2" name="slide2" descr="Olympics Story6">
             <a:extLst>
               <a:ext uri="{FF2B5EF4-FFF2-40B4-BE49-F238E27FC236}">
-                <a16:creationId xmlns:a16="http://schemas.microsoft.com/office/drawing/2014/main" id="{3BC2BCE3-1BA5-470F-8846-D496327F7CC6}"/>
+                <a16:creationId xmlns:a16="http://schemas.microsoft.com/office/drawing/2014/main" id="{815D7E42-168C-4A60-8D5A-176804C068B1}"/>
               </a:ext>
             </a:extLst>
           </p:cNvPr>
-          <p:cNvSpPr>
-            <a:spLocks noGrp="1"/>
-          </p:cNvSpPr>
-          <p:nvPr>
-            <p:ph type="title"/>
-          </p:nvPr>
-        </p:nvSpPr>
-        <p:spPr/>
-        <p:txBody>
-          <a:bodyPr/>
-          <a:lstStyle/>
-          <a:p>
-            <a:endParaRPr lang="en-US"/>
-          </a:p>
-        </p:txBody>
-      </p:sp>
-      <p:sp>
-        <p:nvSpPr>
-          <p:cNvPr id="3" name="Content Placeholder 2">
+          <p:cNvPicPr>
+            <a:picLocks noChangeAspect="1"/>
+          </p:cNvPicPr>
+          <p:nvPr/>
+        </p:nvPicPr>
+        <p:blipFill>
+          <a:blip r:embed="rId2">
             <a:extLst>
-              <a:ext uri="{FF2B5EF4-FFF2-40B4-BE49-F238E27FC236}">
-                <a16:creationId xmlns:a16="http://schemas.microsoft.com/office/drawing/2014/main" id="{FB4F8283-9BB6-43AB-80AC-AA514E36A6C6}"/>
+              <a:ext uri="{28A0092B-C50C-407E-A947-70E740481C1C}">
+                <a14:useLocalDpi xmlns:a14="http://schemas.microsoft.com/office/drawing/2010/main" val="0"/>
               </a:ext>
             </a:extLst>
-          </p:cNvPr>
-          <p:cNvSpPr>
-            <a:spLocks noGrp="1"/>
-          </p:cNvSpPr>
-          <p:nvPr>
-            <p:ph idx="1"/>
-          </p:nvPr>
-        </p:nvSpPr>
-        <p:spPr/>
-        <p:txBody>
-          <a:bodyPr/>
-          <a:lstStyle/>
-          <a:p>
-            <a:endParaRPr lang="en-US"/>
-          </a:p>
-        </p:txBody>
-      </p:sp>
+          </a:blip>
+          <a:stretch>
+            <a:fillRect/>
+          </a:stretch>
+        </p:blipFill>
+        <p:spPr>
+          <a:xfrm>
+            <a:off x="2482033" y="0"/>
+            <a:ext cx="7227934" cy="6858000"/>
+          </a:xfrm>
+          <a:prstGeom prst="rect">
+            <a:avLst/>
+          </a:prstGeom>
+        </p:spPr>
+      </p:pic>
     </p:spTree>
     <p:extLst>
       <p:ext uri="{BB962C8B-B14F-4D97-AF65-F5344CB8AC3E}">
-        <p14:creationId xmlns:p14="http://schemas.microsoft.com/office/powerpoint/2010/main" val="3326555264"/>
+        <p14:creationId xmlns:p14="http://schemas.microsoft.com/office/powerpoint/2010/main" val="95992585"/>
       </p:ext>
     </p:extLst>
   </p:cSld>
@@ -6222,60 +6186,46 @@
           <a:chExt cx="0" cy="0"/>
         </a:xfrm>
       </p:grpSpPr>
-      <p:sp>
-        <p:nvSpPr>
-          <p:cNvPr id="2" name="Title 1">
+      <p:pic>
+        <p:nvPicPr>
+          <p:cNvPr id="3" name="slide3" descr="Olympics Story5">
             <a:extLst>
               <a:ext uri="{FF2B5EF4-FFF2-40B4-BE49-F238E27FC236}">
-                <a16:creationId xmlns:a16="http://schemas.microsoft.com/office/drawing/2014/main" id="{AF239CDD-F40A-4FB1-9E29-0D0D7F18BEE9}"/>
+                <a16:creationId xmlns:a16="http://schemas.microsoft.com/office/drawing/2014/main" id="{5231A2E2-52F3-410E-863A-7E9FCC9E7B0A}"/>
               </a:ext>
             </a:extLst>
           </p:cNvPr>
-          <p:cNvSpPr>
-            <a:spLocks noGrp="1"/>
-          </p:cNvSpPr>
-          <p:nvPr>
-            <p:ph type="title"/>
-          </p:nvPr>
-        </p:nvSpPr>
-        <p:spPr/>
-        <p:txBody>
-          <a:bodyPr/>
-          <a:lstStyle/>
-          <a:p>
-            <a:endParaRPr lang="en-US"/>
-          </a:p>
-        </p:txBody>
-      </p:sp>
-      <p:sp>
-        <p:nvSpPr>
-          <p:cNvPr id="3" name="Content Placeholder 2">
+          <p:cNvPicPr>
+            <a:picLocks noChangeAspect="1"/>
+          </p:cNvPicPr>
+          <p:nvPr/>
+        </p:nvPicPr>
+        <p:blipFill>
+          <a:blip r:embed="rId2">
             <a:extLst>
-              <a:ext uri="{FF2B5EF4-FFF2-40B4-BE49-F238E27FC236}">
-                <a16:creationId xmlns:a16="http://schemas.microsoft.com/office/drawing/2014/main" id="{A6C8A80D-C246-4CE6-9ECC-73A741D7DC8A}"/>
+              <a:ext uri="{28A0092B-C50C-407E-A947-70E740481C1C}">
+                <a14:useLocalDpi xmlns:a14="http://schemas.microsoft.com/office/drawing/2010/main" val="0"/>
               </a:ext>
             </a:extLst>
-          </p:cNvPr>
-          <p:cNvSpPr>
-            <a:spLocks noGrp="1"/>
-          </p:cNvSpPr>
-          <p:nvPr>
-            <p:ph idx="1"/>
-          </p:nvPr>
-        </p:nvSpPr>
-        <p:spPr/>
-        <p:txBody>
-          <a:bodyPr/>
-          <a:lstStyle/>
-          <a:p>
-            <a:endParaRPr lang="en-US"/>
-          </a:p>
-        </p:txBody>
-      </p:sp>
+          </a:blip>
+          <a:stretch>
+            <a:fillRect/>
+          </a:stretch>
+        </p:blipFill>
+        <p:spPr>
+          <a:xfrm>
+            <a:off x="2482033" y="0"/>
+            <a:ext cx="7227934" cy="6858000"/>
+          </a:xfrm>
+          <a:prstGeom prst="rect">
+            <a:avLst/>
+          </a:prstGeom>
+        </p:spPr>
+      </p:pic>
     </p:spTree>
     <p:extLst>
       <p:ext uri="{BB962C8B-B14F-4D97-AF65-F5344CB8AC3E}">
-        <p14:creationId xmlns:p14="http://schemas.microsoft.com/office/powerpoint/2010/main" val="2917944030"/>
+        <p14:creationId xmlns:p14="http://schemas.microsoft.com/office/powerpoint/2010/main" val="95992585"/>
       </p:ext>
     </p:extLst>
   </p:cSld>
@@ -6302,60 +6252,46 @@
           <a:chExt cx="0" cy="0"/>
         </a:xfrm>
       </p:grpSpPr>
-      <p:sp>
-        <p:nvSpPr>
-          <p:cNvPr id="2" name="Title 1">
+      <p:pic>
+        <p:nvPicPr>
+          <p:cNvPr id="4" name="slide4" descr="Olympics Story7">
             <a:extLst>
               <a:ext uri="{FF2B5EF4-FFF2-40B4-BE49-F238E27FC236}">
-                <a16:creationId xmlns:a16="http://schemas.microsoft.com/office/drawing/2014/main" id="{C4196EDE-3C35-4023-846D-C8D016C7065D}"/>
+                <a16:creationId xmlns:a16="http://schemas.microsoft.com/office/drawing/2014/main" id="{7D26A3E5-AE92-4A83-AB20-708251053CA6}"/>
               </a:ext>
             </a:extLst>
           </p:cNvPr>
-          <p:cNvSpPr>
-            <a:spLocks noGrp="1"/>
-          </p:cNvSpPr>
-          <p:nvPr>
-            <p:ph type="title"/>
-          </p:nvPr>
-        </p:nvSpPr>
-        <p:spPr/>
-        <p:txBody>
-          <a:bodyPr/>
-          <a:lstStyle/>
-          <a:p>
-            <a:endParaRPr lang="en-US"/>
-          </a:p>
-        </p:txBody>
-      </p:sp>
-      <p:sp>
-        <p:nvSpPr>
-          <p:cNvPr id="3" name="Content Placeholder 2">
+          <p:cNvPicPr>
+            <a:picLocks noChangeAspect="1"/>
+          </p:cNvPicPr>
+          <p:nvPr/>
+        </p:nvPicPr>
+        <p:blipFill>
+          <a:blip r:embed="rId2">
             <a:extLst>
-              <a:ext uri="{FF2B5EF4-FFF2-40B4-BE49-F238E27FC236}">
-                <a16:creationId xmlns:a16="http://schemas.microsoft.com/office/drawing/2014/main" id="{9F605323-2BA1-4B55-9474-83DC8B2752D9}"/>
+              <a:ext uri="{28A0092B-C50C-407E-A947-70E740481C1C}">
+                <a14:useLocalDpi xmlns:a14="http://schemas.microsoft.com/office/drawing/2010/main" val="0"/>
               </a:ext>
             </a:extLst>
-          </p:cNvPr>
-          <p:cNvSpPr>
-            <a:spLocks noGrp="1"/>
-          </p:cNvSpPr>
-          <p:nvPr>
-            <p:ph idx="1"/>
-          </p:nvPr>
-        </p:nvSpPr>
-        <p:spPr/>
-        <p:txBody>
-          <a:bodyPr/>
-          <a:lstStyle/>
-          <a:p>
-            <a:endParaRPr lang="en-US"/>
-          </a:p>
-        </p:txBody>
-      </p:sp>
+          </a:blip>
+          <a:stretch>
+            <a:fillRect/>
+          </a:stretch>
+        </p:blipFill>
+        <p:spPr>
+          <a:xfrm>
+            <a:off x="2482033" y="0"/>
+            <a:ext cx="7227934" cy="6858000"/>
+          </a:xfrm>
+          <a:prstGeom prst="rect">
+            <a:avLst/>
+          </a:prstGeom>
+        </p:spPr>
+      </p:pic>
     </p:spTree>
     <p:extLst>
       <p:ext uri="{BB962C8B-B14F-4D97-AF65-F5344CB8AC3E}">
-        <p14:creationId xmlns:p14="http://schemas.microsoft.com/office/powerpoint/2010/main" val="3559274504"/>
+        <p14:creationId xmlns:p14="http://schemas.microsoft.com/office/powerpoint/2010/main" val="95992585"/>
       </p:ext>
     </p:extLst>
   </p:cSld>
@@ -6382,60 +6318,46 @@
           <a:chExt cx="0" cy="0"/>
         </a:xfrm>
       </p:grpSpPr>
-      <p:sp>
-        <p:nvSpPr>
-          <p:cNvPr id="2" name="Title 1">
+      <p:pic>
+        <p:nvPicPr>
+          <p:cNvPr id="5" name="slide5" descr="Olympics Story4">
             <a:extLst>
               <a:ext uri="{FF2B5EF4-FFF2-40B4-BE49-F238E27FC236}">
-                <a16:creationId xmlns:a16="http://schemas.microsoft.com/office/drawing/2014/main" id="{EA76A6E5-EBFA-4A39-82F0-3CD035BB1D9E}"/>
+                <a16:creationId xmlns:a16="http://schemas.microsoft.com/office/drawing/2014/main" id="{AEFA62CC-A1B7-41F8-9CF1-7F6C91338556}"/>
               </a:ext>
             </a:extLst>
           </p:cNvPr>
-          <p:cNvSpPr>
-            <a:spLocks noGrp="1"/>
-          </p:cNvSpPr>
-          <p:nvPr>
-            <p:ph type="title"/>
-          </p:nvPr>
-        </p:nvSpPr>
-        <p:spPr/>
-        <p:txBody>
-          <a:bodyPr/>
-          <a:lstStyle/>
-          <a:p>
-            <a:endParaRPr lang="en-US"/>
-          </a:p>
-        </p:txBody>
-      </p:sp>
-      <p:sp>
-        <p:nvSpPr>
-          <p:cNvPr id="3" name="Content Placeholder 2">
+          <p:cNvPicPr>
+            <a:picLocks noChangeAspect="1"/>
+          </p:cNvPicPr>
+          <p:nvPr/>
+        </p:nvPicPr>
+        <p:blipFill>
+          <a:blip r:embed="rId2">
             <a:extLst>
-              <a:ext uri="{FF2B5EF4-FFF2-40B4-BE49-F238E27FC236}">
-                <a16:creationId xmlns:a16="http://schemas.microsoft.com/office/drawing/2014/main" id="{D289DE29-736B-4C8E-92BE-D46204BA22E9}"/>
+              <a:ext uri="{28A0092B-C50C-407E-A947-70E740481C1C}">
+                <a14:useLocalDpi xmlns:a14="http://schemas.microsoft.com/office/drawing/2010/main" val="0"/>
               </a:ext>
             </a:extLst>
-          </p:cNvPr>
-          <p:cNvSpPr>
-            <a:spLocks noGrp="1"/>
-          </p:cNvSpPr>
-          <p:nvPr>
-            <p:ph idx="1"/>
-          </p:nvPr>
-        </p:nvSpPr>
-        <p:spPr/>
-        <p:txBody>
-          <a:bodyPr/>
-          <a:lstStyle/>
-          <a:p>
-            <a:endParaRPr lang="en-US"/>
-          </a:p>
-        </p:txBody>
-      </p:sp>
+          </a:blip>
+          <a:stretch>
+            <a:fillRect/>
+          </a:stretch>
+        </p:blipFill>
+        <p:spPr>
+          <a:xfrm>
+            <a:off x="2482033" y="0"/>
+            <a:ext cx="7227934" cy="6858000"/>
+          </a:xfrm>
+          <a:prstGeom prst="rect">
+            <a:avLst/>
+          </a:prstGeom>
+        </p:spPr>
+      </p:pic>
     </p:spTree>
     <p:extLst>
       <p:ext uri="{BB962C8B-B14F-4D97-AF65-F5344CB8AC3E}">
-        <p14:creationId xmlns:p14="http://schemas.microsoft.com/office/powerpoint/2010/main" val="916573358"/>
+        <p14:creationId xmlns:p14="http://schemas.microsoft.com/office/powerpoint/2010/main" val="95992585"/>
       </p:ext>
     </p:extLst>
   </p:cSld>
@@ -6462,60 +6384,46 @@
           <a:chExt cx="0" cy="0"/>
         </a:xfrm>
       </p:grpSpPr>
-      <p:sp>
-        <p:nvSpPr>
-          <p:cNvPr id="2" name="Title 1">
+      <p:pic>
+        <p:nvPicPr>
+          <p:cNvPr id="6" name="slide6" descr="Olympics Story3">
             <a:extLst>
               <a:ext uri="{FF2B5EF4-FFF2-40B4-BE49-F238E27FC236}">
-                <a16:creationId xmlns:a16="http://schemas.microsoft.com/office/drawing/2014/main" id="{AE8E95A5-C547-4D27-9705-258A50683F1A}"/>
+                <a16:creationId xmlns:a16="http://schemas.microsoft.com/office/drawing/2014/main" id="{544AE50F-1BAA-4DBE-886F-2A49A2B32370}"/>
               </a:ext>
             </a:extLst>
           </p:cNvPr>
-          <p:cNvSpPr>
-            <a:spLocks noGrp="1"/>
-          </p:cNvSpPr>
-          <p:nvPr>
-            <p:ph type="title"/>
-          </p:nvPr>
-        </p:nvSpPr>
-        <p:spPr/>
-        <p:txBody>
-          <a:bodyPr/>
-          <a:lstStyle/>
-          <a:p>
-            <a:endParaRPr lang="en-US"/>
-          </a:p>
-        </p:txBody>
-      </p:sp>
-      <p:sp>
-        <p:nvSpPr>
-          <p:cNvPr id="3" name="Content Placeholder 2">
+          <p:cNvPicPr>
+            <a:picLocks noChangeAspect="1"/>
+          </p:cNvPicPr>
+          <p:nvPr/>
+        </p:nvPicPr>
+        <p:blipFill>
+          <a:blip r:embed="rId2">
             <a:extLst>
-              <a:ext uri="{FF2B5EF4-FFF2-40B4-BE49-F238E27FC236}">
-                <a16:creationId xmlns:a16="http://schemas.microsoft.com/office/drawing/2014/main" id="{B89975CD-0B18-4A54-ADAB-1DDD85F5B757}"/>
+              <a:ext uri="{28A0092B-C50C-407E-A947-70E740481C1C}">
+                <a14:useLocalDpi xmlns:a14="http://schemas.microsoft.com/office/drawing/2010/main" val="0"/>
               </a:ext>
             </a:extLst>
-          </p:cNvPr>
-          <p:cNvSpPr>
-            <a:spLocks noGrp="1"/>
-          </p:cNvSpPr>
-          <p:nvPr>
-            <p:ph idx="1"/>
-          </p:nvPr>
-        </p:nvSpPr>
-        <p:spPr/>
-        <p:txBody>
-          <a:bodyPr/>
-          <a:lstStyle/>
-          <a:p>
-            <a:endParaRPr lang="en-US"/>
-          </a:p>
-        </p:txBody>
-      </p:sp>
+          </a:blip>
+          <a:stretch>
+            <a:fillRect/>
+          </a:stretch>
+        </p:blipFill>
+        <p:spPr>
+          <a:xfrm>
+            <a:off x="2482033" y="0"/>
+            <a:ext cx="7227934" cy="6858000"/>
+          </a:xfrm>
+          <a:prstGeom prst="rect">
+            <a:avLst/>
+          </a:prstGeom>
+        </p:spPr>
+      </p:pic>
     </p:spTree>
     <p:extLst>
       <p:ext uri="{BB962C8B-B14F-4D97-AF65-F5344CB8AC3E}">
-        <p14:creationId xmlns:p14="http://schemas.microsoft.com/office/powerpoint/2010/main" val="3686698957"/>
+        <p14:creationId xmlns:p14="http://schemas.microsoft.com/office/powerpoint/2010/main" val="95992585"/>
       </p:ext>
     </p:extLst>
   </p:cSld>
@@ -6542,60 +6450,46 @@
           <a:chExt cx="0" cy="0"/>
         </a:xfrm>
       </p:grpSpPr>
-      <p:sp>
-        <p:nvSpPr>
-          <p:cNvPr id="2" name="Title 1">
+      <p:pic>
+        <p:nvPicPr>
+          <p:cNvPr id="7" name="slide7" descr="Olympics Story2">
             <a:extLst>
               <a:ext uri="{FF2B5EF4-FFF2-40B4-BE49-F238E27FC236}">
-                <a16:creationId xmlns:a16="http://schemas.microsoft.com/office/drawing/2014/main" id="{DDC05C7B-DEBD-4A52-AA07-0D7021FCFFDF}"/>
+                <a16:creationId xmlns:a16="http://schemas.microsoft.com/office/drawing/2014/main" id="{DEFD2913-076F-48BE-9703-AE33FAEB05B1}"/>
               </a:ext>
             </a:extLst>
           </p:cNvPr>
-          <p:cNvSpPr>
-            <a:spLocks noGrp="1"/>
-          </p:cNvSpPr>
-          <p:nvPr>
-            <p:ph type="title"/>
-          </p:nvPr>
-        </p:nvSpPr>
-        <p:spPr/>
-        <p:txBody>
-          <a:bodyPr/>
-          <a:lstStyle/>
-          <a:p>
-            <a:endParaRPr lang="en-US"/>
-          </a:p>
-        </p:txBody>
-      </p:sp>
-      <p:sp>
-        <p:nvSpPr>
-          <p:cNvPr id="3" name="Content Placeholder 2">
+          <p:cNvPicPr>
+            <a:picLocks noChangeAspect="1"/>
+          </p:cNvPicPr>
+          <p:nvPr/>
+        </p:nvPicPr>
+        <p:blipFill>
+          <a:blip r:embed="rId2">
             <a:extLst>
-              <a:ext uri="{FF2B5EF4-FFF2-40B4-BE49-F238E27FC236}">
-                <a16:creationId xmlns:a16="http://schemas.microsoft.com/office/drawing/2014/main" id="{D94CE2FC-2012-4FCB-9F80-0246A8035EBA}"/>
+              <a:ext uri="{28A0092B-C50C-407E-A947-70E740481C1C}">
+                <a14:useLocalDpi xmlns:a14="http://schemas.microsoft.com/office/drawing/2010/main" val="0"/>
               </a:ext>
             </a:extLst>
-          </p:cNvPr>
-          <p:cNvSpPr>
-            <a:spLocks noGrp="1"/>
-          </p:cNvSpPr>
-          <p:nvPr>
-            <p:ph idx="1"/>
-          </p:nvPr>
-        </p:nvSpPr>
-        <p:spPr/>
-        <p:txBody>
-          <a:bodyPr/>
-          <a:lstStyle/>
-          <a:p>
-            <a:endParaRPr lang="en-US"/>
-          </a:p>
-        </p:txBody>
-      </p:sp>
+          </a:blip>
+          <a:stretch>
+            <a:fillRect/>
+          </a:stretch>
+        </p:blipFill>
+        <p:spPr>
+          <a:xfrm>
+            <a:off x="2482033" y="0"/>
+            <a:ext cx="7227934" cy="6858000"/>
+          </a:xfrm>
+          <a:prstGeom prst="rect">
+            <a:avLst/>
+          </a:prstGeom>
+        </p:spPr>
+      </p:pic>
     </p:spTree>
     <p:extLst>
       <p:ext uri="{BB962C8B-B14F-4D97-AF65-F5344CB8AC3E}">
-        <p14:creationId xmlns:p14="http://schemas.microsoft.com/office/powerpoint/2010/main" val="1529671764"/>
+        <p14:creationId xmlns:p14="http://schemas.microsoft.com/office/powerpoint/2010/main" val="95992585"/>
       </p:ext>
     </p:extLst>
   </p:cSld>
@@ -6627,7 +6521,7 @@
           <p:cNvPr id="2" name="Title 1">
             <a:extLst>
               <a:ext uri="{FF2B5EF4-FFF2-40B4-BE49-F238E27FC236}">
-                <a16:creationId xmlns:a16="http://schemas.microsoft.com/office/drawing/2014/main" id="{132168B6-333C-461D-87AD-AC9CD02BE9E6}"/>
+                <a16:creationId xmlns:a16="http://schemas.microsoft.com/office/drawing/2014/main" id="{A33E9C16-5B78-4C41-98A7-B33C5CF3AE27}"/>
               </a:ext>
             </a:extLst>
           </p:cNvPr>
@@ -6643,7 +6537,10 @@
           <a:bodyPr/>
           <a:lstStyle/>
           <a:p>
-            <a:endParaRPr lang="en-US"/>
+            <a:r>
+              <a:rPr lang="en-US" dirty="0"/>
+              <a:t>Summary</a:t>
+            </a:r>
           </a:p>
         </p:txBody>
       </p:sp>
@@ -6652,7 +6549,7 @@
           <p:cNvPr id="3" name="Content Placeholder 2">
             <a:extLst>
               <a:ext uri="{FF2B5EF4-FFF2-40B4-BE49-F238E27FC236}">
-                <a16:creationId xmlns:a16="http://schemas.microsoft.com/office/drawing/2014/main" id="{C67BB1E4-8338-41A9-81A4-0A37450FF047}"/>
+                <a16:creationId xmlns:a16="http://schemas.microsoft.com/office/drawing/2014/main" id="{D2D5C79D-9EF6-4264-AE97-A6F0440E2C1B}"/>
               </a:ext>
             </a:extLst>
           </p:cNvPr>
@@ -6668,14 +6565,29 @@
           <a:bodyPr/>
           <a:lstStyle/>
           <a:p>
-            <a:endParaRPr lang="en-US"/>
+            <a:r>
+              <a:rPr lang="en-US" dirty="0"/>
+              <a:t>United States tops the chart with highest no. of medals.</a:t>
+            </a:r>
+          </a:p>
+          <a:p>
+            <a:r>
+              <a:rPr lang="en-US" dirty="0"/>
+              <a:t>Michael Phelps has won maximum gold medals.</a:t>
+            </a:r>
+          </a:p>
+          <a:p>
+            <a:r>
+              <a:rPr lang="en-US" dirty="0"/>
+              <a:t>The athletes’ age group ranges between 20-34 years.</a:t>
+            </a:r>
           </a:p>
         </p:txBody>
       </p:sp>
     </p:spTree>
     <p:extLst>
       <p:ext uri="{BB962C8B-B14F-4D97-AF65-F5344CB8AC3E}">
-        <p14:creationId xmlns:p14="http://schemas.microsoft.com/office/powerpoint/2010/main" val="3267087711"/>
+        <p14:creationId xmlns:p14="http://schemas.microsoft.com/office/powerpoint/2010/main" val="3494592696"/>
       </p:ext>
     </p:extLst>
   </p:cSld>
@@ -6707,7 +6619,7 @@
           <p:cNvPr id="2" name="Title 1">
             <a:extLst>
               <a:ext uri="{FF2B5EF4-FFF2-40B4-BE49-F238E27FC236}">
-                <a16:creationId xmlns:a16="http://schemas.microsoft.com/office/drawing/2014/main" id="{32CFB3FC-CD14-42F2-849B-032094A4951E}"/>
+                <a16:creationId xmlns:a16="http://schemas.microsoft.com/office/drawing/2014/main" id="{7263E1E7-6307-40CF-A6A1-5BE8B9682063}"/>
               </a:ext>
             </a:extLst>
           </p:cNvPr>
@@ -6718,12 +6630,7 @@
             <p:ph type="title"/>
           </p:nvPr>
         </p:nvSpPr>
-        <p:spPr>
-          <a:xfrm>
-            <a:off x="1295402" y="982132"/>
-            <a:ext cx="9601196" cy="485721"/>
-          </a:xfrm>
-        </p:spPr>
+        <p:spPr/>
         <p:txBody>
           <a:bodyPr>
             <a:normAutofit fontScale="90000"/>
@@ -6731,23 +6638,89 @@
           <a:lstStyle/>
           <a:p>
             <a:r>
-              <a:rPr lang="en-US" dirty="0"/>
-              <a:t>Dashboard 01</a:t>
-            </a:r>
-            <a:br>
-              <a:rPr lang="en-US" dirty="0"/>
-            </a:br>
-            <a:r>
-              <a:rPr lang="en-US" dirty="0"/>
-              <a:t>Medal Distributions</a:t>
-            </a:r>
-          </a:p>
-        </p:txBody>
-      </p:sp>
+              <a:rPr lang="en-US" sz="3500" dirty="0">
+                <a:solidFill>
+                  <a:schemeClr val="tx1"/>
+                </a:solidFill>
+              </a:rPr>
+              <a:t>Thank you!</a:t>
+            </a:r>
+          </a:p>
+        </p:txBody>
+      </p:sp>
+      <p:sp>
+        <p:nvSpPr>
+          <p:cNvPr id="10" name="Text Placeholder 9">
+            <a:extLst>
+              <a:ext uri="{FF2B5EF4-FFF2-40B4-BE49-F238E27FC236}">
+                <a16:creationId xmlns:a16="http://schemas.microsoft.com/office/drawing/2014/main" id="{161A4A23-57E4-41CD-96DE-CD0095BFAF8F}"/>
+              </a:ext>
+            </a:extLst>
+          </p:cNvPr>
+          <p:cNvSpPr>
+            <a:spLocks noGrp="1"/>
+          </p:cNvSpPr>
+          <p:nvPr>
+            <p:ph type="body" sz="half" idx="2"/>
+          </p:nvPr>
+        </p:nvSpPr>
+        <p:spPr>
+          <a:xfrm>
+            <a:off x="1295401" y="5382152"/>
+            <a:ext cx="9609666" cy="849835"/>
+          </a:xfrm>
+        </p:spPr>
+        <p:txBody>
+          <a:bodyPr>
+            <a:noAutofit/>
+          </a:bodyPr>
+          <a:lstStyle/>
+          <a:p>
+            <a:r>
+              <a:rPr lang="en-US" sz="4000" b="1" dirty="0"/>
+              <a:t>THANK YOU!</a:t>
+            </a:r>
+          </a:p>
+        </p:txBody>
+      </p:sp>
+      <p:pic>
+        <p:nvPicPr>
+          <p:cNvPr id="18" name="Picture Placeholder 17">
+            <a:extLst>
+              <a:ext uri="{FF2B5EF4-FFF2-40B4-BE49-F238E27FC236}">
+                <a16:creationId xmlns:a16="http://schemas.microsoft.com/office/drawing/2014/main" id="{62707B2F-43CF-4832-B9A4-34695EBC4A3C}"/>
+              </a:ext>
+            </a:extLst>
+          </p:cNvPr>
+          <p:cNvPicPr>
+            <a:picLocks noGrp="1" noChangeAspect="1"/>
+          </p:cNvPicPr>
+          <p:nvPr>
+            <p:ph type="pic" idx="1"/>
+          </p:nvPr>
+        </p:nvPicPr>
+        <p:blipFill rotWithShape="1">
+          <a:blip r:embed="rId2">
+            <a:extLst>
+              <a:ext uri="{28A0092B-C50C-407E-A947-70E740481C1C}">
+                <a14:useLocalDpi xmlns:a14="http://schemas.microsoft.com/office/drawing/2010/main" val="0"/>
+              </a:ext>
+            </a:extLst>
+          </a:blip>
+          <a:srcRect t="23596" b="7690"/>
+          <a:stretch/>
+        </p:blipFill>
+        <p:spPr>
+          <a:xfrm>
+            <a:off x="1041427" y="1041399"/>
+            <a:ext cx="10105972" cy="4340754"/>
+          </a:xfrm>
+        </p:spPr>
+      </p:pic>
     </p:spTree>
     <p:extLst>
       <p:ext uri="{BB962C8B-B14F-4D97-AF65-F5344CB8AC3E}">
-        <p14:creationId xmlns:p14="http://schemas.microsoft.com/office/powerpoint/2010/main" val="2502952932"/>
+        <p14:creationId xmlns:p14="http://schemas.microsoft.com/office/powerpoint/2010/main" val="523705573"/>
       </p:ext>
     </p:extLst>
   </p:cSld>
@@ -6974,527 +6947,6 @@
 </p:sld>
 </file>
 
-<file path=ppt/slides/slide20.xml><?xml version="1.0" encoding="utf-8"?>
-<p:sld xmlns:a="http://schemas.openxmlformats.org/drawingml/2006/main" xmlns:r="http://schemas.openxmlformats.org/officeDocument/2006/relationships" xmlns:p="http://schemas.openxmlformats.org/presentationml/2006/main">
-  <p:cSld>
-    <p:spTree>
-      <p:nvGrpSpPr>
-        <p:cNvPr id="1" name=""/>
-        <p:cNvGrpSpPr/>
-        <p:nvPr/>
-      </p:nvGrpSpPr>
-      <p:grpSpPr>
-        <a:xfrm>
-          <a:off x="0" y="0"/>
-          <a:ext cx="0" cy="0"/>
-          <a:chOff x="0" y="0"/>
-          <a:chExt cx="0" cy="0"/>
-        </a:xfrm>
-      </p:grpSpPr>
-      <p:sp>
-        <p:nvSpPr>
-          <p:cNvPr id="2" name="Title 1">
-            <a:extLst>
-              <a:ext uri="{FF2B5EF4-FFF2-40B4-BE49-F238E27FC236}">
-                <a16:creationId xmlns:a16="http://schemas.microsoft.com/office/drawing/2014/main" id="{32CFB3FC-CD14-42F2-849B-032094A4951E}"/>
-              </a:ext>
-            </a:extLst>
-          </p:cNvPr>
-          <p:cNvSpPr>
-            <a:spLocks noGrp="1"/>
-          </p:cNvSpPr>
-          <p:nvPr>
-            <p:ph type="title"/>
-          </p:nvPr>
-        </p:nvSpPr>
-        <p:spPr>
-          <a:xfrm>
-            <a:off x="1295402" y="982132"/>
-            <a:ext cx="9601196" cy="485721"/>
-          </a:xfrm>
-        </p:spPr>
-        <p:txBody>
-          <a:bodyPr>
-            <a:normAutofit fontScale="90000"/>
-          </a:bodyPr>
-          <a:lstStyle/>
-          <a:p>
-            <a:r>
-              <a:rPr lang="en-US" dirty="0"/>
-              <a:t>Dashboard 02</a:t>
-            </a:r>
-            <a:br>
-              <a:rPr lang="en-US" dirty="0"/>
-            </a:br>
-            <a:r>
-              <a:rPr lang="en-US" dirty="0"/>
-              <a:t>Medal Distributions</a:t>
-            </a:r>
-          </a:p>
-        </p:txBody>
-      </p:sp>
-    </p:spTree>
-    <p:extLst>
-      <p:ext uri="{BB962C8B-B14F-4D97-AF65-F5344CB8AC3E}">
-        <p14:creationId xmlns:p14="http://schemas.microsoft.com/office/powerpoint/2010/main" val="3347405588"/>
-      </p:ext>
-    </p:extLst>
-  </p:cSld>
-  <p:clrMapOvr>
-    <a:masterClrMapping/>
-  </p:clrMapOvr>
-</p:sld>
-</file>
-
-<file path=ppt/slides/slide21.xml><?xml version="1.0" encoding="utf-8"?>
-<p:sld xmlns:a="http://schemas.openxmlformats.org/drawingml/2006/main" xmlns:r="http://schemas.openxmlformats.org/officeDocument/2006/relationships" xmlns:p="http://schemas.openxmlformats.org/presentationml/2006/main">
-  <p:cSld>
-    <p:spTree>
-      <p:nvGrpSpPr>
-        <p:cNvPr id="1" name=""/>
-        <p:cNvGrpSpPr/>
-        <p:nvPr/>
-      </p:nvGrpSpPr>
-      <p:grpSpPr>
-        <a:xfrm>
-          <a:off x="0" y="0"/>
-          <a:ext cx="0" cy="0"/>
-          <a:chOff x="0" y="0"/>
-          <a:chExt cx="0" cy="0"/>
-        </a:xfrm>
-      </p:grpSpPr>
-      <p:sp>
-        <p:nvSpPr>
-          <p:cNvPr id="2" name="Title 1">
-            <a:extLst>
-              <a:ext uri="{FF2B5EF4-FFF2-40B4-BE49-F238E27FC236}">
-                <a16:creationId xmlns:a16="http://schemas.microsoft.com/office/drawing/2014/main" id="{32CFB3FC-CD14-42F2-849B-032094A4951E}"/>
-              </a:ext>
-            </a:extLst>
-          </p:cNvPr>
-          <p:cNvSpPr>
-            <a:spLocks noGrp="1"/>
-          </p:cNvSpPr>
-          <p:nvPr>
-            <p:ph type="title"/>
-          </p:nvPr>
-        </p:nvSpPr>
-        <p:spPr>
-          <a:xfrm>
-            <a:off x="1295402" y="982132"/>
-            <a:ext cx="9601196" cy="485721"/>
-          </a:xfrm>
-        </p:spPr>
-        <p:txBody>
-          <a:bodyPr>
-            <a:normAutofit fontScale="90000"/>
-          </a:bodyPr>
-          <a:lstStyle/>
-          <a:p>
-            <a:r>
-              <a:rPr lang="en-US" dirty="0"/>
-              <a:t>Dashboard 03</a:t>
-            </a:r>
-            <a:br>
-              <a:rPr lang="en-US" dirty="0"/>
-            </a:br>
-            <a:r>
-              <a:rPr lang="en-US" dirty="0"/>
-              <a:t>Medal Distributions</a:t>
-            </a:r>
-          </a:p>
-        </p:txBody>
-      </p:sp>
-    </p:spTree>
-    <p:extLst>
-      <p:ext uri="{BB962C8B-B14F-4D97-AF65-F5344CB8AC3E}">
-        <p14:creationId xmlns:p14="http://schemas.microsoft.com/office/powerpoint/2010/main" val="4257746014"/>
-      </p:ext>
-    </p:extLst>
-  </p:cSld>
-  <p:clrMapOvr>
-    <a:masterClrMapping/>
-  </p:clrMapOvr>
-</p:sld>
-</file>
-
-<file path=ppt/slides/slide22.xml><?xml version="1.0" encoding="utf-8"?>
-<p:sld xmlns:a="http://schemas.openxmlformats.org/drawingml/2006/main" xmlns:r="http://schemas.openxmlformats.org/officeDocument/2006/relationships" xmlns:p="http://schemas.openxmlformats.org/presentationml/2006/main">
-  <p:cSld>
-    <p:spTree>
-      <p:nvGrpSpPr>
-        <p:cNvPr id="1" name=""/>
-        <p:cNvGrpSpPr/>
-        <p:nvPr/>
-      </p:nvGrpSpPr>
-      <p:grpSpPr>
-        <a:xfrm>
-          <a:off x="0" y="0"/>
-          <a:ext cx="0" cy="0"/>
-          <a:chOff x="0" y="0"/>
-          <a:chExt cx="0" cy="0"/>
-        </a:xfrm>
-      </p:grpSpPr>
-      <p:sp>
-        <p:nvSpPr>
-          <p:cNvPr id="2" name="Title 1">
-            <a:extLst>
-              <a:ext uri="{FF2B5EF4-FFF2-40B4-BE49-F238E27FC236}">
-                <a16:creationId xmlns:a16="http://schemas.microsoft.com/office/drawing/2014/main" id="{32CFB3FC-CD14-42F2-849B-032094A4951E}"/>
-              </a:ext>
-            </a:extLst>
-          </p:cNvPr>
-          <p:cNvSpPr>
-            <a:spLocks noGrp="1"/>
-          </p:cNvSpPr>
-          <p:nvPr>
-            <p:ph type="title"/>
-          </p:nvPr>
-        </p:nvSpPr>
-        <p:spPr>
-          <a:xfrm>
-            <a:off x="1295402" y="982132"/>
-            <a:ext cx="9601196" cy="485721"/>
-          </a:xfrm>
-        </p:spPr>
-        <p:txBody>
-          <a:bodyPr>
-            <a:normAutofit fontScale="90000"/>
-          </a:bodyPr>
-          <a:lstStyle/>
-          <a:p>
-            <a:r>
-              <a:rPr lang="en-US" dirty="0"/>
-              <a:t>Dashboard 04</a:t>
-            </a:r>
-            <a:br>
-              <a:rPr lang="en-US" dirty="0"/>
-            </a:br>
-            <a:r>
-              <a:rPr lang="en-US" dirty="0"/>
-              <a:t>Medal Distributions</a:t>
-            </a:r>
-          </a:p>
-        </p:txBody>
-      </p:sp>
-    </p:spTree>
-    <p:extLst>
-      <p:ext uri="{BB962C8B-B14F-4D97-AF65-F5344CB8AC3E}">
-        <p14:creationId xmlns:p14="http://schemas.microsoft.com/office/powerpoint/2010/main" val="590827551"/>
-      </p:ext>
-    </p:extLst>
-  </p:cSld>
-  <p:clrMapOvr>
-    <a:masterClrMapping/>
-  </p:clrMapOvr>
-</p:sld>
-</file>
-
-<file path=ppt/slides/slide23.xml><?xml version="1.0" encoding="utf-8"?>
-<p:sld xmlns:a="http://schemas.openxmlformats.org/drawingml/2006/main" xmlns:r="http://schemas.openxmlformats.org/officeDocument/2006/relationships" xmlns:p="http://schemas.openxmlformats.org/presentationml/2006/main">
-  <p:cSld>
-    <p:spTree>
-      <p:nvGrpSpPr>
-        <p:cNvPr id="1" name=""/>
-        <p:cNvGrpSpPr/>
-        <p:nvPr/>
-      </p:nvGrpSpPr>
-      <p:grpSpPr>
-        <a:xfrm>
-          <a:off x="0" y="0"/>
-          <a:ext cx="0" cy="0"/>
-          <a:chOff x="0" y="0"/>
-          <a:chExt cx="0" cy="0"/>
-        </a:xfrm>
-      </p:grpSpPr>
-      <p:sp>
-        <p:nvSpPr>
-          <p:cNvPr id="2" name="Title 1">
-            <a:extLst>
-              <a:ext uri="{FF2B5EF4-FFF2-40B4-BE49-F238E27FC236}">
-                <a16:creationId xmlns:a16="http://schemas.microsoft.com/office/drawing/2014/main" id="{32CFB3FC-CD14-42F2-849B-032094A4951E}"/>
-              </a:ext>
-            </a:extLst>
-          </p:cNvPr>
-          <p:cNvSpPr>
-            <a:spLocks noGrp="1"/>
-          </p:cNvSpPr>
-          <p:nvPr>
-            <p:ph type="title"/>
-          </p:nvPr>
-        </p:nvSpPr>
-        <p:spPr>
-          <a:xfrm>
-            <a:off x="1295402" y="982132"/>
-            <a:ext cx="9601196" cy="485721"/>
-          </a:xfrm>
-        </p:spPr>
-        <p:txBody>
-          <a:bodyPr>
-            <a:normAutofit fontScale="90000"/>
-          </a:bodyPr>
-          <a:lstStyle/>
-          <a:p>
-            <a:r>
-              <a:rPr lang="en-US" dirty="0"/>
-              <a:t>Dashboard 05</a:t>
-            </a:r>
-            <a:br>
-              <a:rPr lang="en-US" dirty="0"/>
-            </a:br>
-            <a:r>
-              <a:rPr lang="en-US" dirty="0"/>
-              <a:t>Medal Distributions</a:t>
-            </a:r>
-          </a:p>
-        </p:txBody>
-      </p:sp>
-    </p:spTree>
-    <p:extLst>
-      <p:ext uri="{BB962C8B-B14F-4D97-AF65-F5344CB8AC3E}">
-        <p14:creationId xmlns:p14="http://schemas.microsoft.com/office/powerpoint/2010/main" val="3992178350"/>
-      </p:ext>
-    </p:extLst>
-  </p:cSld>
-  <p:clrMapOvr>
-    <a:masterClrMapping/>
-  </p:clrMapOvr>
-</p:sld>
-</file>
-
-<file path=ppt/slides/slide24.xml><?xml version="1.0" encoding="utf-8"?>
-<p:sld xmlns:a="http://schemas.openxmlformats.org/drawingml/2006/main" xmlns:r="http://schemas.openxmlformats.org/officeDocument/2006/relationships" xmlns:p="http://schemas.openxmlformats.org/presentationml/2006/main">
-  <p:cSld>
-    <p:spTree>
-      <p:nvGrpSpPr>
-        <p:cNvPr id="1" name=""/>
-        <p:cNvGrpSpPr/>
-        <p:nvPr/>
-      </p:nvGrpSpPr>
-      <p:grpSpPr>
-        <a:xfrm>
-          <a:off x="0" y="0"/>
-          <a:ext cx="0" cy="0"/>
-          <a:chOff x="0" y="0"/>
-          <a:chExt cx="0" cy="0"/>
-        </a:xfrm>
-      </p:grpSpPr>
-      <p:sp>
-        <p:nvSpPr>
-          <p:cNvPr id="2" name="Title 1">
-            <a:extLst>
-              <a:ext uri="{FF2B5EF4-FFF2-40B4-BE49-F238E27FC236}">
-                <a16:creationId xmlns:a16="http://schemas.microsoft.com/office/drawing/2014/main" id="{C6292352-90C3-49D0-87BB-4123A39556CD}"/>
-              </a:ext>
-            </a:extLst>
-          </p:cNvPr>
-          <p:cNvSpPr>
-            <a:spLocks noGrp="1"/>
-          </p:cNvSpPr>
-          <p:nvPr>
-            <p:ph type="title"/>
-          </p:nvPr>
-        </p:nvSpPr>
-        <p:spPr>
-          <a:xfrm>
-            <a:off x="1295402" y="982133"/>
-            <a:ext cx="9601196" cy="1448246"/>
-          </a:xfrm>
-        </p:spPr>
-        <p:txBody>
-          <a:bodyPr>
-            <a:normAutofit/>
-          </a:bodyPr>
-          <a:lstStyle/>
-          <a:p>
-            <a:r>
-              <a:rPr lang="en-US" dirty="0"/>
-              <a:t>Conclusions</a:t>
-            </a:r>
-          </a:p>
-        </p:txBody>
-      </p:sp>
-      <p:sp>
-        <p:nvSpPr>
-          <p:cNvPr id="3" name="Content Placeholder 2">
-            <a:extLst>
-              <a:ext uri="{FF2B5EF4-FFF2-40B4-BE49-F238E27FC236}">
-                <a16:creationId xmlns:a16="http://schemas.microsoft.com/office/drawing/2014/main" id="{69D4DEF6-8BF2-4F0E-B763-B71AC098869D}"/>
-              </a:ext>
-            </a:extLst>
-          </p:cNvPr>
-          <p:cNvSpPr>
-            <a:spLocks noGrp="1"/>
-          </p:cNvSpPr>
-          <p:nvPr>
-            <p:ph idx="1"/>
-          </p:nvPr>
-        </p:nvSpPr>
-        <p:spPr>
-          <a:xfrm>
-            <a:off x="1295401" y="2430379"/>
-            <a:ext cx="9601196" cy="3445489"/>
-          </a:xfrm>
-        </p:spPr>
-        <p:txBody>
-          <a:bodyPr>
-            <a:normAutofit/>
-          </a:bodyPr>
-          <a:lstStyle/>
-          <a:p>
-            <a:endParaRPr lang="en-US" dirty="0"/>
-          </a:p>
-          <a:p>
-            <a:endParaRPr lang="en-US" dirty="0"/>
-          </a:p>
-        </p:txBody>
-      </p:sp>
-    </p:spTree>
-    <p:extLst>
-      <p:ext uri="{BB962C8B-B14F-4D97-AF65-F5344CB8AC3E}">
-        <p14:creationId xmlns:p14="http://schemas.microsoft.com/office/powerpoint/2010/main" val="1560093254"/>
-      </p:ext>
-    </p:extLst>
-  </p:cSld>
-  <p:clrMapOvr>
-    <a:masterClrMapping/>
-  </p:clrMapOvr>
-</p:sld>
-</file>
-
-<file path=ppt/slides/slide25.xml><?xml version="1.0" encoding="utf-8"?>
-<p:sld xmlns:a="http://schemas.openxmlformats.org/drawingml/2006/main" xmlns:r="http://schemas.openxmlformats.org/officeDocument/2006/relationships" xmlns:p="http://schemas.openxmlformats.org/presentationml/2006/main">
-  <p:cSld>
-    <p:spTree>
-      <p:nvGrpSpPr>
-        <p:cNvPr id="1" name=""/>
-        <p:cNvGrpSpPr/>
-        <p:nvPr/>
-      </p:nvGrpSpPr>
-      <p:grpSpPr>
-        <a:xfrm>
-          <a:off x="0" y="0"/>
-          <a:ext cx="0" cy="0"/>
-          <a:chOff x="0" y="0"/>
-          <a:chExt cx="0" cy="0"/>
-        </a:xfrm>
-      </p:grpSpPr>
-      <p:sp>
-        <p:nvSpPr>
-          <p:cNvPr id="2" name="Title 1">
-            <a:extLst>
-              <a:ext uri="{FF2B5EF4-FFF2-40B4-BE49-F238E27FC236}">
-                <a16:creationId xmlns:a16="http://schemas.microsoft.com/office/drawing/2014/main" id="{7263E1E7-6307-40CF-A6A1-5BE8B9682063}"/>
-              </a:ext>
-            </a:extLst>
-          </p:cNvPr>
-          <p:cNvSpPr>
-            <a:spLocks noGrp="1"/>
-          </p:cNvSpPr>
-          <p:nvPr>
-            <p:ph type="title"/>
-          </p:nvPr>
-        </p:nvSpPr>
-        <p:spPr/>
-        <p:txBody>
-          <a:bodyPr>
-            <a:normAutofit fontScale="90000"/>
-          </a:bodyPr>
-          <a:lstStyle/>
-          <a:p>
-            <a:r>
-              <a:rPr lang="en-US" sz="3500" dirty="0">
-                <a:solidFill>
-                  <a:schemeClr val="tx1"/>
-                </a:solidFill>
-              </a:rPr>
-              <a:t>Thank you!</a:t>
-            </a:r>
-          </a:p>
-        </p:txBody>
-      </p:sp>
-      <p:sp>
-        <p:nvSpPr>
-          <p:cNvPr id="10" name="Text Placeholder 9">
-            <a:extLst>
-              <a:ext uri="{FF2B5EF4-FFF2-40B4-BE49-F238E27FC236}">
-                <a16:creationId xmlns:a16="http://schemas.microsoft.com/office/drawing/2014/main" id="{161A4A23-57E4-41CD-96DE-CD0095BFAF8F}"/>
-              </a:ext>
-            </a:extLst>
-          </p:cNvPr>
-          <p:cNvSpPr>
-            <a:spLocks noGrp="1"/>
-          </p:cNvSpPr>
-          <p:nvPr>
-            <p:ph type="body" sz="half" idx="2"/>
-          </p:nvPr>
-        </p:nvSpPr>
-        <p:spPr>
-          <a:xfrm>
-            <a:off x="1295401" y="5382152"/>
-            <a:ext cx="9609666" cy="849835"/>
-          </a:xfrm>
-        </p:spPr>
-        <p:txBody>
-          <a:bodyPr>
-            <a:noAutofit/>
-          </a:bodyPr>
-          <a:lstStyle/>
-          <a:p>
-            <a:r>
-              <a:rPr lang="en-US" sz="4000" b="1" dirty="0"/>
-              <a:t>THANK YOU!</a:t>
-            </a:r>
-          </a:p>
-        </p:txBody>
-      </p:sp>
-      <p:pic>
-        <p:nvPicPr>
-          <p:cNvPr id="18" name="Picture Placeholder 17">
-            <a:extLst>
-              <a:ext uri="{FF2B5EF4-FFF2-40B4-BE49-F238E27FC236}">
-                <a16:creationId xmlns:a16="http://schemas.microsoft.com/office/drawing/2014/main" id="{62707B2F-43CF-4832-B9A4-34695EBC4A3C}"/>
-              </a:ext>
-            </a:extLst>
-          </p:cNvPr>
-          <p:cNvPicPr>
-            <a:picLocks noGrp="1" noChangeAspect="1"/>
-          </p:cNvPicPr>
-          <p:nvPr>
-            <p:ph type="pic" idx="1"/>
-          </p:nvPr>
-        </p:nvPicPr>
-        <p:blipFill rotWithShape="1">
-          <a:blip r:embed="rId2">
-            <a:extLst>
-              <a:ext uri="{28A0092B-C50C-407E-A947-70E740481C1C}">
-                <a14:useLocalDpi xmlns:a14="http://schemas.microsoft.com/office/drawing/2010/main" val="0"/>
-              </a:ext>
-            </a:extLst>
-          </a:blip>
-          <a:srcRect t="23596" b="7690"/>
-          <a:stretch/>
-        </p:blipFill>
-        <p:spPr>
-          <a:xfrm>
-            <a:off x="1041427" y="1041399"/>
-            <a:ext cx="10105972" cy="4340754"/>
-          </a:xfrm>
-        </p:spPr>
-      </p:pic>
-    </p:spTree>
-    <p:extLst>
-      <p:ext uri="{BB962C8B-B14F-4D97-AF65-F5344CB8AC3E}">
-        <p14:creationId xmlns:p14="http://schemas.microsoft.com/office/powerpoint/2010/main" val="523705573"/>
-      </p:ext>
-    </p:extLst>
-  </p:cSld>
-  <p:clrMapOvr>
-    <a:masterClrMapping/>
-  </p:clrMapOvr>
-</p:sld>
-</file>
-
 <file path=ppt/slides/slide3.xml><?xml version="1.0" encoding="utf-8"?>
 <p:sld xmlns:a="http://schemas.openxmlformats.org/drawingml/2006/main" xmlns:r="http://schemas.openxmlformats.org/officeDocument/2006/relationships" xmlns:p="http://schemas.openxmlformats.org/presentationml/2006/main">
   <p:cSld>
@@ -7517,7 +6969,7 @@
           <p:cNvPr id="2" name="Title 1">
             <a:extLst>
               <a:ext uri="{FF2B5EF4-FFF2-40B4-BE49-F238E27FC236}">
-                <a16:creationId xmlns:a16="http://schemas.microsoft.com/office/drawing/2014/main" id="{24DBE624-39B5-436C-9CEE-7CDF1395D8BE}"/>
+                <a16:creationId xmlns:a16="http://schemas.microsoft.com/office/drawing/2014/main" id="{F1A7D2D4-81EE-4EC8-9948-82FA75B4B089}"/>
               </a:ext>
             </a:extLst>
           </p:cNvPr>
@@ -7525,19 +6977,12 @@
             <a:spLocks noGrp="1"/>
           </p:cNvSpPr>
           <p:nvPr>
-            <p:ph type="title"/>
-          </p:nvPr>
-        </p:nvSpPr>
-        <p:spPr>
-          <a:xfrm>
-            <a:off x="1295402" y="471266"/>
-            <a:ext cx="9601196" cy="780759"/>
-          </a:xfrm>
-        </p:spPr>
-        <p:txBody>
-          <a:bodyPr>
-            <a:normAutofit/>
-          </a:bodyPr>
+            <p:ph type="ctrTitle"/>
+          </p:nvPr>
+        </p:nvSpPr>
+        <p:spPr/>
+        <p:txBody>
+          <a:bodyPr/>
           <a:lstStyle/>
           <a:p>
             <a:r>
@@ -7547,6 +6992,64 @@
           </a:p>
         </p:txBody>
       </p:sp>
+      <p:sp>
+        <p:nvSpPr>
+          <p:cNvPr id="3" name="Subtitle 2">
+            <a:extLst>
+              <a:ext uri="{FF2B5EF4-FFF2-40B4-BE49-F238E27FC236}">
+                <a16:creationId xmlns:a16="http://schemas.microsoft.com/office/drawing/2014/main" id="{9F0A95C0-8147-4E51-8334-5358E2AB04F6}"/>
+              </a:ext>
+            </a:extLst>
+          </p:cNvPr>
+          <p:cNvSpPr>
+            <a:spLocks noGrp="1"/>
+          </p:cNvSpPr>
+          <p:nvPr>
+            <p:ph type="subTitle" idx="1"/>
+          </p:nvPr>
+        </p:nvSpPr>
+        <p:spPr/>
+        <p:txBody>
+          <a:bodyPr/>
+          <a:lstStyle/>
+          <a:p>
+            <a:r>
+              <a:rPr lang="en-US" dirty="0"/>
+              <a:t>Dashboards</a:t>
+            </a:r>
+          </a:p>
+        </p:txBody>
+      </p:sp>
+    </p:spTree>
+    <p:extLst>
+      <p:ext uri="{BB962C8B-B14F-4D97-AF65-F5344CB8AC3E}">
+        <p14:creationId xmlns:p14="http://schemas.microsoft.com/office/powerpoint/2010/main" val="631511115"/>
+      </p:ext>
+    </p:extLst>
+  </p:cSld>
+  <p:clrMapOvr>
+    <a:masterClrMapping/>
+  </p:clrMapOvr>
+</p:sld>
+</file>
+
+<file path=ppt/slides/slide4.xml><?xml version="1.0" encoding="utf-8"?>
+<p:sld xmlns:a="http://schemas.openxmlformats.org/drawingml/2006/main" xmlns:r="http://schemas.openxmlformats.org/officeDocument/2006/relationships" xmlns:p="http://schemas.openxmlformats.org/presentationml/2006/main">
+  <p:cSld>
+    <p:spTree>
+      <p:nvGrpSpPr>
+        <p:cNvPr id="1" name=""/>
+        <p:cNvGrpSpPr/>
+        <p:nvPr/>
+      </p:nvGrpSpPr>
+      <p:grpSpPr>
+        <a:xfrm>
+          <a:off x="0" y="0"/>
+          <a:ext cx="0" cy="0"/>
+          <a:chOff x="0" y="0"/>
+          <a:chExt cx="0" cy="0"/>
+        </a:xfrm>
+      </p:grpSpPr>
       <p:graphicFrame>
         <p:nvGraphicFramePr>
           <p:cNvPr id="4" name="Table 4">
@@ -7560,17 +7063,17 @@
             <a:graphicFrameLocks noGrp="1"/>
           </p:cNvGraphicFramePr>
           <p:nvPr>
-            <p:ph idx="1"/>
+            <p:ph idx="4294967295"/>
             <p:extLst>
               <p:ext uri="{D42A27DB-BD31-4B8C-83A1-F6EECF244321}">
-                <p14:modId xmlns:p14="http://schemas.microsoft.com/office/powerpoint/2010/main" val="840456158"/>
+                <p14:modId xmlns:p14="http://schemas.microsoft.com/office/powerpoint/2010/main" val="2414728231"/>
               </p:ext>
             </p:extLst>
           </p:nvPr>
         </p:nvGraphicFramePr>
         <p:xfrm>
-          <a:off x="745587" y="1061156"/>
-          <a:ext cx="10852855" cy="5916432"/>
+          <a:off x="462844" y="406401"/>
+          <a:ext cx="11300179" cy="6263641"/>
         </p:xfrm>
         <a:graphic>
           <a:graphicData uri="http://schemas.openxmlformats.org/drawingml/2006/table">
@@ -7579,14 +7082,21 @@
                 <a:tableStyleId>{5C22544A-7EE6-4342-B048-85BDC9FD1C3A}</a:tableStyleId>
               </a:tblPr>
               <a:tblGrid>
-                <a:gridCol w="1811113">
+                <a:gridCol w="1503994">
                   <a:extLst>
                     <a:ext uri="{9D8B030D-6E8A-4147-A177-3AD203B41FA5}">
                       <a16:colId xmlns:a16="http://schemas.microsoft.com/office/drawing/2014/main" val="3694478617"/>
                     </a:ext>
                   </a:extLst>
                 </a:gridCol>
-                <a:gridCol w="9041742">
+                <a:gridCol w="3596781">
+                  <a:extLst>
+                    <a:ext uri="{9D8B030D-6E8A-4147-A177-3AD203B41FA5}">
+                      <a16:colId xmlns:a16="http://schemas.microsoft.com/office/drawing/2014/main" val="3953204873"/>
+                    </a:ext>
+                  </a:extLst>
+                </a:gridCol>
+                <a:gridCol w="6199404">
                   <a:extLst>
                     <a:ext uri="{9D8B030D-6E8A-4147-A177-3AD203B41FA5}">
                       <a16:colId xmlns:a16="http://schemas.microsoft.com/office/drawing/2014/main" val="1421670609"/>
@@ -7594,13 +7104,16 @@
                   </a:extLst>
                 </a:gridCol>
               </a:tblGrid>
-              <a:tr h="369777">
+              <a:tr h="410731">
                 <a:tc>
                   <a:txBody>
                     <a:bodyPr/>
                     <a:lstStyle/>
                     <a:p>
-                      <a:endParaRPr lang="en-US" dirty="0"/>
+                      <a:r>
+                        <a:rPr lang="en-US" dirty="0"/>
+                        <a:t>Sr. No.</a:t>
+                      </a:r>
                     </a:p>
                   </a:txBody>
                   <a:tcPr/>
@@ -7610,7 +7123,23 @@
                     <a:bodyPr/>
                     <a:lstStyle/>
                     <a:p>
-                      <a:endParaRPr lang="en-US" dirty="0"/>
+                      <a:r>
+                        <a:rPr lang="en-US" dirty="0"/>
+                        <a:t>Title</a:t>
+                      </a:r>
+                    </a:p>
+                  </a:txBody>
+                  <a:tcPr/>
+                </a:tc>
+                <a:tc>
+                  <a:txBody>
+                    <a:bodyPr/>
+                    <a:lstStyle/>
+                    <a:p>
+                      <a:r>
+                        <a:rPr lang="en-US" dirty="0"/>
+                        <a:t>Work Sheets</a:t>
+                      </a:r>
                     </a:p>
                   </a:txBody>
                   <a:tcPr/>
@@ -7621,7 +7150,7 @@
                   </a:ext>
                 </a:extLst>
               </a:tr>
-              <a:tr h="369777">
+              <a:tr h="1334874">
                 <a:tc>
                   <a:txBody>
                     <a:bodyPr/>
@@ -7675,8 +7204,117 @@
                         <a:defRPr/>
                       </a:pPr>
                       <a:r>
+                        <a:rPr lang="en-US" sz="1800" b="0" i="0" u="none" strike="noStrike" kern="1200" dirty="0">
+                          <a:solidFill>
+                            <a:schemeClr val="dk1"/>
+                          </a:solidFill>
+                          <a:effectLst/>
+                          <a:latin typeface="+mn-lt"/>
+                          <a:ea typeface="+mn-ea"/>
+                          <a:cs typeface="+mn-cs"/>
+                          <a:hlinkClick r:id="rId2"/>
+                        </a:rPr>
+                        <a:t>Olympic data-Medal Distribution 1</a:t>
+                      </a:r>
+                      <a:endParaRPr lang="en-US" dirty="0"/>
+                    </a:p>
+                  </a:txBody>
+                  <a:tcPr/>
+                </a:tc>
+                <a:tc>
+                  <a:txBody>
+                    <a:bodyPr/>
+                    <a:lstStyle/>
+                    <a:p>
+                      <a:pPr marL="0" marR="0" lvl="0" indent="0" algn="l" defTabSz="457200" rtl="0" eaLnBrk="1" fontAlgn="auto" latinLnBrk="0" hangingPunct="1">
+                        <a:lnSpc>
+                          <a:spcPct val="100000"/>
+                        </a:lnSpc>
+                        <a:spcBef>
+                          <a:spcPts val="0"/>
+                        </a:spcBef>
+                        <a:spcAft>
+                          <a:spcPts val="0"/>
+                        </a:spcAft>
+                        <a:buClrTx/>
+                        <a:buSzTx/>
+                        <a:buFontTx/>
+                        <a:buNone/>
+                        <a:tabLst/>
+                        <a:defRPr/>
+                      </a:pPr>
+                      <a:r>
                         <a:rPr lang="en-US" dirty="0"/>
-                        <a:t>TREE MAP</a:t>
+                        <a:t>Total Count of Medals across Cities</a:t>
+                      </a:r>
+                    </a:p>
+                    <a:p>
+                      <a:pPr marL="0" marR="0" lvl="0" indent="0" algn="l" defTabSz="457200" rtl="0" eaLnBrk="1" fontAlgn="auto" latinLnBrk="0" hangingPunct="1">
+                        <a:lnSpc>
+                          <a:spcPct val="100000"/>
+                        </a:lnSpc>
+                        <a:spcBef>
+                          <a:spcPts val="0"/>
+                        </a:spcBef>
+                        <a:spcAft>
+                          <a:spcPts val="0"/>
+                        </a:spcAft>
+                        <a:buClrTx/>
+                        <a:buSzTx/>
+                        <a:buFontTx/>
+                        <a:buNone/>
+                        <a:tabLst/>
+                        <a:defRPr/>
+                      </a:pPr>
+                      <a:r>
+                        <a:rPr lang="en-US" dirty="0"/>
+                        <a:t>Medal Distribution by Sports</a:t>
+                      </a:r>
+                    </a:p>
+                    <a:p>
+                      <a:pPr marL="0" marR="0" lvl="0" indent="0" algn="l" defTabSz="457200" rtl="0" eaLnBrk="1" fontAlgn="auto" latinLnBrk="0" hangingPunct="1">
+                        <a:lnSpc>
+                          <a:spcPct val="100000"/>
+                        </a:lnSpc>
+                        <a:spcBef>
+                          <a:spcPts val="0"/>
+                        </a:spcBef>
+                        <a:spcAft>
+                          <a:spcPts val="0"/>
+                        </a:spcAft>
+                        <a:buClrTx/>
+                        <a:buSzTx/>
+                        <a:buFontTx/>
+                        <a:buNone/>
+                        <a:tabLst/>
+                        <a:defRPr/>
+                      </a:pPr>
+                      <a:r>
+                        <a:rPr lang="en-US" dirty="0"/>
+                        <a:t>Total Count of Medals across Team</a:t>
+                      </a:r>
+                    </a:p>
+                    <a:p>
+                      <a:pPr marL="0" marR="0" lvl="0" indent="0" algn="l" defTabSz="457200" rtl="0" eaLnBrk="1" fontAlgn="auto" latinLnBrk="0" hangingPunct="1">
+                        <a:lnSpc>
+                          <a:spcPct val="100000"/>
+                        </a:lnSpc>
+                        <a:spcBef>
+                          <a:spcPts val="0"/>
+                        </a:spcBef>
+                        <a:spcAft>
+                          <a:spcPts val="0"/>
+                        </a:spcAft>
+                        <a:buClrTx/>
+                        <a:buSzTx/>
+                        <a:buFontTx/>
+                        <a:buNone/>
+                        <a:tabLst/>
+                        <a:defRPr/>
+                      </a:pPr>
+                      <a:r>
+                        <a:rPr lang="en-US" dirty="0"/>
+                        <a:t>Top 5 Total Medal Countries in 5 years</a:t>
                       </a:r>
                     </a:p>
                   </a:txBody>
@@ -7688,12 +7326,29 @@
                   </a:ext>
                 </a:extLst>
               </a:tr>
-              <a:tr h="369777">
+              <a:tr h="410731">
                 <a:tc>
                   <a:txBody>
                     <a:bodyPr/>
                     <a:lstStyle/>
                     <a:p>
+                      <a:pPr marL="0" marR="0" lvl="0" indent="0" algn="l" defTabSz="457200" rtl="0" eaLnBrk="1" fontAlgn="auto" latinLnBrk="0" hangingPunct="1">
+                        <a:lnSpc>
+                          <a:spcPct val="100000"/>
+                        </a:lnSpc>
+                        <a:spcBef>
+                          <a:spcPts val="0"/>
+                        </a:spcBef>
+                        <a:spcAft>
+                          <a:spcPts val="0"/>
+                        </a:spcAft>
+                        <a:buClrTx/>
+                        <a:buSzTx/>
+                        <a:buFontTx/>
+                        <a:buNone/>
+                        <a:tabLst/>
+                        <a:defRPr/>
+                      </a:pPr>
                       <a:r>
                         <a:rPr lang="en-US" dirty="0"/>
                         <a:t>Dashboard 2</a:t>
@@ -7725,8 +7380,48 @@
                         <a:defRPr/>
                       </a:pPr>
                       <a:r>
+                        <a:rPr lang="en-US" sz="1800" b="0" i="0" u="sng" kern="1200" dirty="0">
+                          <a:solidFill>
+                            <a:schemeClr val="dk1"/>
+                          </a:solidFill>
+                          <a:effectLst/>
+                          <a:latin typeface="+mn-lt"/>
+                          <a:ea typeface="+mn-ea"/>
+                          <a:cs typeface="+mn-cs"/>
+                          <a:hlinkClick r:id="rId3"/>
+                        </a:rPr>
+                        <a:t>Olympicdata-Treemap</a:t>
+                      </a:r>
+                      <a:endParaRPr lang="en-US" dirty="0"/>
+                    </a:p>
+                  </a:txBody>
+                  <a:tcPr/>
+                </a:tc>
+                <a:tc>
+                  <a:txBody>
+                    <a:bodyPr/>
+                    <a:lstStyle/>
+                    <a:p>
+                      <a:pPr marL="0" marR="0" lvl="0" indent="0" algn="l" defTabSz="457200" rtl="0" eaLnBrk="1" fontAlgn="auto" latinLnBrk="0" hangingPunct="1">
+                        <a:lnSpc>
+                          <a:spcPct val="100000"/>
+                        </a:lnSpc>
+                        <a:spcBef>
+                          <a:spcPts val="0"/>
+                        </a:spcBef>
+                        <a:spcAft>
+                          <a:spcPts val="0"/>
+                        </a:spcAft>
+                        <a:buClrTx/>
+                        <a:buSzTx/>
+                        <a:buFontTx/>
+                        <a:buNone/>
+                        <a:tabLst/>
+                        <a:defRPr/>
+                      </a:pPr>
+                      <a:r>
                         <a:rPr lang="en-US" dirty="0"/>
-                        <a:t>Total Count of Medals across Cities</a:t>
+                        <a:t>Tree Map</a:t>
                       </a:r>
                     </a:p>
                   </a:txBody>
@@ -7738,11 +7433,372 @@
                   </a:ext>
                 </a:extLst>
               </a:tr>
-              <a:tr h="369777">
+              <a:tr h="410731">
                 <a:tc>
                   <a:txBody>
                     <a:bodyPr/>
                     <a:lstStyle/>
+                    <a:p>
+                      <a:r>
+                        <a:rPr lang="en-US" dirty="0"/>
+                        <a:t>Dashboard 3</a:t>
+                      </a:r>
+                    </a:p>
+                  </a:txBody>
+                  <a:tcPr/>
+                </a:tc>
+                <a:tc>
+                  <a:txBody>
+                    <a:bodyPr/>
+                    <a:lstStyle/>
+                    <a:p>
+                      <a:r>
+                        <a:rPr lang="en-US" sz="1800" b="0" i="0" u="sng" kern="1200" dirty="0">
+                          <a:solidFill>
+                            <a:schemeClr val="dk1"/>
+                          </a:solidFill>
+                          <a:effectLst/>
+                          <a:latin typeface="+mn-lt"/>
+                          <a:ea typeface="+mn-ea"/>
+                          <a:cs typeface="+mn-cs"/>
+                          <a:hlinkClick r:id="rId4"/>
+                        </a:rPr>
+                        <a:t>Olympicdata-Medals across Map</a:t>
+                      </a:r>
+                      <a:endParaRPr lang="en-US" dirty="0"/>
+                    </a:p>
+                  </a:txBody>
+                  <a:tcPr/>
+                </a:tc>
+                <a:tc>
+                  <a:txBody>
+                    <a:bodyPr/>
+                    <a:lstStyle/>
+                    <a:p>
+                      <a:r>
+                        <a:rPr lang="en-US" sz="1800" b="0" i="0" u="none" kern="1200" dirty="0">
+                          <a:solidFill>
+                            <a:schemeClr val="dk1"/>
+                          </a:solidFill>
+                          <a:effectLst/>
+                          <a:latin typeface="+mn-lt"/>
+                          <a:ea typeface="+mn-ea"/>
+                          <a:cs typeface="+mn-cs"/>
+                        </a:rPr>
+                        <a:t>Medals across Map</a:t>
+                      </a:r>
+                      <a:endParaRPr lang="en-US" u="none" dirty="0"/>
+                    </a:p>
+                  </a:txBody>
+                  <a:tcPr/>
+                </a:tc>
+                <a:extLst>
+                  <a:ext uri="{0D108BD9-81ED-4DB2-BD59-A6C34878D82A}">
+                    <a16:rowId xmlns:a16="http://schemas.microsoft.com/office/drawing/2014/main" val="1938208482"/>
+                  </a:ext>
+                </a:extLst>
+              </a:tr>
+              <a:tr h="1334874">
+                <a:tc>
+                  <a:txBody>
+                    <a:bodyPr/>
+                    <a:lstStyle/>
+                    <a:p>
+                      <a:r>
+                        <a:rPr lang="en-US" dirty="0"/>
+                        <a:t>Dashboard 4</a:t>
+                      </a:r>
+                    </a:p>
+                  </a:txBody>
+                  <a:tcPr/>
+                </a:tc>
+                <a:tc>
+                  <a:txBody>
+                    <a:bodyPr/>
+                    <a:lstStyle/>
+                    <a:p>
+                      <a:r>
+                        <a:rPr lang="en-US" sz="1800" b="0" i="0" u="sng" kern="1200" dirty="0">
+                          <a:solidFill>
+                            <a:schemeClr val="dk1"/>
+                          </a:solidFill>
+                          <a:effectLst/>
+                          <a:latin typeface="+mn-lt"/>
+                          <a:ea typeface="+mn-ea"/>
+                          <a:cs typeface="+mn-cs"/>
+                          <a:hlinkClick r:id="rId5"/>
+                        </a:rPr>
+                        <a:t>Olympic data-Medal distribution2</a:t>
+                      </a:r>
+                      <a:endParaRPr lang="en-US" dirty="0"/>
+                    </a:p>
+                  </a:txBody>
+                  <a:tcPr/>
+                </a:tc>
+                <a:tc>
+                  <a:txBody>
+                    <a:bodyPr/>
+                    <a:lstStyle/>
+                    <a:p>
+                      <a:pPr marL="0" marR="0" lvl="0" indent="0" algn="l" defTabSz="457200" rtl="0" eaLnBrk="1" fontAlgn="auto" latinLnBrk="0" hangingPunct="1">
+                        <a:lnSpc>
+                          <a:spcPct val="100000"/>
+                        </a:lnSpc>
+                        <a:spcBef>
+                          <a:spcPts val="0"/>
+                        </a:spcBef>
+                        <a:spcAft>
+                          <a:spcPts val="0"/>
+                        </a:spcAft>
+                        <a:buClrTx/>
+                        <a:buSzTx/>
+                        <a:buFontTx/>
+                        <a:buNone/>
+                        <a:tabLst/>
+                        <a:defRPr/>
+                      </a:pPr>
+                      <a:r>
+                        <a:rPr lang="en-US" dirty="0"/>
+                        <a:t>Medal Distribution across Athletes </a:t>
+                      </a:r>
+                    </a:p>
+                    <a:p>
+                      <a:pPr marL="0" marR="0" lvl="0" indent="0" algn="l" defTabSz="457200" rtl="0" eaLnBrk="1" fontAlgn="auto" latinLnBrk="0" hangingPunct="1">
+                        <a:lnSpc>
+                          <a:spcPct val="100000"/>
+                        </a:lnSpc>
+                        <a:spcBef>
+                          <a:spcPts val="0"/>
+                        </a:spcBef>
+                        <a:spcAft>
+                          <a:spcPts val="0"/>
+                        </a:spcAft>
+                        <a:buClrTx/>
+                        <a:buSzTx/>
+                        <a:buFontTx/>
+                        <a:buNone/>
+                        <a:tabLst/>
+                        <a:defRPr/>
+                      </a:pPr>
+                      <a:r>
+                        <a:rPr lang="en-US" dirty="0"/>
+                        <a:t>Top 10 by Medal Count </a:t>
+                      </a:r>
+                    </a:p>
+                    <a:p>
+                      <a:pPr marL="0" marR="0" lvl="0" indent="0" algn="l" defTabSz="457200" rtl="0" eaLnBrk="1" fontAlgn="auto" latinLnBrk="0" hangingPunct="1">
+                        <a:lnSpc>
+                          <a:spcPct val="100000"/>
+                        </a:lnSpc>
+                        <a:spcBef>
+                          <a:spcPts val="0"/>
+                        </a:spcBef>
+                        <a:spcAft>
+                          <a:spcPts val="0"/>
+                        </a:spcAft>
+                        <a:buClrTx/>
+                        <a:buSzTx/>
+                        <a:buFontTx/>
+                        <a:buNone/>
+                        <a:tabLst/>
+                        <a:defRPr/>
+                      </a:pPr>
+                      <a:r>
+                        <a:rPr lang="en-US" dirty="0"/>
+                        <a:t>Sports played in Cities </a:t>
+                      </a:r>
+                    </a:p>
+                    <a:p>
+                      <a:pPr marL="0" marR="0" lvl="0" indent="0" algn="l" defTabSz="457200" rtl="0" eaLnBrk="1" fontAlgn="auto" latinLnBrk="0" hangingPunct="1">
+                        <a:lnSpc>
+                          <a:spcPct val="100000"/>
+                        </a:lnSpc>
+                        <a:spcBef>
+                          <a:spcPts val="0"/>
+                        </a:spcBef>
+                        <a:spcAft>
+                          <a:spcPts val="0"/>
+                        </a:spcAft>
+                        <a:buClrTx/>
+                        <a:buSzTx/>
+                        <a:buFontTx/>
+                        <a:buNone/>
+                        <a:tabLst/>
+                        <a:defRPr/>
+                      </a:pPr>
+                      <a:r>
+                        <a:rPr lang="en-US" dirty="0"/>
+                        <a:t>Medal Distribution across Age Groups </a:t>
+                      </a:r>
+                    </a:p>
+                  </a:txBody>
+                  <a:tcPr/>
+                </a:tc>
+                <a:extLst>
+                  <a:ext uri="{0D108BD9-81ED-4DB2-BD59-A6C34878D82A}">
+                    <a16:rowId xmlns:a16="http://schemas.microsoft.com/office/drawing/2014/main" val="306443013"/>
+                  </a:ext>
+                </a:extLst>
+              </a:tr>
+              <a:tr h="1026826">
+                <a:tc>
+                  <a:txBody>
+                    <a:bodyPr/>
+                    <a:lstStyle/>
+                    <a:p>
+                      <a:pPr marL="0" marR="0" lvl="0" indent="0" algn="l" defTabSz="457200" rtl="0" eaLnBrk="1" fontAlgn="auto" latinLnBrk="0" hangingPunct="1">
+                        <a:lnSpc>
+                          <a:spcPct val="100000"/>
+                        </a:lnSpc>
+                        <a:spcBef>
+                          <a:spcPts val="0"/>
+                        </a:spcBef>
+                        <a:spcAft>
+                          <a:spcPts val="0"/>
+                        </a:spcAft>
+                        <a:buClrTx/>
+                        <a:buSzTx/>
+                        <a:buFontTx/>
+                        <a:buNone/>
+                        <a:tabLst/>
+                        <a:defRPr/>
+                      </a:pPr>
+                      <a:r>
+                        <a:rPr lang="en-US" dirty="0"/>
+                        <a:t>Dashboard 5</a:t>
+                      </a:r>
+                    </a:p>
+                    <a:p>
+                      <a:endParaRPr lang="en-US" dirty="0"/>
+                    </a:p>
+                  </a:txBody>
+                  <a:tcPr/>
+                </a:tc>
+                <a:tc>
+                  <a:txBody>
+                    <a:bodyPr/>
+                    <a:lstStyle/>
+                    <a:p>
+                      <a:pPr marL="0" marR="0" lvl="0" indent="0" algn="l" defTabSz="457200" rtl="0" eaLnBrk="1" fontAlgn="auto" latinLnBrk="0" hangingPunct="1">
+                        <a:lnSpc>
+                          <a:spcPct val="100000"/>
+                        </a:lnSpc>
+                        <a:spcBef>
+                          <a:spcPts val="0"/>
+                        </a:spcBef>
+                        <a:spcAft>
+                          <a:spcPts val="0"/>
+                        </a:spcAft>
+                        <a:buClrTx/>
+                        <a:buSzTx/>
+                        <a:buFontTx/>
+                        <a:buNone/>
+                        <a:tabLst/>
+                        <a:defRPr/>
+                      </a:pPr>
+                      <a:r>
+                        <a:rPr lang="en-US" sz="1800" b="0" i="0" u="sng" kern="1200" dirty="0">
+                          <a:solidFill>
+                            <a:schemeClr val="dk1"/>
+                          </a:solidFill>
+                          <a:effectLst/>
+                          <a:latin typeface="+mn-lt"/>
+                          <a:ea typeface="+mn-ea"/>
+                          <a:cs typeface="+mn-cs"/>
+                          <a:hlinkClick r:id="rId6"/>
+                        </a:rPr>
+                        <a:t>Olympic data-Medal distribution 3</a:t>
+                      </a:r>
+                      <a:endParaRPr lang="en-US" dirty="0"/>
+                    </a:p>
+                    <a:p>
+                      <a:endParaRPr lang="en-US" dirty="0"/>
+                    </a:p>
+                  </a:txBody>
+                  <a:tcPr/>
+                </a:tc>
+                <a:tc>
+                  <a:txBody>
+                    <a:bodyPr/>
+                    <a:lstStyle/>
+                    <a:p>
+                      <a:r>
+                        <a:rPr lang="en-US" dirty="0"/>
+                        <a:t>Athlete Participation</a:t>
+                      </a:r>
+                    </a:p>
+                    <a:p>
+                      <a:r>
+                        <a:rPr lang="en-US" dirty="0"/>
+                        <a:t>Participation Count</a:t>
+                      </a:r>
+                    </a:p>
+                    <a:p>
+                      <a:r>
+                        <a:rPr lang="en-US" dirty="0"/>
+                        <a:t>Map</a:t>
+                      </a:r>
+                    </a:p>
+                  </a:txBody>
+                  <a:tcPr/>
+                </a:tc>
+                <a:extLst>
+                  <a:ext uri="{0D108BD9-81ED-4DB2-BD59-A6C34878D82A}">
+                    <a16:rowId xmlns:a16="http://schemas.microsoft.com/office/drawing/2014/main" val="457817235"/>
+                  </a:ext>
+                </a:extLst>
+              </a:tr>
+              <a:tr h="1334874">
+                <a:tc>
+                  <a:txBody>
+                    <a:bodyPr/>
+                    <a:lstStyle/>
+                    <a:p>
+                      <a:r>
+                        <a:rPr lang="en-US" dirty="0"/>
+                        <a:t>Dashboard 6</a:t>
+                      </a:r>
+                    </a:p>
+                  </a:txBody>
+                  <a:tcPr/>
+                </a:tc>
+                <a:tc>
+                  <a:txBody>
+                    <a:bodyPr/>
+                    <a:lstStyle/>
+                    <a:p>
+                      <a:pPr marL="0" marR="0" lvl="0" indent="0" algn="l" defTabSz="457200" rtl="0" eaLnBrk="1" fontAlgn="auto" latinLnBrk="0" hangingPunct="1">
+                        <a:lnSpc>
+                          <a:spcPct val="100000"/>
+                        </a:lnSpc>
+                        <a:spcBef>
+                          <a:spcPts val="0"/>
+                        </a:spcBef>
+                        <a:spcAft>
+                          <a:spcPts val="0"/>
+                        </a:spcAft>
+                        <a:buClrTx/>
+                        <a:buSzTx/>
+                        <a:buFontTx/>
+                        <a:buNone/>
+                        <a:tabLst/>
+                        <a:defRPr/>
+                      </a:pPr>
+                      <a:r>
+                        <a:rPr lang="en-US" sz="1800" b="0" i="0" u="sng" kern="1200" dirty="0">
+                          <a:solidFill>
+                            <a:schemeClr val="dk1"/>
+                          </a:solidFill>
+                          <a:effectLst/>
+                          <a:latin typeface="+mn-lt"/>
+                          <a:ea typeface="+mn-ea"/>
+                          <a:cs typeface="+mn-cs"/>
+                          <a:hlinkClick r:id="rId7"/>
+                        </a:rPr>
+                        <a:t>Olympic Data by age</a:t>
+                      </a:r>
+                      <a:endParaRPr lang="en-US" dirty="0"/>
+                    </a:p>
                     <a:p>
                       <a:endParaRPr lang="en-US" dirty="0"/>
                     </a:p>
@@ -7773,33 +7829,9 @@
                       </a:pPr>
                       <a:r>
                         <a:rPr lang="en-US" dirty="0"/>
-                        <a:t>Medal Distribution by Sports</a:t>
+                        <a:t>Summer Male and Female count by age</a:t>
                       </a:r>
                     </a:p>
-                  </a:txBody>
-                  <a:tcPr/>
-                </a:tc>
-                <a:extLst>
-                  <a:ext uri="{0D108BD9-81ED-4DB2-BD59-A6C34878D82A}">
-                    <a16:rowId xmlns:a16="http://schemas.microsoft.com/office/drawing/2014/main" val="1938208482"/>
-                  </a:ext>
-                </a:extLst>
-              </a:tr>
-              <a:tr h="369777">
-                <a:tc>
-                  <a:txBody>
-                    <a:bodyPr/>
-                    <a:lstStyle/>
-                    <a:p>
-                      <a:endParaRPr lang="en-US"/>
-                    </a:p>
-                  </a:txBody>
-                  <a:tcPr/>
-                </a:tc>
-                <a:tc>
-                  <a:txBody>
-                    <a:bodyPr/>
-                    <a:lstStyle/>
                     <a:p>
                       <a:pPr marL="0" marR="0" lvl="0" indent="0" algn="l" defTabSz="457200" rtl="0" eaLnBrk="1" fontAlgn="auto" latinLnBrk="0" hangingPunct="1">
                         <a:lnSpc>
@@ -7820,33 +7852,9 @@
                       </a:pPr>
                       <a:r>
                         <a:rPr lang="en-US" dirty="0"/>
-                        <a:t>Total Count of Medals across Team</a:t>
+                        <a:t>Winter Male and Female count by age</a:t>
                       </a:r>
                     </a:p>
-                  </a:txBody>
-                  <a:tcPr/>
-                </a:tc>
-                <a:extLst>
-                  <a:ext uri="{0D108BD9-81ED-4DB2-BD59-A6C34878D82A}">
-                    <a16:rowId xmlns:a16="http://schemas.microsoft.com/office/drawing/2014/main" val="306443013"/>
-                  </a:ext>
-                </a:extLst>
-              </a:tr>
-              <a:tr h="369777">
-                <a:tc>
-                  <a:txBody>
-                    <a:bodyPr/>
-                    <a:lstStyle/>
-                    <a:p>
-                      <a:endParaRPr lang="en-US"/>
-                    </a:p>
-                  </a:txBody>
-                  <a:tcPr/>
-                </a:tc>
-                <a:tc>
-                  <a:txBody>
-                    <a:bodyPr/>
-                    <a:lstStyle/>
                     <a:p>
                       <a:pPr marL="0" marR="0" lvl="0" indent="0" algn="l" defTabSz="457200" rtl="0" eaLnBrk="1" fontAlgn="auto" latinLnBrk="0" hangingPunct="1">
                         <a:lnSpc>
@@ -7867,100 +7875,30 @@
                       </a:pPr>
                       <a:r>
                         <a:rPr lang="en-US" dirty="0"/>
-                        <a:t>Top 5 Total Medal Countries in 5 years</a:t>
+                        <a:t>Summer Medals by age</a:t>
                       </a:r>
                     </a:p>
-                  </a:txBody>
-                  <a:tcPr/>
-                </a:tc>
-                <a:extLst>
-                  <a:ext uri="{0D108BD9-81ED-4DB2-BD59-A6C34878D82A}">
-                    <a16:rowId xmlns:a16="http://schemas.microsoft.com/office/drawing/2014/main" val="3657122489"/>
-                  </a:ext>
-                </a:extLst>
-              </a:tr>
-              <a:tr h="369777">
-                <a:tc>
-                  <a:txBody>
-                    <a:bodyPr/>
-                    <a:lstStyle/>
                     <a:p>
+                      <a:pPr marL="0" marR="0" lvl="0" indent="0" algn="l" defTabSz="457200" rtl="0" eaLnBrk="1" fontAlgn="auto" latinLnBrk="0" hangingPunct="1">
+                        <a:lnSpc>
+                          <a:spcPct val="100000"/>
+                        </a:lnSpc>
+                        <a:spcBef>
+                          <a:spcPts val="0"/>
+                        </a:spcBef>
+                        <a:spcAft>
+                          <a:spcPts val="0"/>
+                        </a:spcAft>
+                        <a:buClrTx/>
+                        <a:buSzTx/>
+                        <a:buFontTx/>
+                        <a:buNone/>
+                        <a:tabLst/>
+                        <a:defRPr/>
+                      </a:pPr>
                       <a:r>
                         <a:rPr lang="en-US" dirty="0"/>
-                        <a:t>Dashboard 3</a:t>
-                      </a:r>
-                    </a:p>
-                  </a:txBody>
-                  <a:tcPr/>
-                </a:tc>
-                <a:tc>
-                  <a:txBody>
-                    <a:bodyPr/>
-                    <a:lstStyle/>
-                    <a:p>
-                      <a:r>
-                        <a:rPr lang="en-US" dirty="0"/>
-                        <a:t>Medal Distribution across Team </a:t>
-                      </a:r>
-                    </a:p>
-                  </a:txBody>
-                  <a:tcPr/>
-                </a:tc>
-                <a:extLst>
-                  <a:ext uri="{0D108BD9-81ED-4DB2-BD59-A6C34878D82A}">
-                    <a16:rowId xmlns:a16="http://schemas.microsoft.com/office/drawing/2014/main" val="304758539"/>
-                  </a:ext>
-                </a:extLst>
-              </a:tr>
-              <a:tr h="369777">
-                <a:tc>
-                  <a:txBody>
-                    <a:bodyPr/>
-                    <a:lstStyle/>
-                    <a:p>
-                      <a:endParaRPr lang="en-US"/>
-                    </a:p>
-                  </a:txBody>
-                  <a:tcPr/>
-                </a:tc>
-                <a:tc>
-                  <a:txBody>
-                    <a:bodyPr/>
-                    <a:lstStyle/>
-                    <a:p>
-                      <a:r>
-                        <a:rPr lang="en-US" dirty="0"/>
-                        <a:t>Top 10 by Medal Count </a:t>
-                      </a:r>
-                    </a:p>
-                  </a:txBody>
-                  <a:tcPr/>
-                </a:tc>
-                <a:extLst>
-                  <a:ext uri="{0D108BD9-81ED-4DB2-BD59-A6C34878D82A}">
-                    <a16:rowId xmlns:a16="http://schemas.microsoft.com/office/drawing/2014/main" val="457817235"/>
-                  </a:ext>
-                </a:extLst>
-              </a:tr>
-              <a:tr h="369777">
-                <a:tc>
-                  <a:txBody>
-                    <a:bodyPr/>
-                    <a:lstStyle/>
-                    <a:p>
-                      <a:endParaRPr lang="en-US"/>
-                    </a:p>
-                  </a:txBody>
-                  <a:tcPr/>
-                </a:tc>
-                <a:tc>
-                  <a:txBody>
-                    <a:bodyPr/>
-                    <a:lstStyle/>
-                    <a:p>
-                      <a:r>
-                        <a:rPr lang="en-US" dirty="0"/>
-                        <a:t>Sports played in Cities </a:t>
+                        <a:t>Winter Medals by age </a:t>
                       </a:r>
                     </a:p>
                   </a:txBody>
@@ -7972,216 +7910,6 @@
                   </a:ext>
                 </a:extLst>
               </a:tr>
-              <a:tr h="369777">
-                <a:tc>
-                  <a:txBody>
-                    <a:bodyPr/>
-                    <a:lstStyle/>
-                    <a:p>
-                      <a:endParaRPr lang="en-US"/>
-                    </a:p>
-                  </a:txBody>
-                  <a:tcPr/>
-                </a:tc>
-                <a:tc>
-                  <a:txBody>
-                    <a:bodyPr/>
-                    <a:lstStyle/>
-                    <a:p>
-                      <a:r>
-                        <a:rPr lang="en-US" dirty="0"/>
-                        <a:t>Medal Distribution across Age Groups </a:t>
-                      </a:r>
-                    </a:p>
-                  </a:txBody>
-                  <a:tcPr/>
-                </a:tc>
-                <a:extLst>
-                  <a:ext uri="{0D108BD9-81ED-4DB2-BD59-A6C34878D82A}">
-                    <a16:rowId xmlns:a16="http://schemas.microsoft.com/office/drawing/2014/main" val="58964446"/>
-                  </a:ext>
-                </a:extLst>
-              </a:tr>
-              <a:tr h="369777">
-                <a:tc>
-                  <a:txBody>
-                    <a:bodyPr/>
-                    <a:lstStyle/>
-                    <a:p>
-                      <a:r>
-                        <a:rPr lang="en-US" dirty="0"/>
-                        <a:t>Dashboard 4</a:t>
-                      </a:r>
-                    </a:p>
-                  </a:txBody>
-                  <a:tcPr/>
-                </a:tc>
-                <a:tc>
-                  <a:txBody>
-                    <a:bodyPr/>
-                    <a:lstStyle/>
-                    <a:p>
-                      <a:r>
-                        <a:rPr lang="en-US" dirty="0"/>
-                        <a:t>Summer Male and Female count by age</a:t>
-                      </a:r>
-                    </a:p>
-                  </a:txBody>
-                  <a:tcPr/>
-                </a:tc>
-                <a:extLst>
-                  <a:ext uri="{0D108BD9-81ED-4DB2-BD59-A6C34878D82A}">
-                    <a16:rowId xmlns:a16="http://schemas.microsoft.com/office/drawing/2014/main" val="1226346764"/>
-                  </a:ext>
-                </a:extLst>
-              </a:tr>
-              <a:tr h="369777">
-                <a:tc>
-                  <a:txBody>
-                    <a:bodyPr/>
-                    <a:lstStyle/>
-                    <a:p>
-                      <a:endParaRPr lang="en-US"/>
-                    </a:p>
-                  </a:txBody>
-                  <a:tcPr/>
-                </a:tc>
-                <a:tc>
-                  <a:txBody>
-                    <a:bodyPr/>
-                    <a:lstStyle/>
-                    <a:p>
-                      <a:r>
-                        <a:rPr lang="en-US" dirty="0"/>
-                        <a:t>Winter Male and Female count by age</a:t>
-                      </a:r>
-                    </a:p>
-                  </a:txBody>
-                  <a:tcPr/>
-                </a:tc>
-                <a:extLst>
-                  <a:ext uri="{0D108BD9-81ED-4DB2-BD59-A6C34878D82A}">
-                    <a16:rowId xmlns:a16="http://schemas.microsoft.com/office/drawing/2014/main" val="1661512922"/>
-                  </a:ext>
-                </a:extLst>
-              </a:tr>
-              <a:tr h="369777">
-                <a:tc>
-                  <a:txBody>
-                    <a:bodyPr/>
-                    <a:lstStyle/>
-                    <a:p>
-                      <a:endParaRPr lang="en-US" dirty="0"/>
-                    </a:p>
-                  </a:txBody>
-                  <a:tcPr/>
-                </a:tc>
-                <a:tc>
-                  <a:txBody>
-                    <a:bodyPr/>
-                    <a:lstStyle/>
-                    <a:p>
-                      <a:r>
-                        <a:rPr lang="en-US" dirty="0"/>
-                        <a:t>Summer Medals by age</a:t>
-                      </a:r>
-                    </a:p>
-                  </a:txBody>
-                  <a:tcPr/>
-                </a:tc>
-                <a:extLst>
-                  <a:ext uri="{0D108BD9-81ED-4DB2-BD59-A6C34878D82A}">
-                    <a16:rowId xmlns:a16="http://schemas.microsoft.com/office/drawing/2014/main" val="66201171"/>
-                  </a:ext>
-                </a:extLst>
-              </a:tr>
-              <a:tr h="369777">
-                <a:tc>
-                  <a:txBody>
-                    <a:bodyPr/>
-                    <a:lstStyle/>
-                    <a:p>
-                      <a:endParaRPr lang="en-US" dirty="0"/>
-                    </a:p>
-                  </a:txBody>
-                  <a:tcPr/>
-                </a:tc>
-                <a:tc>
-                  <a:txBody>
-                    <a:bodyPr/>
-                    <a:lstStyle/>
-                    <a:p>
-                      <a:r>
-                        <a:rPr lang="en-US" dirty="0"/>
-                        <a:t>Winter Medals by age </a:t>
-                      </a:r>
-                    </a:p>
-                  </a:txBody>
-                  <a:tcPr/>
-                </a:tc>
-                <a:extLst>
-                  <a:ext uri="{0D108BD9-81ED-4DB2-BD59-A6C34878D82A}">
-                    <a16:rowId xmlns:a16="http://schemas.microsoft.com/office/drawing/2014/main" val="3549613599"/>
-                  </a:ext>
-                </a:extLst>
-              </a:tr>
-              <a:tr h="369777">
-                <a:tc>
-                  <a:txBody>
-                    <a:bodyPr/>
-                    <a:lstStyle/>
-                    <a:p>
-                      <a:r>
-                        <a:rPr lang="en-US" dirty="0"/>
-                        <a:t>Dashboard 5</a:t>
-                      </a:r>
-                    </a:p>
-                  </a:txBody>
-                  <a:tcPr/>
-                </a:tc>
-                <a:tc>
-                  <a:txBody>
-                    <a:bodyPr/>
-                    <a:lstStyle/>
-                    <a:p>
-                      <a:endParaRPr lang="en-US" dirty="0"/>
-                    </a:p>
-                  </a:txBody>
-                  <a:tcPr/>
-                </a:tc>
-                <a:extLst>
-                  <a:ext uri="{0D108BD9-81ED-4DB2-BD59-A6C34878D82A}">
-                    <a16:rowId xmlns:a16="http://schemas.microsoft.com/office/drawing/2014/main" val="9637298"/>
-                  </a:ext>
-                </a:extLst>
-              </a:tr>
-              <a:tr h="369777">
-                <a:tc>
-                  <a:txBody>
-                    <a:bodyPr/>
-                    <a:lstStyle/>
-                    <a:p>
-                      <a:endParaRPr lang="en-US" dirty="0"/>
-                    </a:p>
-                  </a:txBody>
-                  <a:tcPr/>
-                </a:tc>
-                <a:tc>
-                  <a:txBody>
-                    <a:bodyPr/>
-                    <a:lstStyle/>
-                    <a:p>
-                      <a:endParaRPr lang="en-US" dirty="0"/>
-                    </a:p>
-                  </a:txBody>
-                  <a:tcPr/>
-                </a:tc>
-                <a:extLst>
-                  <a:ext uri="{0D108BD9-81ED-4DB2-BD59-A6C34878D82A}">
-                    <a16:rowId xmlns:a16="http://schemas.microsoft.com/office/drawing/2014/main" val="2907586545"/>
-                  </a:ext>
-                </a:extLst>
-              </a:tr>
             </a:tbl>
           </a:graphicData>
         </a:graphic>
@@ -8190,86 +7918,6 @@
     <p:extLst>
       <p:ext uri="{BB962C8B-B14F-4D97-AF65-F5344CB8AC3E}">
         <p14:creationId xmlns:p14="http://schemas.microsoft.com/office/powerpoint/2010/main" val="1146570748"/>
-      </p:ext>
-    </p:extLst>
-  </p:cSld>
-  <p:clrMapOvr>
-    <a:masterClrMapping/>
-  </p:clrMapOvr>
-</p:sld>
-</file>
-
-<file path=ppt/slides/slide4.xml><?xml version="1.0" encoding="utf-8"?>
-<p:sld xmlns:a="http://schemas.openxmlformats.org/drawingml/2006/main" xmlns:r="http://schemas.openxmlformats.org/officeDocument/2006/relationships" xmlns:p="http://schemas.openxmlformats.org/presentationml/2006/main">
-  <p:cSld>
-    <p:spTree>
-      <p:nvGrpSpPr>
-        <p:cNvPr id="1" name=""/>
-        <p:cNvGrpSpPr/>
-        <p:nvPr/>
-      </p:nvGrpSpPr>
-      <p:grpSpPr>
-        <a:xfrm>
-          <a:off x="0" y="0"/>
-          <a:ext cx="0" cy="0"/>
-          <a:chOff x="0" y="0"/>
-          <a:chExt cx="0" cy="0"/>
-        </a:xfrm>
-      </p:grpSpPr>
-      <p:sp>
-        <p:nvSpPr>
-          <p:cNvPr id="2" name="Title 1">
-            <a:extLst>
-              <a:ext uri="{FF2B5EF4-FFF2-40B4-BE49-F238E27FC236}">
-                <a16:creationId xmlns:a16="http://schemas.microsoft.com/office/drawing/2014/main" id="{56651CCA-32E2-415D-84E8-4AAF38A7650F}"/>
-              </a:ext>
-            </a:extLst>
-          </p:cNvPr>
-          <p:cNvSpPr>
-            <a:spLocks noGrp="1"/>
-          </p:cNvSpPr>
-          <p:nvPr>
-            <p:ph type="title"/>
-          </p:nvPr>
-        </p:nvSpPr>
-        <p:spPr/>
-        <p:txBody>
-          <a:bodyPr/>
-          <a:lstStyle/>
-          <a:p>
-            <a:endParaRPr lang="en-US"/>
-          </a:p>
-        </p:txBody>
-      </p:sp>
-      <p:sp>
-        <p:nvSpPr>
-          <p:cNvPr id="3" name="Content Placeholder 2">
-            <a:extLst>
-              <a:ext uri="{FF2B5EF4-FFF2-40B4-BE49-F238E27FC236}">
-                <a16:creationId xmlns:a16="http://schemas.microsoft.com/office/drawing/2014/main" id="{161350C3-5630-43D1-8518-97AA41CF19D3}"/>
-              </a:ext>
-            </a:extLst>
-          </p:cNvPr>
-          <p:cNvSpPr>
-            <a:spLocks noGrp="1"/>
-          </p:cNvSpPr>
-          <p:nvPr>
-            <p:ph idx="1"/>
-          </p:nvPr>
-        </p:nvSpPr>
-        <p:spPr/>
-        <p:txBody>
-          <a:bodyPr/>
-          <a:lstStyle/>
-          <a:p>
-            <a:endParaRPr lang="en-US"/>
-          </a:p>
-        </p:txBody>
-      </p:sp>
-    </p:spTree>
-    <p:extLst>
-      <p:ext uri="{BB962C8B-B14F-4D97-AF65-F5344CB8AC3E}">
-        <p14:creationId xmlns:p14="http://schemas.microsoft.com/office/powerpoint/2010/main" val="3001300249"/>
       </p:ext>
     </p:extLst>
   </p:cSld>
@@ -8296,60 +7944,46 @@
           <a:chExt cx="0" cy="0"/>
         </a:xfrm>
       </p:grpSpPr>
-      <p:sp>
-        <p:nvSpPr>
-          <p:cNvPr id="2" name="Title 1">
+      <p:pic>
+        <p:nvPicPr>
+          <p:cNvPr id="8" name="slide8" descr="Olympic data-Medal Distribution 1">
             <a:extLst>
               <a:ext uri="{FF2B5EF4-FFF2-40B4-BE49-F238E27FC236}">
-                <a16:creationId xmlns:a16="http://schemas.microsoft.com/office/drawing/2014/main" id="{7AF1DAA8-42A6-43AD-AFB9-F49C8B0D59B2}"/>
+                <a16:creationId xmlns:a16="http://schemas.microsoft.com/office/drawing/2014/main" id="{3B188BF1-7CB1-4E5F-8CA4-8E67EEE41997}"/>
               </a:ext>
             </a:extLst>
           </p:cNvPr>
-          <p:cNvSpPr>
-            <a:spLocks noGrp="1"/>
-          </p:cNvSpPr>
-          <p:nvPr>
-            <p:ph type="title"/>
-          </p:nvPr>
-        </p:nvSpPr>
-        <p:spPr/>
-        <p:txBody>
-          <a:bodyPr/>
-          <a:lstStyle/>
-          <a:p>
-            <a:endParaRPr lang="en-US"/>
-          </a:p>
-        </p:txBody>
-      </p:sp>
-      <p:sp>
-        <p:nvSpPr>
-          <p:cNvPr id="3" name="Content Placeholder 2">
+          <p:cNvPicPr>
+            <a:picLocks noChangeAspect="1"/>
+          </p:cNvPicPr>
+          <p:nvPr/>
+        </p:nvPicPr>
+        <p:blipFill>
+          <a:blip r:embed="rId2">
             <a:extLst>
-              <a:ext uri="{FF2B5EF4-FFF2-40B4-BE49-F238E27FC236}">
-                <a16:creationId xmlns:a16="http://schemas.microsoft.com/office/drawing/2014/main" id="{35745692-CFA4-467A-AF96-85E6B732CBC2}"/>
+              <a:ext uri="{28A0092B-C50C-407E-A947-70E740481C1C}">
+                <a14:useLocalDpi xmlns:a14="http://schemas.microsoft.com/office/drawing/2010/main" val="0"/>
               </a:ext>
             </a:extLst>
-          </p:cNvPr>
-          <p:cNvSpPr>
-            <a:spLocks noGrp="1"/>
-          </p:cNvSpPr>
-          <p:nvPr>
-            <p:ph idx="1"/>
-          </p:nvPr>
-        </p:nvSpPr>
-        <p:spPr/>
-        <p:txBody>
-          <a:bodyPr/>
-          <a:lstStyle/>
-          <a:p>
-            <a:endParaRPr lang="en-US"/>
-          </a:p>
-        </p:txBody>
-      </p:sp>
+          </a:blip>
+          <a:stretch>
+            <a:fillRect/>
+          </a:stretch>
+        </p:blipFill>
+        <p:spPr>
+          <a:xfrm>
+            <a:off x="1809750" y="0"/>
+            <a:ext cx="8572500" cy="6858000"/>
+          </a:xfrm>
+          <a:prstGeom prst="rect">
+            <a:avLst/>
+          </a:prstGeom>
+        </p:spPr>
+      </p:pic>
     </p:spTree>
     <p:extLst>
       <p:ext uri="{BB962C8B-B14F-4D97-AF65-F5344CB8AC3E}">
-        <p14:creationId xmlns:p14="http://schemas.microsoft.com/office/powerpoint/2010/main" val="343973254"/>
+        <p14:creationId xmlns:p14="http://schemas.microsoft.com/office/powerpoint/2010/main" val="1040483382"/>
       </p:ext>
     </p:extLst>
   </p:cSld>
@@ -8376,60 +8010,46 @@
           <a:chExt cx="0" cy="0"/>
         </a:xfrm>
       </p:grpSpPr>
-      <p:sp>
-        <p:nvSpPr>
-          <p:cNvPr id="2" name="Title 1">
+      <p:pic>
+        <p:nvPicPr>
+          <p:cNvPr id="9" name="slide9" descr="Olympicdata-Treemap">
             <a:extLst>
               <a:ext uri="{FF2B5EF4-FFF2-40B4-BE49-F238E27FC236}">
-                <a16:creationId xmlns:a16="http://schemas.microsoft.com/office/drawing/2014/main" id="{35CED7F6-47EB-46DB-ABB7-9F9FC00A235A}"/>
+                <a16:creationId xmlns:a16="http://schemas.microsoft.com/office/drawing/2014/main" id="{D0C408F9-A52E-4CDA-A1CB-15A17B23022E}"/>
               </a:ext>
             </a:extLst>
           </p:cNvPr>
-          <p:cNvSpPr>
-            <a:spLocks noGrp="1"/>
-          </p:cNvSpPr>
-          <p:nvPr>
-            <p:ph type="title"/>
-          </p:nvPr>
-        </p:nvSpPr>
-        <p:spPr/>
-        <p:txBody>
-          <a:bodyPr/>
-          <a:lstStyle/>
-          <a:p>
-            <a:endParaRPr lang="en-US"/>
-          </a:p>
-        </p:txBody>
-      </p:sp>
-      <p:sp>
-        <p:nvSpPr>
-          <p:cNvPr id="3" name="Content Placeholder 2">
+          <p:cNvPicPr>
+            <a:picLocks noChangeAspect="1"/>
+          </p:cNvPicPr>
+          <p:nvPr/>
+        </p:nvPicPr>
+        <p:blipFill>
+          <a:blip r:embed="rId2">
             <a:extLst>
-              <a:ext uri="{FF2B5EF4-FFF2-40B4-BE49-F238E27FC236}">
-                <a16:creationId xmlns:a16="http://schemas.microsoft.com/office/drawing/2014/main" id="{BA7E6EE6-FD36-4D42-B242-1286F1601FF1}"/>
+              <a:ext uri="{28A0092B-C50C-407E-A947-70E740481C1C}">
+                <a14:useLocalDpi xmlns:a14="http://schemas.microsoft.com/office/drawing/2010/main" val="0"/>
               </a:ext>
             </a:extLst>
-          </p:cNvPr>
-          <p:cNvSpPr>
-            <a:spLocks noGrp="1"/>
-          </p:cNvSpPr>
-          <p:nvPr>
-            <p:ph idx="1"/>
-          </p:nvPr>
-        </p:nvSpPr>
-        <p:spPr/>
-        <p:txBody>
-          <a:bodyPr/>
-          <a:lstStyle/>
-          <a:p>
-            <a:endParaRPr lang="en-US"/>
-          </a:p>
-        </p:txBody>
-      </p:sp>
+          </a:blip>
+          <a:stretch>
+            <a:fillRect/>
+          </a:stretch>
+        </p:blipFill>
+        <p:spPr>
+          <a:xfrm>
+            <a:off x="1809750" y="0"/>
+            <a:ext cx="8572500" cy="6858000"/>
+          </a:xfrm>
+          <a:prstGeom prst="rect">
+            <a:avLst/>
+          </a:prstGeom>
+        </p:spPr>
+      </p:pic>
     </p:spTree>
     <p:extLst>
       <p:ext uri="{BB962C8B-B14F-4D97-AF65-F5344CB8AC3E}">
-        <p14:creationId xmlns:p14="http://schemas.microsoft.com/office/powerpoint/2010/main" val="3931131457"/>
+        <p14:creationId xmlns:p14="http://schemas.microsoft.com/office/powerpoint/2010/main" val="1134707729"/>
       </p:ext>
     </p:extLst>
   </p:cSld>
@@ -8456,60 +8076,46 @@
           <a:chExt cx="0" cy="0"/>
         </a:xfrm>
       </p:grpSpPr>
-      <p:sp>
-        <p:nvSpPr>
-          <p:cNvPr id="2" name="Title 1">
+      <p:pic>
+        <p:nvPicPr>
+          <p:cNvPr id="10" name="slide10" descr="Olympicdata-Medals across Map">
             <a:extLst>
               <a:ext uri="{FF2B5EF4-FFF2-40B4-BE49-F238E27FC236}">
-                <a16:creationId xmlns:a16="http://schemas.microsoft.com/office/drawing/2014/main" id="{D8D6CA37-2F9E-47D6-B7B8-D610BCB33703}"/>
+                <a16:creationId xmlns:a16="http://schemas.microsoft.com/office/drawing/2014/main" id="{83F8A73B-79E1-48D1-B0F3-88BB703811C5}"/>
               </a:ext>
             </a:extLst>
           </p:cNvPr>
-          <p:cNvSpPr>
-            <a:spLocks noGrp="1"/>
-          </p:cNvSpPr>
-          <p:nvPr>
-            <p:ph type="title"/>
-          </p:nvPr>
-        </p:nvSpPr>
-        <p:spPr/>
-        <p:txBody>
-          <a:bodyPr/>
-          <a:lstStyle/>
-          <a:p>
-            <a:endParaRPr lang="en-US"/>
-          </a:p>
-        </p:txBody>
-      </p:sp>
-      <p:sp>
-        <p:nvSpPr>
-          <p:cNvPr id="3" name="Content Placeholder 2">
+          <p:cNvPicPr>
+            <a:picLocks noChangeAspect="1"/>
+          </p:cNvPicPr>
+          <p:nvPr/>
+        </p:nvPicPr>
+        <p:blipFill>
+          <a:blip r:embed="rId2">
             <a:extLst>
-              <a:ext uri="{FF2B5EF4-FFF2-40B4-BE49-F238E27FC236}">
-                <a16:creationId xmlns:a16="http://schemas.microsoft.com/office/drawing/2014/main" id="{ED688740-D8A0-4B49-81DE-BF5D4FE180E8}"/>
+              <a:ext uri="{28A0092B-C50C-407E-A947-70E740481C1C}">
+                <a14:useLocalDpi xmlns:a14="http://schemas.microsoft.com/office/drawing/2010/main" val="0"/>
               </a:ext>
             </a:extLst>
-          </p:cNvPr>
-          <p:cNvSpPr>
-            <a:spLocks noGrp="1"/>
-          </p:cNvSpPr>
-          <p:nvPr>
-            <p:ph idx="1"/>
-          </p:nvPr>
-        </p:nvSpPr>
-        <p:spPr/>
-        <p:txBody>
-          <a:bodyPr/>
-          <a:lstStyle/>
-          <a:p>
-            <a:endParaRPr lang="en-US"/>
-          </a:p>
-        </p:txBody>
-      </p:sp>
+          </a:blip>
+          <a:stretch>
+            <a:fillRect/>
+          </a:stretch>
+        </p:blipFill>
+        <p:spPr>
+          <a:xfrm>
+            <a:off x="1809750" y="0"/>
+            <a:ext cx="8572500" cy="6858000"/>
+          </a:xfrm>
+          <a:prstGeom prst="rect">
+            <a:avLst/>
+          </a:prstGeom>
+        </p:spPr>
+      </p:pic>
     </p:spTree>
     <p:extLst>
       <p:ext uri="{BB962C8B-B14F-4D97-AF65-F5344CB8AC3E}">
-        <p14:creationId xmlns:p14="http://schemas.microsoft.com/office/powerpoint/2010/main" val="1781643139"/>
+        <p14:creationId xmlns:p14="http://schemas.microsoft.com/office/powerpoint/2010/main" val="852140009"/>
       </p:ext>
     </p:extLst>
   </p:cSld>
@@ -8536,60 +8142,46 @@
           <a:chExt cx="0" cy="0"/>
         </a:xfrm>
       </p:grpSpPr>
-      <p:sp>
-        <p:nvSpPr>
-          <p:cNvPr id="2" name="Title 1">
+      <p:pic>
+        <p:nvPicPr>
+          <p:cNvPr id="11" name="slide11" descr="Olympic data-Medal distribution2">
             <a:extLst>
               <a:ext uri="{FF2B5EF4-FFF2-40B4-BE49-F238E27FC236}">
-                <a16:creationId xmlns:a16="http://schemas.microsoft.com/office/drawing/2014/main" id="{4B18F8E9-57A9-4835-A8BD-8A6F98D0F110}"/>
+                <a16:creationId xmlns:a16="http://schemas.microsoft.com/office/drawing/2014/main" id="{A5A77C56-D9F6-45DA-B48D-DFFE3D673481}"/>
               </a:ext>
             </a:extLst>
           </p:cNvPr>
-          <p:cNvSpPr>
-            <a:spLocks noGrp="1"/>
-          </p:cNvSpPr>
-          <p:nvPr>
-            <p:ph type="title"/>
-          </p:nvPr>
-        </p:nvSpPr>
-        <p:spPr/>
-        <p:txBody>
-          <a:bodyPr/>
-          <a:lstStyle/>
-          <a:p>
-            <a:endParaRPr lang="en-US"/>
-          </a:p>
-        </p:txBody>
-      </p:sp>
-      <p:sp>
-        <p:nvSpPr>
-          <p:cNvPr id="3" name="Content Placeholder 2">
+          <p:cNvPicPr>
+            <a:picLocks noChangeAspect="1"/>
+          </p:cNvPicPr>
+          <p:nvPr/>
+        </p:nvPicPr>
+        <p:blipFill>
+          <a:blip r:embed="rId2">
             <a:extLst>
-              <a:ext uri="{FF2B5EF4-FFF2-40B4-BE49-F238E27FC236}">
-                <a16:creationId xmlns:a16="http://schemas.microsoft.com/office/drawing/2014/main" id="{94C424D3-288D-4AFE-A7F9-4992A9B15617}"/>
+              <a:ext uri="{28A0092B-C50C-407E-A947-70E740481C1C}">
+                <a14:useLocalDpi xmlns:a14="http://schemas.microsoft.com/office/drawing/2010/main" val="0"/>
               </a:ext>
             </a:extLst>
-          </p:cNvPr>
-          <p:cNvSpPr>
-            <a:spLocks noGrp="1"/>
-          </p:cNvSpPr>
-          <p:nvPr>
-            <p:ph idx="1"/>
-          </p:nvPr>
-        </p:nvSpPr>
-        <p:spPr/>
-        <p:txBody>
-          <a:bodyPr/>
-          <a:lstStyle/>
-          <a:p>
-            <a:endParaRPr lang="en-US"/>
-          </a:p>
-        </p:txBody>
-      </p:sp>
+          </a:blip>
+          <a:stretch>
+            <a:fillRect/>
+          </a:stretch>
+        </p:blipFill>
+        <p:spPr>
+          <a:xfrm>
+            <a:off x="1524000" y="0"/>
+            <a:ext cx="9144000" cy="6858000"/>
+          </a:xfrm>
+          <a:prstGeom prst="rect">
+            <a:avLst/>
+          </a:prstGeom>
+        </p:spPr>
+      </p:pic>
     </p:spTree>
     <p:extLst>
       <p:ext uri="{BB962C8B-B14F-4D97-AF65-F5344CB8AC3E}">
-        <p14:creationId xmlns:p14="http://schemas.microsoft.com/office/powerpoint/2010/main" val="2930763159"/>
+        <p14:creationId xmlns:p14="http://schemas.microsoft.com/office/powerpoint/2010/main" val="2015132026"/>
       </p:ext>
     </p:extLst>
   </p:cSld>
@@ -8616,60 +8208,46 @@
           <a:chExt cx="0" cy="0"/>
         </a:xfrm>
       </p:grpSpPr>
-      <p:sp>
-        <p:nvSpPr>
-          <p:cNvPr id="2" name="Title 1">
+      <p:pic>
+        <p:nvPicPr>
+          <p:cNvPr id="12" name="slide12" descr="Olympic data-Medal distribution 3">
             <a:extLst>
               <a:ext uri="{FF2B5EF4-FFF2-40B4-BE49-F238E27FC236}">
-                <a16:creationId xmlns:a16="http://schemas.microsoft.com/office/drawing/2014/main" id="{9E9294CA-29D0-47EE-9A4C-E949B5194D99}"/>
+                <a16:creationId xmlns:a16="http://schemas.microsoft.com/office/drawing/2014/main" id="{227872C9-4390-49B2-9EE9-A465B9A68920}"/>
               </a:ext>
             </a:extLst>
           </p:cNvPr>
-          <p:cNvSpPr>
-            <a:spLocks noGrp="1"/>
-          </p:cNvSpPr>
-          <p:nvPr>
-            <p:ph type="title"/>
-          </p:nvPr>
-        </p:nvSpPr>
-        <p:spPr/>
-        <p:txBody>
-          <a:bodyPr/>
-          <a:lstStyle/>
-          <a:p>
-            <a:endParaRPr lang="en-US"/>
-          </a:p>
-        </p:txBody>
-      </p:sp>
-      <p:sp>
-        <p:nvSpPr>
-          <p:cNvPr id="3" name="Content Placeholder 2">
+          <p:cNvPicPr>
+            <a:picLocks noChangeAspect="1"/>
+          </p:cNvPicPr>
+          <p:nvPr/>
+        </p:nvPicPr>
+        <p:blipFill>
+          <a:blip r:embed="rId2">
             <a:extLst>
-              <a:ext uri="{FF2B5EF4-FFF2-40B4-BE49-F238E27FC236}">
-                <a16:creationId xmlns:a16="http://schemas.microsoft.com/office/drawing/2014/main" id="{84692BF2-76D6-4A4E-8E29-F06C17CB2F4A}"/>
+              <a:ext uri="{28A0092B-C50C-407E-A947-70E740481C1C}">
+                <a14:useLocalDpi xmlns:a14="http://schemas.microsoft.com/office/drawing/2010/main" val="0"/>
               </a:ext>
             </a:extLst>
-          </p:cNvPr>
-          <p:cNvSpPr>
-            <a:spLocks noGrp="1"/>
-          </p:cNvSpPr>
-          <p:nvPr>
-            <p:ph idx="1"/>
-          </p:nvPr>
-        </p:nvSpPr>
-        <p:spPr/>
-        <p:txBody>
-          <a:bodyPr/>
-          <a:lstStyle/>
-          <a:p>
-            <a:endParaRPr lang="en-US"/>
-          </a:p>
-        </p:txBody>
-      </p:sp>
+          </a:blip>
+          <a:stretch>
+            <a:fillRect/>
+          </a:stretch>
+        </p:blipFill>
+        <p:spPr>
+          <a:xfrm>
+            <a:off x="1809750" y="0"/>
+            <a:ext cx="8572500" cy="6858000"/>
+          </a:xfrm>
+          <a:prstGeom prst="rect">
+            <a:avLst/>
+          </a:prstGeom>
+        </p:spPr>
+      </p:pic>
     </p:spTree>
     <p:extLst>
       <p:ext uri="{BB962C8B-B14F-4D97-AF65-F5344CB8AC3E}">
-        <p14:creationId xmlns:p14="http://schemas.microsoft.com/office/powerpoint/2010/main" val="4208586446"/>
+        <p14:creationId xmlns:p14="http://schemas.microsoft.com/office/powerpoint/2010/main" val="3029949864"/>
       </p:ext>
     </p:extLst>
   </p:cSld>
@@ -8696,28 +8274,28 @@
         <a:srgbClr val="DADADA"/>
       </a:lt2>
       <a:accent1>
-        <a:srgbClr val="83992A"/>
+        <a:srgbClr val="B15E28"/>
       </a:accent1>
       <a:accent2>
-        <a:srgbClr val="3C9770"/>
+        <a:srgbClr val="B13228"/>
       </a:accent2>
       <a:accent3>
-        <a:srgbClr val="44709D"/>
+        <a:srgbClr val="8B7B56"/>
       </a:accent3>
       <a:accent4>
-        <a:srgbClr val="A23C33"/>
+        <a:srgbClr val="E09C41"/>
       </a:accent4>
       <a:accent5>
-        <a:srgbClr val="D97828"/>
+        <a:srgbClr val="9EAE51"/>
       </a:accent5>
       <a:accent6>
-        <a:srgbClr val="DEB340"/>
+        <a:srgbClr val="6E7355"/>
       </a:accent6>
       <a:hlink>
-        <a:srgbClr val="A8BF4D"/>
+        <a:srgbClr val="D37A21"/>
       </a:hlink>
       <a:folHlink>
-        <a:srgbClr val="B4CA80"/>
+        <a:srgbClr val="CA8F55"/>
       </a:folHlink>
     </a:clrScheme>
     <a:fontScheme name="Organic">
@@ -8906,7 +8484,7 @@
   <a:extraClrSchemeLst/>
   <a:extLst>
     <a:ext uri="{05A4C25C-085E-4340-85A3-A5531E510DB2}">
-      <thm15:themeFamily xmlns:thm15="http://schemas.microsoft.com/office/thememl/2012/main" name="Organic" id="{28CDC826-8792-45C0-861B-85EB3ADEDA33}" vid="{7DAC20F1-423D-49E2-BD0B-50532748BAD0}"/>
+      <thm15:themeFamily xmlns:thm15="http://schemas.microsoft.com/office/thememl/2012/main" name="Organic" id="{28CDC826-8792-45C0-861B-85EB3ADEDA33}" vid="{7039A4B3-0617-4CFC-B614-27363ECC28AC}"/>
     </a:ext>
   </a:extLst>
 </a:theme>

--- a/Presentation.pptx
+++ b/Presentation.pptx
@@ -16,14 +16,11 @@
     <p:sldId id="317" r:id="rId10"/>
     <p:sldId id="312" r:id="rId11"/>
     <p:sldId id="289" r:id="rId12"/>
-    <p:sldId id="257" r:id="rId13"/>
-    <p:sldId id="258" r:id="rId14"/>
-    <p:sldId id="259" r:id="rId15"/>
-    <p:sldId id="260" r:id="rId16"/>
-    <p:sldId id="261" r:id="rId17"/>
-    <p:sldId id="262" r:id="rId18"/>
-    <p:sldId id="318" r:id="rId19"/>
-    <p:sldId id="314" r:id="rId20"/>
+    <p:sldId id="319" r:id="rId13"/>
+    <p:sldId id="320" r:id="rId14"/>
+    <p:sldId id="321" r:id="rId15"/>
+    <p:sldId id="318" r:id="rId16"/>
+    <p:sldId id="314" r:id="rId17"/>
   </p:sldIdLst>
   <p:sldSz cx="12192000" cy="6858000"/>
   <p:notesSz cx="6858000" cy="9144000"/>
@@ -461,7 +458,7 @@
           <a:p>
             <a:fld id="{EED1C14C-A143-42F5-B247-D0E800131009}" type="datetimeFigureOut">
               <a:rPr lang="en-US" smtClean="0"/>
-              <a:t>7/23/2020</a:t>
+              <a:t>7/24/2020</a:t>
             </a:fld>
             <a:endParaRPr lang="en-US"/>
           </a:p>
@@ -785,7 +782,7 @@
           <a:p>
             <a:fld id="{EED1C14C-A143-42F5-B247-D0E800131009}" type="datetimeFigureOut">
               <a:rPr lang="en-US" smtClean="0"/>
-              <a:t>7/23/2020</a:t>
+              <a:t>7/24/2020</a:t>
             </a:fld>
             <a:endParaRPr lang="en-US"/>
           </a:p>
@@ -1033,7 +1030,7 @@
           <a:p>
             <a:fld id="{EED1C14C-A143-42F5-B247-D0E800131009}" type="datetimeFigureOut">
               <a:rPr lang="en-US" smtClean="0"/>
-              <a:t>7/23/2020</a:t>
+              <a:t>7/24/2020</a:t>
             </a:fld>
             <a:endParaRPr lang="en-US"/>
           </a:p>
@@ -1372,7 +1369,7 @@
           <a:p>
             <a:fld id="{EED1C14C-A143-42F5-B247-D0E800131009}" type="datetimeFigureOut">
               <a:rPr lang="en-US" smtClean="0"/>
-              <a:t>7/23/2020</a:t>
+              <a:t>7/24/2020</a:t>
             </a:fld>
             <a:endParaRPr lang="en-US"/>
           </a:p>
@@ -1719,7 +1716,7 @@
           <a:p>
             <a:fld id="{EED1C14C-A143-42F5-B247-D0E800131009}" type="datetimeFigureOut">
               <a:rPr lang="en-US" smtClean="0"/>
-              <a:t>7/23/2020</a:t>
+              <a:t>7/24/2020</a:t>
             </a:fld>
             <a:endParaRPr lang="en-US"/>
           </a:p>
@@ -2093,7 +2090,7 @@
           <a:p>
             <a:fld id="{EED1C14C-A143-42F5-B247-D0E800131009}" type="datetimeFigureOut">
               <a:rPr lang="en-US" smtClean="0"/>
-              <a:t>7/23/2020</a:t>
+              <a:t>7/24/2020</a:t>
             </a:fld>
             <a:endParaRPr lang="en-US"/>
           </a:p>
@@ -2563,7 +2560,7 @@
           <a:p>
             <a:fld id="{EED1C14C-A143-42F5-B247-D0E800131009}" type="datetimeFigureOut">
               <a:rPr lang="en-US" smtClean="0"/>
-              <a:t>7/23/2020</a:t>
+              <a:t>7/24/2020</a:t>
             </a:fld>
             <a:endParaRPr lang="en-US"/>
           </a:p>
@@ -2768,7 +2765,7 @@
           <a:p>
             <a:fld id="{EED1C14C-A143-42F5-B247-D0E800131009}" type="datetimeFigureOut">
               <a:rPr lang="en-US" smtClean="0"/>
-              <a:t>7/23/2020</a:t>
+              <a:t>7/24/2020</a:t>
             </a:fld>
             <a:endParaRPr lang="en-US"/>
           </a:p>
@@ -2979,7 +2976,7 @@
           <a:p>
             <a:fld id="{EED1C14C-A143-42F5-B247-D0E800131009}" type="datetimeFigureOut">
               <a:rPr lang="en-US" smtClean="0"/>
-              <a:t>7/23/2020</a:t>
+              <a:t>7/24/2020</a:t>
             </a:fld>
             <a:endParaRPr lang="en-US"/>
           </a:p>
@@ -3211,7 +3208,7 @@
           <a:p>
             <a:fld id="{EED1C14C-A143-42F5-B247-D0E800131009}" type="datetimeFigureOut">
               <a:rPr lang="en-US" smtClean="0"/>
-              <a:t>7/23/2020</a:t>
+              <a:t>7/24/2020</a:t>
             </a:fld>
             <a:endParaRPr lang="en-US"/>
           </a:p>
@@ -3459,7 +3456,7 @@
           <a:p>
             <a:fld id="{EED1C14C-A143-42F5-B247-D0E800131009}" type="datetimeFigureOut">
               <a:rPr lang="en-US" smtClean="0"/>
-              <a:t>7/23/2020</a:t>
+              <a:t>7/24/2020</a:t>
             </a:fld>
             <a:endParaRPr lang="en-US"/>
           </a:p>
@@ -3726,7 +3723,7 @@
           <a:p>
             <a:fld id="{EED1C14C-A143-42F5-B247-D0E800131009}" type="datetimeFigureOut">
               <a:rPr lang="en-US" smtClean="0"/>
-              <a:t>7/23/2020</a:t>
+              <a:t>7/24/2020</a:t>
             </a:fld>
             <a:endParaRPr lang="en-US"/>
           </a:p>
@@ -4139,7 +4136,7 @@
           <a:p>
             <a:fld id="{EED1C14C-A143-42F5-B247-D0E800131009}" type="datetimeFigureOut">
               <a:rPr lang="en-US" smtClean="0"/>
-              <a:t>7/23/2020</a:t>
+              <a:t>7/24/2020</a:t>
             </a:fld>
             <a:endParaRPr lang="en-US"/>
           </a:p>
@@ -4288,7 +4285,7 @@
           <a:p>
             <a:fld id="{EED1C14C-A143-42F5-B247-D0E800131009}" type="datetimeFigureOut">
               <a:rPr lang="en-US" smtClean="0"/>
-              <a:t>7/23/2020</a:t>
+              <a:t>7/24/2020</a:t>
             </a:fld>
             <a:endParaRPr lang="en-US"/>
           </a:p>
@@ -4414,7 +4411,7 @@
           <a:p>
             <a:fld id="{EED1C14C-A143-42F5-B247-D0E800131009}" type="datetimeFigureOut">
               <a:rPr lang="en-US" smtClean="0"/>
-              <a:t>7/23/2020</a:t>
+              <a:t>7/24/2020</a:t>
             </a:fld>
             <a:endParaRPr lang="en-US"/>
           </a:p>
@@ -4669,7 +4666,7 @@
           <a:p>
             <a:fld id="{EED1C14C-A143-42F5-B247-D0E800131009}" type="datetimeFigureOut">
               <a:rPr lang="en-US" smtClean="0"/>
-              <a:t>7/23/2020</a:t>
+              <a:t>7/24/2020</a:t>
             </a:fld>
             <a:endParaRPr lang="en-US"/>
           </a:p>
@@ -4984,7 +4981,7 @@
           <a:p>
             <a:fld id="{EED1C14C-A143-42F5-B247-D0E800131009}" type="datetimeFigureOut">
               <a:rPr lang="en-US" smtClean="0"/>
-              <a:t>7/23/2020</a:t>
+              <a:t>7/24/2020</a:t>
             </a:fld>
             <a:endParaRPr lang="en-US"/>
           </a:p>
@@ -5335,7 +5332,7 @@
           <a:p>
             <a:fld id="{EED1C14C-A143-42F5-B247-D0E800131009}" type="datetimeFigureOut">
               <a:rPr lang="en-US" smtClean="0"/>
-              <a:t>7/23/2020</a:t>
+              <a:t>7/24/2020</a:t>
             </a:fld>
             <a:endParaRPr lang="en-US"/>
           </a:p>
@@ -6120,19 +6117,54 @@
           <a:chExt cx="0" cy="0"/>
         </a:xfrm>
       </p:grpSpPr>
+      <p:sp>
+        <p:nvSpPr>
+          <p:cNvPr id="4" name="Title 3">
+            <a:extLst>
+              <a:ext uri="{FF2B5EF4-FFF2-40B4-BE49-F238E27FC236}">
+                <a16:creationId xmlns:a16="http://schemas.microsoft.com/office/drawing/2014/main" id="{481E71B2-DBA3-4ABF-BB04-A5B99AA1A168}"/>
+              </a:ext>
+            </a:extLst>
+          </p:cNvPr>
+          <p:cNvSpPr>
+            <a:spLocks noGrp="1"/>
+          </p:cNvSpPr>
+          <p:nvPr>
+            <p:ph type="title"/>
+          </p:nvPr>
+        </p:nvSpPr>
+        <p:spPr>
+          <a:xfrm>
+            <a:off x="1295402" y="982133"/>
+            <a:ext cx="9601196" cy="1095024"/>
+          </a:xfrm>
+        </p:spPr>
+        <p:txBody>
+          <a:bodyPr/>
+          <a:lstStyle/>
+          <a:p>
+            <a:r>
+              <a:rPr lang="en-US" dirty="0"/>
+              <a:t>Olympics[2000-2016]</a:t>
+            </a:r>
+          </a:p>
+        </p:txBody>
+      </p:sp>
       <p:pic>
         <p:nvPicPr>
-          <p:cNvPr id="2" name="slide2" descr="Olympics Story6">
+          <p:cNvPr id="8" name="Content Placeholder 7">
             <a:extLst>
               <a:ext uri="{FF2B5EF4-FFF2-40B4-BE49-F238E27FC236}">
-                <a16:creationId xmlns:a16="http://schemas.microsoft.com/office/drawing/2014/main" id="{815D7E42-168C-4A60-8D5A-176804C068B1}"/>
+                <a16:creationId xmlns:a16="http://schemas.microsoft.com/office/drawing/2014/main" id="{D88B2259-0E18-4A06-9525-F7BA0E5E5D02}"/>
               </a:ext>
             </a:extLst>
           </p:cNvPr>
           <p:cNvPicPr>
-            <a:picLocks noChangeAspect="1"/>
+            <a:picLocks noGrp="1" noChangeAspect="1"/>
           </p:cNvPicPr>
-          <p:nvPr/>
+          <p:nvPr>
+            <p:ph sz="half" idx="1"/>
+          </p:nvPr>
         </p:nvPicPr>
         <p:blipFill>
           <a:blip r:embed="rId2">
@@ -6148,18 +6180,50 @@
         </p:blipFill>
         <p:spPr>
           <a:xfrm>
-            <a:off x="2482033" y="0"/>
-            <a:ext cx="7227934" cy="6858000"/>
+            <a:off x="1914305" y="2560638"/>
+            <a:ext cx="3486590" cy="3309937"/>
           </a:xfrm>
-          <a:prstGeom prst="rect">
-            <a:avLst/>
-          </a:prstGeom>
+        </p:spPr>
+      </p:pic>
+      <p:pic>
+        <p:nvPicPr>
+          <p:cNvPr id="10" name="Content Placeholder 9">
+            <a:extLst>
+              <a:ext uri="{FF2B5EF4-FFF2-40B4-BE49-F238E27FC236}">
+                <a16:creationId xmlns:a16="http://schemas.microsoft.com/office/drawing/2014/main" id="{AABEBFCD-8ACB-43CE-BEF4-84E5F0611EB3}"/>
+              </a:ext>
+            </a:extLst>
+          </p:cNvPr>
+          <p:cNvPicPr>
+            <a:picLocks noGrp="1" noChangeAspect="1"/>
+          </p:cNvPicPr>
+          <p:nvPr>
+            <p:ph sz="half" idx="2"/>
+          </p:nvPr>
+        </p:nvPicPr>
+        <p:blipFill>
+          <a:blip r:embed="rId3">
+            <a:extLst>
+              <a:ext uri="{28A0092B-C50C-407E-A947-70E740481C1C}">
+                <a14:useLocalDpi xmlns:a14="http://schemas.microsoft.com/office/drawing/2010/main" val="0"/>
+              </a:ext>
+            </a:extLst>
+          </a:blip>
+          <a:stretch>
+            <a:fillRect/>
+          </a:stretch>
+        </p:blipFill>
+        <p:spPr>
+          <a:xfrm>
+            <a:off x="6797455" y="2560638"/>
+            <a:ext cx="3486590" cy="3309937"/>
+          </a:xfrm>
         </p:spPr>
       </p:pic>
     </p:spTree>
     <p:extLst>
       <p:ext uri="{BB962C8B-B14F-4D97-AF65-F5344CB8AC3E}">
-        <p14:creationId xmlns:p14="http://schemas.microsoft.com/office/powerpoint/2010/main" val="95992585"/>
+        <p14:creationId xmlns:p14="http://schemas.microsoft.com/office/powerpoint/2010/main" val="3989745406"/>
       </p:ext>
     </p:extLst>
   </p:cSld>
@@ -6186,19 +6250,49 @@
           <a:chExt cx="0" cy="0"/>
         </a:xfrm>
       </p:grpSpPr>
+      <p:sp>
+        <p:nvSpPr>
+          <p:cNvPr id="2" name="Title 1">
+            <a:extLst>
+              <a:ext uri="{FF2B5EF4-FFF2-40B4-BE49-F238E27FC236}">
+                <a16:creationId xmlns:a16="http://schemas.microsoft.com/office/drawing/2014/main" id="{EA6456E3-272F-4C63-A55F-755D5193C365}"/>
+              </a:ext>
+            </a:extLst>
+          </p:cNvPr>
+          <p:cNvSpPr>
+            <a:spLocks noGrp="1"/>
+          </p:cNvSpPr>
+          <p:nvPr>
+            <p:ph type="title"/>
+          </p:nvPr>
+        </p:nvSpPr>
+        <p:spPr/>
+        <p:txBody>
+          <a:bodyPr/>
+          <a:lstStyle/>
+          <a:p>
+            <a:r>
+              <a:rPr lang="en-US" dirty="0"/>
+              <a:t>Olympics[2000-2016]</a:t>
+            </a:r>
+          </a:p>
+        </p:txBody>
+      </p:sp>
       <p:pic>
         <p:nvPicPr>
-          <p:cNvPr id="3" name="slide3" descr="Olympics Story5">
+          <p:cNvPr id="6" name="Content Placeholder 5">
             <a:extLst>
               <a:ext uri="{FF2B5EF4-FFF2-40B4-BE49-F238E27FC236}">
-                <a16:creationId xmlns:a16="http://schemas.microsoft.com/office/drawing/2014/main" id="{5231A2E2-52F3-410E-863A-7E9FCC9E7B0A}"/>
+                <a16:creationId xmlns:a16="http://schemas.microsoft.com/office/drawing/2014/main" id="{628C3D34-E1FF-4883-829B-28AAB61208C4}"/>
               </a:ext>
             </a:extLst>
           </p:cNvPr>
           <p:cNvPicPr>
-            <a:picLocks noChangeAspect="1"/>
+            <a:picLocks noGrp="1" noChangeAspect="1"/>
           </p:cNvPicPr>
-          <p:nvPr/>
+          <p:nvPr>
+            <p:ph sz="half" idx="1"/>
+          </p:nvPr>
         </p:nvPicPr>
         <p:blipFill>
           <a:blip r:embed="rId2">
@@ -6214,18 +6308,50 @@
         </p:blipFill>
         <p:spPr>
           <a:xfrm>
-            <a:off x="2482033" y="0"/>
-            <a:ext cx="7227934" cy="6858000"/>
+            <a:off x="1914305" y="2560638"/>
+            <a:ext cx="3486590" cy="3309937"/>
           </a:xfrm>
-          <a:prstGeom prst="rect">
-            <a:avLst/>
-          </a:prstGeom>
+        </p:spPr>
+      </p:pic>
+      <p:pic>
+        <p:nvPicPr>
+          <p:cNvPr id="8" name="Content Placeholder 7">
+            <a:extLst>
+              <a:ext uri="{FF2B5EF4-FFF2-40B4-BE49-F238E27FC236}">
+                <a16:creationId xmlns:a16="http://schemas.microsoft.com/office/drawing/2014/main" id="{0DD441E0-218F-41CA-8B1D-0F3340CFDA96}"/>
+              </a:ext>
+            </a:extLst>
+          </p:cNvPr>
+          <p:cNvPicPr>
+            <a:picLocks noGrp="1" noChangeAspect="1"/>
+          </p:cNvPicPr>
+          <p:nvPr>
+            <p:ph sz="half" idx="2"/>
+          </p:nvPr>
+        </p:nvPicPr>
+        <p:blipFill>
+          <a:blip r:embed="rId3">
+            <a:extLst>
+              <a:ext uri="{28A0092B-C50C-407E-A947-70E740481C1C}">
+                <a14:useLocalDpi xmlns:a14="http://schemas.microsoft.com/office/drawing/2010/main" val="0"/>
+              </a:ext>
+            </a:extLst>
+          </a:blip>
+          <a:stretch>
+            <a:fillRect/>
+          </a:stretch>
+        </p:blipFill>
+        <p:spPr>
+          <a:xfrm>
+            <a:off x="6797455" y="2560638"/>
+            <a:ext cx="3486590" cy="3309937"/>
+          </a:xfrm>
         </p:spPr>
       </p:pic>
     </p:spTree>
     <p:extLst>
       <p:ext uri="{BB962C8B-B14F-4D97-AF65-F5344CB8AC3E}">
-        <p14:creationId xmlns:p14="http://schemas.microsoft.com/office/powerpoint/2010/main" val="95992585"/>
+        <p14:creationId xmlns:p14="http://schemas.microsoft.com/office/powerpoint/2010/main" val="3878626246"/>
       </p:ext>
     </p:extLst>
   </p:cSld>
@@ -6252,19 +6378,49 @@
           <a:chExt cx="0" cy="0"/>
         </a:xfrm>
       </p:grpSpPr>
+      <p:sp>
+        <p:nvSpPr>
+          <p:cNvPr id="2" name="Title 1">
+            <a:extLst>
+              <a:ext uri="{FF2B5EF4-FFF2-40B4-BE49-F238E27FC236}">
+                <a16:creationId xmlns:a16="http://schemas.microsoft.com/office/drawing/2014/main" id="{4C0452A5-832A-4F61-BB93-DEA6F871993D}"/>
+              </a:ext>
+            </a:extLst>
+          </p:cNvPr>
+          <p:cNvSpPr>
+            <a:spLocks noGrp="1"/>
+          </p:cNvSpPr>
+          <p:nvPr>
+            <p:ph type="title"/>
+          </p:nvPr>
+        </p:nvSpPr>
+        <p:spPr/>
+        <p:txBody>
+          <a:bodyPr/>
+          <a:lstStyle/>
+          <a:p>
+            <a:r>
+              <a:rPr lang="en-US" dirty="0"/>
+              <a:t>Olympics[2000-2016]</a:t>
+            </a:r>
+          </a:p>
+        </p:txBody>
+      </p:sp>
       <p:pic>
         <p:nvPicPr>
-          <p:cNvPr id="4" name="slide4" descr="Olympics Story7">
+          <p:cNvPr id="6" name="Content Placeholder 5">
             <a:extLst>
               <a:ext uri="{FF2B5EF4-FFF2-40B4-BE49-F238E27FC236}">
-                <a16:creationId xmlns:a16="http://schemas.microsoft.com/office/drawing/2014/main" id="{7D26A3E5-AE92-4A83-AB20-708251053CA6}"/>
+                <a16:creationId xmlns:a16="http://schemas.microsoft.com/office/drawing/2014/main" id="{50311533-BE57-42E3-B489-69AB1F7B98FC}"/>
               </a:ext>
             </a:extLst>
           </p:cNvPr>
           <p:cNvPicPr>
-            <a:picLocks noChangeAspect="1"/>
+            <a:picLocks noGrp="1" noChangeAspect="1"/>
           </p:cNvPicPr>
-          <p:nvPr/>
+          <p:nvPr>
+            <p:ph sz="half" idx="1"/>
+          </p:nvPr>
         </p:nvPicPr>
         <p:blipFill>
           <a:blip r:embed="rId2">
@@ -6280,18 +6436,50 @@
         </p:blipFill>
         <p:spPr>
           <a:xfrm>
-            <a:off x="2482033" y="0"/>
-            <a:ext cx="7227934" cy="6858000"/>
+            <a:off x="1914305" y="2560638"/>
+            <a:ext cx="3486590" cy="3309937"/>
           </a:xfrm>
-          <a:prstGeom prst="rect">
-            <a:avLst/>
-          </a:prstGeom>
+        </p:spPr>
+      </p:pic>
+      <p:pic>
+        <p:nvPicPr>
+          <p:cNvPr id="8" name="Content Placeholder 7">
+            <a:extLst>
+              <a:ext uri="{FF2B5EF4-FFF2-40B4-BE49-F238E27FC236}">
+                <a16:creationId xmlns:a16="http://schemas.microsoft.com/office/drawing/2014/main" id="{D0350676-AA98-4547-BB0D-90F0C1758AF2}"/>
+              </a:ext>
+            </a:extLst>
+          </p:cNvPr>
+          <p:cNvPicPr>
+            <a:picLocks noGrp="1" noChangeAspect="1"/>
+          </p:cNvPicPr>
+          <p:nvPr>
+            <p:ph sz="half" idx="2"/>
+          </p:nvPr>
+        </p:nvPicPr>
+        <p:blipFill>
+          <a:blip r:embed="rId3">
+            <a:extLst>
+              <a:ext uri="{28A0092B-C50C-407E-A947-70E740481C1C}">
+                <a14:useLocalDpi xmlns:a14="http://schemas.microsoft.com/office/drawing/2010/main" val="0"/>
+              </a:ext>
+            </a:extLst>
+          </a:blip>
+          <a:stretch>
+            <a:fillRect/>
+          </a:stretch>
+        </p:blipFill>
+        <p:spPr>
+          <a:xfrm>
+            <a:off x="6797455" y="2560638"/>
+            <a:ext cx="3486590" cy="3309937"/>
+          </a:xfrm>
         </p:spPr>
       </p:pic>
     </p:spTree>
     <p:extLst>
       <p:ext uri="{BB962C8B-B14F-4D97-AF65-F5344CB8AC3E}">
-        <p14:creationId xmlns:p14="http://schemas.microsoft.com/office/powerpoint/2010/main" val="95992585"/>
+        <p14:creationId xmlns:p14="http://schemas.microsoft.com/office/powerpoint/2010/main" val="1764974887"/>
       </p:ext>
     </p:extLst>
   </p:cSld>
@@ -6318,204 +6506,6 @@
           <a:chExt cx="0" cy="0"/>
         </a:xfrm>
       </p:grpSpPr>
-      <p:pic>
-        <p:nvPicPr>
-          <p:cNvPr id="5" name="slide5" descr="Olympics Story4">
-            <a:extLst>
-              <a:ext uri="{FF2B5EF4-FFF2-40B4-BE49-F238E27FC236}">
-                <a16:creationId xmlns:a16="http://schemas.microsoft.com/office/drawing/2014/main" id="{AEFA62CC-A1B7-41F8-9CF1-7F6C91338556}"/>
-              </a:ext>
-            </a:extLst>
-          </p:cNvPr>
-          <p:cNvPicPr>
-            <a:picLocks noChangeAspect="1"/>
-          </p:cNvPicPr>
-          <p:nvPr/>
-        </p:nvPicPr>
-        <p:blipFill>
-          <a:blip r:embed="rId2">
-            <a:extLst>
-              <a:ext uri="{28A0092B-C50C-407E-A947-70E740481C1C}">
-                <a14:useLocalDpi xmlns:a14="http://schemas.microsoft.com/office/drawing/2010/main" val="0"/>
-              </a:ext>
-            </a:extLst>
-          </a:blip>
-          <a:stretch>
-            <a:fillRect/>
-          </a:stretch>
-        </p:blipFill>
-        <p:spPr>
-          <a:xfrm>
-            <a:off x="2482033" y="0"/>
-            <a:ext cx="7227934" cy="6858000"/>
-          </a:xfrm>
-          <a:prstGeom prst="rect">
-            <a:avLst/>
-          </a:prstGeom>
-        </p:spPr>
-      </p:pic>
-    </p:spTree>
-    <p:extLst>
-      <p:ext uri="{BB962C8B-B14F-4D97-AF65-F5344CB8AC3E}">
-        <p14:creationId xmlns:p14="http://schemas.microsoft.com/office/powerpoint/2010/main" val="95992585"/>
-      </p:ext>
-    </p:extLst>
-  </p:cSld>
-  <p:clrMapOvr>
-    <a:masterClrMapping/>
-  </p:clrMapOvr>
-</p:sld>
-</file>
-
-<file path=ppt/slides/slide16.xml><?xml version="1.0" encoding="utf-8"?>
-<p:sld xmlns:a="http://schemas.openxmlformats.org/drawingml/2006/main" xmlns:r="http://schemas.openxmlformats.org/officeDocument/2006/relationships" xmlns:p="http://schemas.openxmlformats.org/presentationml/2006/main">
-  <p:cSld>
-    <p:spTree>
-      <p:nvGrpSpPr>
-        <p:cNvPr id="1" name=""/>
-        <p:cNvGrpSpPr/>
-        <p:nvPr/>
-      </p:nvGrpSpPr>
-      <p:grpSpPr>
-        <a:xfrm>
-          <a:off x="0" y="0"/>
-          <a:ext cx="0" cy="0"/>
-          <a:chOff x="0" y="0"/>
-          <a:chExt cx="0" cy="0"/>
-        </a:xfrm>
-      </p:grpSpPr>
-      <p:pic>
-        <p:nvPicPr>
-          <p:cNvPr id="6" name="slide6" descr="Olympics Story3">
-            <a:extLst>
-              <a:ext uri="{FF2B5EF4-FFF2-40B4-BE49-F238E27FC236}">
-                <a16:creationId xmlns:a16="http://schemas.microsoft.com/office/drawing/2014/main" id="{544AE50F-1BAA-4DBE-886F-2A49A2B32370}"/>
-              </a:ext>
-            </a:extLst>
-          </p:cNvPr>
-          <p:cNvPicPr>
-            <a:picLocks noChangeAspect="1"/>
-          </p:cNvPicPr>
-          <p:nvPr/>
-        </p:nvPicPr>
-        <p:blipFill>
-          <a:blip r:embed="rId2">
-            <a:extLst>
-              <a:ext uri="{28A0092B-C50C-407E-A947-70E740481C1C}">
-                <a14:useLocalDpi xmlns:a14="http://schemas.microsoft.com/office/drawing/2010/main" val="0"/>
-              </a:ext>
-            </a:extLst>
-          </a:blip>
-          <a:stretch>
-            <a:fillRect/>
-          </a:stretch>
-        </p:blipFill>
-        <p:spPr>
-          <a:xfrm>
-            <a:off x="2482033" y="0"/>
-            <a:ext cx="7227934" cy="6858000"/>
-          </a:xfrm>
-          <a:prstGeom prst="rect">
-            <a:avLst/>
-          </a:prstGeom>
-        </p:spPr>
-      </p:pic>
-    </p:spTree>
-    <p:extLst>
-      <p:ext uri="{BB962C8B-B14F-4D97-AF65-F5344CB8AC3E}">
-        <p14:creationId xmlns:p14="http://schemas.microsoft.com/office/powerpoint/2010/main" val="95992585"/>
-      </p:ext>
-    </p:extLst>
-  </p:cSld>
-  <p:clrMapOvr>
-    <a:masterClrMapping/>
-  </p:clrMapOvr>
-</p:sld>
-</file>
-
-<file path=ppt/slides/slide17.xml><?xml version="1.0" encoding="utf-8"?>
-<p:sld xmlns:a="http://schemas.openxmlformats.org/drawingml/2006/main" xmlns:r="http://schemas.openxmlformats.org/officeDocument/2006/relationships" xmlns:p="http://schemas.openxmlformats.org/presentationml/2006/main">
-  <p:cSld>
-    <p:spTree>
-      <p:nvGrpSpPr>
-        <p:cNvPr id="1" name=""/>
-        <p:cNvGrpSpPr/>
-        <p:nvPr/>
-      </p:nvGrpSpPr>
-      <p:grpSpPr>
-        <a:xfrm>
-          <a:off x="0" y="0"/>
-          <a:ext cx="0" cy="0"/>
-          <a:chOff x="0" y="0"/>
-          <a:chExt cx="0" cy="0"/>
-        </a:xfrm>
-      </p:grpSpPr>
-      <p:pic>
-        <p:nvPicPr>
-          <p:cNvPr id="7" name="slide7" descr="Olympics Story2">
-            <a:extLst>
-              <a:ext uri="{FF2B5EF4-FFF2-40B4-BE49-F238E27FC236}">
-                <a16:creationId xmlns:a16="http://schemas.microsoft.com/office/drawing/2014/main" id="{DEFD2913-076F-48BE-9703-AE33FAEB05B1}"/>
-              </a:ext>
-            </a:extLst>
-          </p:cNvPr>
-          <p:cNvPicPr>
-            <a:picLocks noChangeAspect="1"/>
-          </p:cNvPicPr>
-          <p:nvPr/>
-        </p:nvPicPr>
-        <p:blipFill>
-          <a:blip r:embed="rId2">
-            <a:extLst>
-              <a:ext uri="{28A0092B-C50C-407E-A947-70E740481C1C}">
-                <a14:useLocalDpi xmlns:a14="http://schemas.microsoft.com/office/drawing/2010/main" val="0"/>
-              </a:ext>
-            </a:extLst>
-          </a:blip>
-          <a:stretch>
-            <a:fillRect/>
-          </a:stretch>
-        </p:blipFill>
-        <p:spPr>
-          <a:xfrm>
-            <a:off x="2482033" y="0"/>
-            <a:ext cx="7227934" cy="6858000"/>
-          </a:xfrm>
-          <a:prstGeom prst="rect">
-            <a:avLst/>
-          </a:prstGeom>
-        </p:spPr>
-      </p:pic>
-    </p:spTree>
-    <p:extLst>
-      <p:ext uri="{BB962C8B-B14F-4D97-AF65-F5344CB8AC3E}">
-        <p14:creationId xmlns:p14="http://schemas.microsoft.com/office/powerpoint/2010/main" val="95992585"/>
-      </p:ext>
-    </p:extLst>
-  </p:cSld>
-  <p:clrMapOvr>
-    <a:masterClrMapping/>
-  </p:clrMapOvr>
-</p:sld>
-</file>
-
-<file path=ppt/slides/slide18.xml><?xml version="1.0" encoding="utf-8"?>
-<p:sld xmlns:a="http://schemas.openxmlformats.org/drawingml/2006/main" xmlns:r="http://schemas.openxmlformats.org/officeDocument/2006/relationships" xmlns:p="http://schemas.openxmlformats.org/presentationml/2006/main">
-  <p:cSld>
-    <p:spTree>
-      <p:nvGrpSpPr>
-        <p:cNvPr id="1" name=""/>
-        <p:cNvGrpSpPr/>
-        <p:nvPr/>
-      </p:nvGrpSpPr>
-      <p:grpSpPr>
-        <a:xfrm>
-          <a:off x="0" y="0"/>
-          <a:ext cx="0" cy="0"/>
-          <a:chOff x="0" y="0"/>
-          <a:chExt cx="0" cy="0"/>
-        </a:xfrm>
-      </p:grpSpPr>
       <p:sp>
         <p:nvSpPr>
           <p:cNvPr id="2" name="Title 1">
@@ -6532,9 +6522,16 @@
             <p:ph type="title"/>
           </p:nvPr>
         </p:nvSpPr>
-        <p:spPr/>
-        <p:txBody>
-          <a:bodyPr/>
+        <p:spPr>
+          <a:xfrm>
+            <a:off x="1295402" y="982132"/>
+            <a:ext cx="9601196" cy="475607"/>
+          </a:xfrm>
+        </p:spPr>
+        <p:txBody>
+          <a:bodyPr>
+            <a:normAutofit fontScale="90000"/>
+          </a:bodyPr>
           <a:lstStyle/>
           <a:p>
             <a:r>
@@ -6544,46 +6541,205 @@
           </a:p>
         </p:txBody>
       </p:sp>
-      <p:sp>
-        <p:nvSpPr>
-          <p:cNvPr id="3" name="Content Placeholder 2">
+      <p:graphicFrame>
+        <p:nvGraphicFramePr>
+          <p:cNvPr id="4" name="Table 4">
             <a:extLst>
               <a:ext uri="{FF2B5EF4-FFF2-40B4-BE49-F238E27FC236}">
-                <a16:creationId xmlns:a16="http://schemas.microsoft.com/office/drawing/2014/main" id="{D2D5C79D-9EF6-4264-AE97-A6F0440E2C1B}"/>
+                <a16:creationId xmlns:a16="http://schemas.microsoft.com/office/drawing/2014/main" id="{CE0C12DE-FC6C-4B77-BB70-46B7C7E13752}"/>
               </a:ext>
             </a:extLst>
           </p:cNvPr>
-          <p:cNvSpPr>
-            <a:spLocks noGrp="1"/>
-          </p:cNvSpPr>
+          <p:cNvGraphicFramePr>
+            <a:graphicFrameLocks noGrp="1"/>
+          </p:cNvGraphicFramePr>
           <p:nvPr>
             <p:ph idx="1"/>
-          </p:nvPr>
-        </p:nvSpPr>
-        <p:spPr/>
-        <p:txBody>
-          <a:bodyPr/>
-          <a:lstStyle/>
-          <a:p>
-            <a:r>
-              <a:rPr lang="en-US" dirty="0"/>
-              <a:t>United States tops the chart with highest no. of medals.</a:t>
-            </a:r>
-          </a:p>
-          <a:p>
-            <a:r>
-              <a:rPr lang="en-US" dirty="0"/>
-              <a:t>Michael Phelps has won maximum gold medals.</a:t>
-            </a:r>
-          </a:p>
-          <a:p>
-            <a:r>
-              <a:rPr lang="en-US" dirty="0"/>
-              <a:t>The athletes’ age group ranges between 20-34 years.</a:t>
-            </a:r>
-          </a:p>
-        </p:txBody>
-      </p:sp>
+            <p:extLst>
+              <p:ext uri="{D42A27DB-BD31-4B8C-83A1-F6EECF244321}">
+                <p14:modId xmlns:p14="http://schemas.microsoft.com/office/powerpoint/2010/main" val="2689605868"/>
+              </p:ext>
+            </p:extLst>
+          </p:nvPr>
+        </p:nvGraphicFramePr>
+        <p:xfrm>
+          <a:off x="1295400" y="1457739"/>
+          <a:ext cx="9601200" cy="4859317"/>
+        </p:xfrm>
+        <a:graphic>
+          <a:graphicData uri="http://schemas.openxmlformats.org/drawingml/2006/table">
+            <a:tbl>
+              <a:tblPr firstRow="1" bandRow="1">
+                <a:tableStyleId>{5C22544A-7EE6-4342-B048-85BDC9FD1C3A}</a:tableStyleId>
+              </a:tblPr>
+              <a:tblGrid>
+                <a:gridCol w="2097157">
+                  <a:extLst>
+                    <a:ext uri="{9D8B030D-6E8A-4147-A177-3AD203B41FA5}">
+                      <a16:colId xmlns:a16="http://schemas.microsoft.com/office/drawing/2014/main" val="2116571111"/>
+                    </a:ext>
+                  </a:extLst>
+                </a:gridCol>
+                <a:gridCol w="2703443">
+                  <a:extLst>
+                    <a:ext uri="{9D8B030D-6E8A-4147-A177-3AD203B41FA5}">
+                      <a16:colId xmlns:a16="http://schemas.microsoft.com/office/drawing/2014/main" val="42213377"/>
+                    </a:ext>
+                  </a:extLst>
+                </a:gridCol>
+                <a:gridCol w="2400300">
+                  <a:extLst>
+                    <a:ext uri="{9D8B030D-6E8A-4147-A177-3AD203B41FA5}">
+                      <a16:colId xmlns:a16="http://schemas.microsoft.com/office/drawing/2014/main" val="2424435846"/>
+                    </a:ext>
+                  </a:extLst>
+                </a:gridCol>
+                <a:gridCol w="2400300">
+                  <a:extLst>
+                    <a:ext uri="{9D8B030D-6E8A-4147-A177-3AD203B41FA5}">
+                      <a16:colId xmlns:a16="http://schemas.microsoft.com/office/drawing/2014/main" val="2821063444"/>
+                    </a:ext>
+                  </a:extLst>
+                </a:gridCol>
+              </a:tblGrid>
+              <a:tr h="463826">
+                <a:tc>
+                  <a:txBody>
+                    <a:bodyPr/>
+                    <a:lstStyle/>
+                    <a:p>
+                      <a:endParaRPr lang="en-US" dirty="0"/>
+                    </a:p>
+                  </a:txBody>
+                  <a:tcPr/>
+                </a:tc>
+                <a:tc>
+                  <a:txBody>
+                    <a:bodyPr/>
+                    <a:lstStyle/>
+                    <a:p>
+                      <a:endParaRPr lang="en-US" dirty="0"/>
+                    </a:p>
+                  </a:txBody>
+                  <a:tcPr/>
+                </a:tc>
+                <a:tc>
+                  <a:txBody>
+                    <a:bodyPr/>
+                    <a:lstStyle/>
+                    <a:p>
+                      <a:endParaRPr lang="en-US" dirty="0"/>
+                    </a:p>
+                  </a:txBody>
+                  <a:tcPr/>
+                </a:tc>
+                <a:tc>
+                  <a:txBody>
+                    <a:bodyPr/>
+                    <a:lstStyle/>
+                    <a:p>
+                      <a:endParaRPr lang="en-US"/>
+                    </a:p>
+                  </a:txBody>
+                  <a:tcPr/>
+                </a:tc>
+                <a:extLst>
+                  <a:ext uri="{0D108BD9-81ED-4DB2-BD59-A6C34878D82A}">
+                    <a16:rowId xmlns:a16="http://schemas.microsoft.com/office/drawing/2014/main" val="2339142458"/>
+                  </a:ext>
+                </a:extLst>
+              </a:tr>
+              <a:tr h="4395491">
+                <a:tc>
+                  <a:txBody>
+                    <a:bodyPr/>
+                    <a:lstStyle/>
+                    <a:p>
+                      <a:endParaRPr lang="en-US" dirty="0"/>
+                    </a:p>
+                  </a:txBody>
+                  <a:tcPr/>
+                </a:tc>
+                <a:tc>
+                  <a:txBody>
+                    <a:bodyPr/>
+                    <a:lstStyle/>
+                    <a:p>
+                      <a:pPr marL="285750" indent="-285750">
+                        <a:buFont typeface="Wingdings" panose="05000000000000000000" pitchFamily="2" charset="2"/>
+                        <a:buChar char="v"/>
+                      </a:pPr>
+                      <a:r>
+                        <a:rPr lang="en-US" dirty="0"/>
+                        <a:t>United States tops the chart with highest no. of medals. </a:t>
+                      </a:r>
+                    </a:p>
+                    <a:p>
+                      <a:pPr marL="285750" indent="-285750">
+                        <a:buFont typeface="Wingdings" panose="05000000000000000000" pitchFamily="2" charset="2"/>
+                        <a:buChar char="v"/>
+                      </a:pPr>
+                      <a:r>
+                        <a:rPr lang="en-US" dirty="0"/>
+                        <a:t>Swimming athlete, Michael Phelps, won maximum no. of gold medals. </a:t>
+                      </a:r>
+                    </a:p>
+                    <a:p>
+                      <a:pPr marL="285750" indent="-285750">
+                        <a:buFont typeface="Wingdings" panose="05000000000000000000" pitchFamily="2" charset="2"/>
+                        <a:buChar char="v"/>
+                      </a:pPr>
+                      <a:r>
+                        <a:rPr lang="en-US" dirty="0"/>
+                        <a:t>Athens hosted maximum no. of sports during 2000-2016.</a:t>
+                      </a:r>
+                    </a:p>
+                    <a:p>
+                      <a:pPr marL="285750" indent="-285750">
+                        <a:buFont typeface="Wingdings" panose="05000000000000000000" pitchFamily="2" charset="2"/>
+                        <a:buChar char="v"/>
+                      </a:pPr>
+                      <a:r>
+                        <a:rPr lang="en-US" dirty="0"/>
+                        <a:t>The athletes’ age group ranges between 20-34 years.</a:t>
+                      </a:r>
+                    </a:p>
+                    <a:p>
+                      <a:endParaRPr lang="en-US" dirty="0"/>
+                    </a:p>
+                  </a:txBody>
+                  <a:tcPr/>
+                </a:tc>
+                <a:tc>
+                  <a:txBody>
+                    <a:bodyPr/>
+                    <a:lstStyle/>
+                    <a:p>
+                      <a:endParaRPr lang="en-US" dirty="0"/>
+                    </a:p>
+                  </a:txBody>
+                  <a:tcPr/>
+                </a:tc>
+                <a:tc>
+                  <a:txBody>
+                    <a:bodyPr/>
+                    <a:lstStyle/>
+                    <a:p>
+                      <a:endParaRPr lang="en-US" dirty="0"/>
+                    </a:p>
+                  </a:txBody>
+                  <a:tcPr/>
+                </a:tc>
+                <a:extLst>
+                  <a:ext uri="{0D108BD9-81ED-4DB2-BD59-A6C34878D82A}">
+                    <a16:rowId xmlns:a16="http://schemas.microsoft.com/office/drawing/2014/main" val="1091505429"/>
+                  </a:ext>
+                </a:extLst>
+              </a:tr>
+            </a:tbl>
+          </a:graphicData>
+        </a:graphic>
+      </p:graphicFrame>
     </p:spTree>
     <p:extLst>
       <p:ext uri="{BB962C8B-B14F-4D97-AF65-F5344CB8AC3E}">
@@ -6597,7 +6753,7 @@
 </p:sld>
 </file>
 
-<file path=ppt/slides/slide19.xml><?xml version="1.0" encoding="utf-8"?>
+<file path=ppt/slides/slide16.xml><?xml version="1.0" encoding="utf-8"?>
 <p:sld xmlns:a="http://schemas.openxmlformats.org/drawingml/2006/main" xmlns:r="http://schemas.openxmlformats.org/officeDocument/2006/relationships" xmlns:p="http://schemas.openxmlformats.org/presentationml/2006/main">
   <p:cSld>
     <p:spTree>
@@ -7018,6 +7174,12 @@
               <a:t>Dashboards</a:t>
             </a:r>
           </a:p>
+          <a:p>
+            <a:r>
+              <a:rPr lang="en-US" dirty="0"/>
+              <a:t>Work Sheets</a:t>
+            </a:r>
+          </a:p>
         </p:txBody>
       </p:sp>
     </p:spTree>
@@ -7066,7 +7228,7 @@
             <p:ph idx="4294967295"/>
             <p:extLst>
               <p:ext uri="{D42A27DB-BD31-4B8C-83A1-F6EECF244321}">
-                <p14:modId xmlns:p14="http://schemas.microsoft.com/office/powerpoint/2010/main" val="2414728231"/>
+                <p14:modId xmlns:p14="http://schemas.microsoft.com/office/powerpoint/2010/main" val="681640824"/>
               </p:ext>
             </p:extLst>
           </p:nvPr>
@@ -7212,7 +7374,6 @@
                           <a:latin typeface="+mn-lt"/>
                           <a:ea typeface="+mn-ea"/>
                           <a:cs typeface="+mn-cs"/>
-                          <a:hlinkClick r:id="rId2"/>
                         </a:rPr>
                         <a:t>Olympic data-Medal Distribution 1</a:t>
                       </a:r>
@@ -7380,7 +7541,7 @@
                         <a:defRPr/>
                       </a:pPr>
                       <a:r>
-                        <a:rPr lang="en-US" sz="1800" b="0" i="0" u="sng" kern="1200" dirty="0">
+                        <a:rPr lang="en-US" sz="1800" b="0" i="0" u="none" kern="1200" dirty="0">
                           <a:solidFill>
                             <a:schemeClr val="dk1"/>
                           </a:solidFill>
@@ -7388,11 +7549,10 @@
                           <a:latin typeface="+mn-lt"/>
                           <a:ea typeface="+mn-ea"/>
                           <a:cs typeface="+mn-cs"/>
-                          <a:hlinkClick r:id="rId3"/>
                         </a:rPr>
                         <a:t>Olympicdata-Treemap</a:t>
                       </a:r>
-                      <a:endParaRPr lang="en-US" dirty="0"/>
+                      <a:endParaRPr lang="en-US" u="none" dirty="0"/>
                     </a:p>
                   </a:txBody>
                   <a:tcPr/>
@@ -7453,7 +7613,7 @@
                     <a:lstStyle/>
                     <a:p>
                       <a:r>
-                        <a:rPr lang="en-US" sz="1800" b="0" i="0" u="sng" kern="1200" dirty="0">
+                        <a:rPr lang="en-US" sz="1800" b="0" i="0" u="none" kern="1200" dirty="0">
                           <a:solidFill>
                             <a:schemeClr val="dk1"/>
                           </a:solidFill>
@@ -7461,11 +7621,10 @@
                           <a:latin typeface="+mn-lt"/>
                           <a:ea typeface="+mn-ea"/>
                           <a:cs typeface="+mn-cs"/>
-                          <a:hlinkClick r:id="rId4"/>
                         </a:rPr>
                         <a:t>Olympicdata-Medals across Map</a:t>
                       </a:r>
-                      <a:endParaRPr lang="en-US" dirty="0"/>
+                      <a:endParaRPr lang="en-US" u="none" dirty="0"/>
                     </a:p>
                   </a:txBody>
                   <a:tcPr/>
@@ -7518,7 +7677,7 @@
                     <a:lstStyle/>
                     <a:p>
                       <a:r>
-                        <a:rPr lang="en-US" sz="1800" b="0" i="0" u="sng" kern="1200" dirty="0">
+                        <a:rPr lang="en-US" sz="1800" b="0" i="0" u="none" kern="1200" dirty="0">
                           <a:solidFill>
                             <a:schemeClr val="dk1"/>
                           </a:solidFill>
@@ -7526,11 +7685,10 @@
                           <a:latin typeface="+mn-lt"/>
                           <a:ea typeface="+mn-ea"/>
                           <a:cs typeface="+mn-cs"/>
-                          <a:hlinkClick r:id="rId5"/>
                         </a:rPr>
                         <a:t>Olympic data-Medal distribution2</a:t>
                       </a:r>
-                      <a:endParaRPr lang="en-US" dirty="0"/>
+                      <a:endParaRPr lang="en-US" u="none" dirty="0"/>
                     </a:p>
                   </a:txBody>
                   <a:tcPr/>
@@ -7697,7 +7855,7 @@
                         <a:defRPr/>
                       </a:pPr>
                       <a:r>
-                        <a:rPr lang="en-US" sz="1800" b="0" i="0" u="sng" kern="1200" dirty="0">
+                        <a:rPr lang="en-US" sz="1800" b="0" i="0" u="none" kern="1200" dirty="0">
                           <a:solidFill>
                             <a:schemeClr val="dk1"/>
                           </a:solidFill>
@@ -7705,11 +7863,10 @@
                           <a:latin typeface="+mn-lt"/>
                           <a:ea typeface="+mn-ea"/>
                           <a:cs typeface="+mn-cs"/>
-                          <a:hlinkClick r:id="rId6"/>
                         </a:rPr>
                         <a:t>Olympic data-Medal distribution 3</a:t>
                       </a:r>
-                      <a:endParaRPr lang="en-US" dirty="0"/>
+                      <a:endParaRPr lang="en-US" u="none" dirty="0"/>
                     </a:p>
                     <a:p>
                       <a:endParaRPr lang="en-US" dirty="0"/>
@@ -7785,7 +7942,7 @@
                         <a:defRPr/>
                       </a:pPr>
                       <a:r>
-                        <a:rPr lang="en-US" sz="1800" b="0" i="0" u="sng" kern="1200" dirty="0">
+                        <a:rPr lang="en-US" sz="1800" b="0" i="0" u="none" kern="1200" dirty="0">
                           <a:solidFill>
                             <a:schemeClr val="dk1"/>
                           </a:solidFill>
@@ -7793,11 +7950,10 @@
                           <a:latin typeface="+mn-lt"/>
                           <a:ea typeface="+mn-ea"/>
                           <a:cs typeface="+mn-cs"/>
-                          <a:hlinkClick r:id="rId7"/>
                         </a:rPr>
                         <a:t>Olympic Data by age</a:t>
                       </a:r>
-                      <a:endParaRPr lang="en-US" dirty="0"/>
+                      <a:endParaRPr lang="en-US" u="none" dirty="0"/>
                     </a:p>
                     <a:p>
                       <a:endParaRPr lang="en-US" dirty="0"/>

--- a/Presentation.pptx
+++ b/Presentation.pptx
@@ -9,11 +9,11 @@
     <p:sldId id="286" r:id="rId3"/>
     <p:sldId id="316" r:id="rId4"/>
     <p:sldId id="313" r:id="rId5"/>
-    <p:sldId id="307" r:id="rId6"/>
-    <p:sldId id="308" r:id="rId7"/>
-    <p:sldId id="309" r:id="rId8"/>
-    <p:sldId id="310" r:id="rId9"/>
-    <p:sldId id="317" r:id="rId10"/>
+    <p:sldId id="322" r:id="rId6"/>
+    <p:sldId id="307" r:id="rId7"/>
+    <p:sldId id="308" r:id="rId8"/>
+    <p:sldId id="309" r:id="rId9"/>
+    <p:sldId id="310" r:id="rId10"/>
     <p:sldId id="312" r:id="rId11"/>
     <p:sldId id="289" r:id="rId12"/>
     <p:sldId id="319" r:id="rId13"/>
@@ -6557,14 +6557,14 @@
             <p:ph idx="1"/>
             <p:extLst>
               <p:ext uri="{D42A27DB-BD31-4B8C-83A1-F6EECF244321}">
-                <p14:modId xmlns:p14="http://schemas.microsoft.com/office/powerpoint/2010/main" val="2689605868"/>
+                <p14:modId xmlns:p14="http://schemas.microsoft.com/office/powerpoint/2010/main" val="529470757"/>
               </p:ext>
             </p:extLst>
           </p:nvPr>
         </p:nvGraphicFramePr>
         <p:xfrm>
-          <a:off x="1295400" y="1457739"/>
-          <a:ext cx="9601200" cy="4859317"/>
+          <a:off x="503583" y="1457739"/>
+          <a:ext cx="11224588" cy="4890052"/>
         </p:xfrm>
         <a:graphic>
           <a:graphicData uri="http://schemas.openxmlformats.org/drawingml/2006/table">
@@ -6573,28 +6573,28 @@
                 <a:tableStyleId>{5C22544A-7EE6-4342-B048-85BDC9FD1C3A}</a:tableStyleId>
               </a:tblPr>
               <a:tblGrid>
-                <a:gridCol w="2097157">
+                <a:gridCol w="2906193">
                   <a:extLst>
                     <a:ext uri="{9D8B030D-6E8A-4147-A177-3AD203B41FA5}">
                       <a16:colId xmlns:a16="http://schemas.microsoft.com/office/drawing/2014/main" val="2116571111"/>
                     </a:ext>
                   </a:extLst>
                 </a:gridCol>
-                <a:gridCol w="2703443">
+                <a:gridCol w="2688617">
                   <a:extLst>
                     <a:ext uri="{9D8B030D-6E8A-4147-A177-3AD203B41FA5}">
                       <a16:colId xmlns:a16="http://schemas.microsoft.com/office/drawing/2014/main" val="42213377"/>
                     </a:ext>
                   </a:extLst>
                 </a:gridCol>
-                <a:gridCol w="2400300">
+                <a:gridCol w="2814889">
                   <a:extLst>
                     <a:ext uri="{9D8B030D-6E8A-4147-A177-3AD203B41FA5}">
                       <a16:colId xmlns:a16="http://schemas.microsoft.com/office/drawing/2014/main" val="2424435846"/>
                     </a:ext>
                   </a:extLst>
                 </a:gridCol>
-                <a:gridCol w="2400300">
+                <a:gridCol w="2814889">
                   <a:extLst>
                     <a:ext uri="{9D8B030D-6E8A-4147-A177-3AD203B41FA5}">
                       <a16:colId xmlns:a16="http://schemas.microsoft.com/office/drawing/2014/main" val="2821063444"/>
@@ -6602,7 +6602,7 @@
                   </a:extLst>
                 </a:gridCol>
               </a:tblGrid>
-              <a:tr h="463826">
+              <a:tr h="466760">
                 <a:tc>
                   <a:txBody>
                     <a:bodyPr/>
@@ -6649,12 +6649,46 @@
                   </a:ext>
                 </a:extLst>
               </a:tr>
-              <a:tr h="4395491">
+              <a:tr h="4423292">
                 <a:tc>
                   <a:txBody>
                     <a:bodyPr/>
                     <a:lstStyle/>
                     <a:p>
+                      <a:pPr marL="285750" indent="-285750">
+                        <a:buFont typeface="Wingdings" panose="05000000000000000000" pitchFamily="2" charset="2"/>
+                        <a:buChar char="v"/>
+                      </a:pPr>
+                      <a:r>
+                        <a:rPr lang="en-US" sz="1800" b="0" i="0" kern="1200" dirty="0">
+                          <a:solidFill>
+                            <a:schemeClr val="dk1"/>
+                          </a:solidFill>
+                          <a:effectLst/>
+                          <a:latin typeface="+mn-lt"/>
+                          <a:ea typeface="+mn-ea"/>
+                          <a:cs typeface="+mn-cs"/>
+                        </a:rPr>
+                        <a:t>The increase of women's participation, even as recent as 2000-2016 as a world effort.</a:t>
+                      </a:r>
+                    </a:p>
+                    <a:p>
+                      <a:pPr marL="285750" indent="-285750">
+                        <a:buFont typeface="Wingdings" panose="05000000000000000000" pitchFamily="2" charset="2"/>
+                        <a:buChar char="v"/>
+                      </a:pPr>
+                      <a:r>
+                        <a:rPr lang="en-US" sz="1800" b="0" i="0" kern="1200" dirty="0">
+                          <a:solidFill>
+                            <a:schemeClr val="dk1"/>
+                          </a:solidFill>
+                          <a:effectLst/>
+                          <a:latin typeface="+mn-lt"/>
+                          <a:ea typeface="+mn-ea"/>
+                          <a:cs typeface="+mn-cs"/>
+                        </a:rPr>
+                        <a:t>Most countries have a fairly even number of male and female athletes sent to the Olympics, with no one individual country or set of countries accounting for the recent increase in female participation in the Olympics.</a:t>
+                      </a:r>
                       <a:endParaRPr lang="en-US" dirty="0"/>
                     </a:p>
                   </a:txBody>
@@ -6681,7 +6715,7 @@
                       </a:pPr>
                       <a:r>
                         <a:rPr lang="en-US" dirty="0"/>
-                        <a:t>Swimming athlete, Michael Phelps, won maximum no. of gold medals. </a:t>
+                        <a:t>Swimming athlete, Michael Phelps won maximum no. of gold medals. </a:t>
                       </a:r>
                     </a:p>
                     <a:p>
@@ -6691,7 +6725,7 @@
                       </a:pPr>
                       <a:r>
                         <a:rPr lang="en-US" dirty="0"/>
-                        <a:t>Athens hosted maximum no. of sports during 2000-2016.</a:t>
+                        <a:t>Athens, Greece hosted maximum no. of sports over the years.</a:t>
                       </a:r>
                     </a:p>
                     <a:p>
@@ -6715,6 +6749,58 @@
                     <a:bodyPr/>
                     <a:lstStyle/>
                     <a:p>
+                      <a:pPr marL="285750" indent="-285750">
+                        <a:buFont typeface="Wingdings" panose="05000000000000000000" pitchFamily="2" charset="2"/>
+                        <a:buChar char="v"/>
+                      </a:pPr>
+                      <a:r>
+                        <a:rPr lang="en-US" sz="1800" b="0" i="0" kern="1200" dirty="0">
+                          <a:solidFill>
+                            <a:schemeClr val="dk1"/>
+                          </a:solidFill>
+                          <a:effectLst/>
+                          <a:latin typeface="+mn-lt"/>
+                          <a:ea typeface="+mn-ea"/>
+                          <a:cs typeface="+mn-cs"/>
+                        </a:rPr>
+                        <a:t>Swimming has got the highest number of medals and golf stands in last position with two medals.</a:t>
+                      </a:r>
+                    </a:p>
+                    <a:p>
+                      <a:pPr marL="285750" indent="-285750">
+                        <a:buFont typeface="Wingdings" panose="05000000000000000000" pitchFamily="2" charset="2"/>
+                        <a:buChar char="v"/>
+                      </a:pPr>
+                      <a:r>
+                        <a:rPr lang="en-US" sz="1800" b="0" i="0" kern="1200" dirty="0">
+                          <a:solidFill>
+                            <a:schemeClr val="dk1"/>
+                          </a:solidFill>
+                          <a:effectLst/>
+                          <a:latin typeface="+mn-lt"/>
+                          <a:ea typeface="+mn-ea"/>
+                          <a:cs typeface="+mn-cs"/>
+                        </a:rPr>
+                        <a:t>US stands in first position with 1561 medals followed by Russia in second position with 913 medals.</a:t>
+                      </a:r>
+                    </a:p>
+                    <a:p>
+                      <a:pPr marL="285750" indent="-285750">
+                        <a:buFont typeface="Wingdings" panose="05000000000000000000" pitchFamily="2" charset="2"/>
+                        <a:buChar char="v"/>
+                      </a:pPr>
+                      <a:r>
+                        <a:rPr lang="en-US" sz="1800" b="0" i="0" kern="1200" dirty="0">
+                          <a:solidFill>
+                            <a:schemeClr val="dk1"/>
+                          </a:solidFill>
+                          <a:effectLst/>
+                          <a:latin typeface="+mn-lt"/>
+                          <a:ea typeface="+mn-ea"/>
+                          <a:cs typeface="+mn-cs"/>
+                        </a:rPr>
+                        <a:t>There are a couple  of counties like Uganda, Togo with just 1 medal and stands in last position.</a:t>
+                      </a:r>
                       <a:endParaRPr lang="en-US" dirty="0"/>
                     </a:p>
                   </a:txBody>
@@ -6725,6 +6811,40 @@
                     <a:bodyPr/>
                     <a:lstStyle/>
                     <a:p>
+                      <a:pPr marL="285750" indent="-285750">
+                        <a:buFont typeface="Wingdings" panose="05000000000000000000" pitchFamily="2" charset="2"/>
+                        <a:buChar char="v"/>
+                      </a:pPr>
+                      <a:r>
+                        <a:rPr lang="en-US" sz="1800" b="0" i="0" kern="1200" dirty="0">
+                          <a:solidFill>
+                            <a:schemeClr val="dk1"/>
+                          </a:solidFill>
+                          <a:effectLst/>
+                          <a:latin typeface="+mn-lt"/>
+                          <a:ea typeface="+mn-ea"/>
+                          <a:cs typeface="+mn-cs"/>
+                        </a:rPr>
+                        <a:t>For the past Olympics (2000-2016) It appears that for almost every age group the number of male athletes are close to two time the female athletes. </a:t>
+                      </a:r>
+                    </a:p>
+                    <a:p>
+                      <a:pPr marL="285750" indent="-285750">
+                        <a:buFont typeface="Wingdings" panose="05000000000000000000" pitchFamily="2" charset="2"/>
+                        <a:buChar char="v"/>
+                      </a:pPr>
+                      <a:r>
+                        <a:rPr lang="en-US" sz="1800" b="0" i="0" kern="1200" dirty="0">
+                          <a:solidFill>
+                            <a:schemeClr val="dk1"/>
+                          </a:solidFill>
+                          <a:effectLst/>
+                          <a:latin typeface="+mn-lt"/>
+                          <a:ea typeface="+mn-ea"/>
+                          <a:cs typeface="+mn-cs"/>
+                        </a:rPr>
+                        <a:t>For each age group the medal distribution is about 1/3 Gold, Silver, and Bronze through out the particular age.</a:t>
+                      </a:r>
                       <a:endParaRPr lang="en-US" dirty="0"/>
                     </a:p>
                   </a:txBody>
@@ -8102,6 +8222,72 @@
       </p:grpSpPr>
       <p:pic>
         <p:nvPicPr>
+          <p:cNvPr id="12" name="slide12" descr="Olympic data-Medal distribution 3">
+            <a:extLst>
+              <a:ext uri="{FF2B5EF4-FFF2-40B4-BE49-F238E27FC236}">
+                <a16:creationId xmlns:a16="http://schemas.microsoft.com/office/drawing/2014/main" id="{227872C9-4390-49B2-9EE9-A465B9A68920}"/>
+              </a:ext>
+            </a:extLst>
+          </p:cNvPr>
+          <p:cNvPicPr>
+            <a:picLocks noChangeAspect="1"/>
+          </p:cNvPicPr>
+          <p:nvPr/>
+        </p:nvPicPr>
+        <p:blipFill>
+          <a:blip r:embed="rId2">
+            <a:extLst>
+              <a:ext uri="{28A0092B-C50C-407E-A947-70E740481C1C}">
+                <a14:useLocalDpi xmlns:a14="http://schemas.microsoft.com/office/drawing/2010/main" val="0"/>
+              </a:ext>
+            </a:extLst>
+          </a:blip>
+          <a:stretch>
+            <a:fillRect/>
+          </a:stretch>
+        </p:blipFill>
+        <p:spPr>
+          <a:xfrm>
+            <a:off x="1809750" y="0"/>
+            <a:ext cx="8572500" cy="6858000"/>
+          </a:xfrm>
+          <a:prstGeom prst="rect">
+            <a:avLst/>
+          </a:prstGeom>
+        </p:spPr>
+      </p:pic>
+    </p:spTree>
+    <p:extLst>
+      <p:ext uri="{BB962C8B-B14F-4D97-AF65-F5344CB8AC3E}">
+        <p14:creationId xmlns:p14="http://schemas.microsoft.com/office/powerpoint/2010/main" val="3029949864"/>
+      </p:ext>
+    </p:extLst>
+  </p:cSld>
+  <p:clrMapOvr>
+    <a:masterClrMapping/>
+  </p:clrMapOvr>
+</p:sld>
+</file>
+
+<file path=ppt/slides/slide6.xml><?xml version="1.0" encoding="utf-8"?>
+<p:sld xmlns:a="http://schemas.openxmlformats.org/drawingml/2006/main" xmlns:r="http://schemas.openxmlformats.org/officeDocument/2006/relationships" xmlns:p="http://schemas.openxmlformats.org/presentationml/2006/main">
+  <p:cSld>
+    <p:spTree>
+      <p:nvGrpSpPr>
+        <p:cNvPr id="1" name=""/>
+        <p:cNvGrpSpPr/>
+        <p:nvPr/>
+      </p:nvGrpSpPr>
+      <p:grpSpPr>
+        <a:xfrm>
+          <a:off x="0" y="0"/>
+          <a:ext cx="0" cy="0"/>
+          <a:chOff x="0" y="0"/>
+          <a:chExt cx="0" cy="0"/>
+        </a:xfrm>
+      </p:grpSpPr>
+      <p:pic>
+        <p:nvPicPr>
           <p:cNvPr id="8" name="slide8" descr="Olympic data-Medal Distribution 1">
             <a:extLst>
               <a:ext uri="{FF2B5EF4-FFF2-40B4-BE49-F238E27FC236}">
@@ -8149,7 +8335,7 @@
 </p:sld>
 </file>
 
-<file path=ppt/slides/slide6.xml><?xml version="1.0" encoding="utf-8"?>
+<file path=ppt/slides/slide7.xml><?xml version="1.0" encoding="utf-8"?>
 <p:sld xmlns:a="http://schemas.openxmlformats.org/drawingml/2006/main" xmlns:r="http://schemas.openxmlformats.org/officeDocument/2006/relationships" xmlns:p="http://schemas.openxmlformats.org/presentationml/2006/main">
   <p:cSld>
     <p:spTree>
@@ -8215,7 +8401,7 @@
 </p:sld>
 </file>
 
-<file path=ppt/slides/slide7.xml><?xml version="1.0" encoding="utf-8"?>
+<file path=ppt/slides/slide8.xml><?xml version="1.0" encoding="utf-8"?>
 <p:sld xmlns:a="http://schemas.openxmlformats.org/drawingml/2006/main" xmlns:r="http://schemas.openxmlformats.org/officeDocument/2006/relationships" xmlns:p="http://schemas.openxmlformats.org/presentationml/2006/main">
   <p:cSld>
     <p:spTree>
@@ -8281,7 +8467,7 @@
 </p:sld>
 </file>
 
-<file path=ppt/slides/slide8.xml><?xml version="1.0" encoding="utf-8"?>
+<file path=ppt/slides/slide9.xml><?xml version="1.0" encoding="utf-8"?>
 <p:sld xmlns:a="http://schemas.openxmlformats.org/drawingml/2006/main" xmlns:r="http://schemas.openxmlformats.org/officeDocument/2006/relationships" xmlns:p="http://schemas.openxmlformats.org/presentationml/2006/main">
   <p:cSld>
     <p:spTree>
@@ -8338,72 +8524,6 @@
     <p:extLst>
       <p:ext uri="{BB962C8B-B14F-4D97-AF65-F5344CB8AC3E}">
         <p14:creationId xmlns:p14="http://schemas.microsoft.com/office/powerpoint/2010/main" val="2015132026"/>
-      </p:ext>
-    </p:extLst>
-  </p:cSld>
-  <p:clrMapOvr>
-    <a:masterClrMapping/>
-  </p:clrMapOvr>
-</p:sld>
-</file>
-
-<file path=ppt/slides/slide9.xml><?xml version="1.0" encoding="utf-8"?>
-<p:sld xmlns:a="http://schemas.openxmlformats.org/drawingml/2006/main" xmlns:r="http://schemas.openxmlformats.org/officeDocument/2006/relationships" xmlns:p="http://schemas.openxmlformats.org/presentationml/2006/main">
-  <p:cSld>
-    <p:spTree>
-      <p:nvGrpSpPr>
-        <p:cNvPr id="1" name=""/>
-        <p:cNvGrpSpPr/>
-        <p:nvPr/>
-      </p:nvGrpSpPr>
-      <p:grpSpPr>
-        <a:xfrm>
-          <a:off x="0" y="0"/>
-          <a:ext cx="0" cy="0"/>
-          <a:chOff x="0" y="0"/>
-          <a:chExt cx="0" cy="0"/>
-        </a:xfrm>
-      </p:grpSpPr>
-      <p:pic>
-        <p:nvPicPr>
-          <p:cNvPr id="12" name="slide12" descr="Olympic data-Medal distribution 3">
-            <a:extLst>
-              <a:ext uri="{FF2B5EF4-FFF2-40B4-BE49-F238E27FC236}">
-                <a16:creationId xmlns:a16="http://schemas.microsoft.com/office/drawing/2014/main" id="{227872C9-4390-49B2-9EE9-A465B9A68920}"/>
-              </a:ext>
-            </a:extLst>
-          </p:cNvPr>
-          <p:cNvPicPr>
-            <a:picLocks noChangeAspect="1"/>
-          </p:cNvPicPr>
-          <p:nvPr/>
-        </p:nvPicPr>
-        <p:blipFill>
-          <a:blip r:embed="rId2">
-            <a:extLst>
-              <a:ext uri="{28A0092B-C50C-407E-A947-70E740481C1C}">
-                <a14:useLocalDpi xmlns:a14="http://schemas.microsoft.com/office/drawing/2010/main" val="0"/>
-              </a:ext>
-            </a:extLst>
-          </a:blip>
-          <a:stretch>
-            <a:fillRect/>
-          </a:stretch>
-        </p:blipFill>
-        <p:spPr>
-          <a:xfrm>
-            <a:off x="1809750" y="0"/>
-            <a:ext cx="8572500" cy="6858000"/>
-          </a:xfrm>
-          <a:prstGeom prst="rect">
-            <a:avLst/>
-          </a:prstGeom>
-        </p:spPr>
-      </p:pic>
-    </p:spTree>
-    <p:extLst>
-      <p:ext uri="{BB962C8B-B14F-4D97-AF65-F5344CB8AC3E}">
-        <p14:creationId xmlns:p14="http://schemas.microsoft.com/office/powerpoint/2010/main" val="3029949864"/>
       </p:ext>
     </p:extLst>
   </p:cSld>

--- a/Presentation.pptx
+++ b/Presentation.pptx
@@ -9,12 +9,12 @@
     <p:sldId id="286" r:id="rId3"/>
     <p:sldId id="316" r:id="rId4"/>
     <p:sldId id="313" r:id="rId5"/>
-    <p:sldId id="322" r:id="rId6"/>
-    <p:sldId id="307" r:id="rId7"/>
-    <p:sldId id="308" r:id="rId8"/>
-    <p:sldId id="309" r:id="rId9"/>
-    <p:sldId id="310" r:id="rId10"/>
-    <p:sldId id="312" r:id="rId11"/>
+    <p:sldId id="307" r:id="rId6"/>
+    <p:sldId id="308" r:id="rId7"/>
+    <p:sldId id="309" r:id="rId8"/>
+    <p:sldId id="310" r:id="rId9"/>
+    <p:sldId id="312" r:id="rId10"/>
+    <p:sldId id="322" r:id="rId11"/>
     <p:sldId id="289" r:id="rId12"/>
     <p:sldId id="319" r:id="rId13"/>
     <p:sldId id="320" r:id="rId14"/>
@@ -5967,10 +5967,10 @@
       </p:grpSpPr>
       <p:pic>
         <p:nvPicPr>
-          <p:cNvPr id="13" name="slide13" descr="Olympic Data by age">
+          <p:cNvPr id="12" name="slide12" descr="Olympic data-Medal distribution 3">
             <a:extLst>
               <a:ext uri="{FF2B5EF4-FFF2-40B4-BE49-F238E27FC236}">
-                <a16:creationId xmlns:a16="http://schemas.microsoft.com/office/drawing/2014/main" id="{ABB774E3-6BF4-4D95-B96C-3CB9BB29C780}"/>
+                <a16:creationId xmlns:a16="http://schemas.microsoft.com/office/drawing/2014/main" id="{227872C9-4390-49B2-9EE9-A465B9A68920}"/>
               </a:ext>
             </a:extLst>
           </p:cNvPr>
@@ -6004,7 +6004,7 @@
     </p:spTree>
     <p:extLst>
       <p:ext uri="{BB962C8B-B14F-4D97-AF65-F5344CB8AC3E}">
-        <p14:creationId xmlns:p14="http://schemas.microsoft.com/office/powerpoint/2010/main" val="3296761116"/>
+        <p14:creationId xmlns:p14="http://schemas.microsoft.com/office/powerpoint/2010/main" val="3029949864"/>
       </p:ext>
     </p:extLst>
   </p:cSld>
@@ -8222,72 +8222,6 @@
       </p:grpSpPr>
       <p:pic>
         <p:nvPicPr>
-          <p:cNvPr id="12" name="slide12" descr="Olympic data-Medal distribution 3">
-            <a:extLst>
-              <a:ext uri="{FF2B5EF4-FFF2-40B4-BE49-F238E27FC236}">
-                <a16:creationId xmlns:a16="http://schemas.microsoft.com/office/drawing/2014/main" id="{227872C9-4390-49B2-9EE9-A465B9A68920}"/>
-              </a:ext>
-            </a:extLst>
-          </p:cNvPr>
-          <p:cNvPicPr>
-            <a:picLocks noChangeAspect="1"/>
-          </p:cNvPicPr>
-          <p:nvPr/>
-        </p:nvPicPr>
-        <p:blipFill>
-          <a:blip r:embed="rId2">
-            <a:extLst>
-              <a:ext uri="{28A0092B-C50C-407E-A947-70E740481C1C}">
-                <a14:useLocalDpi xmlns:a14="http://schemas.microsoft.com/office/drawing/2010/main" val="0"/>
-              </a:ext>
-            </a:extLst>
-          </a:blip>
-          <a:stretch>
-            <a:fillRect/>
-          </a:stretch>
-        </p:blipFill>
-        <p:spPr>
-          <a:xfrm>
-            <a:off x="1809750" y="0"/>
-            <a:ext cx="8572500" cy="6858000"/>
-          </a:xfrm>
-          <a:prstGeom prst="rect">
-            <a:avLst/>
-          </a:prstGeom>
-        </p:spPr>
-      </p:pic>
-    </p:spTree>
-    <p:extLst>
-      <p:ext uri="{BB962C8B-B14F-4D97-AF65-F5344CB8AC3E}">
-        <p14:creationId xmlns:p14="http://schemas.microsoft.com/office/powerpoint/2010/main" val="3029949864"/>
-      </p:ext>
-    </p:extLst>
-  </p:cSld>
-  <p:clrMapOvr>
-    <a:masterClrMapping/>
-  </p:clrMapOvr>
-</p:sld>
-</file>
-
-<file path=ppt/slides/slide6.xml><?xml version="1.0" encoding="utf-8"?>
-<p:sld xmlns:a="http://schemas.openxmlformats.org/drawingml/2006/main" xmlns:r="http://schemas.openxmlformats.org/officeDocument/2006/relationships" xmlns:p="http://schemas.openxmlformats.org/presentationml/2006/main">
-  <p:cSld>
-    <p:spTree>
-      <p:nvGrpSpPr>
-        <p:cNvPr id="1" name=""/>
-        <p:cNvGrpSpPr/>
-        <p:nvPr/>
-      </p:nvGrpSpPr>
-      <p:grpSpPr>
-        <a:xfrm>
-          <a:off x="0" y="0"/>
-          <a:ext cx="0" cy="0"/>
-          <a:chOff x="0" y="0"/>
-          <a:chExt cx="0" cy="0"/>
-        </a:xfrm>
-      </p:grpSpPr>
-      <p:pic>
-        <p:nvPicPr>
           <p:cNvPr id="8" name="slide8" descr="Olympic data-Medal Distribution 1">
             <a:extLst>
               <a:ext uri="{FF2B5EF4-FFF2-40B4-BE49-F238E27FC236}">
@@ -8335,7 +8269,7 @@
 </p:sld>
 </file>
 
-<file path=ppt/slides/slide7.xml><?xml version="1.0" encoding="utf-8"?>
+<file path=ppt/slides/slide6.xml><?xml version="1.0" encoding="utf-8"?>
 <p:sld xmlns:a="http://schemas.openxmlformats.org/drawingml/2006/main" xmlns:r="http://schemas.openxmlformats.org/officeDocument/2006/relationships" xmlns:p="http://schemas.openxmlformats.org/presentationml/2006/main">
   <p:cSld>
     <p:spTree>
@@ -8401,7 +8335,7 @@
 </p:sld>
 </file>
 
-<file path=ppt/slides/slide8.xml><?xml version="1.0" encoding="utf-8"?>
+<file path=ppt/slides/slide7.xml><?xml version="1.0" encoding="utf-8"?>
 <p:sld xmlns:a="http://schemas.openxmlformats.org/drawingml/2006/main" xmlns:r="http://schemas.openxmlformats.org/officeDocument/2006/relationships" xmlns:p="http://schemas.openxmlformats.org/presentationml/2006/main">
   <p:cSld>
     <p:spTree>
@@ -8467,7 +8401,7 @@
 </p:sld>
 </file>
 
-<file path=ppt/slides/slide9.xml><?xml version="1.0" encoding="utf-8"?>
+<file path=ppt/slides/slide8.xml><?xml version="1.0" encoding="utf-8"?>
 <p:sld xmlns:a="http://schemas.openxmlformats.org/drawingml/2006/main" xmlns:r="http://schemas.openxmlformats.org/officeDocument/2006/relationships" xmlns:p="http://schemas.openxmlformats.org/presentationml/2006/main">
   <p:cSld>
     <p:spTree>
@@ -8524,6 +8458,72 @@
     <p:extLst>
       <p:ext uri="{BB962C8B-B14F-4D97-AF65-F5344CB8AC3E}">
         <p14:creationId xmlns:p14="http://schemas.microsoft.com/office/powerpoint/2010/main" val="2015132026"/>
+      </p:ext>
+    </p:extLst>
+  </p:cSld>
+  <p:clrMapOvr>
+    <a:masterClrMapping/>
+  </p:clrMapOvr>
+</p:sld>
+</file>
+
+<file path=ppt/slides/slide9.xml><?xml version="1.0" encoding="utf-8"?>
+<p:sld xmlns:a="http://schemas.openxmlformats.org/drawingml/2006/main" xmlns:r="http://schemas.openxmlformats.org/officeDocument/2006/relationships" xmlns:p="http://schemas.openxmlformats.org/presentationml/2006/main">
+  <p:cSld>
+    <p:spTree>
+      <p:nvGrpSpPr>
+        <p:cNvPr id="1" name=""/>
+        <p:cNvGrpSpPr/>
+        <p:nvPr/>
+      </p:nvGrpSpPr>
+      <p:grpSpPr>
+        <a:xfrm>
+          <a:off x="0" y="0"/>
+          <a:ext cx="0" cy="0"/>
+          <a:chOff x="0" y="0"/>
+          <a:chExt cx="0" cy="0"/>
+        </a:xfrm>
+      </p:grpSpPr>
+      <p:pic>
+        <p:nvPicPr>
+          <p:cNvPr id="13" name="slide13" descr="Olympic Data by age">
+            <a:extLst>
+              <a:ext uri="{FF2B5EF4-FFF2-40B4-BE49-F238E27FC236}">
+                <a16:creationId xmlns:a16="http://schemas.microsoft.com/office/drawing/2014/main" id="{ABB774E3-6BF4-4D95-B96C-3CB9BB29C780}"/>
+              </a:ext>
+            </a:extLst>
+          </p:cNvPr>
+          <p:cNvPicPr>
+            <a:picLocks noChangeAspect="1"/>
+          </p:cNvPicPr>
+          <p:nvPr/>
+        </p:nvPicPr>
+        <p:blipFill>
+          <a:blip r:embed="rId2">
+            <a:extLst>
+              <a:ext uri="{28A0092B-C50C-407E-A947-70E740481C1C}">
+                <a14:useLocalDpi xmlns:a14="http://schemas.microsoft.com/office/drawing/2010/main" val="0"/>
+              </a:ext>
+            </a:extLst>
+          </a:blip>
+          <a:stretch>
+            <a:fillRect/>
+          </a:stretch>
+        </p:blipFill>
+        <p:spPr>
+          <a:xfrm>
+            <a:off x="1809750" y="0"/>
+            <a:ext cx="8572500" cy="6858000"/>
+          </a:xfrm>
+          <a:prstGeom prst="rect">
+            <a:avLst/>
+          </a:prstGeom>
+        </p:spPr>
+      </p:pic>
+    </p:spTree>
+    <p:extLst>
+      <p:ext uri="{BB962C8B-B14F-4D97-AF65-F5344CB8AC3E}">
+        <p14:creationId xmlns:p14="http://schemas.microsoft.com/office/powerpoint/2010/main" val="3296761116"/>
       </p:ext>
     </p:extLst>
   </p:cSld>

--- a/Presentation.pptx
+++ b/Presentation.pptx
@@ -3,24 +3,25 @@
 <p:presentation xmlns:a="http://schemas.openxmlformats.org/drawingml/2006/main" xmlns:r="http://schemas.openxmlformats.org/officeDocument/2006/relationships" xmlns:p="http://schemas.openxmlformats.org/presentationml/2006/main" saveSubsetFonts="1">
   <p:sldMasterIdLst>
     <p:sldMasterId id="2147483714" r:id="rId1"/>
+    <p:sldMasterId id="2147483648" r:id="rId2"/>
   </p:sldMasterIdLst>
   <p:sldIdLst>
-    <p:sldId id="256" r:id="rId2"/>
-    <p:sldId id="286" r:id="rId3"/>
-    <p:sldId id="316" r:id="rId4"/>
-    <p:sldId id="313" r:id="rId5"/>
-    <p:sldId id="307" r:id="rId6"/>
-    <p:sldId id="308" r:id="rId7"/>
-    <p:sldId id="309" r:id="rId8"/>
-    <p:sldId id="310" r:id="rId9"/>
-    <p:sldId id="312" r:id="rId10"/>
-    <p:sldId id="322" r:id="rId11"/>
-    <p:sldId id="289" r:id="rId12"/>
-    <p:sldId id="319" r:id="rId13"/>
-    <p:sldId id="320" r:id="rId14"/>
-    <p:sldId id="321" r:id="rId15"/>
-    <p:sldId id="318" r:id="rId16"/>
-    <p:sldId id="314" r:id="rId17"/>
+    <p:sldId id="256" r:id="rId3"/>
+    <p:sldId id="286" r:id="rId4"/>
+    <p:sldId id="316" r:id="rId5"/>
+    <p:sldId id="313" r:id="rId6"/>
+    <p:sldId id="307" r:id="rId7"/>
+    <p:sldId id="323" r:id="rId8"/>
+    <p:sldId id="309" r:id="rId9"/>
+    <p:sldId id="310" r:id="rId10"/>
+    <p:sldId id="312" r:id="rId11"/>
+    <p:sldId id="322" r:id="rId12"/>
+    <p:sldId id="289" r:id="rId13"/>
+    <p:sldId id="319" r:id="rId14"/>
+    <p:sldId id="320" r:id="rId15"/>
+    <p:sldId id="321" r:id="rId16"/>
+    <p:sldId id="318" r:id="rId17"/>
+    <p:sldId id="314" r:id="rId18"/>
   </p:sldIdLst>
   <p:sldSz cx="12192000" cy="6858000"/>
   <p:notesSz cx="6858000" cy="9144000"/>
@@ -458,7 +459,7 @@
           <a:p>
             <a:fld id="{EED1C14C-A143-42F5-B247-D0E800131009}" type="datetimeFigureOut">
               <a:rPr lang="en-US" smtClean="0"/>
-              <a:t>7/24/2020</a:t>
+              <a:t>7/25/2020</a:t>
             </a:fld>
             <a:endParaRPr lang="en-US"/>
           </a:p>
@@ -782,7 +783,7 @@
           <a:p>
             <a:fld id="{EED1C14C-A143-42F5-B247-D0E800131009}" type="datetimeFigureOut">
               <a:rPr lang="en-US" smtClean="0"/>
-              <a:t>7/24/2020</a:t>
+              <a:t>7/25/2020</a:t>
             </a:fld>
             <a:endParaRPr lang="en-US"/>
           </a:p>
@@ -1030,7 +1031,7 @@
           <a:p>
             <a:fld id="{EED1C14C-A143-42F5-B247-D0E800131009}" type="datetimeFigureOut">
               <a:rPr lang="en-US" smtClean="0"/>
-              <a:t>7/24/2020</a:t>
+              <a:t>7/25/2020</a:t>
             </a:fld>
             <a:endParaRPr lang="en-US"/>
           </a:p>
@@ -1369,7 +1370,7 @@
           <a:p>
             <a:fld id="{EED1C14C-A143-42F5-B247-D0E800131009}" type="datetimeFigureOut">
               <a:rPr lang="en-US" smtClean="0"/>
-              <a:t>7/24/2020</a:t>
+              <a:t>7/25/2020</a:t>
             </a:fld>
             <a:endParaRPr lang="en-US"/>
           </a:p>
@@ -1716,7 +1717,7 @@
           <a:p>
             <a:fld id="{EED1C14C-A143-42F5-B247-D0E800131009}" type="datetimeFigureOut">
               <a:rPr lang="en-US" smtClean="0"/>
-              <a:t>7/24/2020</a:t>
+              <a:t>7/25/2020</a:t>
             </a:fld>
             <a:endParaRPr lang="en-US"/>
           </a:p>
@@ -2090,7 +2091,7 @@
           <a:p>
             <a:fld id="{EED1C14C-A143-42F5-B247-D0E800131009}" type="datetimeFigureOut">
               <a:rPr lang="en-US" smtClean="0"/>
-              <a:t>7/24/2020</a:t>
+              <a:t>7/25/2020</a:t>
             </a:fld>
             <a:endParaRPr lang="en-US"/>
           </a:p>
@@ -2560,7 +2561,7 @@
           <a:p>
             <a:fld id="{EED1C14C-A143-42F5-B247-D0E800131009}" type="datetimeFigureOut">
               <a:rPr lang="en-US" smtClean="0"/>
-              <a:t>7/24/2020</a:t>
+              <a:t>7/25/2020</a:t>
             </a:fld>
             <a:endParaRPr lang="en-US"/>
           </a:p>
@@ -2765,7 +2766,7 @@
           <a:p>
             <a:fld id="{EED1C14C-A143-42F5-B247-D0E800131009}" type="datetimeFigureOut">
               <a:rPr lang="en-US" smtClean="0"/>
-              <a:t>7/24/2020</a:t>
+              <a:t>7/25/2020</a:t>
             </a:fld>
             <a:endParaRPr lang="en-US"/>
           </a:p>
@@ -2976,7 +2977,7 @@
           <a:p>
             <a:fld id="{EED1C14C-A143-42F5-B247-D0E800131009}" type="datetimeFigureOut">
               <a:rPr lang="en-US" smtClean="0"/>
-              <a:t>7/24/2020</a:t>
+              <a:t>7/25/2020</a:t>
             </a:fld>
             <a:endParaRPr lang="en-US"/>
           </a:p>
@@ -3059,6 +3060,424 @@
     <p:extLst>
       <p:ext uri="{BB962C8B-B14F-4D97-AF65-F5344CB8AC3E}">
         <p14:creationId xmlns:p14="http://schemas.microsoft.com/office/powerpoint/2010/main" val="786104071"/>
+      </p:ext>
+    </p:extLst>
+  </p:cSld>
+  <p:clrMapOvr>
+    <a:masterClrMapping/>
+  </p:clrMapOvr>
+</p:sldLayout>
+</file>
+
+<file path=ppt/slideLayouts/slideLayout18.xml><?xml version="1.0" encoding="utf-8"?>
+<p:sldLayout xmlns:a="http://schemas.openxmlformats.org/drawingml/2006/main" xmlns:r="http://schemas.openxmlformats.org/officeDocument/2006/relationships" xmlns:p="http://schemas.openxmlformats.org/presentationml/2006/main" type="title" preserve="1">
+  <p:cSld name="Title Slide">
+    <p:spTree>
+      <p:nvGrpSpPr>
+        <p:cNvPr id="1" name=""/>
+        <p:cNvGrpSpPr/>
+        <p:nvPr/>
+      </p:nvGrpSpPr>
+      <p:grpSpPr>
+        <a:xfrm>
+          <a:off x="0" y="0"/>
+          <a:ext cx="0" cy="0"/>
+          <a:chOff x="0" y="0"/>
+          <a:chExt cx="0" cy="0"/>
+        </a:xfrm>
+      </p:grpSpPr>
+      <p:sp>
+        <p:nvSpPr>
+          <p:cNvPr id="2" name="Title 1">
+            <a:extLst>
+              <a:ext uri="{FF2B5EF4-FFF2-40B4-BE49-F238E27FC236}">
+                <a16:creationId xmlns:a16="http://schemas.microsoft.com/office/drawing/2014/main" id="{00D1A6E6-075E-4828-AF88-09BD0A74259E}"/>
+              </a:ext>
+            </a:extLst>
+          </p:cNvPr>
+          <p:cNvSpPr>
+            <a:spLocks noGrp="1"/>
+          </p:cNvSpPr>
+          <p:nvPr>
+            <p:ph type="ctrTitle"/>
+          </p:nvPr>
+        </p:nvSpPr>
+        <p:spPr>
+          <a:xfrm>
+            <a:off x="1524000" y="1122363"/>
+            <a:ext cx="9144000" cy="2387600"/>
+          </a:xfrm>
+        </p:spPr>
+        <p:txBody>
+          <a:bodyPr anchor="b"/>
+          <a:lstStyle>
+            <a:lvl1pPr algn="ctr">
+              <a:defRPr sz="6000"/>
+            </a:lvl1pPr>
+          </a:lstStyle>
+          <a:p>
+            <a:r>
+              <a:rPr lang="en-US"/>
+              <a:t>Click to edit Master title style</a:t>
+            </a:r>
+          </a:p>
+        </p:txBody>
+      </p:sp>
+      <p:sp>
+        <p:nvSpPr>
+          <p:cNvPr id="3" name="Subtitle 2">
+            <a:extLst>
+              <a:ext uri="{FF2B5EF4-FFF2-40B4-BE49-F238E27FC236}">
+                <a16:creationId xmlns:a16="http://schemas.microsoft.com/office/drawing/2014/main" id="{5F3800DB-487B-4E23-AC0B-90C9ED4E1076}"/>
+              </a:ext>
+            </a:extLst>
+          </p:cNvPr>
+          <p:cNvSpPr>
+            <a:spLocks noGrp="1"/>
+          </p:cNvSpPr>
+          <p:nvPr>
+            <p:ph type="subTitle" idx="1"/>
+          </p:nvPr>
+        </p:nvSpPr>
+        <p:spPr>
+          <a:xfrm>
+            <a:off x="1524000" y="3602038"/>
+            <a:ext cx="9144000" cy="1655762"/>
+          </a:xfrm>
+        </p:spPr>
+        <p:txBody>
+          <a:bodyPr/>
+          <a:lstStyle>
+            <a:lvl1pPr marL="0" indent="0" algn="ctr">
+              <a:buNone/>
+              <a:defRPr sz="2400"/>
+            </a:lvl1pPr>
+            <a:lvl2pPr marL="457200" indent="0" algn="ctr">
+              <a:buNone/>
+              <a:defRPr sz="2000"/>
+            </a:lvl2pPr>
+            <a:lvl3pPr marL="914400" indent="0" algn="ctr">
+              <a:buNone/>
+              <a:defRPr sz="1800"/>
+            </a:lvl3pPr>
+            <a:lvl4pPr marL="1371600" indent="0" algn="ctr">
+              <a:buNone/>
+              <a:defRPr sz="1600"/>
+            </a:lvl4pPr>
+            <a:lvl5pPr marL="1828800" indent="0" algn="ctr">
+              <a:buNone/>
+              <a:defRPr sz="1600"/>
+            </a:lvl5pPr>
+            <a:lvl6pPr marL="2286000" indent="0" algn="ctr">
+              <a:buNone/>
+              <a:defRPr sz="1600"/>
+            </a:lvl6pPr>
+            <a:lvl7pPr marL="2743200" indent="0" algn="ctr">
+              <a:buNone/>
+              <a:defRPr sz="1600"/>
+            </a:lvl7pPr>
+            <a:lvl8pPr marL="3200400" indent="0" algn="ctr">
+              <a:buNone/>
+              <a:defRPr sz="1600"/>
+            </a:lvl8pPr>
+            <a:lvl9pPr marL="3657600" indent="0" algn="ctr">
+              <a:buNone/>
+              <a:defRPr sz="1600"/>
+            </a:lvl9pPr>
+          </a:lstStyle>
+          <a:p>
+            <a:r>
+              <a:rPr lang="en-US"/>
+              <a:t>Click to edit Master subtitle style</a:t>
+            </a:r>
+          </a:p>
+        </p:txBody>
+      </p:sp>
+      <p:sp>
+        <p:nvSpPr>
+          <p:cNvPr id="4" name="Date Placeholder 3">
+            <a:extLst>
+              <a:ext uri="{FF2B5EF4-FFF2-40B4-BE49-F238E27FC236}">
+                <a16:creationId xmlns:a16="http://schemas.microsoft.com/office/drawing/2014/main" id="{664DF5B1-3694-42A9-866E-9F1FF6CF0C01}"/>
+              </a:ext>
+            </a:extLst>
+          </p:cNvPr>
+          <p:cNvSpPr>
+            <a:spLocks noGrp="1"/>
+          </p:cNvSpPr>
+          <p:nvPr>
+            <p:ph type="dt" sz="half" idx="10"/>
+          </p:nvPr>
+        </p:nvSpPr>
+        <p:spPr/>
+        <p:txBody>
+          <a:bodyPr/>
+          <a:lstStyle/>
+          <a:p>
+            <a:fld id="{EED1C14C-A143-42F5-B247-D0E800131009}" type="datetimeFigureOut">
+              <a:rPr lang="en-US" smtClean="0"/>
+              <a:t>7/25/2020</a:t>
+            </a:fld>
+            <a:endParaRPr lang="en-US"/>
+          </a:p>
+        </p:txBody>
+      </p:sp>
+      <p:sp>
+        <p:nvSpPr>
+          <p:cNvPr id="5" name="Footer Placeholder 4">
+            <a:extLst>
+              <a:ext uri="{FF2B5EF4-FFF2-40B4-BE49-F238E27FC236}">
+                <a16:creationId xmlns:a16="http://schemas.microsoft.com/office/drawing/2014/main" id="{54718E67-8162-4BE0-9B01-22B89A120ADC}"/>
+              </a:ext>
+            </a:extLst>
+          </p:cNvPr>
+          <p:cNvSpPr>
+            <a:spLocks noGrp="1"/>
+          </p:cNvSpPr>
+          <p:nvPr>
+            <p:ph type="ftr" sz="quarter" idx="11"/>
+          </p:nvPr>
+        </p:nvSpPr>
+        <p:spPr/>
+        <p:txBody>
+          <a:bodyPr/>
+          <a:lstStyle/>
+          <a:p>
+            <a:endParaRPr lang="en-US"/>
+          </a:p>
+        </p:txBody>
+      </p:sp>
+      <p:sp>
+        <p:nvSpPr>
+          <p:cNvPr id="6" name="Slide Number Placeholder 5">
+            <a:extLst>
+              <a:ext uri="{FF2B5EF4-FFF2-40B4-BE49-F238E27FC236}">
+                <a16:creationId xmlns:a16="http://schemas.microsoft.com/office/drawing/2014/main" id="{91568B9D-A8C9-40C5-85B0-14F435F39C81}"/>
+              </a:ext>
+            </a:extLst>
+          </p:cNvPr>
+          <p:cNvSpPr>
+            <a:spLocks noGrp="1"/>
+          </p:cNvSpPr>
+          <p:nvPr>
+            <p:ph type="sldNum" sz="quarter" idx="12"/>
+          </p:nvPr>
+        </p:nvSpPr>
+        <p:spPr/>
+        <p:txBody>
+          <a:bodyPr/>
+          <a:lstStyle/>
+          <a:p>
+            <a:fld id="{5B03D32D-F1BC-4E9C-97E1-36CFF5B22341}" type="slidenum">
+              <a:rPr lang="en-US" smtClean="0"/>
+              <a:t>‹#›</a:t>
+            </a:fld>
+            <a:endParaRPr lang="en-US"/>
+          </a:p>
+        </p:txBody>
+      </p:sp>
+    </p:spTree>
+    <p:extLst>
+      <p:ext uri="{BB962C8B-B14F-4D97-AF65-F5344CB8AC3E}">
+        <p14:creationId xmlns:p14="http://schemas.microsoft.com/office/powerpoint/2010/main" val="896738362"/>
+      </p:ext>
+    </p:extLst>
+  </p:cSld>
+  <p:clrMapOvr>
+    <a:masterClrMapping/>
+  </p:clrMapOvr>
+</p:sldLayout>
+</file>
+
+<file path=ppt/slideLayouts/slideLayout19.xml><?xml version="1.0" encoding="utf-8"?>
+<p:sldLayout xmlns:a="http://schemas.openxmlformats.org/drawingml/2006/main" xmlns:r="http://schemas.openxmlformats.org/officeDocument/2006/relationships" xmlns:p="http://schemas.openxmlformats.org/presentationml/2006/main" type="obj" preserve="1">
+  <p:cSld name="Title and Content">
+    <p:spTree>
+      <p:nvGrpSpPr>
+        <p:cNvPr id="1" name=""/>
+        <p:cNvGrpSpPr/>
+        <p:nvPr/>
+      </p:nvGrpSpPr>
+      <p:grpSpPr>
+        <a:xfrm>
+          <a:off x="0" y="0"/>
+          <a:ext cx="0" cy="0"/>
+          <a:chOff x="0" y="0"/>
+          <a:chExt cx="0" cy="0"/>
+        </a:xfrm>
+      </p:grpSpPr>
+      <p:sp>
+        <p:nvSpPr>
+          <p:cNvPr id="2" name="Title 1">
+            <a:extLst>
+              <a:ext uri="{FF2B5EF4-FFF2-40B4-BE49-F238E27FC236}">
+                <a16:creationId xmlns:a16="http://schemas.microsoft.com/office/drawing/2014/main" id="{6B34D5D7-9AEB-44F2-8A04-0694BE1520D8}"/>
+              </a:ext>
+            </a:extLst>
+          </p:cNvPr>
+          <p:cNvSpPr>
+            <a:spLocks noGrp="1"/>
+          </p:cNvSpPr>
+          <p:nvPr>
+            <p:ph type="title"/>
+          </p:nvPr>
+        </p:nvSpPr>
+        <p:spPr/>
+        <p:txBody>
+          <a:bodyPr/>
+          <a:lstStyle/>
+          <a:p>
+            <a:r>
+              <a:rPr lang="en-US"/>
+              <a:t>Click to edit Master title style</a:t>
+            </a:r>
+          </a:p>
+        </p:txBody>
+      </p:sp>
+      <p:sp>
+        <p:nvSpPr>
+          <p:cNvPr id="3" name="Content Placeholder 2">
+            <a:extLst>
+              <a:ext uri="{FF2B5EF4-FFF2-40B4-BE49-F238E27FC236}">
+                <a16:creationId xmlns:a16="http://schemas.microsoft.com/office/drawing/2014/main" id="{F3CE933F-693D-4770-8DC4-A5A086AC8ACE}"/>
+              </a:ext>
+            </a:extLst>
+          </p:cNvPr>
+          <p:cNvSpPr>
+            <a:spLocks noGrp="1"/>
+          </p:cNvSpPr>
+          <p:nvPr>
+            <p:ph idx="1"/>
+          </p:nvPr>
+        </p:nvSpPr>
+        <p:spPr/>
+        <p:txBody>
+          <a:bodyPr/>
+          <a:lstStyle/>
+          <a:p>
+            <a:pPr lvl="0"/>
+            <a:r>
+              <a:rPr lang="en-US"/>
+              <a:t>Edit Master text styles</a:t>
+            </a:r>
+          </a:p>
+          <a:p>
+            <a:pPr lvl="1"/>
+            <a:r>
+              <a:rPr lang="en-US"/>
+              <a:t>Second level</a:t>
+            </a:r>
+          </a:p>
+          <a:p>
+            <a:pPr lvl="2"/>
+            <a:r>
+              <a:rPr lang="en-US"/>
+              <a:t>Third level</a:t>
+            </a:r>
+          </a:p>
+          <a:p>
+            <a:pPr lvl="3"/>
+            <a:r>
+              <a:rPr lang="en-US"/>
+              <a:t>Fourth level</a:t>
+            </a:r>
+          </a:p>
+          <a:p>
+            <a:pPr lvl="4"/>
+            <a:r>
+              <a:rPr lang="en-US"/>
+              <a:t>Fifth level</a:t>
+            </a:r>
+          </a:p>
+        </p:txBody>
+      </p:sp>
+      <p:sp>
+        <p:nvSpPr>
+          <p:cNvPr id="4" name="Date Placeholder 3">
+            <a:extLst>
+              <a:ext uri="{FF2B5EF4-FFF2-40B4-BE49-F238E27FC236}">
+                <a16:creationId xmlns:a16="http://schemas.microsoft.com/office/drawing/2014/main" id="{02A7849A-1CE6-4F5C-95D7-EA8DA5EE5551}"/>
+              </a:ext>
+            </a:extLst>
+          </p:cNvPr>
+          <p:cNvSpPr>
+            <a:spLocks noGrp="1"/>
+          </p:cNvSpPr>
+          <p:nvPr>
+            <p:ph type="dt" sz="half" idx="10"/>
+          </p:nvPr>
+        </p:nvSpPr>
+        <p:spPr/>
+        <p:txBody>
+          <a:bodyPr/>
+          <a:lstStyle/>
+          <a:p>
+            <a:fld id="{EED1C14C-A143-42F5-B247-D0E800131009}" type="datetimeFigureOut">
+              <a:rPr lang="en-US" smtClean="0"/>
+              <a:t>7/25/2020</a:t>
+            </a:fld>
+            <a:endParaRPr lang="en-US"/>
+          </a:p>
+        </p:txBody>
+      </p:sp>
+      <p:sp>
+        <p:nvSpPr>
+          <p:cNvPr id="5" name="Footer Placeholder 4">
+            <a:extLst>
+              <a:ext uri="{FF2B5EF4-FFF2-40B4-BE49-F238E27FC236}">
+                <a16:creationId xmlns:a16="http://schemas.microsoft.com/office/drawing/2014/main" id="{39FE1FD0-B95E-4CF6-9A27-0F91F96DAE00}"/>
+              </a:ext>
+            </a:extLst>
+          </p:cNvPr>
+          <p:cNvSpPr>
+            <a:spLocks noGrp="1"/>
+          </p:cNvSpPr>
+          <p:nvPr>
+            <p:ph type="ftr" sz="quarter" idx="11"/>
+          </p:nvPr>
+        </p:nvSpPr>
+        <p:spPr/>
+        <p:txBody>
+          <a:bodyPr/>
+          <a:lstStyle/>
+          <a:p>
+            <a:endParaRPr lang="en-US"/>
+          </a:p>
+        </p:txBody>
+      </p:sp>
+      <p:sp>
+        <p:nvSpPr>
+          <p:cNvPr id="6" name="Slide Number Placeholder 5">
+            <a:extLst>
+              <a:ext uri="{FF2B5EF4-FFF2-40B4-BE49-F238E27FC236}">
+                <a16:creationId xmlns:a16="http://schemas.microsoft.com/office/drawing/2014/main" id="{596123BE-5891-49D6-A758-867A98F38D77}"/>
+              </a:ext>
+            </a:extLst>
+          </p:cNvPr>
+          <p:cNvSpPr>
+            <a:spLocks noGrp="1"/>
+          </p:cNvSpPr>
+          <p:nvPr>
+            <p:ph type="sldNum" sz="quarter" idx="12"/>
+          </p:nvPr>
+        </p:nvSpPr>
+        <p:spPr/>
+        <p:txBody>
+          <a:bodyPr/>
+          <a:lstStyle/>
+          <a:p>
+            <a:fld id="{5B03D32D-F1BC-4E9C-97E1-36CFF5B22341}" type="slidenum">
+              <a:rPr lang="en-US" smtClean="0"/>
+              <a:t>‹#›</a:t>
+            </a:fld>
+            <a:endParaRPr lang="en-US"/>
+          </a:p>
+        </p:txBody>
+      </p:sp>
+    </p:spTree>
+    <p:extLst>
+      <p:ext uri="{BB962C8B-B14F-4D97-AF65-F5344CB8AC3E}">
+        <p14:creationId xmlns:p14="http://schemas.microsoft.com/office/powerpoint/2010/main" val="2359722614"/>
       </p:ext>
     </p:extLst>
   </p:cSld>
@@ -3208,7 +3627,7 @@
           <a:p>
             <a:fld id="{EED1C14C-A143-42F5-B247-D0E800131009}" type="datetimeFigureOut">
               <a:rPr lang="en-US" smtClean="0"/>
-              <a:t>7/24/2020</a:t>
+              <a:t>7/25/2020</a:t>
             </a:fld>
             <a:endParaRPr lang="en-US"/>
           </a:p>
@@ -3260,6 +3679,2217 @@
     <p:extLst>
       <p:ext uri="{BB962C8B-B14F-4D97-AF65-F5344CB8AC3E}">
         <p14:creationId xmlns:p14="http://schemas.microsoft.com/office/powerpoint/2010/main" val="3420170229"/>
+      </p:ext>
+    </p:extLst>
+  </p:cSld>
+  <p:clrMapOvr>
+    <a:masterClrMapping/>
+  </p:clrMapOvr>
+</p:sldLayout>
+</file>
+
+<file path=ppt/slideLayouts/slideLayout20.xml><?xml version="1.0" encoding="utf-8"?>
+<p:sldLayout xmlns:a="http://schemas.openxmlformats.org/drawingml/2006/main" xmlns:r="http://schemas.openxmlformats.org/officeDocument/2006/relationships" xmlns:p="http://schemas.openxmlformats.org/presentationml/2006/main" type="secHead" preserve="1">
+  <p:cSld name="Section Header">
+    <p:spTree>
+      <p:nvGrpSpPr>
+        <p:cNvPr id="1" name=""/>
+        <p:cNvGrpSpPr/>
+        <p:nvPr/>
+      </p:nvGrpSpPr>
+      <p:grpSpPr>
+        <a:xfrm>
+          <a:off x="0" y="0"/>
+          <a:ext cx="0" cy="0"/>
+          <a:chOff x="0" y="0"/>
+          <a:chExt cx="0" cy="0"/>
+        </a:xfrm>
+      </p:grpSpPr>
+      <p:sp>
+        <p:nvSpPr>
+          <p:cNvPr id="2" name="Title 1">
+            <a:extLst>
+              <a:ext uri="{FF2B5EF4-FFF2-40B4-BE49-F238E27FC236}">
+                <a16:creationId xmlns:a16="http://schemas.microsoft.com/office/drawing/2014/main" id="{4BA85FC7-1BEA-438E-A0A7-88FF55112279}"/>
+              </a:ext>
+            </a:extLst>
+          </p:cNvPr>
+          <p:cNvSpPr>
+            <a:spLocks noGrp="1"/>
+          </p:cNvSpPr>
+          <p:nvPr>
+            <p:ph type="title"/>
+          </p:nvPr>
+        </p:nvSpPr>
+        <p:spPr>
+          <a:xfrm>
+            <a:off x="831850" y="1709738"/>
+            <a:ext cx="10515600" cy="2852737"/>
+          </a:xfrm>
+        </p:spPr>
+        <p:txBody>
+          <a:bodyPr anchor="b"/>
+          <a:lstStyle>
+            <a:lvl1pPr>
+              <a:defRPr sz="6000"/>
+            </a:lvl1pPr>
+          </a:lstStyle>
+          <a:p>
+            <a:r>
+              <a:rPr lang="en-US"/>
+              <a:t>Click to edit Master title style</a:t>
+            </a:r>
+          </a:p>
+        </p:txBody>
+      </p:sp>
+      <p:sp>
+        <p:nvSpPr>
+          <p:cNvPr id="3" name="Text Placeholder 2">
+            <a:extLst>
+              <a:ext uri="{FF2B5EF4-FFF2-40B4-BE49-F238E27FC236}">
+                <a16:creationId xmlns:a16="http://schemas.microsoft.com/office/drawing/2014/main" id="{0BD5F5C0-417B-4A28-8AE9-A79AC74A6250}"/>
+              </a:ext>
+            </a:extLst>
+          </p:cNvPr>
+          <p:cNvSpPr>
+            <a:spLocks noGrp="1"/>
+          </p:cNvSpPr>
+          <p:nvPr>
+            <p:ph type="body" idx="1"/>
+          </p:nvPr>
+        </p:nvSpPr>
+        <p:spPr>
+          <a:xfrm>
+            <a:off x="831850" y="4589463"/>
+            <a:ext cx="10515600" cy="1500187"/>
+          </a:xfrm>
+        </p:spPr>
+        <p:txBody>
+          <a:bodyPr/>
+          <a:lstStyle>
+            <a:lvl1pPr marL="0" indent="0">
+              <a:buNone/>
+              <a:defRPr sz="2400">
+                <a:solidFill>
+                  <a:schemeClr val="tx1">
+                    <a:tint val="75000"/>
+                  </a:schemeClr>
+                </a:solidFill>
+              </a:defRPr>
+            </a:lvl1pPr>
+            <a:lvl2pPr marL="457200" indent="0">
+              <a:buNone/>
+              <a:defRPr sz="2000">
+                <a:solidFill>
+                  <a:schemeClr val="tx1">
+                    <a:tint val="75000"/>
+                  </a:schemeClr>
+                </a:solidFill>
+              </a:defRPr>
+            </a:lvl2pPr>
+            <a:lvl3pPr marL="914400" indent="0">
+              <a:buNone/>
+              <a:defRPr sz="1800">
+                <a:solidFill>
+                  <a:schemeClr val="tx1">
+                    <a:tint val="75000"/>
+                  </a:schemeClr>
+                </a:solidFill>
+              </a:defRPr>
+            </a:lvl3pPr>
+            <a:lvl4pPr marL="1371600" indent="0">
+              <a:buNone/>
+              <a:defRPr sz="1600">
+                <a:solidFill>
+                  <a:schemeClr val="tx1">
+                    <a:tint val="75000"/>
+                  </a:schemeClr>
+                </a:solidFill>
+              </a:defRPr>
+            </a:lvl4pPr>
+            <a:lvl5pPr marL="1828800" indent="0">
+              <a:buNone/>
+              <a:defRPr sz="1600">
+                <a:solidFill>
+                  <a:schemeClr val="tx1">
+                    <a:tint val="75000"/>
+                  </a:schemeClr>
+                </a:solidFill>
+              </a:defRPr>
+            </a:lvl5pPr>
+            <a:lvl6pPr marL="2286000" indent="0">
+              <a:buNone/>
+              <a:defRPr sz="1600">
+                <a:solidFill>
+                  <a:schemeClr val="tx1">
+                    <a:tint val="75000"/>
+                  </a:schemeClr>
+                </a:solidFill>
+              </a:defRPr>
+            </a:lvl6pPr>
+            <a:lvl7pPr marL="2743200" indent="0">
+              <a:buNone/>
+              <a:defRPr sz="1600">
+                <a:solidFill>
+                  <a:schemeClr val="tx1">
+                    <a:tint val="75000"/>
+                  </a:schemeClr>
+                </a:solidFill>
+              </a:defRPr>
+            </a:lvl7pPr>
+            <a:lvl8pPr marL="3200400" indent="0">
+              <a:buNone/>
+              <a:defRPr sz="1600">
+                <a:solidFill>
+                  <a:schemeClr val="tx1">
+                    <a:tint val="75000"/>
+                  </a:schemeClr>
+                </a:solidFill>
+              </a:defRPr>
+            </a:lvl8pPr>
+            <a:lvl9pPr marL="3657600" indent="0">
+              <a:buNone/>
+              <a:defRPr sz="1600">
+                <a:solidFill>
+                  <a:schemeClr val="tx1">
+                    <a:tint val="75000"/>
+                  </a:schemeClr>
+                </a:solidFill>
+              </a:defRPr>
+            </a:lvl9pPr>
+          </a:lstStyle>
+          <a:p>
+            <a:pPr lvl="0"/>
+            <a:r>
+              <a:rPr lang="en-US"/>
+              <a:t>Edit Master text styles</a:t>
+            </a:r>
+          </a:p>
+        </p:txBody>
+      </p:sp>
+      <p:sp>
+        <p:nvSpPr>
+          <p:cNvPr id="4" name="Date Placeholder 3">
+            <a:extLst>
+              <a:ext uri="{FF2B5EF4-FFF2-40B4-BE49-F238E27FC236}">
+                <a16:creationId xmlns:a16="http://schemas.microsoft.com/office/drawing/2014/main" id="{34BC6257-C490-4059-9E97-16E46673C65A}"/>
+              </a:ext>
+            </a:extLst>
+          </p:cNvPr>
+          <p:cNvSpPr>
+            <a:spLocks noGrp="1"/>
+          </p:cNvSpPr>
+          <p:nvPr>
+            <p:ph type="dt" sz="half" idx="10"/>
+          </p:nvPr>
+        </p:nvSpPr>
+        <p:spPr/>
+        <p:txBody>
+          <a:bodyPr/>
+          <a:lstStyle/>
+          <a:p>
+            <a:fld id="{EED1C14C-A143-42F5-B247-D0E800131009}" type="datetimeFigureOut">
+              <a:rPr lang="en-US" smtClean="0"/>
+              <a:t>7/25/2020</a:t>
+            </a:fld>
+            <a:endParaRPr lang="en-US"/>
+          </a:p>
+        </p:txBody>
+      </p:sp>
+      <p:sp>
+        <p:nvSpPr>
+          <p:cNvPr id="5" name="Footer Placeholder 4">
+            <a:extLst>
+              <a:ext uri="{FF2B5EF4-FFF2-40B4-BE49-F238E27FC236}">
+                <a16:creationId xmlns:a16="http://schemas.microsoft.com/office/drawing/2014/main" id="{7A4051CD-74EC-43C1-9F21-D33BD297FC2D}"/>
+              </a:ext>
+            </a:extLst>
+          </p:cNvPr>
+          <p:cNvSpPr>
+            <a:spLocks noGrp="1"/>
+          </p:cNvSpPr>
+          <p:nvPr>
+            <p:ph type="ftr" sz="quarter" idx="11"/>
+          </p:nvPr>
+        </p:nvSpPr>
+        <p:spPr/>
+        <p:txBody>
+          <a:bodyPr/>
+          <a:lstStyle/>
+          <a:p>
+            <a:endParaRPr lang="en-US"/>
+          </a:p>
+        </p:txBody>
+      </p:sp>
+      <p:sp>
+        <p:nvSpPr>
+          <p:cNvPr id="6" name="Slide Number Placeholder 5">
+            <a:extLst>
+              <a:ext uri="{FF2B5EF4-FFF2-40B4-BE49-F238E27FC236}">
+                <a16:creationId xmlns:a16="http://schemas.microsoft.com/office/drawing/2014/main" id="{8BC95141-29DC-41BA-BE25-E899055F3178}"/>
+              </a:ext>
+            </a:extLst>
+          </p:cNvPr>
+          <p:cNvSpPr>
+            <a:spLocks noGrp="1"/>
+          </p:cNvSpPr>
+          <p:nvPr>
+            <p:ph type="sldNum" sz="quarter" idx="12"/>
+          </p:nvPr>
+        </p:nvSpPr>
+        <p:spPr/>
+        <p:txBody>
+          <a:bodyPr/>
+          <a:lstStyle/>
+          <a:p>
+            <a:fld id="{5B03D32D-F1BC-4E9C-97E1-36CFF5B22341}" type="slidenum">
+              <a:rPr lang="en-US" smtClean="0"/>
+              <a:t>‹#›</a:t>
+            </a:fld>
+            <a:endParaRPr lang="en-US"/>
+          </a:p>
+        </p:txBody>
+      </p:sp>
+    </p:spTree>
+    <p:extLst>
+      <p:ext uri="{BB962C8B-B14F-4D97-AF65-F5344CB8AC3E}">
+        <p14:creationId xmlns:p14="http://schemas.microsoft.com/office/powerpoint/2010/main" val="694532379"/>
+      </p:ext>
+    </p:extLst>
+  </p:cSld>
+  <p:clrMapOvr>
+    <a:masterClrMapping/>
+  </p:clrMapOvr>
+</p:sldLayout>
+</file>
+
+<file path=ppt/slideLayouts/slideLayout21.xml><?xml version="1.0" encoding="utf-8"?>
+<p:sldLayout xmlns:a="http://schemas.openxmlformats.org/drawingml/2006/main" xmlns:r="http://schemas.openxmlformats.org/officeDocument/2006/relationships" xmlns:p="http://schemas.openxmlformats.org/presentationml/2006/main" type="twoObj" preserve="1">
+  <p:cSld name="Two Content">
+    <p:spTree>
+      <p:nvGrpSpPr>
+        <p:cNvPr id="1" name=""/>
+        <p:cNvGrpSpPr/>
+        <p:nvPr/>
+      </p:nvGrpSpPr>
+      <p:grpSpPr>
+        <a:xfrm>
+          <a:off x="0" y="0"/>
+          <a:ext cx="0" cy="0"/>
+          <a:chOff x="0" y="0"/>
+          <a:chExt cx="0" cy="0"/>
+        </a:xfrm>
+      </p:grpSpPr>
+      <p:sp>
+        <p:nvSpPr>
+          <p:cNvPr id="2" name="Title 1">
+            <a:extLst>
+              <a:ext uri="{FF2B5EF4-FFF2-40B4-BE49-F238E27FC236}">
+                <a16:creationId xmlns:a16="http://schemas.microsoft.com/office/drawing/2014/main" id="{2134FC21-AE04-4050-80E6-D9DCA4B50C9B}"/>
+              </a:ext>
+            </a:extLst>
+          </p:cNvPr>
+          <p:cNvSpPr>
+            <a:spLocks noGrp="1"/>
+          </p:cNvSpPr>
+          <p:nvPr>
+            <p:ph type="title"/>
+          </p:nvPr>
+        </p:nvSpPr>
+        <p:spPr/>
+        <p:txBody>
+          <a:bodyPr/>
+          <a:lstStyle/>
+          <a:p>
+            <a:r>
+              <a:rPr lang="en-US"/>
+              <a:t>Click to edit Master title style</a:t>
+            </a:r>
+          </a:p>
+        </p:txBody>
+      </p:sp>
+      <p:sp>
+        <p:nvSpPr>
+          <p:cNvPr id="3" name="Content Placeholder 2">
+            <a:extLst>
+              <a:ext uri="{FF2B5EF4-FFF2-40B4-BE49-F238E27FC236}">
+                <a16:creationId xmlns:a16="http://schemas.microsoft.com/office/drawing/2014/main" id="{51885F7E-EF45-48F7-9E54-C6806D0E9638}"/>
+              </a:ext>
+            </a:extLst>
+          </p:cNvPr>
+          <p:cNvSpPr>
+            <a:spLocks noGrp="1"/>
+          </p:cNvSpPr>
+          <p:nvPr>
+            <p:ph sz="half" idx="1"/>
+          </p:nvPr>
+        </p:nvSpPr>
+        <p:spPr>
+          <a:xfrm>
+            <a:off x="838200" y="1825625"/>
+            <a:ext cx="5181600" cy="4351338"/>
+          </a:xfrm>
+        </p:spPr>
+        <p:txBody>
+          <a:bodyPr/>
+          <a:lstStyle/>
+          <a:p>
+            <a:pPr lvl="0"/>
+            <a:r>
+              <a:rPr lang="en-US"/>
+              <a:t>Edit Master text styles</a:t>
+            </a:r>
+          </a:p>
+          <a:p>
+            <a:pPr lvl="1"/>
+            <a:r>
+              <a:rPr lang="en-US"/>
+              <a:t>Second level</a:t>
+            </a:r>
+          </a:p>
+          <a:p>
+            <a:pPr lvl="2"/>
+            <a:r>
+              <a:rPr lang="en-US"/>
+              <a:t>Third level</a:t>
+            </a:r>
+          </a:p>
+          <a:p>
+            <a:pPr lvl="3"/>
+            <a:r>
+              <a:rPr lang="en-US"/>
+              <a:t>Fourth level</a:t>
+            </a:r>
+          </a:p>
+          <a:p>
+            <a:pPr lvl="4"/>
+            <a:r>
+              <a:rPr lang="en-US"/>
+              <a:t>Fifth level</a:t>
+            </a:r>
+          </a:p>
+        </p:txBody>
+      </p:sp>
+      <p:sp>
+        <p:nvSpPr>
+          <p:cNvPr id="4" name="Content Placeholder 3">
+            <a:extLst>
+              <a:ext uri="{FF2B5EF4-FFF2-40B4-BE49-F238E27FC236}">
+                <a16:creationId xmlns:a16="http://schemas.microsoft.com/office/drawing/2014/main" id="{7724501F-6ED5-4112-B037-D3E9F8CF2C81}"/>
+              </a:ext>
+            </a:extLst>
+          </p:cNvPr>
+          <p:cNvSpPr>
+            <a:spLocks noGrp="1"/>
+          </p:cNvSpPr>
+          <p:nvPr>
+            <p:ph sz="half" idx="2"/>
+          </p:nvPr>
+        </p:nvSpPr>
+        <p:spPr>
+          <a:xfrm>
+            <a:off x="6172200" y="1825625"/>
+            <a:ext cx="5181600" cy="4351338"/>
+          </a:xfrm>
+        </p:spPr>
+        <p:txBody>
+          <a:bodyPr/>
+          <a:lstStyle/>
+          <a:p>
+            <a:pPr lvl="0"/>
+            <a:r>
+              <a:rPr lang="en-US"/>
+              <a:t>Edit Master text styles</a:t>
+            </a:r>
+          </a:p>
+          <a:p>
+            <a:pPr lvl="1"/>
+            <a:r>
+              <a:rPr lang="en-US"/>
+              <a:t>Second level</a:t>
+            </a:r>
+          </a:p>
+          <a:p>
+            <a:pPr lvl="2"/>
+            <a:r>
+              <a:rPr lang="en-US"/>
+              <a:t>Third level</a:t>
+            </a:r>
+          </a:p>
+          <a:p>
+            <a:pPr lvl="3"/>
+            <a:r>
+              <a:rPr lang="en-US"/>
+              <a:t>Fourth level</a:t>
+            </a:r>
+          </a:p>
+          <a:p>
+            <a:pPr lvl="4"/>
+            <a:r>
+              <a:rPr lang="en-US"/>
+              <a:t>Fifth level</a:t>
+            </a:r>
+          </a:p>
+        </p:txBody>
+      </p:sp>
+      <p:sp>
+        <p:nvSpPr>
+          <p:cNvPr id="5" name="Date Placeholder 4">
+            <a:extLst>
+              <a:ext uri="{FF2B5EF4-FFF2-40B4-BE49-F238E27FC236}">
+                <a16:creationId xmlns:a16="http://schemas.microsoft.com/office/drawing/2014/main" id="{E861E48C-176E-4E60-8CB3-5425169963CD}"/>
+              </a:ext>
+            </a:extLst>
+          </p:cNvPr>
+          <p:cNvSpPr>
+            <a:spLocks noGrp="1"/>
+          </p:cNvSpPr>
+          <p:nvPr>
+            <p:ph type="dt" sz="half" idx="10"/>
+          </p:nvPr>
+        </p:nvSpPr>
+        <p:spPr/>
+        <p:txBody>
+          <a:bodyPr/>
+          <a:lstStyle/>
+          <a:p>
+            <a:fld id="{EED1C14C-A143-42F5-B247-D0E800131009}" type="datetimeFigureOut">
+              <a:rPr lang="en-US" smtClean="0"/>
+              <a:t>7/25/2020</a:t>
+            </a:fld>
+            <a:endParaRPr lang="en-US"/>
+          </a:p>
+        </p:txBody>
+      </p:sp>
+      <p:sp>
+        <p:nvSpPr>
+          <p:cNvPr id="6" name="Footer Placeholder 5">
+            <a:extLst>
+              <a:ext uri="{FF2B5EF4-FFF2-40B4-BE49-F238E27FC236}">
+                <a16:creationId xmlns:a16="http://schemas.microsoft.com/office/drawing/2014/main" id="{5852202B-C929-4B39-AF47-D17C38F868E8}"/>
+              </a:ext>
+            </a:extLst>
+          </p:cNvPr>
+          <p:cNvSpPr>
+            <a:spLocks noGrp="1"/>
+          </p:cNvSpPr>
+          <p:nvPr>
+            <p:ph type="ftr" sz="quarter" idx="11"/>
+          </p:nvPr>
+        </p:nvSpPr>
+        <p:spPr/>
+        <p:txBody>
+          <a:bodyPr/>
+          <a:lstStyle/>
+          <a:p>
+            <a:endParaRPr lang="en-US"/>
+          </a:p>
+        </p:txBody>
+      </p:sp>
+      <p:sp>
+        <p:nvSpPr>
+          <p:cNvPr id="7" name="Slide Number Placeholder 6">
+            <a:extLst>
+              <a:ext uri="{FF2B5EF4-FFF2-40B4-BE49-F238E27FC236}">
+                <a16:creationId xmlns:a16="http://schemas.microsoft.com/office/drawing/2014/main" id="{7DEEEBF3-930A-4A23-810D-C1880E7A6D29}"/>
+              </a:ext>
+            </a:extLst>
+          </p:cNvPr>
+          <p:cNvSpPr>
+            <a:spLocks noGrp="1"/>
+          </p:cNvSpPr>
+          <p:nvPr>
+            <p:ph type="sldNum" sz="quarter" idx="12"/>
+          </p:nvPr>
+        </p:nvSpPr>
+        <p:spPr/>
+        <p:txBody>
+          <a:bodyPr/>
+          <a:lstStyle/>
+          <a:p>
+            <a:fld id="{5B03D32D-F1BC-4E9C-97E1-36CFF5B22341}" type="slidenum">
+              <a:rPr lang="en-US" smtClean="0"/>
+              <a:t>‹#›</a:t>
+            </a:fld>
+            <a:endParaRPr lang="en-US"/>
+          </a:p>
+        </p:txBody>
+      </p:sp>
+    </p:spTree>
+    <p:extLst>
+      <p:ext uri="{BB962C8B-B14F-4D97-AF65-F5344CB8AC3E}">
+        <p14:creationId xmlns:p14="http://schemas.microsoft.com/office/powerpoint/2010/main" val="1723384594"/>
+      </p:ext>
+    </p:extLst>
+  </p:cSld>
+  <p:clrMapOvr>
+    <a:masterClrMapping/>
+  </p:clrMapOvr>
+</p:sldLayout>
+</file>
+
+<file path=ppt/slideLayouts/slideLayout22.xml><?xml version="1.0" encoding="utf-8"?>
+<p:sldLayout xmlns:a="http://schemas.openxmlformats.org/drawingml/2006/main" xmlns:r="http://schemas.openxmlformats.org/officeDocument/2006/relationships" xmlns:p="http://schemas.openxmlformats.org/presentationml/2006/main" type="twoTxTwoObj" preserve="1">
+  <p:cSld name="Comparison">
+    <p:spTree>
+      <p:nvGrpSpPr>
+        <p:cNvPr id="1" name=""/>
+        <p:cNvGrpSpPr/>
+        <p:nvPr/>
+      </p:nvGrpSpPr>
+      <p:grpSpPr>
+        <a:xfrm>
+          <a:off x="0" y="0"/>
+          <a:ext cx="0" cy="0"/>
+          <a:chOff x="0" y="0"/>
+          <a:chExt cx="0" cy="0"/>
+        </a:xfrm>
+      </p:grpSpPr>
+      <p:sp>
+        <p:nvSpPr>
+          <p:cNvPr id="2" name="Title 1">
+            <a:extLst>
+              <a:ext uri="{FF2B5EF4-FFF2-40B4-BE49-F238E27FC236}">
+                <a16:creationId xmlns:a16="http://schemas.microsoft.com/office/drawing/2014/main" id="{40448E08-A828-430D-B8A6-7302E570AD2B}"/>
+              </a:ext>
+            </a:extLst>
+          </p:cNvPr>
+          <p:cNvSpPr>
+            <a:spLocks noGrp="1"/>
+          </p:cNvSpPr>
+          <p:nvPr>
+            <p:ph type="title"/>
+          </p:nvPr>
+        </p:nvSpPr>
+        <p:spPr>
+          <a:xfrm>
+            <a:off x="839788" y="365125"/>
+            <a:ext cx="10515600" cy="1325563"/>
+          </a:xfrm>
+        </p:spPr>
+        <p:txBody>
+          <a:bodyPr/>
+          <a:lstStyle/>
+          <a:p>
+            <a:r>
+              <a:rPr lang="en-US"/>
+              <a:t>Click to edit Master title style</a:t>
+            </a:r>
+          </a:p>
+        </p:txBody>
+      </p:sp>
+      <p:sp>
+        <p:nvSpPr>
+          <p:cNvPr id="3" name="Text Placeholder 2">
+            <a:extLst>
+              <a:ext uri="{FF2B5EF4-FFF2-40B4-BE49-F238E27FC236}">
+                <a16:creationId xmlns:a16="http://schemas.microsoft.com/office/drawing/2014/main" id="{71FF5402-465C-4E68-BF7E-BFE1177B55A2}"/>
+              </a:ext>
+            </a:extLst>
+          </p:cNvPr>
+          <p:cNvSpPr>
+            <a:spLocks noGrp="1"/>
+          </p:cNvSpPr>
+          <p:nvPr>
+            <p:ph type="body" idx="1"/>
+          </p:nvPr>
+        </p:nvSpPr>
+        <p:spPr>
+          <a:xfrm>
+            <a:off x="839788" y="1681163"/>
+            <a:ext cx="5157787" cy="823912"/>
+          </a:xfrm>
+        </p:spPr>
+        <p:txBody>
+          <a:bodyPr anchor="b"/>
+          <a:lstStyle>
+            <a:lvl1pPr marL="0" indent="0">
+              <a:buNone/>
+              <a:defRPr sz="2400" b="1"/>
+            </a:lvl1pPr>
+            <a:lvl2pPr marL="457200" indent="0">
+              <a:buNone/>
+              <a:defRPr sz="2000" b="1"/>
+            </a:lvl2pPr>
+            <a:lvl3pPr marL="914400" indent="0">
+              <a:buNone/>
+              <a:defRPr sz="1800" b="1"/>
+            </a:lvl3pPr>
+            <a:lvl4pPr marL="1371600" indent="0">
+              <a:buNone/>
+              <a:defRPr sz="1600" b="1"/>
+            </a:lvl4pPr>
+            <a:lvl5pPr marL="1828800" indent="0">
+              <a:buNone/>
+              <a:defRPr sz="1600" b="1"/>
+            </a:lvl5pPr>
+            <a:lvl6pPr marL="2286000" indent="0">
+              <a:buNone/>
+              <a:defRPr sz="1600" b="1"/>
+            </a:lvl6pPr>
+            <a:lvl7pPr marL="2743200" indent="0">
+              <a:buNone/>
+              <a:defRPr sz="1600" b="1"/>
+            </a:lvl7pPr>
+            <a:lvl8pPr marL="3200400" indent="0">
+              <a:buNone/>
+              <a:defRPr sz="1600" b="1"/>
+            </a:lvl8pPr>
+            <a:lvl9pPr marL="3657600" indent="0">
+              <a:buNone/>
+              <a:defRPr sz="1600" b="1"/>
+            </a:lvl9pPr>
+          </a:lstStyle>
+          <a:p>
+            <a:pPr lvl="0"/>
+            <a:r>
+              <a:rPr lang="en-US"/>
+              <a:t>Edit Master text styles</a:t>
+            </a:r>
+          </a:p>
+        </p:txBody>
+      </p:sp>
+      <p:sp>
+        <p:nvSpPr>
+          <p:cNvPr id="4" name="Content Placeholder 3">
+            <a:extLst>
+              <a:ext uri="{FF2B5EF4-FFF2-40B4-BE49-F238E27FC236}">
+                <a16:creationId xmlns:a16="http://schemas.microsoft.com/office/drawing/2014/main" id="{469B917D-5EC9-44FC-B8A7-9ADF4ADC4FAB}"/>
+              </a:ext>
+            </a:extLst>
+          </p:cNvPr>
+          <p:cNvSpPr>
+            <a:spLocks noGrp="1"/>
+          </p:cNvSpPr>
+          <p:nvPr>
+            <p:ph sz="half" idx="2"/>
+          </p:nvPr>
+        </p:nvSpPr>
+        <p:spPr>
+          <a:xfrm>
+            <a:off x="839788" y="2505075"/>
+            <a:ext cx="5157787" cy="3684588"/>
+          </a:xfrm>
+        </p:spPr>
+        <p:txBody>
+          <a:bodyPr/>
+          <a:lstStyle/>
+          <a:p>
+            <a:pPr lvl="0"/>
+            <a:r>
+              <a:rPr lang="en-US"/>
+              <a:t>Edit Master text styles</a:t>
+            </a:r>
+          </a:p>
+          <a:p>
+            <a:pPr lvl="1"/>
+            <a:r>
+              <a:rPr lang="en-US"/>
+              <a:t>Second level</a:t>
+            </a:r>
+          </a:p>
+          <a:p>
+            <a:pPr lvl="2"/>
+            <a:r>
+              <a:rPr lang="en-US"/>
+              <a:t>Third level</a:t>
+            </a:r>
+          </a:p>
+          <a:p>
+            <a:pPr lvl="3"/>
+            <a:r>
+              <a:rPr lang="en-US"/>
+              <a:t>Fourth level</a:t>
+            </a:r>
+          </a:p>
+          <a:p>
+            <a:pPr lvl="4"/>
+            <a:r>
+              <a:rPr lang="en-US"/>
+              <a:t>Fifth level</a:t>
+            </a:r>
+          </a:p>
+        </p:txBody>
+      </p:sp>
+      <p:sp>
+        <p:nvSpPr>
+          <p:cNvPr id="5" name="Text Placeholder 4">
+            <a:extLst>
+              <a:ext uri="{FF2B5EF4-FFF2-40B4-BE49-F238E27FC236}">
+                <a16:creationId xmlns:a16="http://schemas.microsoft.com/office/drawing/2014/main" id="{43DCF5D4-E55C-42FF-A7E5-2466DE35B8C0}"/>
+              </a:ext>
+            </a:extLst>
+          </p:cNvPr>
+          <p:cNvSpPr>
+            <a:spLocks noGrp="1"/>
+          </p:cNvSpPr>
+          <p:nvPr>
+            <p:ph type="body" sz="quarter" idx="3"/>
+          </p:nvPr>
+        </p:nvSpPr>
+        <p:spPr>
+          <a:xfrm>
+            <a:off x="6172200" y="1681163"/>
+            <a:ext cx="5183188" cy="823912"/>
+          </a:xfrm>
+        </p:spPr>
+        <p:txBody>
+          <a:bodyPr anchor="b"/>
+          <a:lstStyle>
+            <a:lvl1pPr marL="0" indent="0">
+              <a:buNone/>
+              <a:defRPr sz="2400" b="1"/>
+            </a:lvl1pPr>
+            <a:lvl2pPr marL="457200" indent="0">
+              <a:buNone/>
+              <a:defRPr sz="2000" b="1"/>
+            </a:lvl2pPr>
+            <a:lvl3pPr marL="914400" indent="0">
+              <a:buNone/>
+              <a:defRPr sz="1800" b="1"/>
+            </a:lvl3pPr>
+            <a:lvl4pPr marL="1371600" indent="0">
+              <a:buNone/>
+              <a:defRPr sz="1600" b="1"/>
+            </a:lvl4pPr>
+            <a:lvl5pPr marL="1828800" indent="0">
+              <a:buNone/>
+              <a:defRPr sz="1600" b="1"/>
+            </a:lvl5pPr>
+            <a:lvl6pPr marL="2286000" indent="0">
+              <a:buNone/>
+              <a:defRPr sz="1600" b="1"/>
+            </a:lvl6pPr>
+            <a:lvl7pPr marL="2743200" indent="0">
+              <a:buNone/>
+              <a:defRPr sz="1600" b="1"/>
+            </a:lvl7pPr>
+            <a:lvl8pPr marL="3200400" indent="0">
+              <a:buNone/>
+              <a:defRPr sz="1600" b="1"/>
+            </a:lvl8pPr>
+            <a:lvl9pPr marL="3657600" indent="0">
+              <a:buNone/>
+              <a:defRPr sz="1600" b="1"/>
+            </a:lvl9pPr>
+          </a:lstStyle>
+          <a:p>
+            <a:pPr lvl="0"/>
+            <a:r>
+              <a:rPr lang="en-US"/>
+              <a:t>Edit Master text styles</a:t>
+            </a:r>
+          </a:p>
+        </p:txBody>
+      </p:sp>
+      <p:sp>
+        <p:nvSpPr>
+          <p:cNvPr id="6" name="Content Placeholder 5">
+            <a:extLst>
+              <a:ext uri="{FF2B5EF4-FFF2-40B4-BE49-F238E27FC236}">
+                <a16:creationId xmlns:a16="http://schemas.microsoft.com/office/drawing/2014/main" id="{B7579A7F-77F4-4169-8D51-212344199842}"/>
+              </a:ext>
+            </a:extLst>
+          </p:cNvPr>
+          <p:cNvSpPr>
+            <a:spLocks noGrp="1"/>
+          </p:cNvSpPr>
+          <p:nvPr>
+            <p:ph sz="quarter" idx="4"/>
+          </p:nvPr>
+        </p:nvSpPr>
+        <p:spPr>
+          <a:xfrm>
+            <a:off x="6172200" y="2505075"/>
+            <a:ext cx="5183188" cy="3684588"/>
+          </a:xfrm>
+        </p:spPr>
+        <p:txBody>
+          <a:bodyPr/>
+          <a:lstStyle/>
+          <a:p>
+            <a:pPr lvl="0"/>
+            <a:r>
+              <a:rPr lang="en-US"/>
+              <a:t>Edit Master text styles</a:t>
+            </a:r>
+          </a:p>
+          <a:p>
+            <a:pPr lvl="1"/>
+            <a:r>
+              <a:rPr lang="en-US"/>
+              <a:t>Second level</a:t>
+            </a:r>
+          </a:p>
+          <a:p>
+            <a:pPr lvl="2"/>
+            <a:r>
+              <a:rPr lang="en-US"/>
+              <a:t>Third level</a:t>
+            </a:r>
+          </a:p>
+          <a:p>
+            <a:pPr lvl="3"/>
+            <a:r>
+              <a:rPr lang="en-US"/>
+              <a:t>Fourth level</a:t>
+            </a:r>
+          </a:p>
+          <a:p>
+            <a:pPr lvl="4"/>
+            <a:r>
+              <a:rPr lang="en-US"/>
+              <a:t>Fifth level</a:t>
+            </a:r>
+          </a:p>
+        </p:txBody>
+      </p:sp>
+      <p:sp>
+        <p:nvSpPr>
+          <p:cNvPr id="7" name="Date Placeholder 6">
+            <a:extLst>
+              <a:ext uri="{FF2B5EF4-FFF2-40B4-BE49-F238E27FC236}">
+                <a16:creationId xmlns:a16="http://schemas.microsoft.com/office/drawing/2014/main" id="{2A735923-3BB5-4F33-8E76-56665E95B55A}"/>
+              </a:ext>
+            </a:extLst>
+          </p:cNvPr>
+          <p:cNvSpPr>
+            <a:spLocks noGrp="1"/>
+          </p:cNvSpPr>
+          <p:nvPr>
+            <p:ph type="dt" sz="half" idx="10"/>
+          </p:nvPr>
+        </p:nvSpPr>
+        <p:spPr/>
+        <p:txBody>
+          <a:bodyPr/>
+          <a:lstStyle/>
+          <a:p>
+            <a:fld id="{EED1C14C-A143-42F5-B247-D0E800131009}" type="datetimeFigureOut">
+              <a:rPr lang="en-US" smtClean="0"/>
+              <a:t>7/25/2020</a:t>
+            </a:fld>
+            <a:endParaRPr lang="en-US"/>
+          </a:p>
+        </p:txBody>
+      </p:sp>
+      <p:sp>
+        <p:nvSpPr>
+          <p:cNvPr id="8" name="Footer Placeholder 7">
+            <a:extLst>
+              <a:ext uri="{FF2B5EF4-FFF2-40B4-BE49-F238E27FC236}">
+                <a16:creationId xmlns:a16="http://schemas.microsoft.com/office/drawing/2014/main" id="{FA43FC79-7089-4373-88DC-12501E78201F}"/>
+              </a:ext>
+            </a:extLst>
+          </p:cNvPr>
+          <p:cNvSpPr>
+            <a:spLocks noGrp="1"/>
+          </p:cNvSpPr>
+          <p:nvPr>
+            <p:ph type="ftr" sz="quarter" idx="11"/>
+          </p:nvPr>
+        </p:nvSpPr>
+        <p:spPr/>
+        <p:txBody>
+          <a:bodyPr/>
+          <a:lstStyle/>
+          <a:p>
+            <a:endParaRPr lang="en-US"/>
+          </a:p>
+        </p:txBody>
+      </p:sp>
+      <p:sp>
+        <p:nvSpPr>
+          <p:cNvPr id="9" name="Slide Number Placeholder 8">
+            <a:extLst>
+              <a:ext uri="{FF2B5EF4-FFF2-40B4-BE49-F238E27FC236}">
+                <a16:creationId xmlns:a16="http://schemas.microsoft.com/office/drawing/2014/main" id="{B4E0BEB1-B009-47B7-B159-DE05E615E710}"/>
+              </a:ext>
+            </a:extLst>
+          </p:cNvPr>
+          <p:cNvSpPr>
+            <a:spLocks noGrp="1"/>
+          </p:cNvSpPr>
+          <p:nvPr>
+            <p:ph type="sldNum" sz="quarter" idx="12"/>
+          </p:nvPr>
+        </p:nvSpPr>
+        <p:spPr/>
+        <p:txBody>
+          <a:bodyPr/>
+          <a:lstStyle/>
+          <a:p>
+            <a:fld id="{5B03D32D-F1BC-4E9C-97E1-36CFF5B22341}" type="slidenum">
+              <a:rPr lang="en-US" smtClean="0"/>
+              <a:t>‹#›</a:t>
+            </a:fld>
+            <a:endParaRPr lang="en-US"/>
+          </a:p>
+        </p:txBody>
+      </p:sp>
+    </p:spTree>
+    <p:extLst>
+      <p:ext uri="{BB962C8B-B14F-4D97-AF65-F5344CB8AC3E}">
+        <p14:creationId xmlns:p14="http://schemas.microsoft.com/office/powerpoint/2010/main" val="2419726589"/>
+      </p:ext>
+    </p:extLst>
+  </p:cSld>
+  <p:clrMapOvr>
+    <a:masterClrMapping/>
+  </p:clrMapOvr>
+</p:sldLayout>
+</file>
+
+<file path=ppt/slideLayouts/slideLayout23.xml><?xml version="1.0" encoding="utf-8"?>
+<p:sldLayout xmlns:a="http://schemas.openxmlformats.org/drawingml/2006/main" xmlns:r="http://schemas.openxmlformats.org/officeDocument/2006/relationships" xmlns:p="http://schemas.openxmlformats.org/presentationml/2006/main" type="titleOnly" preserve="1">
+  <p:cSld name="Title Only">
+    <p:spTree>
+      <p:nvGrpSpPr>
+        <p:cNvPr id="1" name=""/>
+        <p:cNvGrpSpPr/>
+        <p:nvPr/>
+      </p:nvGrpSpPr>
+      <p:grpSpPr>
+        <a:xfrm>
+          <a:off x="0" y="0"/>
+          <a:ext cx="0" cy="0"/>
+          <a:chOff x="0" y="0"/>
+          <a:chExt cx="0" cy="0"/>
+        </a:xfrm>
+      </p:grpSpPr>
+      <p:sp>
+        <p:nvSpPr>
+          <p:cNvPr id="2" name="Title 1">
+            <a:extLst>
+              <a:ext uri="{FF2B5EF4-FFF2-40B4-BE49-F238E27FC236}">
+                <a16:creationId xmlns:a16="http://schemas.microsoft.com/office/drawing/2014/main" id="{1165FFCC-78CC-4E9D-A277-8230F27334A9}"/>
+              </a:ext>
+            </a:extLst>
+          </p:cNvPr>
+          <p:cNvSpPr>
+            <a:spLocks noGrp="1"/>
+          </p:cNvSpPr>
+          <p:nvPr>
+            <p:ph type="title"/>
+          </p:nvPr>
+        </p:nvSpPr>
+        <p:spPr/>
+        <p:txBody>
+          <a:bodyPr/>
+          <a:lstStyle/>
+          <a:p>
+            <a:r>
+              <a:rPr lang="en-US"/>
+              <a:t>Click to edit Master title style</a:t>
+            </a:r>
+          </a:p>
+        </p:txBody>
+      </p:sp>
+      <p:sp>
+        <p:nvSpPr>
+          <p:cNvPr id="3" name="Date Placeholder 2">
+            <a:extLst>
+              <a:ext uri="{FF2B5EF4-FFF2-40B4-BE49-F238E27FC236}">
+                <a16:creationId xmlns:a16="http://schemas.microsoft.com/office/drawing/2014/main" id="{744CEFE7-D923-48C1-B2FE-8110829C69E3}"/>
+              </a:ext>
+            </a:extLst>
+          </p:cNvPr>
+          <p:cNvSpPr>
+            <a:spLocks noGrp="1"/>
+          </p:cNvSpPr>
+          <p:nvPr>
+            <p:ph type="dt" sz="half" idx="10"/>
+          </p:nvPr>
+        </p:nvSpPr>
+        <p:spPr/>
+        <p:txBody>
+          <a:bodyPr/>
+          <a:lstStyle/>
+          <a:p>
+            <a:fld id="{EED1C14C-A143-42F5-B247-D0E800131009}" type="datetimeFigureOut">
+              <a:rPr lang="en-US" smtClean="0"/>
+              <a:t>7/25/2020</a:t>
+            </a:fld>
+            <a:endParaRPr lang="en-US"/>
+          </a:p>
+        </p:txBody>
+      </p:sp>
+      <p:sp>
+        <p:nvSpPr>
+          <p:cNvPr id="4" name="Footer Placeholder 3">
+            <a:extLst>
+              <a:ext uri="{FF2B5EF4-FFF2-40B4-BE49-F238E27FC236}">
+                <a16:creationId xmlns:a16="http://schemas.microsoft.com/office/drawing/2014/main" id="{A68F91C9-7841-4F7B-8F24-B5FF45B5B391}"/>
+              </a:ext>
+            </a:extLst>
+          </p:cNvPr>
+          <p:cNvSpPr>
+            <a:spLocks noGrp="1"/>
+          </p:cNvSpPr>
+          <p:nvPr>
+            <p:ph type="ftr" sz="quarter" idx="11"/>
+          </p:nvPr>
+        </p:nvSpPr>
+        <p:spPr/>
+        <p:txBody>
+          <a:bodyPr/>
+          <a:lstStyle/>
+          <a:p>
+            <a:endParaRPr lang="en-US"/>
+          </a:p>
+        </p:txBody>
+      </p:sp>
+      <p:sp>
+        <p:nvSpPr>
+          <p:cNvPr id="5" name="Slide Number Placeholder 4">
+            <a:extLst>
+              <a:ext uri="{FF2B5EF4-FFF2-40B4-BE49-F238E27FC236}">
+                <a16:creationId xmlns:a16="http://schemas.microsoft.com/office/drawing/2014/main" id="{B8896739-CF17-4867-A5ED-317AD19F5A3B}"/>
+              </a:ext>
+            </a:extLst>
+          </p:cNvPr>
+          <p:cNvSpPr>
+            <a:spLocks noGrp="1"/>
+          </p:cNvSpPr>
+          <p:nvPr>
+            <p:ph type="sldNum" sz="quarter" idx="12"/>
+          </p:nvPr>
+        </p:nvSpPr>
+        <p:spPr/>
+        <p:txBody>
+          <a:bodyPr/>
+          <a:lstStyle/>
+          <a:p>
+            <a:fld id="{5B03D32D-F1BC-4E9C-97E1-36CFF5B22341}" type="slidenum">
+              <a:rPr lang="en-US" smtClean="0"/>
+              <a:t>‹#›</a:t>
+            </a:fld>
+            <a:endParaRPr lang="en-US"/>
+          </a:p>
+        </p:txBody>
+      </p:sp>
+    </p:spTree>
+    <p:extLst>
+      <p:ext uri="{BB962C8B-B14F-4D97-AF65-F5344CB8AC3E}">
+        <p14:creationId xmlns:p14="http://schemas.microsoft.com/office/powerpoint/2010/main" val="953114326"/>
+      </p:ext>
+    </p:extLst>
+  </p:cSld>
+  <p:clrMapOvr>
+    <a:masterClrMapping/>
+  </p:clrMapOvr>
+</p:sldLayout>
+</file>
+
+<file path=ppt/slideLayouts/slideLayout24.xml><?xml version="1.0" encoding="utf-8"?>
+<p:sldLayout xmlns:a="http://schemas.openxmlformats.org/drawingml/2006/main" xmlns:r="http://schemas.openxmlformats.org/officeDocument/2006/relationships" xmlns:p="http://schemas.openxmlformats.org/presentationml/2006/main" type="blank" preserve="1">
+  <p:cSld name="Blank">
+    <p:spTree>
+      <p:nvGrpSpPr>
+        <p:cNvPr id="1" name=""/>
+        <p:cNvGrpSpPr/>
+        <p:nvPr/>
+      </p:nvGrpSpPr>
+      <p:grpSpPr>
+        <a:xfrm>
+          <a:off x="0" y="0"/>
+          <a:ext cx="0" cy="0"/>
+          <a:chOff x="0" y="0"/>
+          <a:chExt cx="0" cy="0"/>
+        </a:xfrm>
+      </p:grpSpPr>
+      <p:sp>
+        <p:nvSpPr>
+          <p:cNvPr id="2" name="Date Placeholder 1">
+            <a:extLst>
+              <a:ext uri="{FF2B5EF4-FFF2-40B4-BE49-F238E27FC236}">
+                <a16:creationId xmlns:a16="http://schemas.microsoft.com/office/drawing/2014/main" id="{94E8942B-5ECF-4556-91C2-496E4C52EF8A}"/>
+              </a:ext>
+            </a:extLst>
+          </p:cNvPr>
+          <p:cNvSpPr>
+            <a:spLocks noGrp="1"/>
+          </p:cNvSpPr>
+          <p:nvPr>
+            <p:ph type="dt" sz="half" idx="10"/>
+          </p:nvPr>
+        </p:nvSpPr>
+        <p:spPr/>
+        <p:txBody>
+          <a:bodyPr/>
+          <a:lstStyle/>
+          <a:p>
+            <a:fld id="{EED1C14C-A143-42F5-B247-D0E800131009}" type="datetimeFigureOut">
+              <a:rPr lang="en-US" smtClean="0"/>
+              <a:t>7/25/2020</a:t>
+            </a:fld>
+            <a:endParaRPr lang="en-US"/>
+          </a:p>
+        </p:txBody>
+      </p:sp>
+      <p:sp>
+        <p:nvSpPr>
+          <p:cNvPr id="3" name="Footer Placeholder 2">
+            <a:extLst>
+              <a:ext uri="{FF2B5EF4-FFF2-40B4-BE49-F238E27FC236}">
+                <a16:creationId xmlns:a16="http://schemas.microsoft.com/office/drawing/2014/main" id="{3E1589EF-E9AD-45F7-BFBE-6F8AD3570337}"/>
+              </a:ext>
+            </a:extLst>
+          </p:cNvPr>
+          <p:cNvSpPr>
+            <a:spLocks noGrp="1"/>
+          </p:cNvSpPr>
+          <p:nvPr>
+            <p:ph type="ftr" sz="quarter" idx="11"/>
+          </p:nvPr>
+        </p:nvSpPr>
+        <p:spPr/>
+        <p:txBody>
+          <a:bodyPr/>
+          <a:lstStyle/>
+          <a:p>
+            <a:endParaRPr lang="en-US"/>
+          </a:p>
+        </p:txBody>
+      </p:sp>
+      <p:sp>
+        <p:nvSpPr>
+          <p:cNvPr id="4" name="Slide Number Placeholder 3">
+            <a:extLst>
+              <a:ext uri="{FF2B5EF4-FFF2-40B4-BE49-F238E27FC236}">
+                <a16:creationId xmlns:a16="http://schemas.microsoft.com/office/drawing/2014/main" id="{6E18E0FA-5424-403C-8462-1B7C301C65D8}"/>
+              </a:ext>
+            </a:extLst>
+          </p:cNvPr>
+          <p:cNvSpPr>
+            <a:spLocks noGrp="1"/>
+          </p:cNvSpPr>
+          <p:nvPr>
+            <p:ph type="sldNum" sz="quarter" idx="12"/>
+          </p:nvPr>
+        </p:nvSpPr>
+        <p:spPr/>
+        <p:txBody>
+          <a:bodyPr/>
+          <a:lstStyle/>
+          <a:p>
+            <a:fld id="{5B03D32D-F1BC-4E9C-97E1-36CFF5B22341}" type="slidenum">
+              <a:rPr lang="en-US" smtClean="0"/>
+              <a:t>‹#›</a:t>
+            </a:fld>
+            <a:endParaRPr lang="en-US"/>
+          </a:p>
+        </p:txBody>
+      </p:sp>
+    </p:spTree>
+    <p:extLst>
+      <p:ext uri="{BB962C8B-B14F-4D97-AF65-F5344CB8AC3E}">
+        <p14:creationId xmlns:p14="http://schemas.microsoft.com/office/powerpoint/2010/main" val="4246240454"/>
+      </p:ext>
+    </p:extLst>
+  </p:cSld>
+  <p:clrMapOvr>
+    <a:masterClrMapping/>
+  </p:clrMapOvr>
+</p:sldLayout>
+</file>
+
+<file path=ppt/slideLayouts/slideLayout25.xml><?xml version="1.0" encoding="utf-8"?>
+<p:sldLayout xmlns:a="http://schemas.openxmlformats.org/drawingml/2006/main" xmlns:r="http://schemas.openxmlformats.org/officeDocument/2006/relationships" xmlns:p="http://schemas.openxmlformats.org/presentationml/2006/main" type="objTx" preserve="1">
+  <p:cSld name="Content with Caption">
+    <p:spTree>
+      <p:nvGrpSpPr>
+        <p:cNvPr id="1" name=""/>
+        <p:cNvGrpSpPr/>
+        <p:nvPr/>
+      </p:nvGrpSpPr>
+      <p:grpSpPr>
+        <a:xfrm>
+          <a:off x="0" y="0"/>
+          <a:ext cx="0" cy="0"/>
+          <a:chOff x="0" y="0"/>
+          <a:chExt cx="0" cy="0"/>
+        </a:xfrm>
+      </p:grpSpPr>
+      <p:sp>
+        <p:nvSpPr>
+          <p:cNvPr id="2" name="Title 1">
+            <a:extLst>
+              <a:ext uri="{FF2B5EF4-FFF2-40B4-BE49-F238E27FC236}">
+                <a16:creationId xmlns:a16="http://schemas.microsoft.com/office/drawing/2014/main" id="{5AB27A56-C315-441C-9002-DFD599AED26C}"/>
+              </a:ext>
+            </a:extLst>
+          </p:cNvPr>
+          <p:cNvSpPr>
+            <a:spLocks noGrp="1"/>
+          </p:cNvSpPr>
+          <p:nvPr>
+            <p:ph type="title"/>
+          </p:nvPr>
+        </p:nvSpPr>
+        <p:spPr>
+          <a:xfrm>
+            <a:off x="839788" y="457200"/>
+            <a:ext cx="3932237" cy="1600200"/>
+          </a:xfrm>
+        </p:spPr>
+        <p:txBody>
+          <a:bodyPr anchor="b"/>
+          <a:lstStyle>
+            <a:lvl1pPr>
+              <a:defRPr sz="3200"/>
+            </a:lvl1pPr>
+          </a:lstStyle>
+          <a:p>
+            <a:r>
+              <a:rPr lang="en-US"/>
+              <a:t>Click to edit Master title style</a:t>
+            </a:r>
+          </a:p>
+        </p:txBody>
+      </p:sp>
+      <p:sp>
+        <p:nvSpPr>
+          <p:cNvPr id="3" name="Content Placeholder 2">
+            <a:extLst>
+              <a:ext uri="{FF2B5EF4-FFF2-40B4-BE49-F238E27FC236}">
+                <a16:creationId xmlns:a16="http://schemas.microsoft.com/office/drawing/2014/main" id="{C9F57D9A-8037-4B31-951B-4675ADA69390}"/>
+              </a:ext>
+            </a:extLst>
+          </p:cNvPr>
+          <p:cNvSpPr>
+            <a:spLocks noGrp="1"/>
+          </p:cNvSpPr>
+          <p:nvPr>
+            <p:ph idx="1"/>
+          </p:nvPr>
+        </p:nvSpPr>
+        <p:spPr>
+          <a:xfrm>
+            <a:off x="5183188" y="987425"/>
+            <a:ext cx="6172200" cy="4873625"/>
+          </a:xfrm>
+        </p:spPr>
+        <p:txBody>
+          <a:bodyPr/>
+          <a:lstStyle>
+            <a:lvl1pPr>
+              <a:defRPr sz="3200"/>
+            </a:lvl1pPr>
+            <a:lvl2pPr>
+              <a:defRPr sz="2800"/>
+            </a:lvl2pPr>
+            <a:lvl3pPr>
+              <a:defRPr sz="2400"/>
+            </a:lvl3pPr>
+            <a:lvl4pPr>
+              <a:defRPr sz="2000"/>
+            </a:lvl4pPr>
+            <a:lvl5pPr>
+              <a:defRPr sz="2000"/>
+            </a:lvl5pPr>
+            <a:lvl6pPr>
+              <a:defRPr sz="2000"/>
+            </a:lvl6pPr>
+            <a:lvl7pPr>
+              <a:defRPr sz="2000"/>
+            </a:lvl7pPr>
+            <a:lvl8pPr>
+              <a:defRPr sz="2000"/>
+            </a:lvl8pPr>
+            <a:lvl9pPr>
+              <a:defRPr sz="2000"/>
+            </a:lvl9pPr>
+          </a:lstStyle>
+          <a:p>
+            <a:pPr lvl="0"/>
+            <a:r>
+              <a:rPr lang="en-US"/>
+              <a:t>Edit Master text styles</a:t>
+            </a:r>
+          </a:p>
+          <a:p>
+            <a:pPr lvl="1"/>
+            <a:r>
+              <a:rPr lang="en-US"/>
+              <a:t>Second level</a:t>
+            </a:r>
+          </a:p>
+          <a:p>
+            <a:pPr lvl="2"/>
+            <a:r>
+              <a:rPr lang="en-US"/>
+              <a:t>Third level</a:t>
+            </a:r>
+          </a:p>
+          <a:p>
+            <a:pPr lvl="3"/>
+            <a:r>
+              <a:rPr lang="en-US"/>
+              <a:t>Fourth level</a:t>
+            </a:r>
+          </a:p>
+          <a:p>
+            <a:pPr lvl="4"/>
+            <a:r>
+              <a:rPr lang="en-US"/>
+              <a:t>Fifth level</a:t>
+            </a:r>
+          </a:p>
+        </p:txBody>
+      </p:sp>
+      <p:sp>
+        <p:nvSpPr>
+          <p:cNvPr id="4" name="Text Placeholder 3">
+            <a:extLst>
+              <a:ext uri="{FF2B5EF4-FFF2-40B4-BE49-F238E27FC236}">
+                <a16:creationId xmlns:a16="http://schemas.microsoft.com/office/drawing/2014/main" id="{2763141B-5121-4179-B3F6-529569122247}"/>
+              </a:ext>
+            </a:extLst>
+          </p:cNvPr>
+          <p:cNvSpPr>
+            <a:spLocks noGrp="1"/>
+          </p:cNvSpPr>
+          <p:nvPr>
+            <p:ph type="body" sz="half" idx="2"/>
+          </p:nvPr>
+        </p:nvSpPr>
+        <p:spPr>
+          <a:xfrm>
+            <a:off x="839788" y="2057400"/>
+            <a:ext cx="3932237" cy="3811588"/>
+          </a:xfrm>
+        </p:spPr>
+        <p:txBody>
+          <a:bodyPr/>
+          <a:lstStyle>
+            <a:lvl1pPr marL="0" indent="0">
+              <a:buNone/>
+              <a:defRPr sz="1600"/>
+            </a:lvl1pPr>
+            <a:lvl2pPr marL="457200" indent="0">
+              <a:buNone/>
+              <a:defRPr sz="1400"/>
+            </a:lvl2pPr>
+            <a:lvl3pPr marL="914400" indent="0">
+              <a:buNone/>
+              <a:defRPr sz="1200"/>
+            </a:lvl3pPr>
+            <a:lvl4pPr marL="1371600" indent="0">
+              <a:buNone/>
+              <a:defRPr sz="1000"/>
+            </a:lvl4pPr>
+            <a:lvl5pPr marL="1828800" indent="0">
+              <a:buNone/>
+              <a:defRPr sz="1000"/>
+            </a:lvl5pPr>
+            <a:lvl6pPr marL="2286000" indent="0">
+              <a:buNone/>
+              <a:defRPr sz="1000"/>
+            </a:lvl6pPr>
+            <a:lvl7pPr marL="2743200" indent="0">
+              <a:buNone/>
+              <a:defRPr sz="1000"/>
+            </a:lvl7pPr>
+            <a:lvl8pPr marL="3200400" indent="0">
+              <a:buNone/>
+              <a:defRPr sz="1000"/>
+            </a:lvl8pPr>
+            <a:lvl9pPr marL="3657600" indent="0">
+              <a:buNone/>
+              <a:defRPr sz="1000"/>
+            </a:lvl9pPr>
+          </a:lstStyle>
+          <a:p>
+            <a:pPr lvl="0"/>
+            <a:r>
+              <a:rPr lang="en-US"/>
+              <a:t>Edit Master text styles</a:t>
+            </a:r>
+          </a:p>
+        </p:txBody>
+      </p:sp>
+      <p:sp>
+        <p:nvSpPr>
+          <p:cNvPr id="5" name="Date Placeholder 4">
+            <a:extLst>
+              <a:ext uri="{FF2B5EF4-FFF2-40B4-BE49-F238E27FC236}">
+                <a16:creationId xmlns:a16="http://schemas.microsoft.com/office/drawing/2014/main" id="{AA60C32E-3427-4696-A55A-56886EA24AEB}"/>
+              </a:ext>
+            </a:extLst>
+          </p:cNvPr>
+          <p:cNvSpPr>
+            <a:spLocks noGrp="1"/>
+          </p:cNvSpPr>
+          <p:nvPr>
+            <p:ph type="dt" sz="half" idx="10"/>
+          </p:nvPr>
+        </p:nvSpPr>
+        <p:spPr/>
+        <p:txBody>
+          <a:bodyPr/>
+          <a:lstStyle/>
+          <a:p>
+            <a:fld id="{EED1C14C-A143-42F5-B247-D0E800131009}" type="datetimeFigureOut">
+              <a:rPr lang="en-US" smtClean="0"/>
+              <a:t>7/25/2020</a:t>
+            </a:fld>
+            <a:endParaRPr lang="en-US"/>
+          </a:p>
+        </p:txBody>
+      </p:sp>
+      <p:sp>
+        <p:nvSpPr>
+          <p:cNvPr id="6" name="Footer Placeholder 5">
+            <a:extLst>
+              <a:ext uri="{FF2B5EF4-FFF2-40B4-BE49-F238E27FC236}">
+                <a16:creationId xmlns:a16="http://schemas.microsoft.com/office/drawing/2014/main" id="{7DDFE526-7D20-4EC0-9624-E779812957B3}"/>
+              </a:ext>
+            </a:extLst>
+          </p:cNvPr>
+          <p:cNvSpPr>
+            <a:spLocks noGrp="1"/>
+          </p:cNvSpPr>
+          <p:nvPr>
+            <p:ph type="ftr" sz="quarter" idx="11"/>
+          </p:nvPr>
+        </p:nvSpPr>
+        <p:spPr/>
+        <p:txBody>
+          <a:bodyPr/>
+          <a:lstStyle/>
+          <a:p>
+            <a:endParaRPr lang="en-US"/>
+          </a:p>
+        </p:txBody>
+      </p:sp>
+      <p:sp>
+        <p:nvSpPr>
+          <p:cNvPr id="7" name="Slide Number Placeholder 6">
+            <a:extLst>
+              <a:ext uri="{FF2B5EF4-FFF2-40B4-BE49-F238E27FC236}">
+                <a16:creationId xmlns:a16="http://schemas.microsoft.com/office/drawing/2014/main" id="{C7AA82D7-E462-4060-85D6-85CF55540155}"/>
+              </a:ext>
+            </a:extLst>
+          </p:cNvPr>
+          <p:cNvSpPr>
+            <a:spLocks noGrp="1"/>
+          </p:cNvSpPr>
+          <p:nvPr>
+            <p:ph type="sldNum" sz="quarter" idx="12"/>
+          </p:nvPr>
+        </p:nvSpPr>
+        <p:spPr/>
+        <p:txBody>
+          <a:bodyPr/>
+          <a:lstStyle/>
+          <a:p>
+            <a:fld id="{5B03D32D-F1BC-4E9C-97E1-36CFF5B22341}" type="slidenum">
+              <a:rPr lang="en-US" smtClean="0"/>
+              <a:t>‹#›</a:t>
+            </a:fld>
+            <a:endParaRPr lang="en-US"/>
+          </a:p>
+        </p:txBody>
+      </p:sp>
+    </p:spTree>
+    <p:extLst>
+      <p:ext uri="{BB962C8B-B14F-4D97-AF65-F5344CB8AC3E}">
+        <p14:creationId xmlns:p14="http://schemas.microsoft.com/office/powerpoint/2010/main" val="3830305192"/>
+      </p:ext>
+    </p:extLst>
+  </p:cSld>
+  <p:clrMapOvr>
+    <a:masterClrMapping/>
+  </p:clrMapOvr>
+</p:sldLayout>
+</file>
+
+<file path=ppt/slideLayouts/slideLayout26.xml><?xml version="1.0" encoding="utf-8"?>
+<p:sldLayout xmlns:a="http://schemas.openxmlformats.org/drawingml/2006/main" xmlns:r="http://schemas.openxmlformats.org/officeDocument/2006/relationships" xmlns:p="http://schemas.openxmlformats.org/presentationml/2006/main" type="picTx" preserve="1">
+  <p:cSld name="Picture with Caption">
+    <p:spTree>
+      <p:nvGrpSpPr>
+        <p:cNvPr id="1" name=""/>
+        <p:cNvGrpSpPr/>
+        <p:nvPr/>
+      </p:nvGrpSpPr>
+      <p:grpSpPr>
+        <a:xfrm>
+          <a:off x="0" y="0"/>
+          <a:ext cx="0" cy="0"/>
+          <a:chOff x="0" y="0"/>
+          <a:chExt cx="0" cy="0"/>
+        </a:xfrm>
+      </p:grpSpPr>
+      <p:sp>
+        <p:nvSpPr>
+          <p:cNvPr id="2" name="Title 1">
+            <a:extLst>
+              <a:ext uri="{FF2B5EF4-FFF2-40B4-BE49-F238E27FC236}">
+                <a16:creationId xmlns:a16="http://schemas.microsoft.com/office/drawing/2014/main" id="{AE5E919B-BF68-4590-8CA9-A51BAC0F750F}"/>
+              </a:ext>
+            </a:extLst>
+          </p:cNvPr>
+          <p:cNvSpPr>
+            <a:spLocks noGrp="1"/>
+          </p:cNvSpPr>
+          <p:nvPr>
+            <p:ph type="title"/>
+          </p:nvPr>
+        </p:nvSpPr>
+        <p:spPr>
+          <a:xfrm>
+            <a:off x="839788" y="457200"/>
+            <a:ext cx="3932237" cy="1600200"/>
+          </a:xfrm>
+        </p:spPr>
+        <p:txBody>
+          <a:bodyPr anchor="b"/>
+          <a:lstStyle>
+            <a:lvl1pPr>
+              <a:defRPr sz="3200"/>
+            </a:lvl1pPr>
+          </a:lstStyle>
+          <a:p>
+            <a:r>
+              <a:rPr lang="en-US"/>
+              <a:t>Click to edit Master title style</a:t>
+            </a:r>
+          </a:p>
+        </p:txBody>
+      </p:sp>
+      <p:sp>
+        <p:nvSpPr>
+          <p:cNvPr id="3" name="Picture Placeholder 2">
+            <a:extLst>
+              <a:ext uri="{FF2B5EF4-FFF2-40B4-BE49-F238E27FC236}">
+                <a16:creationId xmlns:a16="http://schemas.microsoft.com/office/drawing/2014/main" id="{A04BC1AA-5C68-47DC-BBF0-1E309865E5AF}"/>
+              </a:ext>
+            </a:extLst>
+          </p:cNvPr>
+          <p:cNvSpPr>
+            <a:spLocks noGrp="1"/>
+          </p:cNvSpPr>
+          <p:nvPr>
+            <p:ph type="pic" idx="1"/>
+          </p:nvPr>
+        </p:nvSpPr>
+        <p:spPr>
+          <a:xfrm>
+            <a:off x="5183188" y="987425"/>
+            <a:ext cx="6172200" cy="4873625"/>
+          </a:xfrm>
+        </p:spPr>
+        <p:txBody>
+          <a:bodyPr/>
+          <a:lstStyle>
+            <a:lvl1pPr marL="0" indent="0">
+              <a:buNone/>
+              <a:defRPr sz="3200"/>
+            </a:lvl1pPr>
+            <a:lvl2pPr marL="457200" indent="0">
+              <a:buNone/>
+              <a:defRPr sz="2800"/>
+            </a:lvl2pPr>
+            <a:lvl3pPr marL="914400" indent="0">
+              <a:buNone/>
+              <a:defRPr sz="2400"/>
+            </a:lvl3pPr>
+            <a:lvl4pPr marL="1371600" indent="0">
+              <a:buNone/>
+              <a:defRPr sz="2000"/>
+            </a:lvl4pPr>
+            <a:lvl5pPr marL="1828800" indent="0">
+              <a:buNone/>
+              <a:defRPr sz="2000"/>
+            </a:lvl5pPr>
+            <a:lvl6pPr marL="2286000" indent="0">
+              <a:buNone/>
+              <a:defRPr sz="2000"/>
+            </a:lvl6pPr>
+            <a:lvl7pPr marL="2743200" indent="0">
+              <a:buNone/>
+              <a:defRPr sz="2000"/>
+            </a:lvl7pPr>
+            <a:lvl8pPr marL="3200400" indent="0">
+              <a:buNone/>
+              <a:defRPr sz="2000"/>
+            </a:lvl8pPr>
+            <a:lvl9pPr marL="3657600" indent="0">
+              <a:buNone/>
+              <a:defRPr sz="2000"/>
+            </a:lvl9pPr>
+          </a:lstStyle>
+          <a:p>
+            <a:endParaRPr lang="en-US"/>
+          </a:p>
+        </p:txBody>
+      </p:sp>
+      <p:sp>
+        <p:nvSpPr>
+          <p:cNvPr id="4" name="Text Placeholder 3">
+            <a:extLst>
+              <a:ext uri="{FF2B5EF4-FFF2-40B4-BE49-F238E27FC236}">
+                <a16:creationId xmlns:a16="http://schemas.microsoft.com/office/drawing/2014/main" id="{0F81A636-7F9C-43EC-B2F2-6FB3323CB79E}"/>
+              </a:ext>
+            </a:extLst>
+          </p:cNvPr>
+          <p:cNvSpPr>
+            <a:spLocks noGrp="1"/>
+          </p:cNvSpPr>
+          <p:nvPr>
+            <p:ph type="body" sz="half" idx="2"/>
+          </p:nvPr>
+        </p:nvSpPr>
+        <p:spPr>
+          <a:xfrm>
+            <a:off x="839788" y="2057400"/>
+            <a:ext cx="3932237" cy="3811588"/>
+          </a:xfrm>
+        </p:spPr>
+        <p:txBody>
+          <a:bodyPr/>
+          <a:lstStyle>
+            <a:lvl1pPr marL="0" indent="0">
+              <a:buNone/>
+              <a:defRPr sz="1600"/>
+            </a:lvl1pPr>
+            <a:lvl2pPr marL="457200" indent="0">
+              <a:buNone/>
+              <a:defRPr sz="1400"/>
+            </a:lvl2pPr>
+            <a:lvl3pPr marL="914400" indent="0">
+              <a:buNone/>
+              <a:defRPr sz="1200"/>
+            </a:lvl3pPr>
+            <a:lvl4pPr marL="1371600" indent="0">
+              <a:buNone/>
+              <a:defRPr sz="1000"/>
+            </a:lvl4pPr>
+            <a:lvl5pPr marL="1828800" indent="0">
+              <a:buNone/>
+              <a:defRPr sz="1000"/>
+            </a:lvl5pPr>
+            <a:lvl6pPr marL="2286000" indent="0">
+              <a:buNone/>
+              <a:defRPr sz="1000"/>
+            </a:lvl6pPr>
+            <a:lvl7pPr marL="2743200" indent="0">
+              <a:buNone/>
+              <a:defRPr sz="1000"/>
+            </a:lvl7pPr>
+            <a:lvl8pPr marL="3200400" indent="0">
+              <a:buNone/>
+              <a:defRPr sz="1000"/>
+            </a:lvl8pPr>
+            <a:lvl9pPr marL="3657600" indent="0">
+              <a:buNone/>
+              <a:defRPr sz="1000"/>
+            </a:lvl9pPr>
+          </a:lstStyle>
+          <a:p>
+            <a:pPr lvl="0"/>
+            <a:r>
+              <a:rPr lang="en-US"/>
+              <a:t>Edit Master text styles</a:t>
+            </a:r>
+          </a:p>
+        </p:txBody>
+      </p:sp>
+      <p:sp>
+        <p:nvSpPr>
+          <p:cNvPr id="5" name="Date Placeholder 4">
+            <a:extLst>
+              <a:ext uri="{FF2B5EF4-FFF2-40B4-BE49-F238E27FC236}">
+                <a16:creationId xmlns:a16="http://schemas.microsoft.com/office/drawing/2014/main" id="{7D19410E-A050-4AA2-BC89-EF52EB1C34F6}"/>
+              </a:ext>
+            </a:extLst>
+          </p:cNvPr>
+          <p:cNvSpPr>
+            <a:spLocks noGrp="1"/>
+          </p:cNvSpPr>
+          <p:nvPr>
+            <p:ph type="dt" sz="half" idx="10"/>
+          </p:nvPr>
+        </p:nvSpPr>
+        <p:spPr/>
+        <p:txBody>
+          <a:bodyPr/>
+          <a:lstStyle/>
+          <a:p>
+            <a:fld id="{EED1C14C-A143-42F5-B247-D0E800131009}" type="datetimeFigureOut">
+              <a:rPr lang="en-US" smtClean="0"/>
+              <a:t>7/25/2020</a:t>
+            </a:fld>
+            <a:endParaRPr lang="en-US"/>
+          </a:p>
+        </p:txBody>
+      </p:sp>
+      <p:sp>
+        <p:nvSpPr>
+          <p:cNvPr id="6" name="Footer Placeholder 5">
+            <a:extLst>
+              <a:ext uri="{FF2B5EF4-FFF2-40B4-BE49-F238E27FC236}">
+                <a16:creationId xmlns:a16="http://schemas.microsoft.com/office/drawing/2014/main" id="{B0C23AB0-18A5-4589-926D-C00F68CFEA43}"/>
+              </a:ext>
+            </a:extLst>
+          </p:cNvPr>
+          <p:cNvSpPr>
+            <a:spLocks noGrp="1"/>
+          </p:cNvSpPr>
+          <p:nvPr>
+            <p:ph type="ftr" sz="quarter" idx="11"/>
+          </p:nvPr>
+        </p:nvSpPr>
+        <p:spPr/>
+        <p:txBody>
+          <a:bodyPr/>
+          <a:lstStyle/>
+          <a:p>
+            <a:endParaRPr lang="en-US"/>
+          </a:p>
+        </p:txBody>
+      </p:sp>
+      <p:sp>
+        <p:nvSpPr>
+          <p:cNvPr id="7" name="Slide Number Placeholder 6">
+            <a:extLst>
+              <a:ext uri="{FF2B5EF4-FFF2-40B4-BE49-F238E27FC236}">
+                <a16:creationId xmlns:a16="http://schemas.microsoft.com/office/drawing/2014/main" id="{8754EE52-EECA-4C6E-83E9-6382044D356C}"/>
+              </a:ext>
+            </a:extLst>
+          </p:cNvPr>
+          <p:cNvSpPr>
+            <a:spLocks noGrp="1"/>
+          </p:cNvSpPr>
+          <p:nvPr>
+            <p:ph type="sldNum" sz="quarter" idx="12"/>
+          </p:nvPr>
+        </p:nvSpPr>
+        <p:spPr/>
+        <p:txBody>
+          <a:bodyPr/>
+          <a:lstStyle/>
+          <a:p>
+            <a:fld id="{5B03D32D-F1BC-4E9C-97E1-36CFF5B22341}" type="slidenum">
+              <a:rPr lang="en-US" smtClean="0"/>
+              <a:t>‹#›</a:t>
+            </a:fld>
+            <a:endParaRPr lang="en-US"/>
+          </a:p>
+        </p:txBody>
+      </p:sp>
+    </p:spTree>
+    <p:extLst>
+      <p:ext uri="{BB962C8B-B14F-4D97-AF65-F5344CB8AC3E}">
+        <p14:creationId xmlns:p14="http://schemas.microsoft.com/office/powerpoint/2010/main" val="1609688846"/>
+      </p:ext>
+    </p:extLst>
+  </p:cSld>
+  <p:clrMapOvr>
+    <a:masterClrMapping/>
+  </p:clrMapOvr>
+</p:sldLayout>
+</file>
+
+<file path=ppt/slideLayouts/slideLayout27.xml><?xml version="1.0" encoding="utf-8"?>
+<p:sldLayout xmlns:a="http://schemas.openxmlformats.org/drawingml/2006/main" xmlns:r="http://schemas.openxmlformats.org/officeDocument/2006/relationships" xmlns:p="http://schemas.openxmlformats.org/presentationml/2006/main" type="vertTx" preserve="1">
+  <p:cSld name="Title and Vertical Text">
+    <p:spTree>
+      <p:nvGrpSpPr>
+        <p:cNvPr id="1" name=""/>
+        <p:cNvGrpSpPr/>
+        <p:nvPr/>
+      </p:nvGrpSpPr>
+      <p:grpSpPr>
+        <a:xfrm>
+          <a:off x="0" y="0"/>
+          <a:ext cx="0" cy="0"/>
+          <a:chOff x="0" y="0"/>
+          <a:chExt cx="0" cy="0"/>
+        </a:xfrm>
+      </p:grpSpPr>
+      <p:sp>
+        <p:nvSpPr>
+          <p:cNvPr id="2" name="Title 1">
+            <a:extLst>
+              <a:ext uri="{FF2B5EF4-FFF2-40B4-BE49-F238E27FC236}">
+                <a16:creationId xmlns:a16="http://schemas.microsoft.com/office/drawing/2014/main" id="{AA6536FE-B6CA-4D45-A719-6B51F3FF6D96}"/>
+              </a:ext>
+            </a:extLst>
+          </p:cNvPr>
+          <p:cNvSpPr>
+            <a:spLocks noGrp="1"/>
+          </p:cNvSpPr>
+          <p:nvPr>
+            <p:ph type="title"/>
+          </p:nvPr>
+        </p:nvSpPr>
+        <p:spPr/>
+        <p:txBody>
+          <a:bodyPr/>
+          <a:lstStyle/>
+          <a:p>
+            <a:r>
+              <a:rPr lang="en-US"/>
+              <a:t>Click to edit Master title style</a:t>
+            </a:r>
+          </a:p>
+        </p:txBody>
+      </p:sp>
+      <p:sp>
+        <p:nvSpPr>
+          <p:cNvPr id="3" name="Vertical Text Placeholder 2">
+            <a:extLst>
+              <a:ext uri="{FF2B5EF4-FFF2-40B4-BE49-F238E27FC236}">
+                <a16:creationId xmlns:a16="http://schemas.microsoft.com/office/drawing/2014/main" id="{DFB9388C-63B0-4DA8-97D0-BEEDCF401CA2}"/>
+              </a:ext>
+            </a:extLst>
+          </p:cNvPr>
+          <p:cNvSpPr>
+            <a:spLocks noGrp="1"/>
+          </p:cNvSpPr>
+          <p:nvPr>
+            <p:ph type="body" orient="vert" idx="1"/>
+          </p:nvPr>
+        </p:nvSpPr>
+        <p:spPr/>
+        <p:txBody>
+          <a:bodyPr vert="eaVert"/>
+          <a:lstStyle/>
+          <a:p>
+            <a:pPr lvl="0"/>
+            <a:r>
+              <a:rPr lang="en-US"/>
+              <a:t>Edit Master text styles</a:t>
+            </a:r>
+          </a:p>
+          <a:p>
+            <a:pPr lvl="1"/>
+            <a:r>
+              <a:rPr lang="en-US"/>
+              <a:t>Second level</a:t>
+            </a:r>
+          </a:p>
+          <a:p>
+            <a:pPr lvl="2"/>
+            <a:r>
+              <a:rPr lang="en-US"/>
+              <a:t>Third level</a:t>
+            </a:r>
+          </a:p>
+          <a:p>
+            <a:pPr lvl="3"/>
+            <a:r>
+              <a:rPr lang="en-US"/>
+              <a:t>Fourth level</a:t>
+            </a:r>
+          </a:p>
+          <a:p>
+            <a:pPr lvl="4"/>
+            <a:r>
+              <a:rPr lang="en-US"/>
+              <a:t>Fifth level</a:t>
+            </a:r>
+          </a:p>
+        </p:txBody>
+      </p:sp>
+      <p:sp>
+        <p:nvSpPr>
+          <p:cNvPr id="4" name="Date Placeholder 3">
+            <a:extLst>
+              <a:ext uri="{FF2B5EF4-FFF2-40B4-BE49-F238E27FC236}">
+                <a16:creationId xmlns:a16="http://schemas.microsoft.com/office/drawing/2014/main" id="{3ED9BDB0-2A2B-43AC-965A-A9E7E7F741CD}"/>
+              </a:ext>
+            </a:extLst>
+          </p:cNvPr>
+          <p:cNvSpPr>
+            <a:spLocks noGrp="1"/>
+          </p:cNvSpPr>
+          <p:nvPr>
+            <p:ph type="dt" sz="half" idx="10"/>
+          </p:nvPr>
+        </p:nvSpPr>
+        <p:spPr/>
+        <p:txBody>
+          <a:bodyPr/>
+          <a:lstStyle/>
+          <a:p>
+            <a:fld id="{EED1C14C-A143-42F5-B247-D0E800131009}" type="datetimeFigureOut">
+              <a:rPr lang="en-US" smtClean="0"/>
+              <a:t>7/25/2020</a:t>
+            </a:fld>
+            <a:endParaRPr lang="en-US"/>
+          </a:p>
+        </p:txBody>
+      </p:sp>
+      <p:sp>
+        <p:nvSpPr>
+          <p:cNvPr id="5" name="Footer Placeholder 4">
+            <a:extLst>
+              <a:ext uri="{FF2B5EF4-FFF2-40B4-BE49-F238E27FC236}">
+                <a16:creationId xmlns:a16="http://schemas.microsoft.com/office/drawing/2014/main" id="{B67DA7C3-2A5B-4BED-A540-9136486CC5B6}"/>
+              </a:ext>
+            </a:extLst>
+          </p:cNvPr>
+          <p:cNvSpPr>
+            <a:spLocks noGrp="1"/>
+          </p:cNvSpPr>
+          <p:nvPr>
+            <p:ph type="ftr" sz="quarter" idx="11"/>
+          </p:nvPr>
+        </p:nvSpPr>
+        <p:spPr/>
+        <p:txBody>
+          <a:bodyPr/>
+          <a:lstStyle/>
+          <a:p>
+            <a:endParaRPr lang="en-US"/>
+          </a:p>
+        </p:txBody>
+      </p:sp>
+      <p:sp>
+        <p:nvSpPr>
+          <p:cNvPr id="6" name="Slide Number Placeholder 5">
+            <a:extLst>
+              <a:ext uri="{FF2B5EF4-FFF2-40B4-BE49-F238E27FC236}">
+                <a16:creationId xmlns:a16="http://schemas.microsoft.com/office/drawing/2014/main" id="{835888E8-31D6-4E51-9228-0D6066FED555}"/>
+              </a:ext>
+            </a:extLst>
+          </p:cNvPr>
+          <p:cNvSpPr>
+            <a:spLocks noGrp="1"/>
+          </p:cNvSpPr>
+          <p:nvPr>
+            <p:ph type="sldNum" sz="quarter" idx="12"/>
+          </p:nvPr>
+        </p:nvSpPr>
+        <p:spPr/>
+        <p:txBody>
+          <a:bodyPr/>
+          <a:lstStyle/>
+          <a:p>
+            <a:fld id="{5B03D32D-F1BC-4E9C-97E1-36CFF5B22341}" type="slidenum">
+              <a:rPr lang="en-US" smtClean="0"/>
+              <a:t>‹#›</a:t>
+            </a:fld>
+            <a:endParaRPr lang="en-US"/>
+          </a:p>
+        </p:txBody>
+      </p:sp>
+    </p:spTree>
+    <p:extLst>
+      <p:ext uri="{BB962C8B-B14F-4D97-AF65-F5344CB8AC3E}">
+        <p14:creationId xmlns:p14="http://schemas.microsoft.com/office/powerpoint/2010/main" val="3471160673"/>
+      </p:ext>
+    </p:extLst>
+  </p:cSld>
+  <p:clrMapOvr>
+    <a:masterClrMapping/>
+  </p:clrMapOvr>
+</p:sldLayout>
+</file>
+
+<file path=ppt/slideLayouts/slideLayout28.xml><?xml version="1.0" encoding="utf-8"?>
+<p:sldLayout xmlns:a="http://schemas.openxmlformats.org/drawingml/2006/main" xmlns:r="http://schemas.openxmlformats.org/officeDocument/2006/relationships" xmlns:p="http://schemas.openxmlformats.org/presentationml/2006/main" type="vertTitleAndTx" preserve="1">
+  <p:cSld name="Vertical Title and Text">
+    <p:spTree>
+      <p:nvGrpSpPr>
+        <p:cNvPr id="1" name=""/>
+        <p:cNvGrpSpPr/>
+        <p:nvPr/>
+      </p:nvGrpSpPr>
+      <p:grpSpPr>
+        <a:xfrm>
+          <a:off x="0" y="0"/>
+          <a:ext cx="0" cy="0"/>
+          <a:chOff x="0" y="0"/>
+          <a:chExt cx="0" cy="0"/>
+        </a:xfrm>
+      </p:grpSpPr>
+      <p:sp>
+        <p:nvSpPr>
+          <p:cNvPr id="2" name="Vertical Title 1">
+            <a:extLst>
+              <a:ext uri="{FF2B5EF4-FFF2-40B4-BE49-F238E27FC236}">
+                <a16:creationId xmlns:a16="http://schemas.microsoft.com/office/drawing/2014/main" id="{E3D010CA-6776-433E-8E25-97899E08288F}"/>
+              </a:ext>
+            </a:extLst>
+          </p:cNvPr>
+          <p:cNvSpPr>
+            <a:spLocks noGrp="1"/>
+          </p:cNvSpPr>
+          <p:nvPr>
+            <p:ph type="title" orient="vert"/>
+          </p:nvPr>
+        </p:nvSpPr>
+        <p:spPr>
+          <a:xfrm>
+            <a:off x="8724900" y="365125"/>
+            <a:ext cx="2628900" cy="5811838"/>
+          </a:xfrm>
+        </p:spPr>
+        <p:txBody>
+          <a:bodyPr vert="eaVert"/>
+          <a:lstStyle/>
+          <a:p>
+            <a:r>
+              <a:rPr lang="en-US"/>
+              <a:t>Click to edit Master title style</a:t>
+            </a:r>
+          </a:p>
+        </p:txBody>
+      </p:sp>
+      <p:sp>
+        <p:nvSpPr>
+          <p:cNvPr id="3" name="Vertical Text Placeholder 2">
+            <a:extLst>
+              <a:ext uri="{FF2B5EF4-FFF2-40B4-BE49-F238E27FC236}">
+                <a16:creationId xmlns:a16="http://schemas.microsoft.com/office/drawing/2014/main" id="{06391E6E-3CF5-4535-B37E-E30058EA2848}"/>
+              </a:ext>
+            </a:extLst>
+          </p:cNvPr>
+          <p:cNvSpPr>
+            <a:spLocks noGrp="1"/>
+          </p:cNvSpPr>
+          <p:nvPr>
+            <p:ph type="body" orient="vert" idx="1"/>
+          </p:nvPr>
+        </p:nvSpPr>
+        <p:spPr>
+          <a:xfrm>
+            <a:off x="838200" y="365125"/>
+            <a:ext cx="7734300" cy="5811838"/>
+          </a:xfrm>
+        </p:spPr>
+        <p:txBody>
+          <a:bodyPr vert="eaVert"/>
+          <a:lstStyle/>
+          <a:p>
+            <a:pPr lvl="0"/>
+            <a:r>
+              <a:rPr lang="en-US"/>
+              <a:t>Edit Master text styles</a:t>
+            </a:r>
+          </a:p>
+          <a:p>
+            <a:pPr lvl="1"/>
+            <a:r>
+              <a:rPr lang="en-US"/>
+              <a:t>Second level</a:t>
+            </a:r>
+          </a:p>
+          <a:p>
+            <a:pPr lvl="2"/>
+            <a:r>
+              <a:rPr lang="en-US"/>
+              <a:t>Third level</a:t>
+            </a:r>
+          </a:p>
+          <a:p>
+            <a:pPr lvl="3"/>
+            <a:r>
+              <a:rPr lang="en-US"/>
+              <a:t>Fourth level</a:t>
+            </a:r>
+          </a:p>
+          <a:p>
+            <a:pPr lvl="4"/>
+            <a:r>
+              <a:rPr lang="en-US"/>
+              <a:t>Fifth level</a:t>
+            </a:r>
+          </a:p>
+        </p:txBody>
+      </p:sp>
+      <p:sp>
+        <p:nvSpPr>
+          <p:cNvPr id="4" name="Date Placeholder 3">
+            <a:extLst>
+              <a:ext uri="{FF2B5EF4-FFF2-40B4-BE49-F238E27FC236}">
+                <a16:creationId xmlns:a16="http://schemas.microsoft.com/office/drawing/2014/main" id="{9A6ADEE3-AAA7-4846-8EC6-84B1537C1D74}"/>
+              </a:ext>
+            </a:extLst>
+          </p:cNvPr>
+          <p:cNvSpPr>
+            <a:spLocks noGrp="1"/>
+          </p:cNvSpPr>
+          <p:nvPr>
+            <p:ph type="dt" sz="half" idx="10"/>
+          </p:nvPr>
+        </p:nvSpPr>
+        <p:spPr/>
+        <p:txBody>
+          <a:bodyPr/>
+          <a:lstStyle/>
+          <a:p>
+            <a:fld id="{EED1C14C-A143-42F5-B247-D0E800131009}" type="datetimeFigureOut">
+              <a:rPr lang="en-US" smtClean="0"/>
+              <a:t>7/25/2020</a:t>
+            </a:fld>
+            <a:endParaRPr lang="en-US"/>
+          </a:p>
+        </p:txBody>
+      </p:sp>
+      <p:sp>
+        <p:nvSpPr>
+          <p:cNvPr id="5" name="Footer Placeholder 4">
+            <a:extLst>
+              <a:ext uri="{FF2B5EF4-FFF2-40B4-BE49-F238E27FC236}">
+                <a16:creationId xmlns:a16="http://schemas.microsoft.com/office/drawing/2014/main" id="{001DABD6-6E60-4895-89B1-3604A484D2DD}"/>
+              </a:ext>
+            </a:extLst>
+          </p:cNvPr>
+          <p:cNvSpPr>
+            <a:spLocks noGrp="1"/>
+          </p:cNvSpPr>
+          <p:nvPr>
+            <p:ph type="ftr" sz="quarter" idx="11"/>
+          </p:nvPr>
+        </p:nvSpPr>
+        <p:spPr/>
+        <p:txBody>
+          <a:bodyPr/>
+          <a:lstStyle/>
+          <a:p>
+            <a:endParaRPr lang="en-US"/>
+          </a:p>
+        </p:txBody>
+      </p:sp>
+      <p:sp>
+        <p:nvSpPr>
+          <p:cNvPr id="6" name="Slide Number Placeholder 5">
+            <a:extLst>
+              <a:ext uri="{FF2B5EF4-FFF2-40B4-BE49-F238E27FC236}">
+                <a16:creationId xmlns:a16="http://schemas.microsoft.com/office/drawing/2014/main" id="{59A4D314-6D1C-4A42-A445-B77646B2B295}"/>
+              </a:ext>
+            </a:extLst>
+          </p:cNvPr>
+          <p:cNvSpPr>
+            <a:spLocks noGrp="1"/>
+          </p:cNvSpPr>
+          <p:nvPr>
+            <p:ph type="sldNum" sz="quarter" idx="12"/>
+          </p:nvPr>
+        </p:nvSpPr>
+        <p:spPr/>
+        <p:txBody>
+          <a:bodyPr/>
+          <a:lstStyle/>
+          <a:p>
+            <a:fld id="{5B03D32D-F1BC-4E9C-97E1-36CFF5B22341}" type="slidenum">
+              <a:rPr lang="en-US" smtClean="0"/>
+              <a:t>‹#›</a:t>
+            </a:fld>
+            <a:endParaRPr lang="en-US"/>
+          </a:p>
+        </p:txBody>
+      </p:sp>
+    </p:spTree>
+    <p:extLst>
+      <p:ext uri="{BB962C8B-B14F-4D97-AF65-F5344CB8AC3E}">
+        <p14:creationId xmlns:p14="http://schemas.microsoft.com/office/powerpoint/2010/main" val="4195526759"/>
       </p:ext>
     </p:extLst>
   </p:cSld>
@@ -3456,7 +6086,7 @@
           <a:p>
             <a:fld id="{EED1C14C-A143-42F5-B247-D0E800131009}" type="datetimeFigureOut">
               <a:rPr lang="en-US" smtClean="0"/>
-              <a:t>7/24/2020</a:t>
+              <a:t>7/25/2020</a:t>
             </a:fld>
             <a:endParaRPr lang="en-US"/>
           </a:p>
@@ -3723,7 +6353,7 @@
           <a:p>
             <a:fld id="{EED1C14C-A143-42F5-B247-D0E800131009}" type="datetimeFigureOut">
               <a:rPr lang="en-US" smtClean="0"/>
-              <a:t>7/24/2020</a:t>
+              <a:t>7/25/2020</a:t>
             </a:fld>
             <a:endParaRPr lang="en-US"/>
           </a:p>
@@ -4136,7 +6766,7 @@
           <a:p>
             <a:fld id="{EED1C14C-A143-42F5-B247-D0E800131009}" type="datetimeFigureOut">
               <a:rPr lang="en-US" smtClean="0"/>
-              <a:t>7/24/2020</a:t>
+              <a:t>7/25/2020</a:t>
             </a:fld>
             <a:endParaRPr lang="en-US"/>
           </a:p>
@@ -4285,7 +6915,7 @@
           <a:p>
             <a:fld id="{EED1C14C-A143-42F5-B247-D0E800131009}" type="datetimeFigureOut">
               <a:rPr lang="en-US" smtClean="0"/>
-              <a:t>7/24/2020</a:t>
+              <a:t>7/25/2020</a:t>
             </a:fld>
             <a:endParaRPr lang="en-US"/>
           </a:p>
@@ -4411,7 +7041,7 @@
           <a:p>
             <a:fld id="{EED1C14C-A143-42F5-B247-D0E800131009}" type="datetimeFigureOut">
               <a:rPr lang="en-US" smtClean="0"/>
-              <a:t>7/24/2020</a:t>
+              <a:t>7/25/2020</a:t>
             </a:fld>
             <a:endParaRPr lang="en-US"/>
           </a:p>
@@ -4666,7 +7296,7 @@
           <a:p>
             <a:fld id="{EED1C14C-A143-42F5-B247-D0E800131009}" type="datetimeFigureOut">
               <a:rPr lang="en-US" smtClean="0"/>
-              <a:t>7/24/2020</a:t>
+              <a:t>7/25/2020</a:t>
             </a:fld>
             <a:endParaRPr lang="en-US"/>
           </a:p>
@@ -4981,7 +7611,7 @@
           <a:p>
             <a:fld id="{EED1C14C-A143-42F5-B247-D0E800131009}" type="datetimeFigureOut">
               <a:rPr lang="en-US" smtClean="0"/>
-              <a:t>7/24/2020</a:t>
+              <a:t>7/25/2020</a:t>
             </a:fld>
             <a:endParaRPr lang="en-US"/>
           </a:p>
@@ -5332,7 +7962,7 @@
           <a:p>
             <a:fld id="{EED1C14C-A143-42F5-B247-D0E800131009}" type="datetimeFigureOut">
               <a:rPr lang="en-US" smtClean="0"/>
-              <a:t>7/24/2020</a:t>
+              <a:t>7/25/2020</a:t>
             </a:fld>
             <a:endParaRPr lang="en-US"/>
           </a:p>
@@ -5858,6 +8488,574 @@
 </p:sldMaster>
 </file>
 
+<file path=ppt/slideMasters/slideMaster2.xml><?xml version="1.0" encoding="utf-8"?>
+<p:sldMaster xmlns:a="http://schemas.openxmlformats.org/drawingml/2006/main" xmlns:r="http://schemas.openxmlformats.org/officeDocument/2006/relationships" xmlns:p="http://schemas.openxmlformats.org/presentationml/2006/main">
+  <p:cSld>
+    <p:bg>
+      <p:bgRef idx="1001">
+        <a:schemeClr val="bg1"/>
+      </p:bgRef>
+    </p:bg>
+    <p:spTree>
+      <p:nvGrpSpPr>
+        <p:cNvPr id="1" name=""/>
+        <p:cNvGrpSpPr/>
+        <p:nvPr/>
+      </p:nvGrpSpPr>
+      <p:grpSpPr>
+        <a:xfrm>
+          <a:off x="0" y="0"/>
+          <a:ext cx="0" cy="0"/>
+          <a:chOff x="0" y="0"/>
+          <a:chExt cx="0" cy="0"/>
+        </a:xfrm>
+      </p:grpSpPr>
+      <p:sp>
+        <p:nvSpPr>
+          <p:cNvPr id="2" name="Title Placeholder 1">
+            <a:extLst>
+              <a:ext uri="{FF2B5EF4-FFF2-40B4-BE49-F238E27FC236}">
+                <a16:creationId xmlns:a16="http://schemas.microsoft.com/office/drawing/2014/main" id="{BC3F6010-77C4-45FE-968C-712199A58514}"/>
+              </a:ext>
+            </a:extLst>
+          </p:cNvPr>
+          <p:cNvSpPr>
+            <a:spLocks noGrp="1"/>
+          </p:cNvSpPr>
+          <p:nvPr>
+            <p:ph type="title"/>
+          </p:nvPr>
+        </p:nvSpPr>
+        <p:spPr>
+          <a:xfrm>
+            <a:off x="838200" y="365125"/>
+            <a:ext cx="10515600" cy="1325563"/>
+          </a:xfrm>
+          <a:prstGeom prst="rect">
+            <a:avLst/>
+          </a:prstGeom>
+        </p:spPr>
+        <p:txBody>
+          <a:bodyPr vert="horz" lIns="91440" tIns="45720" rIns="91440" bIns="45720" rtlCol="0" anchor="ctr">
+            <a:normAutofit/>
+          </a:bodyPr>
+          <a:lstStyle/>
+          <a:p>
+            <a:r>
+              <a:rPr lang="en-US"/>
+              <a:t>Click to edit Master title style</a:t>
+            </a:r>
+          </a:p>
+        </p:txBody>
+      </p:sp>
+      <p:sp>
+        <p:nvSpPr>
+          <p:cNvPr id="3" name="Text Placeholder 2">
+            <a:extLst>
+              <a:ext uri="{FF2B5EF4-FFF2-40B4-BE49-F238E27FC236}">
+                <a16:creationId xmlns:a16="http://schemas.microsoft.com/office/drawing/2014/main" id="{B19B1B2C-5D5F-46D9-92F5-ECDF2816A1FB}"/>
+              </a:ext>
+            </a:extLst>
+          </p:cNvPr>
+          <p:cNvSpPr>
+            <a:spLocks noGrp="1"/>
+          </p:cNvSpPr>
+          <p:nvPr>
+            <p:ph type="body" idx="1"/>
+          </p:nvPr>
+        </p:nvSpPr>
+        <p:spPr>
+          <a:xfrm>
+            <a:off x="838200" y="1825625"/>
+            <a:ext cx="10515600" cy="4351338"/>
+          </a:xfrm>
+          <a:prstGeom prst="rect">
+            <a:avLst/>
+          </a:prstGeom>
+        </p:spPr>
+        <p:txBody>
+          <a:bodyPr vert="horz" lIns="91440" tIns="45720" rIns="91440" bIns="45720" rtlCol="0">
+            <a:normAutofit/>
+          </a:bodyPr>
+          <a:lstStyle/>
+          <a:p>
+            <a:pPr lvl="0"/>
+            <a:r>
+              <a:rPr lang="en-US"/>
+              <a:t>Edit Master text styles</a:t>
+            </a:r>
+          </a:p>
+          <a:p>
+            <a:pPr lvl="1"/>
+            <a:r>
+              <a:rPr lang="en-US"/>
+              <a:t>Second level</a:t>
+            </a:r>
+          </a:p>
+          <a:p>
+            <a:pPr lvl="2"/>
+            <a:r>
+              <a:rPr lang="en-US"/>
+              <a:t>Third level</a:t>
+            </a:r>
+          </a:p>
+          <a:p>
+            <a:pPr lvl="3"/>
+            <a:r>
+              <a:rPr lang="en-US"/>
+              <a:t>Fourth level</a:t>
+            </a:r>
+          </a:p>
+          <a:p>
+            <a:pPr lvl="4"/>
+            <a:r>
+              <a:rPr lang="en-US"/>
+              <a:t>Fifth level</a:t>
+            </a:r>
+          </a:p>
+        </p:txBody>
+      </p:sp>
+      <p:sp>
+        <p:nvSpPr>
+          <p:cNvPr id="4" name="Date Placeholder 3">
+            <a:extLst>
+              <a:ext uri="{FF2B5EF4-FFF2-40B4-BE49-F238E27FC236}">
+                <a16:creationId xmlns:a16="http://schemas.microsoft.com/office/drawing/2014/main" id="{60334894-C6F5-46F1-BAA2-AFEA88E68169}"/>
+              </a:ext>
+            </a:extLst>
+          </p:cNvPr>
+          <p:cNvSpPr>
+            <a:spLocks noGrp="1"/>
+          </p:cNvSpPr>
+          <p:nvPr>
+            <p:ph type="dt" sz="half" idx="2"/>
+          </p:nvPr>
+        </p:nvSpPr>
+        <p:spPr>
+          <a:xfrm>
+            <a:off x="838200" y="6356350"/>
+            <a:ext cx="2743200" cy="365125"/>
+          </a:xfrm>
+          <a:prstGeom prst="rect">
+            <a:avLst/>
+          </a:prstGeom>
+        </p:spPr>
+        <p:txBody>
+          <a:bodyPr vert="horz" lIns="91440" tIns="45720" rIns="91440" bIns="45720" rtlCol="0" anchor="ctr"/>
+          <a:lstStyle>
+            <a:lvl1pPr algn="l">
+              <a:defRPr sz="1200">
+                <a:solidFill>
+                  <a:schemeClr val="tx1">
+                    <a:tint val="75000"/>
+                  </a:schemeClr>
+                </a:solidFill>
+              </a:defRPr>
+            </a:lvl1pPr>
+          </a:lstStyle>
+          <a:p>
+            <a:fld id="{EED1C14C-A143-42F5-B247-D0E800131009}" type="datetimeFigureOut">
+              <a:rPr lang="en-US" smtClean="0"/>
+              <a:t>7/25/2020</a:t>
+            </a:fld>
+            <a:endParaRPr lang="en-US"/>
+          </a:p>
+        </p:txBody>
+      </p:sp>
+      <p:sp>
+        <p:nvSpPr>
+          <p:cNvPr id="5" name="Footer Placeholder 4">
+            <a:extLst>
+              <a:ext uri="{FF2B5EF4-FFF2-40B4-BE49-F238E27FC236}">
+                <a16:creationId xmlns:a16="http://schemas.microsoft.com/office/drawing/2014/main" id="{975B1C84-4663-4022-BBEA-7667FEBCF3FB}"/>
+              </a:ext>
+            </a:extLst>
+          </p:cNvPr>
+          <p:cNvSpPr>
+            <a:spLocks noGrp="1"/>
+          </p:cNvSpPr>
+          <p:nvPr>
+            <p:ph type="ftr" sz="quarter" idx="3"/>
+          </p:nvPr>
+        </p:nvSpPr>
+        <p:spPr>
+          <a:xfrm>
+            <a:off x="4038600" y="6356350"/>
+            <a:ext cx="4114800" cy="365125"/>
+          </a:xfrm>
+          <a:prstGeom prst="rect">
+            <a:avLst/>
+          </a:prstGeom>
+        </p:spPr>
+        <p:txBody>
+          <a:bodyPr vert="horz" lIns="91440" tIns="45720" rIns="91440" bIns="45720" rtlCol="0" anchor="ctr"/>
+          <a:lstStyle>
+            <a:lvl1pPr algn="ctr">
+              <a:defRPr sz="1200">
+                <a:solidFill>
+                  <a:schemeClr val="tx1">
+                    <a:tint val="75000"/>
+                  </a:schemeClr>
+                </a:solidFill>
+              </a:defRPr>
+            </a:lvl1pPr>
+          </a:lstStyle>
+          <a:p>
+            <a:endParaRPr lang="en-US"/>
+          </a:p>
+        </p:txBody>
+      </p:sp>
+      <p:sp>
+        <p:nvSpPr>
+          <p:cNvPr id="6" name="Slide Number Placeholder 5">
+            <a:extLst>
+              <a:ext uri="{FF2B5EF4-FFF2-40B4-BE49-F238E27FC236}">
+                <a16:creationId xmlns:a16="http://schemas.microsoft.com/office/drawing/2014/main" id="{E72820DA-1F3A-421F-A770-A6347089E365}"/>
+              </a:ext>
+            </a:extLst>
+          </p:cNvPr>
+          <p:cNvSpPr>
+            <a:spLocks noGrp="1"/>
+          </p:cNvSpPr>
+          <p:nvPr>
+            <p:ph type="sldNum" sz="quarter" idx="4"/>
+          </p:nvPr>
+        </p:nvSpPr>
+        <p:spPr>
+          <a:xfrm>
+            <a:off x="8610600" y="6356350"/>
+            <a:ext cx="2743200" cy="365125"/>
+          </a:xfrm>
+          <a:prstGeom prst="rect">
+            <a:avLst/>
+          </a:prstGeom>
+        </p:spPr>
+        <p:txBody>
+          <a:bodyPr vert="horz" lIns="91440" tIns="45720" rIns="91440" bIns="45720" rtlCol="0" anchor="ctr"/>
+          <a:lstStyle>
+            <a:lvl1pPr algn="r">
+              <a:defRPr sz="1200">
+                <a:solidFill>
+                  <a:schemeClr val="tx1">
+                    <a:tint val="75000"/>
+                  </a:schemeClr>
+                </a:solidFill>
+              </a:defRPr>
+            </a:lvl1pPr>
+          </a:lstStyle>
+          <a:p>
+            <a:fld id="{5B03D32D-F1BC-4E9C-97E1-36CFF5B22341}" type="slidenum">
+              <a:rPr lang="en-US" smtClean="0"/>
+              <a:t>‹#›</a:t>
+            </a:fld>
+            <a:endParaRPr lang="en-US"/>
+          </a:p>
+        </p:txBody>
+      </p:sp>
+    </p:spTree>
+    <p:extLst>
+      <p:ext uri="{BB962C8B-B14F-4D97-AF65-F5344CB8AC3E}">
+        <p14:creationId xmlns:p14="http://schemas.microsoft.com/office/powerpoint/2010/main" val="1904852015"/>
+      </p:ext>
+    </p:extLst>
+  </p:cSld>
+  <p:clrMap bg1="lt1" tx1="dk1" bg2="lt2" tx2="dk2" accent1="accent1" accent2="accent2" accent3="accent3" accent4="accent4" accent5="accent5" accent6="accent6" hlink="hlink" folHlink="folHlink"/>
+  <p:sldLayoutIdLst>
+    <p:sldLayoutId id="2147483649" r:id="rId1"/>
+    <p:sldLayoutId id="2147483650" r:id="rId2"/>
+    <p:sldLayoutId id="2147483651" r:id="rId3"/>
+    <p:sldLayoutId id="2147483652" r:id="rId4"/>
+    <p:sldLayoutId id="2147483653" r:id="rId5"/>
+    <p:sldLayoutId id="2147483654" r:id="rId6"/>
+    <p:sldLayoutId id="2147483655" r:id="rId7"/>
+    <p:sldLayoutId id="2147483656" r:id="rId8"/>
+    <p:sldLayoutId id="2147483657" r:id="rId9"/>
+    <p:sldLayoutId id="2147483658" r:id="rId10"/>
+    <p:sldLayoutId id="2147483659" r:id="rId11"/>
+  </p:sldLayoutIdLst>
+  <p:txStyles>
+    <p:titleStyle>
+      <a:lvl1pPr algn="l" defTabSz="914400" rtl="0" eaLnBrk="1" latinLnBrk="0" hangingPunct="1">
+        <a:lnSpc>
+          <a:spcPct val="90000"/>
+        </a:lnSpc>
+        <a:spcBef>
+          <a:spcPct val="0"/>
+        </a:spcBef>
+        <a:buNone/>
+        <a:defRPr sz="4400" kern="1200">
+          <a:solidFill>
+            <a:schemeClr val="tx1"/>
+          </a:solidFill>
+          <a:latin typeface="+mj-lt"/>
+          <a:ea typeface="+mj-ea"/>
+          <a:cs typeface="+mj-cs"/>
+        </a:defRPr>
+      </a:lvl1pPr>
+    </p:titleStyle>
+    <p:bodyStyle>
+      <a:lvl1pPr marL="228600" indent="-228600" algn="l" defTabSz="914400" rtl="0" eaLnBrk="1" latinLnBrk="0" hangingPunct="1">
+        <a:lnSpc>
+          <a:spcPct val="90000"/>
+        </a:lnSpc>
+        <a:spcBef>
+          <a:spcPts val="1000"/>
+        </a:spcBef>
+        <a:buFont typeface="Arial" panose="020B0604020202020204" pitchFamily="34" charset="0"/>
+        <a:buChar char="•"/>
+        <a:defRPr sz="2800" kern="1200">
+          <a:solidFill>
+            <a:schemeClr val="tx1"/>
+          </a:solidFill>
+          <a:latin typeface="+mn-lt"/>
+          <a:ea typeface="+mn-ea"/>
+          <a:cs typeface="+mn-cs"/>
+        </a:defRPr>
+      </a:lvl1pPr>
+      <a:lvl2pPr marL="685800" indent="-228600" algn="l" defTabSz="914400" rtl="0" eaLnBrk="1" latinLnBrk="0" hangingPunct="1">
+        <a:lnSpc>
+          <a:spcPct val="90000"/>
+        </a:lnSpc>
+        <a:spcBef>
+          <a:spcPts val="500"/>
+        </a:spcBef>
+        <a:buFont typeface="Arial" panose="020B0604020202020204" pitchFamily="34" charset="0"/>
+        <a:buChar char="•"/>
+        <a:defRPr sz="2400" kern="1200">
+          <a:solidFill>
+            <a:schemeClr val="tx1"/>
+          </a:solidFill>
+          <a:latin typeface="+mn-lt"/>
+          <a:ea typeface="+mn-ea"/>
+          <a:cs typeface="+mn-cs"/>
+        </a:defRPr>
+      </a:lvl2pPr>
+      <a:lvl3pPr marL="1143000" indent="-228600" algn="l" defTabSz="914400" rtl="0" eaLnBrk="1" latinLnBrk="0" hangingPunct="1">
+        <a:lnSpc>
+          <a:spcPct val="90000"/>
+        </a:lnSpc>
+        <a:spcBef>
+          <a:spcPts val="500"/>
+        </a:spcBef>
+        <a:buFont typeface="Arial" panose="020B0604020202020204" pitchFamily="34" charset="0"/>
+        <a:buChar char="•"/>
+        <a:defRPr sz="2000" kern="1200">
+          <a:solidFill>
+            <a:schemeClr val="tx1"/>
+          </a:solidFill>
+          <a:latin typeface="+mn-lt"/>
+          <a:ea typeface="+mn-ea"/>
+          <a:cs typeface="+mn-cs"/>
+        </a:defRPr>
+      </a:lvl3pPr>
+      <a:lvl4pPr marL="1600200" indent="-228600" algn="l" defTabSz="914400" rtl="0" eaLnBrk="1" latinLnBrk="0" hangingPunct="1">
+        <a:lnSpc>
+          <a:spcPct val="90000"/>
+        </a:lnSpc>
+        <a:spcBef>
+          <a:spcPts val="500"/>
+        </a:spcBef>
+        <a:buFont typeface="Arial" panose="020B0604020202020204" pitchFamily="34" charset="0"/>
+        <a:buChar char="•"/>
+        <a:defRPr sz="1800" kern="1200">
+          <a:solidFill>
+            <a:schemeClr val="tx1"/>
+          </a:solidFill>
+          <a:latin typeface="+mn-lt"/>
+          <a:ea typeface="+mn-ea"/>
+          <a:cs typeface="+mn-cs"/>
+        </a:defRPr>
+      </a:lvl4pPr>
+      <a:lvl5pPr marL="2057400" indent="-228600" algn="l" defTabSz="914400" rtl="0" eaLnBrk="1" latinLnBrk="0" hangingPunct="1">
+        <a:lnSpc>
+          <a:spcPct val="90000"/>
+        </a:lnSpc>
+        <a:spcBef>
+          <a:spcPts val="500"/>
+        </a:spcBef>
+        <a:buFont typeface="Arial" panose="020B0604020202020204" pitchFamily="34" charset="0"/>
+        <a:buChar char="•"/>
+        <a:defRPr sz="1800" kern="1200">
+          <a:solidFill>
+            <a:schemeClr val="tx1"/>
+          </a:solidFill>
+          <a:latin typeface="+mn-lt"/>
+          <a:ea typeface="+mn-ea"/>
+          <a:cs typeface="+mn-cs"/>
+        </a:defRPr>
+      </a:lvl5pPr>
+      <a:lvl6pPr marL="2514600" indent="-228600" algn="l" defTabSz="914400" rtl="0" eaLnBrk="1" latinLnBrk="0" hangingPunct="1">
+        <a:lnSpc>
+          <a:spcPct val="90000"/>
+        </a:lnSpc>
+        <a:spcBef>
+          <a:spcPts val="500"/>
+        </a:spcBef>
+        <a:buFont typeface="Arial" panose="020B0604020202020204" pitchFamily="34" charset="0"/>
+        <a:buChar char="•"/>
+        <a:defRPr sz="1800" kern="1200">
+          <a:solidFill>
+            <a:schemeClr val="tx1"/>
+          </a:solidFill>
+          <a:latin typeface="+mn-lt"/>
+          <a:ea typeface="+mn-ea"/>
+          <a:cs typeface="+mn-cs"/>
+        </a:defRPr>
+      </a:lvl6pPr>
+      <a:lvl7pPr marL="2971800" indent="-228600" algn="l" defTabSz="914400" rtl="0" eaLnBrk="1" latinLnBrk="0" hangingPunct="1">
+        <a:lnSpc>
+          <a:spcPct val="90000"/>
+        </a:lnSpc>
+        <a:spcBef>
+          <a:spcPts val="500"/>
+        </a:spcBef>
+        <a:buFont typeface="Arial" panose="020B0604020202020204" pitchFamily="34" charset="0"/>
+        <a:buChar char="•"/>
+        <a:defRPr sz="1800" kern="1200">
+          <a:solidFill>
+            <a:schemeClr val="tx1"/>
+          </a:solidFill>
+          <a:latin typeface="+mn-lt"/>
+          <a:ea typeface="+mn-ea"/>
+          <a:cs typeface="+mn-cs"/>
+        </a:defRPr>
+      </a:lvl7pPr>
+      <a:lvl8pPr marL="3429000" indent="-228600" algn="l" defTabSz="914400" rtl="0" eaLnBrk="1" latinLnBrk="0" hangingPunct="1">
+        <a:lnSpc>
+          <a:spcPct val="90000"/>
+        </a:lnSpc>
+        <a:spcBef>
+          <a:spcPts val="500"/>
+        </a:spcBef>
+        <a:buFont typeface="Arial" panose="020B0604020202020204" pitchFamily="34" charset="0"/>
+        <a:buChar char="•"/>
+        <a:defRPr sz="1800" kern="1200">
+          <a:solidFill>
+            <a:schemeClr val="tx1"/>
+          </a:solidFill>
+          <a:latin typeface="+mn-lt"/>
+          <a:ea typeface="+mn-ea"/>
+          <a:cs typeface="+mn-cs"/>
+        </a:defRPr>
+      </a:lvl8pPr>
+      <a:lvl9pPr marL="3886200" indent="-228600" algn="l" defTabSz="914400" rtl="0" eaLnBrk="1" latinLnBrk="0" hangingPunct="1">
+        <a:lnSpc>
+          <a:spcPct val="90000"/>
+        </a:lnSpc>
+        <a:spcBef>
+          <a:spcPts val="500"/>
+        </a:spcBef>
+        <a:buFont typeface="Arial" panose="020B0604020202020204" pitchFamily="34" charset="0"/>
+        <a:buChar char="•"/>
+        <a:defRPr sz="1800" kern="1200">
+          <a:solidFill>
+            <a:schemeClr val="tx1"/>
+          </a:solidFill>
+          <a:latin typeface="+mn-lt"/>
+          <a:ea typeface="+mn-ea"/>
+          <a:cs typeface="+mn-cs"/>
+        </a:defRPr>
+      </a:lvl9pPr>
+    </p:bodyStyle>
+    <p:otherStyle>
+      <a:defPPr>
+        <a:defRPr lang="en-US"/>
+      </a:defPPr>
+      <a:lvl1pPr marL="0" algn="l" defTabSz="914400" rtl="0" eaLnBrk="1" latinLnBrk="0" hangingPunct="1">
+        <a:defRPr sz="1800" kern="1200">
+          <a:solidFill>
+            <a:schemeClr val="tx1"/>
+          </a:solidFill>
+          <a:latin typeface="+mn-lt"/>
+          <a:ea typeface="+mn-ea"/>
+          <a:cs typeface="+mn-cs"/>
+        </a:defRPr>
+      </a:lvl1pPr>
+      <a:lvl2pPr marL="457200" algn="l" defTabSz="914400" rtl="0" eaLnBrk="1" latinLnBrk="0" hangingPunct="1">
+        <a:defRPr sz="1800" kern="1200">
+          <a:solidFill>
+            <a:schemeClr val="tx1"/>
+          </a:solidFill>
+          <a:latin typeface="+mn-lt"/>
+          <a:ea typeface="+mn-ea"/>
+          <a:cs typeface="+mn-cs"/>
+        </a:defRPr>
+      </a:lvl2pPr>
+      <a:lvl3pPr marL="914400" algn="l" defTabSz="914400" rtl="0" eaLnBrk="1" latinLnBrk="0" hangingPunct="1">
+        <a:defRPr sz="1800" kern="1200">
+          <a:solidFill>
+            <a:schemeClr val="tx1"/>
+          </a:solidFill>
+          <a:latin typeface="+mn-lt"/>
+          <a:ea typeface="+mn-ea"/>
+          <a:cs typeface="+mn-cs"/>
+        </a:defRPr>
+      </a:lvl3pPr>
+      <a:lvl4pPr marL="1371600" algn="l" defTabSz="914400" rtl="0" eaLnBrk="1" latinLnBrk="0" hangingPunct="1">
+        <a:defRPr sz="1800" kern="1200">
+          <a:solidFill>
+            <a:schemeClr val="tx1"/>
+          </a:solidFill>
+          <a:latin typeface="+mn-lt"/>
+          <a:ea typeface="+mn-ea"/>
+          <a:cs typeface="+mn-cs"/>
+        </a:defRPr>
+      </a:lvl4pPr>
+      <a:lvl5pPr marL="1828800" algn="l" defTabSz="914400" rtl="0" eaLnBrk="1" latinLnBrk="0" hangingPunct="1">
+        <a:defRPr sz="1800" kern="1200">
+          <a:solidFill>
+            <a:schemeClr val="tx1"/>
+          </a:solidFill>
+          <a:latin typeface="+mn-lt"/>
+          <a:ea typeface="+mn-ea"/>
+          <a:cs typeface="+mn-cs"/>
+        </a:defRPr>
+      </a:lvl5pPr>
+      <a:lvl6pPr marL="2286000" algn="l" defTabSz="914400" rtl="0" eaLnBrk="1" latinLnBrk="0" hangingPunct="1">
+        <a:defRPr sz="1800" kern="1200">
+          <a:solidFill>
+            <a:schemeClr val="tx1"/>
+          </a:solidFill>
+          <a:latin typeface="+mn-lt"/>
+          <a:ea typeface="+mn-ea"/>
+          <a:cs typeface="+mn-cs"/>
+        </a:defRPr>
+      </a:lvl6pPr>
+      <a:lvl7pPr marL="2743200" algn="l" defTabSz="914400" rtl="0" eaLnBrk="1" latinLnBrk="0" hangingPunct="1">
+        <a:defRPr sz="1800" kern="1200">
+          <a:solidFill>
+            <a:schemeClr val="tx1"/>
+          </a:solidFill>
+          <a:latin typeface="+mn-lt"/>
+          <a:ea typeface="+mn-ea"/>
+          <a:cs typeface="+mn-cs"/>
+        </a:defRPr>
+      </a:lvl7pPr>
+      <a:lvl8pPr marL="3200400" algn="l" defTabSz="914400" rtl="0" eaLnBrk="1" latinLnBrk="0" hangingPunct="1">
+        <a:defRPr sz="1800" kern="1200">
+          <a:solidFill>
+            <a:schemeClr val="tx1"/>
+          </a:solidFill>
+          <a:latin typeface="+mn-lt"/>
+          <a:ea typeface="+mn-ea"/>
+          <a:cs typeface="+mn-cs"/>
+        </a:defRPr>
+      </a:lvl8pPr>
+      <a:lvl9pPr marL="3657600" algn="l" defTabSz="914400" rtl="0" eaLnBrk="1" latinLnBrk="0" hangingPunct="1">
+        <a:defRPr sz="1800" kern="1200">
+          <a:solidFill>
+            <a:schemeClr val="tx1"/>
+          </a:solidFill>
+          <a:latin typeface="+mn-lt"/>
+          <a:ea typeface="+mn-ea"/>
+          <a:cs typeface="+mn-cs"/>
+        </a:defRPr>
+      </a:lvl9pPr>
+    </p:otherStyle>
+  </p:txStyles>
+</p:sldMaster>
+</file>
+
 <file path=ppt/slides/slide1.xml><?xml version="1.0" encoding="utf-8"?>
 <p:sld xmlns:a="http://schemas.openxmlformats.org/drawingml/2006/main" xmlns:r="http://schemas.openxmlformats.org/officeDocument/2006/relationships" xmlns:p="http://schemas.openxmlformats.org/presentationml/2006/main">
   <p:cSld>
@@ -6187,10 +9385,10 @@
       </p:pic>
       <p:pic>
         <p:nvPicPr>
-          <p:cNvPr id="10" name="Content Placeholder 9">
+          <p:cNvPr id="6" name="Content Placeholder 5">
             <a:extLst>
               <a:ext uri="{FF2B5EF4-FFF2-40B4-BE49-F238E27FC236}">
-                <a16:creationId xmlns:a16="http://schemas.microsoft.com/office/drawing/2014/main" id="{AABEBFCD-8ACB-43CE-BEF4-84E5F0611EB3}"/>
+                <a16:creationId xmlns:a16="http://schemas.microsoft.com/office/drawing/2014/main" id="{C727D8B6-835D-4A00-87A7-BE4BAA628683}"/>
               </a:ext>
             </a:extLst>
           </p:cNvPr>
@@ -6215,8 +9413,8 @@
         </p:blipFill>
         <p:spPr>
           <a:xfrm>
-            <a:off x="6797455" y="2560638"/>
-            <a:ext cx="3486590" cy="3309937"/>
+            <a:off x="6472039" y="2560638"/>
+            <a:ext cx="4137421" cy="3309937"/>
           </a:xfrm>
         </p:spPr>
       </p:pic>
@@ -8288,10 +11486,10 @@
       </p:grpSpPr>
       <p:pic>
         <p:nvPicPr>
-          <p:cNvPr id="9" name="slide9" descr="Olympicdata-Treemap">
+          <p:cNvPr id="2" name="slide2" descr="Olympicdata-Treemap">
             <a:extLst>
               <a:ext uri="{FF2B5EF4-FFF2-40B4-BE49-F238E27FC236}">
-                <a16:creationId xmlns:a16="http://schemas.microsoft.com/office/drawing/2014/main" id="{D0C408F9-A52E-4CDA-A1CB-15A17B23022E}"/>
+                <a16:creationId xmlns:a16="http://schemas.microsoft.com/office/drawing/2014/main" id="{8205C59B-52B1-4B6A-A25A-CC9FD1362A4A}"/>
               </a:ext>
             </a:extLst>
           </p:cNvPr>
@@ -8325,7 +11523,7 @@
     </p:spTree>
     <p:extLst>
       <p:ext uri="{BB962C8B-B14F-4D97-AF65-F5344CB8AC3E}">
-        <p14:creationId xmlns:p14="http://schemas.microsoft.com/office/powerpoint/2010/main" val="1134707729"/>
+        <p14:creationId xmlns:p14="http://schemas.microsoft.com/office/powerpoint/2010/main" val="665950983"/>
       </p:ext>
     </p:extLst>
   </p:cSld>
@@ -8764,4 +11962,299 @@
     </a:ext>
   </a:extLst>
 </a:theme>
+</file>
+
+<file path=ppt/theme/theme2.xml><?xml version="1.0" encoding="utf-8"?>
+<a:theme xmlns:a="http://schemas.openxmlformats.org/drawingml/2006/main" name="Office Theme">
+  <a:themeElements>
+    <a:clrScheme name="Office">
+      <a:dk1>
+        <a:sysClr val="windowText" lastClr="000000"/>
+      </a:dk1>
+      <a:lt1>
+        <a:sysClr val="window" lastClr="FFFFFF"/>
+      </a:lt1>
+      <a:dk2>
+        <a:srgbClr val="44546A"/>
+      </a:dk2>
+      <a:lt2>
+        <a:srgbClr val="E7E6E6"/>
+      </a:lt2>
+      <a:accent1>
+        <a:srgbClr val="4472C4"/>
+      </a:accent1>
+      <a:accent2>
+        <a:srgbClr val="ED7D31"/>
+      </a:accent2>
+      <a:accent3>
+        <a:srgbClr val="A5A5A5"/>
+      </a:accent3>
+      <a:accent4>
+        <a:srgbClr val="FFC000"/>
+      </a:accent4>
+      <a:accent5>
+        <a:srgbClr val="5B9BD5"/>
+      </a:accent5>
+      <a:accent6>
+        <a:srgbClr val="70AD47"/>
+      </a:accent6>
+      <a:hlink>
+        <a:srgbClr val="0563C1"/>
+      </a:hlink>
+      <a:folHlink>
+        <a:srgbClr val="954F72"/>
+      </a:folHlink>
+    </a:clrScheme>
+    <a:fontScheme name="Office">
+      <a:majorFont>
+        <a:latin typeface="Calibri Light" panose="020F0302020204030204"/>
+        <a:ea typeface=""/>
+        <a:cs typeface=""/>
+        <a:font script="Jpan" typeface="游ゴシック Light"/>
+        <a:font script="Hang" typeface="맑은 고딕"/>
+        <a:font script="Hans" typeface="等线 Light"/>
+        <a:font script="Hant" typeface="新細明體"/>
+        <a:font script="Arab" typeface="Times New Roman"/>
+        <a:font script="Hebr" typeface="Times New Roman"/>
+        <a:font script="Thai" typeface="Angsana New"/>
+        <a:font script="Ethi" typeface="Nyala"/>
+        <a:font script="Beng" typeface="Vrinda"/>
+        <a:font script="Gujr" typeface="Shruti"/>
+        <a:font script="Khmr" typeface="MoolBoran"/>
+        <a:font script="Knda" typeface="Tunga"/>
+        <a:font script="Guru" typeface="Raavi"/>
+        <a:font script="Cans" typeface="Euphemia"/>
+        <a:font script="Cher" typeface="Plantagenet Cherokee"/>
+        <a:font script="Yiii" typeface="Microsoft Yi Baiti"/>
+        <a:font script="Tibt" typeface="Microsoft Himalaya"/>
+        <a:font script="Thaa" typeface="MV Boli"/>
+        <a:font script="Deva" typeface="Mangal"/>
+        <a:font script="Telu" typeface="Gautami"/>
+        <a:font script="Taml" typeface="Latha"/>
+        <a:font script="Syrc" typeface="Estrangelo Edessa"/>
+        <a:font script="Orya" typeface="Kalinga"/>
+        <a:font script="Mlym" typeface="Kartika"/>
+        <a:font script="Laoo" typeface="DokChampa"/>
+        <a:font script="Sinh" typeface="Iskoola Pota"/>
+        <a:font script="Mong" typeface="Mongolian Baiti"/>
+        <a:font script="Viet" typeface="Times New Roman"/>
+        <a:font script="Uigh" typeface="Microsoft Uighur"/>
+        <a:font script="Geor" typeface="Sylfaen"/>
+        <a:font script="Armn" typeface="Arial"/>
+        <a:font script="Bugi" typeface="Leelawadee UI"/>
+        <a:font script="Bopo" typeface="Microsoft JhengHei"/>
+        <a:font script="Java" typeface="Javanese Text"/>
+        <a:font script="Lisu" typeface="Segoe UI"/>
+        <a:font script="Mymr" typeface="Myanmar Text"/>
+        <a:font script="Nkoo" typeface="Ebrima"/>
+        <a:font script="Olck" typeface="Nirmala UI"/>
+        <a:font script="Osma" typeface="Ebrima"/>
+        <a:font script="Phag" typeface="Phagspa"/>
+        <a:font script="Syrn" typeface="Estrangelo Edessa"/>
+        <a:font script="Syrj" typeface="Estrangelo Edessa"/>
+        <a:font script="Syre" typeface="Estrangelo Edessa"/>
+        <a:font script="Sora" typeface="Nirmala UI"/>
+        <a:font script="Tale" typeface="Microsoft Tai Le"/>
+        <a:font script="Talu" typeface="Microsoft New Tai Lue"/>
+        <a:font script="Tfng" typeface="Ebrima"/>
+      </a:majorFont>
+      <a:minorFont>
+        <a:latin typeface="Calibri" panose="020F0502020204030204"/>
+        <a:ea typeface=""/>
+        <a:cs typeface=""/>
+        <a:font script="Jpan" typeface="游ゴシック"/>
+        <a:font script="Hang" typeface="맑은 고딕"/>
+        <a:font script="Hans" typeface="等线"/>
+        <a:font script="Hant" typeface="新細明體"/>
+        <a:font script="Arab" typeface="Arial"/>
+        <a:font script="Hebr" typeface="Arial"/>
+        <a:font script="Thai" typeface="Cordia New"/>
+        <a:font script="Ethi" typeface="Nyala"/>
+        <a:font script="Beng" typeface="Vrinda"/>
+        <a:font script="Gujr" typeface="Shruti"/>
+        <a:font script="Khmr" typeface="DaunPenh"/>
+        <a:font script="Knda" typeface="Tunga"/>
+        <a:font script="Guru" typeface="Raavi"/>
+        <a:font script="Cans" typeface="Euphemia"/>
+        <a:font script="Cher" typeface="Plantagenet Cherokee"/>
+        <a:font script="Yiii" typeface="Microsoft Yi Baiti"/>
+        <a:font script="Tibt" typeface="Microsoft Himalaya"/>
+        <a:font script="Thaa" typeface="MV Boli"/>
+        <a:font script="Deva" typeface="Mangal"/>
+        <a:font script="Telu" typeface="Gautami"/>
+        <a:font script="Taml" typeface="Latha"/>
+        <a:font script="Syrc" typeface="Estrangelo Edessa"/>
+        <a:font script="Orya" typeface="Kalinga"/>
+        <a:font script="Mlym" typeface="Kartika"/>
+        <a:font script="Laoo" typeface="DokChampa"/>
+        <a:font script="Sinh" typeface="Iskoola Pota"/>
+        <a:font script="Mong" typeface="Mongolian Baiti"/>
+        <a:font script="Viet" typeface="Arial"/>
+        <a:font script="Uigh" typeface="Microsoft Uighur"/>
+        <a:font script="Geor" typeface="Sylfaen"/>
+        <a:font script="Armn" typeface="Arial"/>
+        <a:font script="Bugi" typeface="Leelawadee UI"/>
+        <a:font script="Bopo" typeface="Microsoft JhengHei"/>
+        <a:font script="Java" typeface="Javanese Text"/>
+        <a:font script="Lisu" typeface="Segoe UI"/>
+        <a:font script="Mymr" typeface="Myanmar Text"/>
+        <a:font script="Nkoo" typeface="Ebrima"/>
+        <a:font script="Olck" typeface="Nirmala UI"/>
+        <a:font script="Osma" typeface="Ebrima"/>
+        <a:font script="Phag" typeface="Phagspa"/>
+        <a:font script="Syrn" typeface="Estrangelo Edessa"/>
+        <a:font script="Syrj" typeface="Estrangelo Edessa"/>
+        <a:font script="Syre" typeface="Estrangelo Edessa"/>
+        <a:font script="Sora" typeface="Nirmala UI"/>
+        <a:font script="Tale" typeface="Microsoft Tai Le"/>
+        <a:font script="Talu" typeface="Microsoft New Tai Lue"/>
+        <a:font script="Tfng" typeface="Ebrima"/>
+      </a:minorFont>
+    </a:fontScheme>
+    <a:fmtScheme name="Office">
+      <a:fillStyleLst>
+        <a:solidFill>
+          <a:schemeClr val="phClr"/>
+        </a:solidFill>
+        <a:gradFill rotWithShape="1">
+          <a:gsLst>
+            <a:gs pos="0">
+              <a:schemeClr val="phClr">
+                <a:lumMod val="110000"/>
+                <a:satMod val="105000"/>
+                <a:tint val="67000"/>
+              </a:schemeClr>
+            </a:gs>
+            <a:gs pos="50000">
+              <a:schemeClr val="phClr">
+                <a:lumMod val="105000"/>
+                <a:satMod val="103000"/>
+                <a:tint val="73000"/>
+              </a:schemeClr>
+            </a:gs>
+            <a:gs pos="100000">
+              <a:schemeClr val="phClr">
+                <a:lumMod val="105000"/>
+                <a:satMod val="109000"/>
+                <a:tint val="81000"/>
+              </a:schemeClr>
+            </a:gs>
+          </a:gsLst>
+          <a:lin ang="5400000" scaled="0"/>
+        </a:gradFill>
+        <a:gradFill rotWithShape="1">
+          <a:gsLst>
+            <a:gs pos="0">
+              <a:schemeClr val="phClr">
+                <a:satMod val="103000"/>
+                <a:lumMod val="102000"/>
+                <a:tint val="94000"/>
+              </a:schemeClr>
+            </a:gs>
+            <a:gs pos="50000">
+              <a:schemeClr val="phClr">
+                <a:satMod val="110000"/>
+                <a:lumMod val="100000"/>
+                <a:shade val="100000"/>
+              </a:schemeClr>
+            </a:gs>
+            <a:gs pos="100000">
+              <a:schemeClr val="phClr">
+                <a:lumMod val="99000"/>
+                <a:satMod val="120000"/>
+                <a:shade val="78000"/>
+              </a:schemeClr>
+            </a:gs>
+          </a:gsLst>
+          <a:lin ang="5400000" scaled="0"/>
+        </a:gradFill>
+      </a:fillStyleLst>
+      <a:lnStyleLst>
+        <a:ln w="6350" cap="flat" cmpd="sng" algn="ctr">
+          <a:solidFill>
+            <a:schemeClr val="phClr"/>
+          </a:solidFill>
+          <a:prstDash val="solid"/>
+          <a:miter lim="800000"/>
+        </a:ln>
+        <a:ln w="12700" cap="flat" cmpd="sng" algn="ctr">
+          <a:solidFill>
+            <a:schemeClr val="phClr"/>
+          </a:solidFill>
+          <a:prstDash val="solid"/>
+          <a:miter lim="800000"/>
+        </a:ln>
+        <a:ln w="19050" cap="flat" cmpd="sng" algn="ctr">
+          <a:solidFill>
+            <a:schemeClr val="phClr"/>
+          </a:solidFill>
+          <a:prstDash val="solid"/>
+          <a:miter lim="800000"/>
+        </a:ln>
+      </a:lnStyleLst>
+      <a:effectStyleLst>
+        <a:effectStyle>
+          <a:effectLst/>
+        </a:effectStyle>
+        <a:effectStyle>
+          <a:effectLst/>
+        </a:effectStyle>
+        <a:effectStyle>
+          <a:effectLst>
+            <a:outerShdw blurRad="57150" dist="19050" dir="5400000" algn="ctr" rotWithShape="0">
+              <a:srgbClr val="000000">
+                <a:alpha val="63000"/>
+              </a:srgbClr>
+            </a:outerShdw>
+          </a:effectLst>
+        </a:effectStyle>
+      </a:effectStyleLst>
+      <a:bgFillStyleLst>
+        <a:solidFill>
+          <a:schemeClr val="phClr"/>
+        </a:solidFill>
+        <a:solidFill>
+          <a:schemeClr val="phClr">
+            <a:tint val="95000"/>
+            <a:satMod val="170000"/>
+          </a:schemeClr>
+        </a:solidFill>
+        <a:gradFill rotWithShape="1">
+          <a:gsLst>
+            <a:gs pos="0">
+              <a:schemeClr val="phClr">
+                <a:tint val="93000"/>
+                <a:satMod val="150000"/>
+                <a:shade val="98000"/>
+                <a:lumMod val="102000"/>
+              </a:schemeClr>
+            </a:gs>
+            <a:gs pos="50000">
+              <a:schemeClr val="phClr">
+                <a:tint val="98000"/>
+                <a:satMod val="130000"/>
+                <a:shade val="90000"/>
+                <a:lumMod val="103000"/>
+              </a:schemeClr>
+            </a:gs>
+            <a:gs pos="100000">
+              <a:schemeClr val="phClr">
+                <a:shade val="63000"/>
+                <a:satMod val="120000"/>
+              </a:schemeClr>
+            </a:gs>
+          </a:gsLst>
+          <a:lin ang="5400000" scaled="0"/>
+        </a:gradFill>
+      </a:bgFillStyleLst>
+    </a:fmtScheme>
+  </a:themeElements>
+  <a:objectDefaults/>
+  <a:extraClrSchemeLst/>
+  <a:extLst>
+    <a:ext uri="{05A4C25C-085E-4340-85A3-A5531E510DB2}">
+      <thm15:themeFamily xmlns:thm15="http://schemas.microsoft.com/office/thememl/2012/main" name="Office Theme" id="{62F939B6-93AF-4DB8-9C6B-D6C7DFDC589F}" vid="{4A3C46E8-61CC-4603-A589-7422A47A8E4A}"/>
+    </a:ext>
+  </a:extLst>
+</a:theme>
 </file>